--- a/XGBoost.pptx
+++ b/XGBoost.pptx
@@ -205,7 +205,7 @@
           <a:p>
             <a:fld id="{7551480C-35CC-4934-8EA7-894FE1EC2542}" type="datetimeFigureOut">
               <a:rPr lang="en-US" smtClean="0"/>
-              <a:t>3/28/2022</a:t>
+              <a:t>3/29/2022</a:t>
             </a:fld>
             <a:endParaRPr lang="en-US"/>
           </a:p>
@@ -529,7 +529,7 @@
           </a:p>
           <a:p>
             <a:r>
-              <a:rPr lang="en-US"/>
+              <a:rPr lang="en-US" dirty="0"/>
               <a:t>https://math.hmc.edu/calculus/hmc-mathematics-calculus-online-tutorials/single-variable-calculus/taylors-theorem/</a:t>
             </a:r>
           </a:p>
@@ -1187,7 +1187,7 @@
           <a:p>
             <a:fld id="{9184DA70-C731-4C70-880D-CCD4705E623C}" type="datetime1">
               <a:rPr lang="en-US" smtClean="0"/>
-              <a:t>3/28/2022</a:t>
+              <a:t>3/29/2022</a:t>
             </a:fld>
             <a:endParaRPr lang="en-US" dirty="0"/>
           </a:p>
@@ -1423,7 +1423,7 @@
           <a:p>
             <a:fld id="{9184DA70-C731-4C70-880D-CCD4705E623C}" type="datetime1">
               <a:rPr lang="en-US" smtClean="0"/>
-              <a:t>3/28/2022</a:t>
+              <a:t>3/29/2022</a:t>
             </a:fld>
             <a:endParaRPr lang="en-US" dirty="0"/>
           </a:p>
@@ -1593,7 +1593,7 @@
           <a:p>
             <a:fld id="{4BE1D723-8F53-4F53-90B0-1982A396982E}" type="datetime1">
               <a:rPr lang="en-US" smtClean="0"/>
-              <a:t>3/28/2022</a:t>
+              <a:t>3/29/2022</a:t>
             </a:fld>
             <a:endParaRPr lang="en-US" dirty="0"/>
           </a:p>
@@ -1861,7 +1861,7 @@
           <a:p>
             <a:fld id="{97669AF7-7BEB-44E4-9852-375E34362B5B}" type="datetime1">
               <a:rPr lang="en-US" smtClean="0"/>
-              <a:t>3/28/2022</a:t>
+              <a:t>3/29/2022</a:t>
             </a:fld>
             <a:endParaRPr lang="en-US" dirty="0"/>
           </a:p>
@@ -2093,7 +2093,7 @@
           <a:p>
             <a:fld id="{BAAAC38D-0552-4C82-B593-E6124DFADBE2}" type="datetime1">
               <a:rPr lang="en-US" smtClean="0"/>
-              <a:t>3/28/2022</a:t>
+              <a:t>3/29/2022</a:t>
             </a:fld>
             <a:endParaRPr lang="en-US" dirty="0"/>
           </a:p>
@@ -2452,7 +2452,7 @@
           <a:p>
             <a:fld id="{62D6E202-B606-4609-B914-27C9371A1F6D}" type="datetime1">
               <a:rPr lang="en-US" smtClean="0"/>
-              <a:t>3/28/2022</a:t>
+              <a:t>3/29/2022</a:t>
             </a:fld>
             <a:endParaRPr lang="en-US" dirty="0"/>
           </a:p>
@@ -2594,7 +2594,7 @@
           <a:p>
             <a:fld id="{1775B394-D9F9-4F0C-B15D-605F45CB9E9F}" type="datetime1">
               <a:rPr lang="en-US" smtClean="0"/>
-              <a:t>3/28/2022</a:t>
+              <a:t>3/29/2022</a:t>
             </a:fld>
             <a:endParaRPr lang="en-US" dirty="0"/>
           </a:p>
@@ -2689,7 +2689,7 @@
           <a:p>
             <a:fld id="{39667345-2558-425A-8533-9BFDBCE15005}" type="datetime1">
               <a:rPr lang="en-US" smtClean="0"/>
-              <a:t>3/28/2022</a:t>
+              <a:t>3/29/2022</a:t>
             </a:fld>
             <a:endParaRPr lang="en-US" dirty="0"/>
           </a:p>
@@ -3046,7 +3046,7 @@
           <a:p>
             <a:fld id="{92BEA474-078D-4E9B-9B14-09A87B19DC46}" type="datetime1">
               <a:rPr lang="en-US" smtClean="0"/>
-              <a:t>3/28/2022</a:t>
+              <a:t>3/29/2022</a:t>
             </a:fld>
             <a:endParaRPr lang="en-US" dirty="0"/>
           </a:p>
@@ -3404,7 +3404,7 @@
           <a:p>
             <a:fld id="{4907D986-8816-4272-A432-0437A28A9828}" type="datetime1">
               <a:rPr lang="en-US" smtClean="0"/>
-              <a:t>3/28/2022</a:t>
+              <a:t>3/29/2022</a:t>
             </a:fld>
             <a:endParaRPr lang="en-US" dirty="0"/>
           </a:p>
@@ -3590,7 +3590,7 @@
           <a:p>
             <a:fld id="{62D6E202-B606-4609-B914-27C9371A1F6D}" type="datetime1">
               <a:rPr lang="en-US" smtClean="0"/>
-              <a:t>3/28/2022</a:t>
+              <a:t>3/29/2022</a:t>
             </a:fld>
             <a:endParaRPr lang="en-US" dirty="0"/>
           </a:p>
@@ -3792,7 +3792,7 @@
           <a:p>
             <a:fld id="{4BE1D723-8F53-4F53-90B0-1982A396982E}" type="datetime1">
               <a:rPr lang="en-US" smtClean="0"/>
-              <a:t>3/28/2022</a:t>
+              <a:t>3/29/2022</a:t>
             </a:fld>
             <a:endParaRPr lang="en-US" dirty="0"/>
           </a:p>
@@ -3984,7 +3984,7 @@
           <a:p>
             <a:fld id="{62D6E202-B606-4609-B914-27C9371A1F6D}" type="datetime1">
               <a:rPr lang="en-US" smtClean="0"/>
-              <a:t>3/28/2022</a:t>
+              <a:t>3/29/2022</a:t>
             </a:fld>
             <a:endParaRPr lang="en-US" dirty="0"/>
           </a:p>
@@ -4346,7 +4346,7 @@
           <a:p>
             <a:fld id="{97669AF7-7BEB-44E4-9852-375E34362B5B}" type="datetime1">
               <a:rPr lang="en-US" smtClean="0"/>
-              <a:t>3/28/2022</a:t>
+              <a:t>3/29/2022</a:t>
             </a:fld>
             <a:endParaRPr lang="en-US" dirty="0"/>
           </a:p>
@@ -4601,7 +4601,7 @@
           <a:p>
             <a:fld id="{BAAAC38D-0552-4C82-B593-E6124DFADBE2}" type="datetime1">
               <a:rPr lang="en-US" smtClean="0"/>
-              <a:t>3/28/2022</a:t>
+              <a:t>3/29/2022</a:t>
             </a:fld>
             <a:endParaRPr lang="en-US" dirty="0"/>
           </a:p>
@@ -4998,7 +4998,7 @@
           <a:p>
             <a:fld id="{D9DF0F1C-5577-4ACB-BB62-DF8F3C494C7E}" type="datetime1">
               <a:rPr lang="en-US" smtClean="0"/>
-              <a:t>3/28/2022</a:t>
+              <a:t>3/29/2022</a:t>
             </a:fld>
             <a:endParaRPr lang="en-US" dirty="0"/>
           </a:p>
@@ -5134,7 +5134,7 @@
           <a:p>
             <a:fld id="{1775B394-D9F9-4F0C-B15D-605F45CB9E9F}" type="datetime1">
               <a:rPr lang="en-US" smtClean="0"/>
-              <a:t>3/28/2022</a:t>
+              <a:t>3/29/2022</a:t>
             </a:fld>
             <a:endParaRPr lang="en-US" dirty="0"/>
           </a:p>
@@ -5291,7 +5291,7 @@
           <a:p>
             <a:fld id="{39667345-2558-425A-8533-9BFDBCE15005}" type="datetime1">
               <a:rPr lang="en-US" smtClean="0"/>
-              <a:t>3/28/2022</a:t>
+              <a:t>3/29/2022</a:t>
             </a:fld>
             <a:endParaRPr lang="en-US" dirty="0"/>
           </a:p>
@@ -5620,7 +5620,7 @@
           <a:p>
             <a:fld id="{92BEA474-078D-4E9B-9B14-09A87B19DC46}" type="datetime1">
               <a:rPr lang="en-US" smtClean="0"/>
-              <a:t>3/28/2022</a:t>
+              <a:t>3/29/2022</a:t>
             </a:fld>
             <a:endParaRPr lang="en-US" dirty="0"/>
           </a:p>
@@ -5970,7 +5970,7 @@
           <a:p>
             <a:fld id="{4907D986-8816-4272-A432-0437A28A9828}" type="datetime1">
               <a:rPr lang="en-US" smtClean="0"/>
-              <a:t>3/28/2022</a:t>
+              <a:t>3/29/2022</a:t>
             </a:fld>
             <a:endParaRPr lang="en-US" dirty="0"/>
           </a:p>
@@ -6231,7 +6231,7 @@
           <a:p>
             <a:fld id="{62D6E202-B606-4609-B914-27C9371A1F6D}" type="datetime1">
               <a:rPr lang="en-US" smtClean="0"/>
-              <a:t>3/28/2022</a:t>
+              <a:t>3/29/2022</a:t>
             </a:fld>
             <a:endParaRPr lang="en-US" dirty="0"/>
           </a:p>
@@ -6901,7 +6901,7 @@
           <a:p>
             <a:fld id="{62D6E202-B606-4609-B914-27C9371A1F6D}" type="datetime1">
               <a:rPr lang="en-US" smtClean="0"/>
-              <a:t>3/28/2022</a:t>
+              <a:t>3/29/2022</a:t>
             </a:fld>
             <a:endParaRPr lang="en-US" dirty="0"/>
           </a:p>
@@ -8413,7 +8413,7 @@
           <a:p>
             <a:pPr lvl="1"/>
             <a:r>
-              <a:rPr lang="en-US">
+              <a:rPr lang="en-US" dirty="0">
                 <a:solidFill>
                   <a:schemeClr val="bg1"/>
                 </a:solidFill>
@@ -8424,7 +8424,7 @@
           <a:p>
             <a:pPr lvl="1"/>
             <a:r>
-              <a:rPr lang="en-US">
+              <a:rPr lang="en-US" dirty="0">
                 <a:solidFill>
                   <a:schemeClr val="bg1"/>
                 </a:solidFill>
@@ -8435,7 +8435,7 @@
           <a:p>
             <a:pPr lvl="1"/>
             <a:r>
-              <a:rPr lang="en-US">
+              <a:rPr lang="en-US" dirty="0">
                 <a:solidFill>
                   <a:schemeClr val="bg1"/>
                 </a:solidFill>
@@ -8446,18 +8446,18 @@
           <a:p>
             <a:pPr lvl="1"/>
             <a:r>
-              <a:rPr lang="en-US">
+              <a:rPr lang="en-US" dirty="0">
                 <a:solidFill>
                   <a:schemeClr val="bg1"/>
                 </a:solidFill>
               </a:rPr>
-              <a:t>Mathematics behind the algorithm</a:t>
+              <a:t>Mathematics behind the algorithm.</a:t>
             </a:r>
           </a:p>
           <a:p>
             <a:pPr lvl="1"/>
             <a:r>
-              <a:rPr lang="en-US">
+              <a:rPr lang="en-US" dirty="0">
                 <a:solidFill>
                   <a:schemeClr val="bg1"/>
                 </a:solidFill>
@@ -10040,12 +10040,12 @@
 </file>
 
 <file path=customXml/item1.xml><?xml version="1.0" encoding="utf-8"?>
-<p:properties xmlns:p="http://schemas.microsoft.com/office/2006/metadata/properties" xmlns:xsi="http://www.w3.org/2001/XMLSchema-instance" xmlns:pc="http://schemas.microsoft.com/office/infopath/2007/PartnerControls">
-  <documentManagement>
-    <Status xmlns="71af3243-3dd4-4a8d-8c0d-dd76da1f02a5">Not started</Status>
-    <MediaServiceKeyPoints xmlns="71af3243-3dd4-4a8d-8c0d-dd76da1f02a5" xsi:nil="true"/>
-  </documentManagement>
-</p:properties>
+<?mso-contentType ?>
+<FormTemplates xmlns="http://schemas.microsoft.com/sharepoint/v3/contenttype/forms">
+  <Display>DocumentLibraryForm</Display>
+  <Edit>DocumentLibraryForm</Edit>
+  <New>DocumentLibraryForm</New>
+</FormTemplates>
 </file>
 
 <file path=customXml/item2.xml><?xml version="1.0" encoding="utf-8"?>
@@ -10270,20 +10270,18 @@
 </file>
 
 <file path=customXml/item3.xml><?xml version="1.0" encoding="utf-8"?>
-<?mso-contentType ?>
-<FormTemplates xmlns="http://schemas.microsoft.com/sharepoint/v3/contenttype/forms">
-  <Display>DocumentLibraryForm</Display>
-  <Edit>DocumentLibraryForm</Edit>
-  <New>DocumentLibraryForm</New>
-</FormTemplates>
+<p:properties xmlns:p="http://schemas.microsoft.com/office/2006/metadata/properties" xmlns:xsi="http://www.w3.org/2001/XMLSchema-instance" xmlns:pc="http://schemas.microsoft.com/office/infopath/2007/PartnerControls">
+  <documentManagement>
+    <Status xmlns="71af3243-3dd4-4a8d-8c0d-dd76da1f02a5">Not started</Status>
+    <MediaServiceKeyPoints xmlns="71af3243-3dd4-4a8d-8c0d-dd76da1f02a5" xsi:nil="true"/>
+  </documentManagement>
+</p:properties>
 </file>
 
 <file path=customXml/itemProps1.xml><?xml version="1.0" encoding="utf-8"?>
-<ds:datastoreItem xmlns:ds="http://schemas.openxmlformats.org/officeDocument/2006/customXml" ds:itemID="{A03EEFF0-FB57-4CB4-8BFC-DF397689E2ED}">
+<ds:datastoreItem xmlns:ds="http://schemas.openxmlformats.org/officeDocument/2006/customXml" ds:itemID="{AA3F7EDC-E5B4-4BBC-9D2A-CBE6D46C37AD}">
   <ds:schemaRefs>
-    <ds:schemaRef ds:uri="http://schemas.microsoft.com/office/2006/metadata/properties"/>
-    <ds:schemaRef ds:uri="http://schemas.microsoft.com/office/infopath/2007/PartnerControls"/>
-    <ds:schemaRef ds:uri="71af3243-3dd4-4a8d-8c0d-dd76da1f02a5"/>
+    <ds:schemaRef ds:uri="http://schemas.microsoft.com/sharepoint/v3/contenttype/forms"/>
   </ds:schemaRefs>
 </ds:datastoreItem>
 </file>
@@ -10308,9 +10306,11 @@
 </file>
 
 <file path=customXml/itemProps3.xml><?xml version="1.0" encoding="utf-8"?>
-<ds:datastoreItem xmlns:ds="http://schemas.openxmlformats.org/officeDocument/2006/customXml" ds:itemID="{AA3F7EDC-E5B4-4BBC-9D2A-CBE6D46C37AD}">
+<ds:datastoreItem xmlns:ds="http://schemas.openxmlformats.org/officeDocument/2006/customXml" ds:itemID="{A03EEFF0-FB57-4CB4-8BFC-DF397689E2ED}">
   <ds:schemaRefs>
-    <ds:schemaRef ds:uri="http://schemas.microsoft.com/sharepoint/v3/contenttype/forms"/>
+    <ds:schemaRef ds:uri="http://schemas.microsoft.com/office/2006/metadata/properties"/>
+    <ds:schemaRef ds:uri="http://schemas.microsoft.com/office/infopath/2007/PartnerControls"/>
+    <ds:schemaRef ds:uri="71af3243-3dd4-4a8d-8c0d-dd76da1f02a5"/>
   </ds:schemaRefs>
 </ds:datastoreItem>
 </file>
--- a/XGBoost.pptx
+++ b/XGBoost.pptx
@@ -6,7 +6,7 @@
     <p:sldMasterId id="2147483682" r:id="rId5"/>
   </p:sldMasterIdLst>
   <p:notesMasterIdLst>
-    <p:notesMasterId r:id="rId14"/>
+    <p:notesMasterId r:id="rId16"/>
   </p:notesMasterIdLst>
   <p:sldIdLst>
     <p:sldId id="298" r:id="rId6"/>
@@ -17,6 +17,8 @@
     <p:sldId id="303" r:id="rId11"/>
     <p:sldId id="304" r:id="rId12"/>
     <p:sldId id="305" r:id="rId13"/>
+    <p:sldId id="306" r:id="rId14"/>
+    <p:sldId id="307" r:id="rId15"/>
   </p:sldIdLst>
   <p:sldSz cx="12192000" cy="6858000"/>
   <p:notesSz cx="6858000" cy="9144000"/>
@@ -123,6 +125,3481 @@
 </p:presentation>
 </file>
 
+<file path=ppt/diagrams/colors1.xml><?xml version="1.0" encoding="utf-8"?>
+<dgm:colorsDef xmlns:dgm="http://schemas.openxmlformats.org/drawingml/2006/diagram" xmlns:a="http://schemas.openxmlformats.org/drawingml/2006/main" uniqueId="urn:microsoft.com/office/officeart/2005/8/colors/accent1_2">
+  <dgm:title val=""/>
+  <dgm:desc val=""/>
+  <dgm:catLst>
+    <dgm:cat type="accent1" pri="11200"/>
+  </dgm:catLst>
+  <dgm:styleLbl name="node0">
+    <dgm:fillClrLst meth="repeat">
+      <a:schemeClr val="accent1"/>
+    </dgm:fillClrLst>
+    <dgm:linClrLst meth="repeat">
+      <a:schemeClr val="lt1"/>
+    </dgm:linClrLst>
+    <dgm:effectClrLst/>
+    <dgm:txLinClrLst/>
+    <dgm:txFillClrLst/>
+    <dgm:txEffectClrLst/>
+  </dgm:styleLbl>
+  <dgm:styleLbl name="alignNode1">
+    <dgm:fillClrLst meth="repeat">
+      <a:schemeClr val="accent1"/>
+    </dgm:fillClrLst>
+    <dgm:linClrLst meth="repeat">
+      <a:schemeClr val="accent1"/>
+    </dgm:linClrLst>
+    <dgm:effectClrLst/>
+    <dgm:txLinClrLst/>
+    <dgm:txFillClrLst/>
+    <dgm:txEffectClrLst/>
+  </dgm:styleLbl>
+  <dgm:styleLbl name="node1">
+    <dgm:fillClrLst meth="repeat">
+      <a:schemeClr val="accent1"/>
+    </dgm:fillClrLst>
+    <dgm:linClrLst meth="repeat">
+      <a:schemeClr val="lt1"/>
+    </dgm:linClrLst>
+    <dgm:effectClrLst/>
+    <dgm:txLinClrLst/>
+    <dgm:txFillClrLst/>
+    <dgm:txEffectClrLst/>
+  </dgm:styleLbl>
+  <dgm:styleLbl name="lnNode1">
+    <dgm:fillClrLst meth="repeat">
+      <a:schemeClr val="accent1"/>
+    </dgm:fillClrLst>
+    <dgm:linClrLst meth="repeat">
+      <a:schemeClr val="lt1"/>
+    </dgm:linClrLst>
+    <dgm:effectClrLst/>
+    <dgm:txLinClrLst/>
+    <dgm:txFillClrLst/>
+    <dgm:txEffectClrLst/>
+  </dgm:styleLbl>
+  <dgm:styleLbl name="vennNode1">
+    <dgm:fillClrLst meth="repeat">
+      <a:schemeClr val="accent1">
+        <a:alpha val="50000"/>
+      </a:schemeClr>
+    </dgm:fillClrLst>
+    <dgm:linClrLst meth="repeat">
+      <a:schemeClr val="lt1"/>
+    </dgm:linClrLst>
+    <dgm:effectClrLst/>
+    <dgm:txLinClrLst/>
+    <dgm:txFillClrLst/>
+    <dgm:txEffectClrLst/>
+  </dgm:styleLbl>
+  <dgm:styleLbl name="node2">
+    <dgm:fillClrLst meth="repeat">
+      <a:schemeClr val="accent1"/>
+    </dgm:fillClrLst>
+    <dgm:linClrLst meth="repeat">
+      <a:schemeClr val="lt1"/>
+    </dgm:linClrLst>
+    <dgm:effectClrLst/>
+    <dgm:txLinClrLst/>
+    <dgm:txFillClrLst/>
+    <dgm:txEffectClrLst/>
+  </dgm:styleLbl>
+  <dgm:styleLbl name="node3">
+    <dgm:fillClrLst meth="repeat">
+      <a:schemeClr val="accent1"/>
+    </dgm:fillClrLst>
+    <dgm:linClrLst meth="repeat">
+      <a:schemeClr val="lt1"/>
+    </dgm:linClrLst>
+    <dgm:effectClrLst/>
+    <dgm:txLinClrLst/>
+    <dgm:txFillClrLst/>
+    <dgm:txEffectClrLst/>
+  </dgm:styleLbl>
+  <dgm:styleLbl name="node4">
+    <dgm:fillClrLst meth="repeat">
+      <a:schemeClr val="accent1"/>
+    </dgm:fillClrLst>
+    <dgm:linClrLst meth="repeat">
+      <a:schemeClr val="lt1"/>
+    </dgm:linClrLst>
+    <dgm:effectClrLst/>
+    <dgm:txLinClrLst/>
+    <dgm:txFillClrLst/>
+    <dgm:txEffectClrLst/>
+  </dgm:styleLbl>
+  <dgm:styleLbl name="fgImgPlace1">
+    <dgm:fillClrLst meth="repeat">
+      <a:schemeClr val="accent1">
+        <a:tint val="50000"/>
+      </a:schemeClr>
+    </dgm:fillClrLst>
+    <dgm:linClrLst meth="repeat">
+      <a:schemeClr val="lt1"/>
+    </dgm:linClrLst>
+    <dgm:effectClrLst/>
+    <dgm:txLinClrLst/>
+    <dgm:txFillClrLst meth="repeat">
+      <a:schemeClr val="lt1"/>
+    </dgm:txFillClrLst>
+    <dgm:txEffectClrLst/>
+  </dgm:styleLbl>
+  <dgm:styleLbl name="alignImgPlace1">
+    <dgm:fillClrLst meth="repeat">
+      <a:schemeClr val="accent1">
+        <a:tint val="50000"/>
+      </a:schemeClr>
+    </dgm:fillClrLst>
+    <dgm:linClrLst meth="repeat">
+      <a:schemeClr val="lt1"/>
+    </dgm:linClrLst>
+    <dgm:effectClrLst/>
+    <dgm:txLinClrLst/>
+    <dgm:txFillClrLst meth="repeat">
+      <a:schemeClr val="lt1"/>
+    </dgm:txFillClrLst>
+    <dgm:txEffectClrLst/>
+  </dgm:styleLbl>
+  <dgm:styleLbl name="bgImgPlace1">
+    <dgm:fillClrLst meth="repeat">
+      <a:schemeClr val="accent1">
+        <a:tint val="50000"/>
+      </a:schemeClr>
+    </dgm:fillClrLst>
+    <dgm:linClrLst meth="repeat">
+      <a:schemeClr val="lt1"/>
+    </dgm:linClrLst>
+    <dgm:effectClrLst/>
+    <dgm:txLinClrLst/>
+    <dgm:txFillClrLst meth="repeat">
+      <a:schemeClr val="lt1"/>
+    </dgm:txFillClrLst>
+    <dgm:txEffectClrLst/>
+  </dgm:styleLbl>
+  <dgm:styleLbl name="sibTrans2D1">
+    <dgm:fillClrLst meth="repeat">
+      <a:schemeClr val="accent1">
+        <a:tint val="60000"/>
+      </a:schemeClr>
+    </dgm:fillClrLst>
+    <dgm:linClrLst meth="repeat">
+      <a:schemeClr val="accent1">
+        <a:tint val="60000"/>
+      </a:schemeClr>
+    </dgm:linClrLst>
+    <dgm:effectClrLst/>
+    <dgm:txLinClrLst/>
+    <dgm:txFillClrLst/>
+    <dgm:txEffectClrLst/>
+  </dgm:styleLbl>
+  <dgm:styleLbl name="fgSibTrans2D1">
+    <dgm:fillClrLst meth="repeat">
+      <a:schemeClr val="accent1">
+        <a:tint val="60000"/>
+      </a:schemeClr>
+    </dgm:fillClrLst>
+    <dgm:linClrLst meth="repeat">
+      <a:schemeClr val="accent1">
+        <a:tint val="60000"/>
+      </a:schemeClr>
+    </dgm:linClrLst>
+    <dgm:effectClrLst/>
+    <dgm:txLinClrLst/>
+    <dgm:txFillClrLst/>
+    <dgm:txEffectClrLst/>
+  </dgm:styleLbl>
+  <dgm:styleLbl name="bgSibTrans2D1">
+    <dgm:fillClrLst meth="repeat">
+      <a:schemeClr val="accent1">
+        <a:tint val="60000"/>
+      </a:schemeClr>
+    </dgm:fillClrLst>
+    <dgm:linClrLst meth="repeat">
+      <a:schemeClr val="accent1">
+        <a:tint val="60000"/>
+      </a:schemeClr>
+    </dgm:linClrLst>
+    <dgm:effectClrLst/>
+    <dgm:txLinClrLst/>
+    <dgm:txFillClrLst/>
+    <dgm:txEffectClrLst/>
+  </dgm:styleLbl>
+  <dgm:styleLbl name="sibTrans1D1">
+    <dgm:fillClrLst meth="repeat">
+      <a:schemeClr val="accent1"/>
+    </dgm:fillClrLst>
+    <dgm:linClrLst meth="repeat">
+      <a:schemeClr val="accent1"/>
+    </dgm:linClrLst>
+    <dgm:effectClrLst/>
+    <dgm:txLinClrLst/>
+    <dgm:txFillClrLst meth="repeat">
+      <a:schemeClr val="tx1"/>
+    </dgm:txFillClrLst>
+    <dgm:txEffectClrLst/>
+  </dgm:styleLbl>
+  <dgm:styleLbl name="callout">
+    <dgm:fillClrLst meth="repeat">
+      <a:schemeClr val="accent1"/>
+    </dgm:fillClrLst>
+    <dgm:linClrLst meth="repeat">
+      <a:schemeClr val="accent1">
+        <a:tint val="50000"/>
+      </a:schemeClr>
+    </dgm:linClrLst>
+    <dgm:effectClrLst/>
+    <dgm:txLinClrLst/>
+    <dgm:txFillClrLst meth="repeat">
+      <a:schemeClr val="tx1"/>
+    </dgm:txFillClrLst>
+    <dgm:txEffectClrLst/>
+  </dgm:styleLbl>
+  <dgm:styleLbl name="asst0">
+    <dgm:fillClrLst meth="repeat">
+      <a:schemeClr val="accent1"/>
+    </dgm:fillClrLst>
+    <dgm:linClrLst meth="repeat">
+      <a:schemeClr val="lt1"/>
+    </dgm:linClrLst>
+    <dgm:effectClrLst/>
+    <dgm:txLinClrLst/>
+    <dgm:txFillClrLst/>
+    <dgm:txEffectClrLst/>
+  </dgm:styleLbl>
+  <dgm:styleLbl name="asst1">
+    <dgm:fillClrLst meth="repeat">
+      <a:schemeClr val="accent1"/>
+    </dgm:fillClrLst>
+    <dgm:linClrLst meth="repeat">
+      <a:schemeClr val="lt1"/>
+    </dgm:linClrLst>
+    <dgm:effectClrLst/>
+    <dgm:txLinClrLst/>
+    <dgm:txFillClrLst/>
+    <dgm:txEffectClrLst/>
+  </dgm:styleLbl>
+  <dgm:styleLbl name="asst2">
+    <dgm:fillClrLst meth="repeat">
+      <a:schemeClr val="accent1"/>
+    </dgm:fillClrLst>
+    <dgm:linClrLst meth="repeat">
+      <a:schemeClr val="lt1"/>
+    </dgm:linClrLst>
+    <dgm:effectClrLst/>
+    <dgm:txLinClrLst/>
+    <dgm:txFillClrLst/>
+    <dgm:txEffectClrLst/>
+  </dgm:styleLbl>
+  <dgm:styleLbl name="asst3">
+    <dgm:fillClrLst meth="repeat">
+      <a:schemeClr val="accent1"/>
+    </dgm:fillClrLst>
+    <dgm:linClrLst meth="repeat">
+      <a:schemeClr val="lt1"/>
+    </dgm:linClrLst>
+    <dgm:effectClrLst/>
+    <dgm:txLinClrLst/>
+    <dgm:txFillClrLst/>
+    <dgm:txEffectClrLst/>
+  </dgm:styleLbl>
+  <dgm:styleLbl name="asst4">
+    <dgm:fillClrLst meth="repeat">
+      <a:schemeClr val="accent1"/>
+    </dgm:fillClrLst>
+    <dgm:linClrLst meth="repeat">
+      <a:schemeClr val="lt1"/>
+    </dgm:linClrLst>
+    <dgm:effectClrLst/>
+    <dgm:txLinClrLst/>
+    <dgm:txFillClrLst/>
+    <dgm:txEffectClrLst/>
+  </dgm:styleLbl>
+  <dgm:styleLbl name="parChTrans2D1">
+    <dgm:fillClrLst meth="repeat">
+      <a:schemeClr val="accent1">
+        <a:tint val="60000"/>
+      </a:schemeClr>
+    </dgm:fillClrLst>
+    <dgm:linClrLst meth="repeat">
+      <a:schemeClr val="accent1">
+        <a:tint val="60000"/>
+      </a:schemeClr>
+    </dgm:linClrLst>
+    <dgm:effectClrLst/>
+    <dgm:txLinClrLst/>
+    <dgm:txFillClrLst meth="repeat">
+      <a:schemeClr val="lt1"/>
+    </dgm:txFillClrLst>
+    <dgm:txEffectClrLst/>
+  </dgm:styleLbl>
+  <dgm:styleLbl name="parChTrans2D2">
+    <dgm:fillClrLst meth="repeat">
+      <a:schemeClr val="accent1"/>
+    </dgm:fillClrLst>
+    <dgm:linClrLst meth="repeat">
+      <a:schemeClr val="accent1"/>
+    </dgm:linClrLst>
+    <dgm:effectClrLst/>
+    <dgm:txLinClrLst/>
+    <dgm:txFillClrLst meth="repeat">
+      <a:schemeClr val="lt1"/>
+    </dgm:txFillClrLst>
+    <dgm:txEffectClrLst/>
+  </dgm:styleLbl>
+  <dgm:styleLbl name="parChTrans2D3">
+    <dgm:fillClrLst meth="repeat">
+      <a:schemeClr val="accent1"/>
+    </dgm:fillClrLst>
+    <dgm:linClrLst meth="repeat">
+      <a:schemeClr val="accent1"/>
+    </dgm:linClrLst>
+    <dgm:effectClrLst/>
+    <dgm:txLinClrLst/>
+    <dgm:txFillClrLst meth="repeat">
+      <a:schemeClr val="lt1"/>
+    </dgm:txFillClrLst>
+    <dgm:txEffectClrLst/>
+  </dgm:styleLbl>
+  <dgm:styleLbl name="parChTrans2D4">
+    <dgm:fillClrLst meth="repeat">
+      <a:schemeClr val="accent1"/>
+    </dgm:fillClrLst>
+    <dgm:linClrLst meth="repeat">
+      <a:schemeClr val="accent1"/>
+    </dgm:linClrLst>
+    <dgm:effectClrLst/>
+    <dgm:txLinClrLst/>
+    <dgm:txFillClrLst meth="repeat">
+      <a:schemeClr val="lt1"/>
+    </dgm:txFillClrLst>
+    <dgm:txEffectClrLst/>
+  </dgm:styleLbl>
+  <dgm:styleLbl name="parChTrans1D1">
+    <dgm:fillClrLst meth="repeat">
+      <a:schemeClr val="accent1"/>
+    </dgm:fillClrLst>
+    <dgm:linClrLst meth="repeat">
+      <a:schemeClr val="accent1">
+        <a:shade val="60000"/>
+      </a:schemeClr>
+    </dgm:linClrLst>
+    <dgm:effectClrLst/>
+    <dgm:txLinClrLst/>
+    <dgm:txFillClrLst meth="repeat">
+      <a:schemeClr val="tx1"/>
+    </dgm:txFillClrLst>
+    <dgm:txEffectClrLst/>
+  </dgm:styleLbl>
+  <dgm:styleLbl name="parChTrans1D2">
+    <dgm:fillClrLst meth="repeat">
+      <a:schemeClr val="accent1"/>
+    </dgm:fillClrLst>
+    <dgm:linClrLst meth="repeat">
+      <a:schemeClr val="accent1">
+        <a:shade val="60000"/>
+      </a:schemeClr>
+    </dgm:linClrLst>
+    <dgm:effectClrLst/>
+    <dgm:txLinClrLst/>
+    <dgm:txFillClrLst meth="repeat">
+      <a:schemeClr val="tx1"/>
+    </dgm:txFillClrLst>
+    <dgm:txEffectClrLst/>
+  </dgm:styleLbl>
+  <dgm:styleLbl name="parChTrans1D3">
+    <dgm:fillClrLst meth="repeat">
+      <a:schemeClr val="accent1"/>
+    </dgm:fillClrLst>
+    <dgm:linClrLst meth="repeat">
+      <a:schemeClr val="accent1">
+        <a:shade val="80000"/>
+      </a:schemeClr>
+    </dgm:linClrLst>
+    <dgm:effectClrLst/>
+    <dgm:txLinClrLst/>
+    <dgm:txFillClrLst meth="repeat">
+      <a:schemeClr val="tx1"/>
+    </dgm:txFillClrLst>
+    <dgm:txEffectClrLst/>
+  </dgm:styleLbl>
+  <dgm:styleLbl name="parChTrans1D4">
+    <dgm:fillClrLst meth="repeat">
+      <a:schemeClr val="accent1"/>
+    </dgm:fillClrLst>
+    <dgm:linClrLst meth="repeat">
+      <a:schemeClr val="accent1">
+        <a:shade val="80000"/>
+      </a:schemeClr>
+    </dgm:linClrLst>
+    <dgm:effectClrLst/>
+    <dgm:txLinClrLst/>
+    <dgm:txFillClrLst meth="repeat">
+      <a:schemeClr val="tx1"/>
+    </dgm:txFillClrLst>
+    <dgm:txEffectClrLst/>
+  </dgm:styleLbl>
+  <dgm:styleLbl name="fgAcc1">
+    <dgm:fillClrLst meth="repeat">
+      <a:schemeClr val="lt1">
+        <a:alpha val="90000"/>
+      </a:schemeClr>
+    </dgm:fillClrLst>
+    <dgm:linClrLst meth="repeat">
+      <a:schemeClr val="accent1"/>
+    </dgm:linClrLst>
+    <dgm:effectClrLst/>
+    <dgm:txLinClrLst/>
+    <dgm:txFillClrLst meth="repeat">
+      <a:schemeClr val="dk1"/>
+    </dgm:txFillClrLst>
+    <dgm:txEffectClrLst/>
+  </dgm:styleLbl>
+  <dgm:styleLbl name="conFgAcc1">
+    <dgm:fillClrLst meth="repeat">
+      <a:schemeClr val="lt1">
+        <a:alpha val="90000"/>
+      </a:schemeClr>
+    </dgm:fillClrLst>
+    <dgm:linClrLst meth="repeat">
+      <a:schemeClr val="accent1"/>
+    </dgm:linClrLst>
+    <dgm:effectClrLst/>
+    <dgm:txLinClrLst/>
+    <dgm:txFillClrLst meth="repeat">
+      <a:schemeClr val="dk1"/>
+    </dgm:txFillClrLst>
+    <dgm:txEffectClrLst/>
+  </dgm:styleLbl>
+  <dgm:styleLbl name="alignAcc1">
+    <dgm:fillClrLst meth="repeat">
+      <a:schemeClr val="lt1">
+        <a:alpha val="90000"/>
+      </a:schemeClr>
+    </dgm:fillClrLst>
+    <dgm:linClrLst meth="repeat">
+      <a:schemeClr val="accent1"/>
+    </dgm:linClrLst>
+    <dgm:effectClrLst/>
+    <dgm:txLinClrLst/>
+    <dgm:txFillClrLst meth="repeat">
+      <a:schemeClr val="dk1"/>
+    </dgm:txFillClrLst>
+    <dgm:txEffectClrLst/>
+  </dgm:styleLbl>
+  <dgm:styleLbl name="trAlignAcc1">
+    <dgm:fillClrLst meth="repeat">
+      <a:schemeClr val="lt1">
+        <a:alpha val="40000"/>
+      </a:schemeClr>
+    </dgm:fillClrLst>
+    <dgm:linClrLst meth="repeat">
+      <a:schemeClr val="accent1"/>
+    </dgm:linClrLst>
+    <dgm:effectClrLst/>
+    <dgm:txLinClrLst/>
+    <dgm:txFillClrLst meth="repeat">
+      <a:schemeClr val="dk1"/>
+    </dgm:txFillClrLst>
+    <dgm:txEffectClrLst/>
+  </dgm:styleLbl>
+  <dgm:styleLbl name="bgAcc1">
+    <dgm:fillClrLst meth="repeat">
+      <a:schemeClr val="lt1">
+        <a:alpha val="90000"/>
+      </a:schemeClr>
+    </dgm:fillClrLst>
+    <dgm:linClrLst meth="repeat">
+      <a:schemeClr val="accent1"/>
+    </dgm:linClrLst>
+    <dgm:effectClrLst/>
+    <dgm:txLinClrLst/>
+    <dgm:txFillClrLst meth="repeat">
+      <a:schemeClr val="dk1"/>
+    </dgm:txFillClrLst>
+    <dgm:txEffectClrLst/>
+  </dgm:styleLbl>
+  <dgm:styleLbl name="solidFgAcc1">
+    <dgm:fillClrLst meth="repeat">
+      <a:schemeClr val="lt1"/>
+    </dgm:fillClrLst>
+    <dgm:linClrLst meth="repeat">
+      <a:schemeClr val="accent1"/>
+    </dgm:linClrLst>
+    <dgm:effectClrLst/>
+    <dgm:txLinClrLst/>
+    <dgm:txFillClrLst meth="repeat">
+      <a:schemeClr val="dk1"/>
+    </dgm:txFillClrLst>
+    <dgm:txEffectClrLst/>
+  </dgm:styleLbl>
+  <dgm:styleLbl name="solidAlignAcc1">
+    <dgm:fillClrLst meth="repeat">
+      <a:schemeClr val="lt1"/>
+    </dgm:fillClrLst>
+    <dgm:linClrLst meth="repeat">
+      <a:schemeClr val="accent1"/>
+    </dgm:linClrLst>
+    <dgm:effectClrLst/>
+    <dgm:txLinClrLst/>
+    <dgm:txFillClrLst meth="repeat">
+      <a:schemeClr val="dk1"/>
+    </dgm:txFillClrLst>
+    <dgm:txEffectClrLst/>
+  </dgm:styleLbl>
+  <dgm:styleLbl name="solidBgAcc1">
+    <dgm:fillClrLst meth="repeat">
+      <a:schemeClr val="lt1"/>
+    </dgm:fillClrLst>
+    <dgm:linClrLst meth="repeat">
+      <a:schemeClr val="accent1"/>
+    </dgm:linClrLst>
+    <dgm:effectClrLst/>
+    <dgm:txLinClrLst/>
+    <dgm:txFillClrLst meth="repeat">
+      <a:schemeClr val="dk1"/>
+    </dgm:txFillClrLst>
+    <dgm:txEffectClrLst/>
+  </dgm:styleLbl>
+  <dgm:styleLbl name="fgAccFollowNode1">
+    <dgm:fillClrLst meth="repeat">
+      <a:schemeClr val="accent1">
+        <a:alpha val="90000"/>
+        <a:tint val="40000"/>
+      </a:schemeClr>
+    </dgm:fillClrLst>
+    <dgm:linClrLst meth="repeat">
+      <a:schemeClr val="accent1">
+        <a:alpha val="90000"/>
+        <a:tint val="40000"/>
+      </a:schemeClr>
+    </dgm:linClrLst>
+    <dgm:effectClrLst/>
+    <dgm:txLinClrLst/>
+    <dgm:txFillClrLst meth="repeat">
+      <a:schemeClr val="dk1"/>
+    </dgm:txFillClrLst>
+    <dgm:txEffectClrLst/>
+  </dgm:styleLbl>
+  <dgm:styleLbl name="alignAccFollowNode1">
+    <dgm:fillClrLst meth="repeat">
+      <a:schemeClr val="accent1">
+        <a:alpha val="90000"/>
+        <a:tint val="40000"/>
+      </a:schemeClr>
+    </dgm:fillClrLst>
+    <dgm:linClrLst meth="repeat">
+      <a:schemeClr val="accent1">
+        <a:alpha val="90000"/>
+        <a:tint val="40000"/>
+      </a:schemeClr>
+    </dgm:linClrLst>
+    <dgm:effectClrLst/>
+    <dgm:txLinClrLst/>
+    <dgm:txFillClrLst meth="repeat">
+      <a:schemeClr val="dk1"/>
+    </dgm:txFillClrLst>
+    <dgm:txEffectClrLst/>
+  </dgm:styleLbl>
+  <dgm:styleLbl name="bgAccFollowNode1">
+    <dgm:fillClrLst meth="repeat">
+      <a:schemeClr val="accent1">
+        <a:alpha val="90000"/>
+        <a:tint val="40000"/>
+      </a:schemeClr>
+    </dgm:fillClrLst>
+    <dgm:linClrLst meth="repeat">
+      <a:schemeClr val="accent1">
+        <a:alpha val="90000"/>
+        <a:tint val="40000"/>
+      </a:schemeClr>
+    </dgm:linClrLst>
+    <dgm:effectClrLst/>
+    <dgm:txLinClrLst/>
+    <dgm:txFillClrLst meth="repeat">
+      <a:schemeClr val="dk1"/>
+    </dgm:txFillClrLst>
+    <dgm:txEffectClrLst/>
+  </dgm:styleLbl>
+  <dgm:styleLbl name="fgAcc0">
+    <dgm:fillClrLst meth="repeat">
+      <a:schemeClr val="lt1">
+        <a:alpha val="90000"/>
+      </a:schemeClr>
+    </dgm:fillClrLst>
+    <dgm:linClrLst meth="repeat">
+      <a:schemeClr val="accent1"/>
+    </dgm:linClrLst>
+    <dgm:effectClrLst/>
+    <dgm:txLinClrLst/>
+    <dgm:txFillClrLst meth="repeat">
+      <a:schemeClr val="dk1"/>
+    </dgm:txFillClrLst>
+    <dgm:txEffectClrLst/>
+  </dgm:styleLbl>
+  <dgm:styleLbl name="fgAcc2">
+    <dgm:fillClrLst meth="repeat">
+      <a:schemeClr val="lt1">
+        <a:alpha val="90000"/>
+      </a:schemeClr>
+    </dgm:fillClrLst>
+    <dgm:linClrLst meth="repeat">
+      <a:schemeClr val="accent1"/>
+    </dgm:linClrLst>
+    <dgm:effectClrLst/>
+    <dgm:txLinClrLst/>
+    <dgm:txFillClrLst meth="repeat">
+      <a:schemeClr val="dk1"/>
+    </dgm:txFillClrLst>
+    <dgm:txEffectClrLst/>
+  </dgm:styleLbl>
+  <dgm:styleLbl name="fgAcc3">
+    <dgm:fillClrLst meth="repeat">
+      <a:schemeClr val="lt1">
+        <a:alpha val="90000"/>
+      </a:schemeClr>
+    </dgm:fillClrLst>
+    <dgm:linClrLst meth="repeat">
+      <a:schemeClr val="accent1"/>
+    </dgm:linClrLst>
+    <dgm:effectClrLst/>
+    <dgm:txLinClrLst/>
+    <dgm:txFillClrLst meth="repeat">
+      <a:schemeClr val="dk1"/>
+    </dgm:txFillClrLst>
+    <dgm:txEffectClrLst/>
+  </dgm:styleLbl>
+  <dgm:styleLbl name="fgAcc4">
+    <dgm:fillClrLst meth="repeat">
+      <a:schemeClr val="lt1">
+        <a:alpha val="90000"/>
+      </a:schemeClr>
+    </dgm:fillClrLst>
+    <dgm:linClrLst meth="repeat">
+      <a:schemeClr val="accent1"/>
+    </dgm:linClrLst>
+    <dgm:effectClrLst/>
+    <dgm:txLinClrLst/>
+    <dgm:txFillClrLst meth="repeat">
+      <a:schemeClr val="dk1"/>
+    </dgm:txFillClrLst>
+    <dgm:txEffectClrLst/>
+  </dgm:styleLbl>
+  <dgm:styleLbl name="bgShp">
+    <dgm:fillClrLst meth="repeat">
+      <a:schemeClr val="accent1">
+        <a:tint val="40000"/>
+      </a:schemeClr>
+    </dgm:fillClrLst>
+    <dgm:linClrLst meth="repeat">
+      <a:schemeClr val="accent1"/>
+    </dgm:linClrLst>
+    <dgm:effectClrLst/>
+    <dgm:txLinClrLst/>
+    <dgm:txFillClrLst meth="repeat">
+      <a:schemeClr val="dk1"/>
+    </dgm:txFillClrLst>
+    <dgm:txEffectClrLst/>
+  </dgm:styleLbl>
+  <dgm:styleLbl name="dkBgShp">
+    <dgm:fillClrLst meth="repeat">
+      <a:schemeClr val="accent1">
+        <a:shade val="80000"/>
+      </a:schemeClr>
+    </dgm:fillClrLst>
+    <dgm:linClrLst meth="repeat">
+      <a:schemeClr val="accent1"/>
+    </dgm:linClrLst>
+    <dgm:effectClrLst/>
+    <dgm:txLinClrLst/>
+    <dgm:txFillClrLst meth="repeat">
+      <a:schemeClr val="lt1"/>
+    </dgm:txFillClrLst>
+    <dgm:txEffectClrLst/>
+  </dgm:styleLbl>
+  <dgm:styleLbl name="trBgShp">
+    <dgm:fillClrLst meth="repeat">
+      <a:schemeClr val="accent1">
+        <a:tint val="50000"/>
+        <a:alpha val="40000"/>
+      </a:schemeClr>
+    </dgm:fillClrLst>
+    <dgm:linClrLst meth="repeat">
+      <a:schemeClr val="accent1"/>
+    </dgm:linClrLst>
+    <dgm:effectClrLst/>
+    <dgm:txLinClrLst/>
+    <dgm:txFillClrLst meth="repeat">
+      <a:schemeClr val="lt1"/>
+    </dgm:txFillClrLst>
+    <dgm:txEffectClrLst/>
+  </dgm:styleLbl>
+  <dgm:styleLbl name="fgShp">
+    <dgm:fillClrLst meth="repeat">
+      <a:schemeClr val="accent1">
+        <a:tint val="60000"/>
+      </a:schemeClr>
+    </dgm:fillClrLst>
+    <dgm:linClrLst meth="repeat">
+      <a:schemeClr val="lt1"/>
+    </dgm:linClrLst>
+    <dgm:effectClrLst/>
+    <dgm:txLinClrLst/>
+    <dgm:txFillClrLst meth="repeat">
+      <a:schemeClr val="dk1"/>
+    </dgm:txFillClrLst>
+    <dgm:txEffectClrLst/>
+  </dgm:styleLbl>
+  <dgm:styleLbl name="revTx">
+    <dgm:fillClrLst meth="repeat">
+      <a:schemeClr val="lt1">
+        <a:alpha val="0"/>
+      </a:schemeClr>
+    </dgm:fillClrLst>
+    <dgm:linClrLst meth="repeat">
+      <a:schemeClr val="dk1">
+        <a:alpha val="0"/>
+      </a:schemeClr>
+    </dgm:linClrLst>
+    <dgm:effectClrLst/>
+    <dgm:txLinClrLst/>
+    <dgm:txFillClrLst meth="repeat">
+      <a:schemeClr val="tx1"/>
+    </dgm:txFillClrLst>
+    <dgm:txEffectClrLst/>
+  </dgm:styleLbl>
+</dgm:colorsDef>
+</file>
+
+<file path=ppt/diagrams/data1.xml><?xml version="1.0" encoding="utf-8"?>
+<dgm:dataModel xmlns:dgm="http://schemas.openxmlformats.org/drawingml/2006/diagram" xmlns:a="http://schemas.openxmlformats.org/drawingml/2006/main">
+  <dgm:ptLst>
+    <dgm:pt modelId="{9874A089-DF7A-4AC9-BFF3-0E75CB757C35}" type="doc">
+      <dgm:prSet loTypeId="urn:microsoft.com/office/officeart/2005/8/layout/StepDownProcess" loCatId="process" qsTypeId="urn:microsoft.com/office/officeart/2005/8/quickstyle/simple1" qsCatId="simple" csTypeId="urn:microsoft.com/office/officeart/2005/8/colors/accent1_2" csCatId="accent1" phldr="1"/>
+      <dgm:spPr/>
+      <dgm:t>
+        <a:bodyPr/>
+        <a:lstStyle/>
+        <a:p>
+          <a:endParaRPr lang="en-US"/>
+        </a:p>
+      </dgm:t>
+    </dgm:pt>
+    <dgm:pt modelId="{5A862B5C-26BE-47BC-9D80-2C6D20D11F23}">
+      <dgm:prSet phldrT="[Text]"/>
+      <dgm:spPr/>
+      <dgm:t>
+        <a:bodyPr/>
+        <a:lstStyle/>
+        <a:p>
+          <a:r>
+            <a:rPr lang="en-US" dirty="0"/>
+            <a:t>Decision Trees</a:t>
+          </a:r>
+        </a:p>
+      </dgm:t>
+    </dgm:pt>
+    <dgm:pt modelId="{E927CE94-E553-445B-8A6E-855DFE535459}" type="parTrans" cxnId="{3A7CF79E-8785-48FA-B6A2-AB3CEB42F032}">
+      <dgm:prSet/>
+      <dgm:spPr/>
+      <dgm:t>
+        <a:bodyPr/>
+        <a:lstStyle/>
+        <a:p>
+          <a:endParaRPr lang="en-US"/>
+        </a:p>
+      </dgm:t>
+    </dgm:pt>
+    <dgm:pt modelId="{12929F39-741C-42F1-B470-7D5AED759AD4}" type="sibTrans" cxnId="{3A7CF79E-8785-48FA-B6A2-AB3CEB42F032}">
+      <dgm:prSet/>
+      <dgm:spPr/>
+      <dgm:t>
+        <a:bodyPr/>
+        <a:lstStyle/>
+        <a:p>
+          <a:endParaRPr lang="en-US"/>
+        </a:p>
+      </dgm:t>
+    </dgm:pt>
+    <dgm:pt modelId="{62D342BF-9954-4456-BEB9-96D217911DA0}">
+      <dgm:prSet phldrT="[Text]"/>
+      <dgm:spPr/>
+      <dgm:t>
+        <a:bodyPr/>
+        <a:lstStyle/>
+        <a:p>
+          <a:r>
+            <a:rPr lang="en-US" dirty="0"/>
+            <a:t>Bagging</a:t>
+          </a:r>
+        </a:p>
+      </dgm:t>
+    </dgm:pt>
+    <dgm:pt modelId="{005B954A-E144-42C6-A46E-D1C88BBE3455}" type="parTrans" cxnId="{7B319C93-54B1-46C9-BCD3-760C60E54EDE}">
+      <dgm:prSet/>
+      <dgm:spPr/>
+      <dgm:t>
+        <a:bodyPr/>
+        <a:lstStyle/>
+        <a:p>
+          <a:endParaRPr lang="en-US"/>
+        </a:p>
+      </dgm:t>
+    </dgm:pt>
+    <dgm:pt modelId="{25C154F6-0491-44EC-A45F-6B265B8837BF}" type="sibTrans" cxnId="{7B319C93-54B1-46C9-BCD3-760C60E54EDE}">
+      <dgm:prSet/>
+      <dgm:spPr/>
+      <dgm:t>
+        <a:bodyPr/>
+        <a:lstStyle/>
+        <a:p>
+          <a:endParaRPr lang="en-US"/>
+        </a:p>
+      </dgm:t>
+    </dgm:pt>
+    <dgm:pt modelId="{DE338A06-D6CF-48B4-9443-C4FFA4C23F45}">
+      <dgm:prSet phldrT="[Text]"/>
+      <dgm:spPr/>
+      <dgm:t>
+        <a:bodyPr/>
+        <a:lstStyle/>
+        <a:p>
+          <a:r>
+            <a:rPr lang="en-US" dirty="0"/>
+            <a:t>Random Forest</a:t>
+          </a:r>
+        </a:p>
+      </dgm:t>
+    </dgm:pt>
+    <dgm:pt modelId="{B3ABA422-2EFB-45FF-BBDF-B702D63A8D51}" type="parTrans" cxnId="{7841BE1A-6FE5-4B0C-B96D-B7D1767ED9BC}">
+      <dgm:prSet/>
+      <dgm:spPr/>
+      <dgm:t>
+        <a:bodyPr/>
+        <a:lstStyle/>
+        <a:p>
+          <a:endParaRPr lang="en-US"/>
+        </a:p>
+      </dgm:t>
+    </dgm:pt>
+    <dgm:pt modelId="{920155EC-4031-48DF-ACD7-17C746F257DE}" type="sibTrans" cxnId="{7841BE1A-6FE5-4B0C-B96D-B7D1767ED9BC}">
+      <dgm:prSet/>
+      <dgm:spPr/>
+      <dgm:t>
+        <a:bodyPr/>
+        <a:lstStyle/>
+        <a:p>
+          <a:endParaRPr lang="en-US"/>
+        </a:p>
+      </dgm:t>
+    </dgm:pt>
+    <dgm:pt modelId="{D9112E64-CF02-4533-9194-7545ADE0779C}">
+      <dgm:prSet/>
+      <dgm:spPr/>
+      <dgm:t>
+        <a:bodyPr/>
+        <a:lstStyle/>
+        <a:p>
+          <a:r>
+            <a:rPr lang="en-US" dirty="0"/>
+            <a:t>Boosting</a:t>
+          </a:r>
+        </a:p>
+      </dgm:t>
+    </dgm:pt>
+    <dgm:pt modelId="{BE149C90-2810-45BC-9CEA-4B7ED9AE6C70}" type="parTrans" cxnId="{ED325210-CB0C-415F-A2AC-60F0263E32D4}">
+      <dgm:prSet/>
+      <dgm:spPr/>
+      <dgm:t>
+        <a:bodyPr/>
+        <a:lstStyle/>
+        <a:p>
+          <a:endParaRPr lang="en-US"/>
+        </a:p>
+      </dgm:t>
+    </dgm:pt>
+    <dgm:pt modelId="{DA56DA75-A2C7-45D2-B9A2-EF28F7BF6D13}" type="sibTrans" cxnId="{ED325210-CB0C-415F-A2AC-60F0263E32D4}">
+      <dgm:prSet/>
+      <dgm:spPr/>
+      <dgm:t>
+        <a:bodyPr/>
+        <a:lstStyle/>
+        <a:p>
+          <a:endParaRPr lang="en-US"/>
+        </a:p>
+      </dgm:t>
+    </dgm:pt>
+    <dgm:pt modelId="{F22C6B09-4321-4F7B-892A-8BC910031C8C}">
+      <dgm:prSet/>
+      <dgm:spPr/>
+      <dgm:t>
+        <a:bodyPr/>
+        <a:lstStyle/>
+        <a:p>
+          <a:r>
+            <a:rPr lang="en-US" dirty="0"/>
+            <a:t>Gradient Boosting</a:t>
+          </a:r>
+        </a:p>
+      </dgm:t>
+    </dgm:pt>
+    <dgm:pt modelId="{F6C72C96-CCDA-4C98-A371-76C4A85AD112}" type="parTrans" cxnId="{FB8911FF-D255-46FB-BC4D-909DB83BDF62}">
+      <dgm:prSet/>
+      <dgm:spPr/>
+      <dgm:t>
+        <a:bodyPr/>
+        <a:lstStyle/>
+        <a:p>
+          <a:endParaRPr lang="en-US"/>
+        </a:p>
+      </dgm:t>
+    </dgm:pt>
+    <dgm:pt modelId="{DC75F0D0-58E2-4C11-8EEE-FA22E4742CEA}" type="sibTrans" cxnId="{FB8911FF-D255-46FB-BC4D-909DB83BDF62}">
+      <dgm:prSet/>
+      <dgm:spPr/>
+      <dgm:t>
+        <a:bodyPr/>
+        <a:lstStyle/>
+        <a:p>
+          <a:endParaRPr lang="en-US"/>
+        </a:p>
+      </dgm:t>
+    </dgm:pt>
+    <dgm:pt modelId="{82B5B356-6E5F-4C24-972C-47A2726ACB16}">
+      <dgm:prSet/>
+      <dgm:spPr/>
+      <dgm:t>
+        <a:bodyPr/>
+        <a:lstStyle/>
+        <a:p>
+          <a:r>
+            <a:rPr lang="en-US" dirty="0" err="1"/>
+            <a:t>XGBoost</a:t>
+          </a:r>
+          <a:endParaRPr lang="en-US" dirty="0"/>
+        </a:p>
+      </dgm:t>
+    </dgm:pt>
+    <dgm:pt modelId="{5326D1AE-6A8D-4E67-9E27-A640530569E9}" type="parTrans" cxnId="{A17B57EC-3778-45C1-933E-76F4B855DE11}">
+      <dgm:prSet/>
+      <dgm:spPr/>
+      <dgm:t>
+        <a:bodyPr/>
+        <a:lstStyle/>
+        <a:p>
+          <a:endParaRPr lang="en-US"/>
+        </a:p>
+      </dgm:t>
+    </dgm:pt>
+    <dgm:pt modelId="{F67A198E-1EC2-4A9A-BBAE-AA24605B9E32}" type="sibTrans" cxnId="{A17B57EC-3778-45C1-933E-76F4B855DE11}">
+      <dgm:prSet/>
+      <dgm:spPr/>
+      <dgm:t>
+        <a:bodyPr/>
+        <a:lstStyle/>
+        <a:p>
+          <a:endParaRPr lang="en-US"/>
+        </a:p>
+      </dgm:t>
+    </dgm:pt>
+    <dgm:pt modelId="{8668F5B0-DE2C-4C70-832A-51DFC603E57B}" type="pres">
+      <dgm:prSet presAssocID="{9874A089-DF7A-4AC9-BFF3-0E75CB757C35}" presName="rootnode" presStyleCnt="0">
+        <dgm:presLayoutVars>
+          <dgm:chMax/>
+          <dgm:chPref/>
+          <dgm:dir/>
+          <dgm:animLvl val="lvl"/>
+        </dgm:presLayoutVars>
+      </dgm:prSet>
+      <dgm:spPr/>
+    </dgm:pt>
+    <dgm:pt modelId="{CB3E9533-70B6-4857-8101-06351FC15CAA}" type="pres">
+      <dgm:prSet presAssocID="{5A862B5C-26BE-47BC-9D80-2C6D20D11F23}" presName="composite" presStyleCnt="0"/>
+      <dgm:spPr/>
+    </dgm:pt>
+    <dgm:pt modelId="{A0DE2803-FEF8-4B38-8139-E91F14428AFE}" type="pres">
+      <dgm:prSet presAssocID="{5A862B5C-26BE-47BC-9D80-2C6D20D11F23}" presName="bentUpArrow1" presStyleLbl="alignImgPlace1" presStyleIdx="0" presStyleCnt="5"/>
+      <dgm:spPr/>
+    </dgm:pt>
+    <dgm:pt modelId="{1001B8BE-AA17-45B2-AD39-DD3B354E39D8}" type="pres">
+      <dgm:prSet presAssocID="{5A862B5C-26BE-47BC-9D80-2C6D20D11F23}" presName="ParentText" presStyleLbl="node1" presStyleIdx="0" presStyleCnt="6">
+        <dgm:presLayoutVars>
+          <dgm:chMax val="1"/>
+          <dgm:chPref val="1"/>
+          <dgm:bulletEnabled val="1"/>
+        </dgm:presLayoutVars>
+      </dgm:prSet>
+      <dgm:spPr/>
+    </dgm:pt>
+    <dgm:pt modelId="{F0859565-9647-4386-9E68-E3463CB78EBC}" type="pres">
+      <dgm:prSet presAssocID="{5A862B5C-26BE-47BC-9D80-2C6D20D11F23}" presName="ChildText" presStyleLbl="revTx" presStyleIdx="0" presStyleCnt="5">
+        <dgm:presLayoutVars>
+          <dgm:chMax val="0"/>
+          <dgm:chPref val="0"/>
+          <dgm:bulletEnabled val="1"/>
+        </dgm:presLayoutVars>
+      </dgm:prSet>
+      <dgm:spPr/>
+    </dgm:pt>
+    <dgm:pt modelId="{6B8DC135-B556-4F62-AC40-077EFB01387E}" type="pres">
+      <dgm:prSet presAssocID="{12929F39-741C-42F1-B470-7D5AED759AD4}" presName="sibTrans" presStyleCnt="0"/>
+      <dgm:spPr/>
+    </dgm:pt>
+    <dgm:pt modelId="{B70956AF-3A6F-47C0-9CD9-214534BF0D7E}" type="pres">
+      <dgm:prSet presAssocID="{62D342BF-9954-4456-BEB9-96D217911DA0}" presName="composite" presStyleCnt="0"/>
+      <dgm:spPr/>
+    </dgm:pt>
+    <dgm:pt modelId="{86B4BB1B-AFCB-4930-AB94-0D3083AF56DF}" type="pres">
+      <dgm:prSet presAssocID="{62D342BF-9954-4456-BEB9-96D217911DA0}" presName="bentUpArrow1" presStyleLbl="alignImgPlace1" presStyleIdx="1" presStyleCnt="5"/>
+      <dgm:spPr/>
+    </dgm:pt>
+    <dgm:pt modelId="{96EF6C0F-E775-448E-A85E-A55C5A9E8545}" type="pres">
+      <dgm:prSet presAssocID="{62D342BF-9954-4456-BEB9-96D217911DA0}" presName="ParentText" presStyleLbl="node1" presStyleIdx="1" presStyleCnt="6">
+        <dgm:presLayoutVars>
+          <dgm:chMax val="1"/>
+          <dgm:chPref val="1"/>
+          <dgm:bulletEnabled val="1"/>
+        </dgm:presLayoutVars>
+      </dgm:prSet>
+      <dgm:spPr/>
+    </dgm:pt>
+    <dgm:pt modelId="{16673E75-2E08-4F88-8C83-29E00D08DBD5}" type="pres">
+      <dgm:prSet presAssocID="{62D342BF-9954-4456-BEB9-96D217911DA0}" presName="ChildText" presStyleLbl="revTx" presStyleIdx="1" presStyleCnt="5">
+        <dgm:presLayoutVars>
+          <dgm:chMax val="0"/>
+          <dgm:chPref val="0"/>
+          <dgm:bulletEnabled val="1"/>
+        </dgm:presLayoutVars>
+      </dgm:prSet>
+      <dgm:spPr/>
+    </dgm:pt>
+    <dgm:pt modelId="{E9AB13AE-DE03-4E6D-8E42-A8B9D2B2F455}" type="pres">
+      <dgm:prSet presAssocID="{25C154F6-0491-44EC-A45F-6B265B8837BF}" presName="sibTrans" presStyleCnt="0"/>
+      <dgm:spPr/>
+    </dgm:pt>
+    <dgm:pt modelId="{8E2C7F93-379F-4E3B-AD1E-C7204FBDCFDE}" type="pres">
+      <dgm:prSet presAssocID="{DE338A06-D6CF-48B4-9443-C4FFA4C23F45}" presName="composite" presStyleCnt="0"/>
+      <dgm:spPr/>
+    </dgm:pt>
+    <dgm:pt modelId="{767714CB-F5C5-4038-A255-32CE2F6D6D9E}" type="pres">
+      <dgm:prSet presAssocID="{DE338A06-D6CF-48B4-9443-C4FFA4C23F45}" presName="bentUpArrow1" presStyleLbl="alignImgPlace1" presStyleIdx="2" presStyleCnt="5"/>
+      <dgm:spPr/>
+    </dgm:pt>
+    <dgm:pt modelId="{08B2D816-0031-43DA-BF80-9F975AF3179C}" type="pres">
+      <dgm:prSet presAssocID="{DE338A06-D6CF-48B4-9443-C4FFA4C23F45}" presName="ParentText" presStyleLbl="node1" presStyleIdx="2" presStyleCnt="6">
+        <dgm:presLayoutVars>
+          <dgm:chMax val="1"/>
+          <dgm:chPref val="1"/>
+          <dgm:bulletEnabled val="1"/>
+        </dgm:presLayoutVars>
+      </dgm:prSet>
+      <dgm:spPr/>
+    </dgm:pt>
+    <dgm:pt modelId="{40660D0C-87E6-4C90-AB2B-502B175EBC88}" type="pres">
+      <dgm:prSet presAssocID="{DE338A06-D6CF-48B4-9443-C4FFA4C23F45}" presName="ChildText" presStyleLbl="revTx" presStyleIdx="2" presStyleCnt="5">
+        <dgm:presLayoutVars>
+          <dgm:chMax val="0"/>
+          <dgm:chPref val="0"/>
+          <dgm:bulletEnabled val="1"/>
+        </dgm:presLayoutVars>
+      </dgm:prSet>
+      <dgm:spPr/>
+    </dgm:pt>
+    <dgm:pt modelId="{6C21B52B-E0CA-40D4-A97A-F196705E30CB}" type="pres">
+      <dgm:prSet presAssocID="{920155EC-4031-48DF-ACD7-17C746F257DE}" presName="sibTrans" presStyleCnt="0"/>
+      <dgm:spPr/>
+    </dgm:pt>
+    <dgm:pt modelId="{82C20C72-6FBE-413B-A23F-68F2993780C1}" type="pres">
+      <dgm:prSet presAssocID="{D9112E64-CF02-4533-9194-7545ADE0779C}" presName="composite" presStyleCnt="0"/>
+      <dgm:spPr/>
+    </dgm:pt>
+    <dgm:pt modelId="{111A472C-5B9F-4142-89AC-DCBD4D95D3E8}" type="pres">
+      <dgm:prSet presAssocID="{D9112E64-CF02-4533-9194-7545ADE0779C}" presName="bentUpArrow1" presStyleLbl="alignImgPlace1" presStyleIdx="3" presStyleCnt="5"/>
+      <dgm:spPr/>
+    </dgm:pt>
+    <dgm:pt modelId="{C5DFC8BF-C6C6-4B13-8F1A-BF46115A5800}" type="pres">
+      <dgm:prSet presAssocID="{D9112E64-CF02-4533-9194-7545ADE0779C}" presName="ParentText" presStyleLbl="node1" presStyleIdx="3" presStyleCnt="6">
+        <dgm:presLayoutVars>
+          <dgm:chMax val="1"/>
+          <dgm:chPref val="1"/>
+          <dgm:bulletEnabled val="1"/>
+        </dgm:presLayoutVars>
+      </dgm:prSet>
+      <dgm:spPr/>
+    </dgm:pt>
+    <dgm:pt modelId="{17643780-B371-4C7F-AEB9-7AAF1AFA2AF4}" type="pres">
+      <dgm:prSet presAssocID="{D9112E64-CF02-4533-9194-7545ADE0779C}" presName="ChildText" presStyleLbl="revTx" presStyleIdx="3" presStyleCnt="5">
+        <dgm:presLayoutVars>
+          <dgm:chMax val="0"/>
+          <dgm:chPref val="0"/>
+          <dgm:bulletEnabled val="1"/>
+        </dgm:presLayoutVars>
+      </dgm:prSet>
+      <dgm:spPr/>
+    </dgm:pt>
+    <dgm:pt modelId="{2C5F8398-2070-45DD-80D6-A26F6D42A6EC}" type="pres">
+      <dgm:prSet presAssocID="{DA56DA75-A2C7-45D2-B9A2-EF28F7BF6D13}" presName="sibTrans" presStyleCnt="0"/>
+      <dgm:spPr/>
+    </dgm:pt>
+    <dgm:pt modelId="{D64ADAC3-F593-42C5-82B1-BE040F3C9824}" type="pres">
+      <dgm:prSet presAssocID="{F22C6B09-4321-4F7B-892A-8BC910031C8C}" presName="composite" presStyleCnt="0"/>
+      <dgm:spPr/>
+    </dgm:pt>
+    <dgm:pt modelId="{65BB8652-27C3-4039-B196-6B77E994725D}" type="pres">
+      <dgm:prSet presAssocID="{F22C6B09-4321-4F7B-892A-8BC910031C8C}" presName="bentUpArrow1" presStyleLbl="alignImgPlace1" presStyleIdx="4" presStyleCnt="5"/>
+      <dgm:spPr/>
+    </dgm:pt>
+    <dgm:pt modelId="{FBB33FEB-BFFC-4F6E-AA74-6D3282608034}" type="pres">
+      <dgm:prSet presAssocID="{F22C6B09-4321-4F7B-892A-8BC910031C8C}" presName="ParentText" presStyleLbl="node1" presStyleIdx="4" presStyleCnt="6">
+        <dgm:presLayoutVars>
+          <dgm:chMax val="1"/>
+          <dgm:chPref val="1"/>
+          <dgm:bulletEnabled val="1"/>
+        </dgm:presLayoutVars>
+      </dgm:prSet>
+      <dgm:spPr/>
+    </dgm:pt>
+    <dgm:pt modelId="{3FA4F11A-6D2E-4CB6-AFBD-10511ACB5DEC}" type="pres">
+      <dgm:prSet presAssocID="{F22C6B09-4321-4F7B-892A-8BC910031C8C}" presName="ChildText" presStyleLbl="revTx" presStyleIdx="4" presStyleCnt="5">
+        <dgm:presLayoutVars>
+          <dgm:chMax val="0"/>
+          <dgm:chPref val="0"/>
+          <dgm:bulletEnabled val="1"/>
+        </dgm:presLayoutVars>
+      </dgm:prSet>
+      <dgm:spPr/>
+    </dgm:pt>
+    <dgm:pt modelId="{F04A18A6-CB10-4194-AD5D-8C22E6CB1624}" type="pres">
+      <dgm:prSet presAssocID="{DC75F0D0-58E2-4C11-8EEE-FA22E4742CEA}" presName="sibTrans" presStyleCnt="0"/>
+      <dgm:spPr/>
+    </dgm:pt>
+    <dgm:pt modelId="{D1705CF6-C1E1-426C-8B0C-A2BF29B1E535}" type="pres">
+      <dgm:prSet presAssocID="{82B5B356-6E5F-4C24-972C-47A2726ACB16}" presName="composite" presStyleCnt="0"/>
+      <dgm:spPr/>
+    </dgm:pt>
+    <dgm:pt modelId="{A5224548-49C4-4954-8EF1-58903A41E21C}" type="pres">
+      <dgm:prSet presAssocID="{82B5B356-6E5F-4C24-972C-47A2726ACB16}" presName="ParentText" presStyleLbl="node1" presStyleIdx="5" presStyleCnt="6">
+        <dgm:presLayoutVars>
+          <dgm:chMax val="1"/>
+          <dgm:chPref val="1"/>
+          <dgm:bulletEnabled val="1"/>
+        </dgm:presLayoutVars>
+      </dgm:prSet>
+      <dgm:spPr/>
+    </dgm:pt>
+  </dgm:ptLst>
+  <dgm:cxnLst>
+    <dgm:cxn modelId="{F77C2706-9154-43EE-87A3-522DF0AB169C}" type="presOf" srcId="{5A862B5C-26BE-47BC-9D80-2C6D20D11F23}" destId="{1001B8BE-AA17-45B2-AD39-DD3B354E39D8}" srcOrd="0" destOrd="0" presId="urn:microsoft.com/office/officeart/2005/8/layout/StepDownProcess"/>
+    <dgm:cxn modelId="{ED325210-CB0C-415F-A2AC-60F0263E32D4}" srcId="{9874A089-DF7A-4AC9-BFF3-0E75CB757C35}" destId="{D9112E64-CF02-4533-9194-7545ADE0779C}" srcOrd="3" destOrd="0" parTransId="{BE149C90-2810-45BC-9CEA-4B7ED9AE6C70}" sibTransId="{DA56DA75-A2C7-45D2-B9A2-EF28F7BF6D13}"/>
+    <dgm:cxn modelId="{7841BE1A-6FE5-4B0C-B96D-B7D1767ED9BC}" srcId="{9874A089-DF7A-4AC9-BFF3-0E75CB757C35}" destId="{DE338A06-D6CF-48B4-9443-C4FFA4C23F45}" srcOrd="2" destOrd="0" parTransId="{B3ABA422-2EFB-45FF-BBDF-B702D63A8D51}" sibTransId="{920155EC-4031-48DF-ACD7-17C746F257DE}"/>
+    <dgm:cxn modelId="{F0EB7B68-D469-45E2-9FC6-F17C416DE7DC}" type="presOf" srcId="{9874A089-DF7A-4AC9-BFF3-0E75CB757C35}" destId="{8668F5B0-DE2C-4C70-832A-51DFC603E57B}" srcOrd="0" destOrd="0" presId="urn:microsoft.com/office/officeart/2005/8/layout/StepDownProcess"/>
+    <dgm:cxn modelId="{C6D2734C-DBD2-4F0D-9148-D72D1962B6C4}" type="presOf" srcId="{D9112E64-CF02-4533-9194-7545ADE0779C}" destId="{C5DFC8BF-C6C6-4B13-8F1A-BF46115A5800}" srcOrd="0" destOrd="0" presId="urn:microsoft.com/office/officeart/2005/8/layout/StepDownProcess"/>
+    <dgm:cxn modelId="{42C2E952-71E2-48A2-AD53-2B32AC0900AC}" type="presOf" srcId="{F22C6B09-4321-4F7B-892A-8BC910031C8C}" destId="{FBB33FEB-BFFC-4F6E-AA74-6D3282608034}" srcOrd="0" destOrd="0" presId="urn:microsoft.com/office/officeart/2005/8/layout/StepDownProcess"/>
+    <dgm:cxn modelId="{5458EF57-C3E8-4514-ACE2-97F94096285E}" type="presOf" srcId="{82B5B356-6E5F-4C24-972C-47A2726ACB16}" destId="{A5224548-49C4-4954-8EF1-58903A41E21C}" srcOrd="0" destOrd="0" presId="urn:microsoft.com/office/officeart/2005/8/layout/StepDownProcess"/>
+    <dgm:cxn modelId="{F8E9767F-FEDF-4FCA-B323-5E38ED463289}" type="presOf" srcId="{DE338A06-D6CF-48B4-9443-C4FFA4C23F45}" destId="{08B2D816-0031-43DA-BF80-9F975AF3179C}" srcOrd="0" destOrd="0" presId="urn:microsoft.com/office/officeart/2005/8/layout/StepDownProcess"/>
+    <dgm:cxn modelId="{7B319C93-54B1-46C9-BCD3-760C60E54EDE}" srcId="{9874A089-DF7A-4AC9-BFF3-0E75CB757C35}" destId="{62D342BF-9954-4456-BEB9-96D217911DA0}" srcOrd="1" destOrd="0" parTransId="{005B954A-E144-42C6-A46E-D1C88BBE3455}" sibTransId="{25C154F6-0491-44EC-A45F-6B265B8837BF}"/>
+    <dgm:cxn modelId="{3A7CF79E-8785-48FA-B6A2-AB3CEB42F032}" srcId="{9874A089-DF7A-4AC9-BFF3-0E75CB757C35}" destId="{5A862B5C-26BE-47BC-9D80-2C6D20D11F23}" srcOrd="0" destOrd="0" parTransId="{E927CE94-E553-445B-8A6E-855DFE535459}" sibTransId="{12929F39-741C-42F1-B470-7D5AED759AD4}"/>
+    <dgm:cxn modelId="{7FE139E2-071B-4E2B-B506-EE9864CABEAC}" type="presOf" srcId="{62D342BF-9954-4456-BEB9-96D217911DA0}" destId="{96EF6C0F-E775-448E-A85E-A55C5A9E8545}" srcOrd="0" destOrd="0" presId="urn:microsoft.com/office/officeart/2005/8/layout/StepDownProcess"/>
+    <dgm:cxn modelId="{A17B57EC-3778-45C1-933E-76F4B855DE11}" srcId="{9874A089-DF7A-4AC9-BFF3-0E75CB757C35}" destId="{82B5B356-6E5F-4C24-972C-47A2726ACB16}" srcOrd="5" destOrd="0" parTransId="{5326D1AE-6A8D-4E67-9E27-A640530569E9}" sibTransId="{F67A198E-1EC2-4A9A-BBAE-AA24605B9E32}"/>
+    <dgm:cxn modelId="{FB8911FF-D255-46FB-BC4D-909DB83BDF62}" srcId="{9874A089-DF7A-4AC9-BFF3-0E75CB757C35}" destId="{F22C6B09-4321-4F7B-892A-8BC910031C8C}" srcOrd="4" destOrd="0" parTransId="{F6C72C96-CCDA-4C98-A371-76C4A85AD112}" sibTransId="{DC75F0D0-58E2-4C11-8EEE-FA22E4742CEA}"/>
+    <dgm:cxn modelId="{98598D92-68D7-4390-8E67-7B4211C32704}" type="presParOf" srcId="{8668F5B0-DE2C-4C70-832A-51DFC603E57B}" destId="{CB3E9533-70B6-4857-8101-06351FC15CAA}" srcOrd="0" destOrd="0" presId="urn:microsoft.com/office/officeart/2005/8/layout/StepDownProcess"/>
+    <dgm:cxn modelId="{0407202F-7EC4-4720-9882-AD64270D8EDB}" type="presParOf" srcId="{CB3E9533-70B6-4857-8101-06351FC15CAA}" destId="{A0DE2803-FEF8-4B38-8139-E91F14428AFE}" srcOrd="0" destOrd="0" presId="urn:microsoft.com/office/officeart/2005/8/layout/StepDownProcess"/>
+    <dgm:cxn modelId="{09BE5BFD-2F7C-42B9-B97F-38AA142645D3}" type="presParOf" srcId="{CB3E9533-70B6-4857-8101-06351FC15CAA}" destId="{1001B8BE-AA17-45B2-AD39-DD3B354E39D8}" srcOrd="1" destOrd="0" presId="urn:microsoft.com/office/officeart/2005/8/layout/StepDownProcess"/>
+    <dgm:cxn modelId="{10A7CC5A-AFB7-4458-9DD1-36EEA2C66501}" type="presParOf" srcId="{CB3E9533-70B6-4857-8101-06351FC15CAA}" destId="{F0859565-9647-4386-9E68-E3463CB78EBC}" srcOrd="2" destOrd="0" presId="urn:microsoft.com/office/officeart/2005/8/layout/StepDownProcess"/>
+    <dgm:cxn modelId="{E8DEBD82-98B3-45EA-9CDD-B4E860310428}" type="presParOf" srcId="{8668F5B0-DE2C-4C70-832A-51DFC603E57B}" destId="{6B8DC135-B556-4F62-AC40-077EFB01387E}" srcOrd="1" destOrd="0" presId="urn:microsoft.com/office/officeart/2005/8/layout/StepDownProcess"/>
+    <dgm:cxn modelId="{332593F5-B63C-4137-BFDA-6B7C901DF47C}" type="presParOf" srcId="{8668F5B0-DE2C-4C70-832A-51DFC603E57B}" destId="{B70956AF-3A6F-47C0-9CD9-214534BF0D7E}" srcOrd="2" destOrd="0" presId="urn:microsoft.com/office/officeart/2005/8/layout/StepDownProcess"/>
+    <dgm:cxn modelId="{9F9E0805-608E-470E-83E4-D02F747E898A}" type="presParOf" srcId="{B70956AF-3A6F-47C0-9CD9-214534BF0D7E}" destId="{86B4BB1B-AFCB-4930-AB94-0D3083AF56DF}" srcOrd="0" destOrd="0" presId="urn:microsoft.com/office/officeart/2005/8/layout/StepDownProcess"/>
+    <dgm:cxn modelId="{9E3F38A9-50D8-4184-864C-E79F735FD888}" type="presParOf" srcId="{B70956AF-3A6F-47C0-9CD9-214534BF0D7E}" destId="{96EF6C0F-E775-448E-A85E-A55C5A9E8545}" srcOrd="1" destOrd="0" presId="urn:microsoft.com/office/officeart/2005/8/layout/StepDownProcess"/>
+    <dgm:cxn modelId="{0D2870AF-1F86-4D9E-9EA8-EFD626BC7FB3}" type="presParOf" srcId="{B70956AF-3A6F-47C0-9CD9-214534BF0D7E}" destId="{16673E75-2E08-4F88-8C83-29E00D08DBD5}" srcOrd="2" destOrd="0" presId="urn:microsoft.com/office/officeart/2005/8/layout/StepDownProcess"/>
+    <dgm:cxn modelId="{C848B07A-8ACE-47D3-9B22-DCA1477EAAB7}" type="presParOf" srcId="{8668F5B0-DE2C-4C70-832A-51DFC603E57B}" destId="{E9AB13AE-DE03-4E6D-8E42-A8B9D2B2F455}" srcOrd="3" destOrd="0" presId="urn:microsoft.com/office/officeart/2005/8/layout/StepDownProcess"/>
+    <dgm:cxn modelId="{0B2F0D2E-F92C-49E3-BCC2-B093F11ABD97}" type="presParOf" srcId="{8668F5B0-DE2C-4C70-832A-51DFC603E57B}" destId="{8E2C7F93-379F-4E3B-AD1E-C7204FBDCFDE}" srcOrd="4" destOrd="0" presId="urn:microsoft.com/office/officeart/2005/8/layout/StepDownProcess"/>
+    <dgm:cxn modelId="{E0CD3288-D12B-43E3-B9D3-61B33E88308A}" type="presParOf" srcId="{8E2C7F93-379F-4E3B-AD1E-C7204FBDCFDE}" destId="{767714CB-F5C5-4038-A255-32CE2F6D6D9E}" srcOrd="0" destOrd="0" presId="urn:microsoft.com/office/officeart/2005/8/layout/StepDownProcess"/>
+    <dgm:cxn modelId="{31A98087-2D4B-4928-B740-E0017DFB7C3D}" type="presParOf" srcId="{8E2C7F93-379F-4E3B-AD1E-C7204FBDCFDE}" destId="{08B2D816-0031-43DA-BF80-9F975AF3179C}" srcOrd="1" destOrd="0" presId="urn:microsoft.com/office/officeart/2005/8/layout/StepDownProcess"/>
+    <dgm:cxn modelId="{17D6C2B0-4E8F-4FBC-9223-819753F288B0}" type="presParOf" srcId="{8E2C7F93-379F-4E3B-AD1E-C7204FBDCFDE}" destId="{40660D0C-87E6-4C90-AB2B-502B175EBC88}" srcOrd="2" destOrd="0" presId="urn:microsoft.com/office/officeart/2005/8/layout/StepDownProcess"/>
+    <dgm:cxn modelId="{E632E6E8-A185-4E53-B3AD-8D45301E883E}" type="presParOf" srcId="{8668F5B0-DE2C-4C70-832A-51DFC603E57B}" destId="{6C21B52B-E0CA-40D4-A97A-F196705E30CB}" srcOrd="5" destOrd="0" presId="urn:microsoft.com/office/officeart/2005/8/layout/StepDownProcess"/>
+    <dgm:cxn modelId="{3C54FE8D-D509-423A-AD64-6C01AD57A2D5}" type="presParOf" srcId="{8668F5B0-DE2C-4C70-832A-51DFC603E57B}" destId="{82C20C72-6FBE-413B-A23F-68F2993780C1}" srcOrd="6" destOrd="0" presId="urn:microsoft.com/office/officeart/2005/8/layout/StepDownProcess"/>
+    <dgm:cxn modelId="{0DABFA51-E2D0-4E75-84A4-FE5EF16E4B08}" type="presParOf" srcId="{82C20C72-6FBE-413B-A23F-68F2993780C1}" destId="{111A472C-5B9F-4142-89AC-DCBD4D95D3E8}" srcOrd="0" destOrd="0" presId="urn:microsoft.com/office/officeart/2005/8/layout/StepDownProcess"/>
+    <dgm:cxn modelId="{E16B976D-0F93-4C2A-84F5-850016980F72}" type="presParOf" srcId="{82C20C72-6FBE-413B-A23F-68F2993780C1}" destId="{C5DFC8BF-C6C6-4B13-8F1A-BF46115A5800}" srcOrd="1" destOrd="0" presId="urn:microsoft.com/office/officeart/2005/8/layout/StepDownProcess"/>
+    <dgm:cxn modelId="{7A02418E-0466-498A-9515-F359180C925B}" type="presParOf" srcId="{82C20C72-6FBE-413B-A23F-68F2993780C1}" destId="{17643780-B371-4C7F-AEB9-7AAF1AFA2AF4}" srcOrd="2" destOrd="0" presId="urn:microsoft.com/office/officeart/2005/8/layout/StepDownProcess"/>
+    <dgm:cxn modelId="{0652B8E7-6A32-4696-8278-69C8BFAA99D0}" type="presParOf" srcId="{8668F5B0-DE2C-4C70-832A-51DFC603E57B}" destId="{2C5F8398-2070-45DD-80D6-A26F6D42A6EC}" srcOrd="7" destOrd="0" presId="urn:microsoft.com/office/officeart/2005/8/layout/StepDownProcess"/>
+    <dgm:cxn modelId="{460221B2-9950-452C-A796-D7D3B26CEBB1}" type="presParOf" srcId="{8668F5B0-DE2C-4C70-832A-51DFC603E57B}" destId="{D64ADAC3-F593-42C5-82B1-BE040F3C9824}" srcOrd="8" destOrd="0" presId="urn:microsoft.com/office/officeart/2005/8/layout/StepDownProcess"/>
+    <dgm:cxn modelId="{97065FA6-4003-4BB0-A4B0-1063FD4AD798}" type="presParOf" srcId="{D64ADAC3-F593-42C5-82B1-BE040F3C9824}" destId="{65BB8652-27C3-4039-B196-6B77E994725D}" srcOrd="0" destOrd="0" presId="urn:microsoft.com/office/officeart/2005/8/layout/StepDownProcess"/>
+    <dgm:cxn modelId="{8B691CB6-08E8-42FD-8900-7AB1DCD91C70}" type="presParOf" srcId="{D64ADAC3-F593-42C5-82B1-BE040F3C9824}" destId="{FBB33FEB-BFFC-4F6E-AA74-6D3282608034}" srcOrd="1" destOrd="0" presId="urn:microsoft.com/office/officeart/2005/8/layout/StepDownProcess"/>
+    <dgm:cxn modelId="{5E863159-DDDA-4F40-855E-979647CF55CE}" type="presParOf" srcId="{D64ADAC3-F593-42C5-82B1-BE040F3C9824}" destId="{3FA4F11A-6D2E-4CB6-AFBD-10511ACB5DEC}" srcOrd="2" destOrd="0" presId="urn:microsoft.com/office/officeart/2005/8/layout/StepDownProcess"/>
+    <dgm:cxn modelId="{BE097BBE-035B-4F10-A89B-D9E3DFB57973}" type="presParOf" srcId="{8668F5B0-DE2C-4C70-832A-51DFC603E57B}" destId="{F04A18A6-CB10-4194-AD5D-8C22E6CB1624}" srcOrd="9" destOrd="0" presId="urn:microsoft.com/office/officeart/2005/8/layout/StepDownProcess"/>
+    <dgm:cxn modelId="{CC5830EE-2258-414A-B0F0-5303B26BF88A}" type="presParOf" srcId="{8668F5B0-DE2C-4C70-832A-51DFC603E57B}" destId="{D1705CF6-C1E1-426C-8B0C-A2BF29B1E535}" srcOrd="10" destOrd="0" presId="urn:microsoft.com/office/officeart/2005/8/layout/StepDownProcess"/>
+    <dgm:cxn modelId="{E16F75F4-9D35-4C48-8140-4A611C4F0C5D}" type="presParOf" srcId="{D1705CF6-C1E1-426C-8B0C-A2BF29B1E535}" destId="{A5224548-49C4-4954-8EF1-58903A41E21C}" srcOrd="0" destOrd="0" presId="urn:microsoft.com/office/officeart/2005/8/layout/StepDownProcess"/>
+  </dgm:cxnLst>
+  <dgm:bg/>
+  <dgm:whole/>
+  <dgm:extLst>
+    <a:ext uri="http://schemas.microsoft.com/office/drawing/2008/diagram">
+      <dsp:dataModelExt xmlns:dsp="http://schemas.microsoft.com/office/drawing/2008/diagram" relId="rId7" minVer="http://schemas.openxmlformats.org/drawingml/2006/diagram"/>
+    </a:ext>
+  </dgm:extLst>
+</dgm:dataModel>
+</file>
+
+<file path=ppt/diagrams/drawing1.xml><?xml version="1.0" encoding="utf-8"?>
+<dsp:drawing xmlns:dgm="http://schemas.openxmlformats.org/drawingml/2006/diagram" xmlns:dsp="http://schemas.microsoft.com/office/drawing/2008/diagram" xmlns:a="http://schemas.openxmlformats.org/drawingml/2006/main">
+  <dsp:spTree>
+    <dsp:nvGrpSpPr>
+      <dsp:cNvPr id="0" name=""/>
+      <dsp:cNvGrpSpPr/>
+    </dsp:nvGrpSpPr>
+    <dsp:grpSpPr/>
+    <dsp:sp modelId="{A0DE2803-FEF8-4B38-8139-E91F14428AFE}">
+      <dsp:nvSpPr>
+        <dsp:cNvPr id="0" name=""/>
+        <dsp:cNvSpPr/>
+      </dsp:nvSpPr>
+      <dsp:spPr>
+        <a:xfrm rot="5400000">
+          <a:off x="2365227" y="605244"/>
+          <a:ext cx="520980" cy="593117"/>
+        </a:xfrm>
+        <a:prstGeom prst="bentUpArrow">
+          <a:avLst>
+            <a:gd name="adj1" fmla="val 32840"/>
+            <a:gd name="adj2" fmla="val 25000"/>
+            <a:gd name="adj3" fmla="val 35780"/>
+          </a:avLst>
+        </a:prstGeom>
+        <a:solidFill>
+          <a:schemeClr val="accent1">
+            <a:tint val="50000"/>
+            <a:hueOff val="0"/>
+            <a:satOff val="0"/>
+            <a:lumOff val="0"/>
+            <a:alphaOff val="0"/>
+          </a:schemeClr>
+        </a:solidFill>
+        <a:ln w="12700" cap="flat" cmpd="sng" algn="ctr">
+          <a:solidFill>
+            <a:schemeClr val="lt1">
+              <a:hueOff val="0"/>
+              <a:satOff val="0"/>
+              <a:lumOff val="0"/>
+              <a:alphaOff val="0"/>
+            </a:schemeClr>
+          </a:solidFill>
+          <a:prstDash val="solid"/>
+        </a:ln>
+        <a:effectLst/>
+      </dsp:spPr>
+      <dsp:style>
+        <a:lnRef idx="2">
+          <a:scrgbClr r="0" g="0" b="0"/>
+        </a:lnRef>
+        <a:fillRef idx="1">
+          <a:scrgbClr r="0" g="0" b="0"/>
+        </a:fillRef>
+        <a:effectRef idx="0">
+          <a:scrgbClr r="0" g="0" b="0"/>
+        </a:effectRef>
+        <a:fontRef idx="minor"/>
+      </dsp:style>
+    </dsp:sp>
+    <dsp:sp modelId="{1001B8BE-AA17-45B2-AD39-DD3B354E39D8}">
+      <dsp:nvSpPr>
+        <dsp:cNvPr id="0" name=""/>
+        <dsp:cNvSpPr/>
+      </dsp:nvSpPr>
+      <dsp:spPr>
+        <a:xfrm>
+          <a:off x="2227199" y="27727"/>
+          <a:ext cx="877024" cy="613888"/>
+        </a:xfrm>
+        <a:prstGeom prst="roundRect">
+          <a:avLst>
+            <a:gd name="adj" fmla="val 16670"/>
+          </a:avLst>
+        </a:prstGeom>
+        <a:solidFill>
+          <a:schemeClr val="accent1">
+            <a:hueOff val="0"/>
+            <a:satOff val="0"/>
+            <a:lumOff val="0"/>
+            <a:alphaOff val="0"/>
+          </a:schemeClr>
+        </a:solidFill>
+        <a:ln w="12700" cap="flat" cmpd="sng" algn="ctr">
+          <a:solidFill>
+            <a:schemeClr val="lt1">
+              <a:hueOff val="0"/>
+              <a:satOff val="0"/>
+              <a:lumOff val="0"/>
+              <a:alphaOff val="0"/>
+            </a:schemeClr>
+          </a:solidFill>
+          <a:prstDash val="solid"/>
+        </a:ln>
+        <a:effectLst/>
+      </dsp:spPr>
+      <dsp:style>
+        <a:lnRef idx="2">
+          <a:scrgbClr r="0" g="0" b="0"/>
+        </a:lnRef>
+        <a:fillRef idx="1">
+          <a:scrgbClr r="0" g="0" b="0"/>
+        </a:fillRef>
+        <a:effectRef idx="0">
+          <a:scrgbClr r="0" g="0" b="0"/>
+        </a:effectRef>
+        <a:fontRef idx="minor">
+          <a:schemeClr val="lt1"/>
+        </a:fontRef>
+      </dsp:style>
+      <dsp:txBody>
+        <a:bodyPr spcFirstLastPara="0" vert="horz" wrap="square" lIns="53340" tIns="53340" rIns="53340" bIns="53340" numCol="1" spcCol="1270" anchor="ctr" anchorCtr="0">
+          <a:noAutofit/>
+        </a:bodyPr>
+        <a:lstStyle/>
+        <a:p>
+          <a:pPr marL="0" lvl="0" indent="0" algn="ctr" defTabSz="622300">
+            <a:lnSpc>
+              <a:spcPct val="90000"/>
+            </a:lnSpc>
+            <a:spcBef>
+              <a:spcPct val="0"/>
+            </a:spcBef>
+            <a:spcAft>
+              <a:spcPct val="35000"/>
+            </a:spcAft>
+            <a:buNone/>
+          </a:pPr>
+          <a:r>
+            <a:rPr lang="en-US" sz="1400" kern="1200" dirty="0"/>
+            <a:t>Decision Trees</a:t>
+          </a:r>
+        </a:p>
+      </dsp:txBody>
+      <dsp:txXfrm>
+        <a:off x="2257172" y="57700"/>
+        <a:ext cx="817078" cy="553942"/>
+      </dsp:txXfrm>
+    </dsp:sp>
+    <dsp:sp modelId="{F0859565-9647-4386-9E68-E3463CB78EBC}">
+      <dsp:nvSpPr>
+        <dsp:cNvPr id="0" name=""/>
+        <dsp:cNvSpPr/>
+      </dsp:nvSpPr>
+      <dsp:spPr>
+        <a:xfrm>
+          <a:off x="3104223" y="86276"/>
+          <a:ext cx="637863" cy="496171"/>
+        </a:xfrm>
+        <a:prstGeom prst="rect">
+          <a:avLst/>
+        </a:prstGeom>
+        <a:noFill/>
+        <a:ln>
+          <a:noFill/>
+        </a:ln>
+        <a:effectLst/>
+      </dsp:spPr>
+      <dsp:style>
+        <a:lnRef idx="0">
+          <a:scrgbClr r="0" g="0" b="0"/>
+        </a:lnRef>
+        <a:fillRef idx="0">
+          <a:scrgbClr r="0" g="0" b="0"/>
+        </a:fillRef>
+        <a:effectRef idx="0">
+          <a:scrgbClr r="0" g="0" b="0"/>
+        </a:effectRef>
+        <a:fontRef idx="minor"/>
+      </dsp:style>
+    </dsp:sp>
+    <dsp:sp modelId="{86B4BB1B-AFCB-4930-AB94-0D3083AF56DF}">
+      <dsp:nvSpPr>
+        <dsp:cNvPr id="0" name=""/>
+        <dsp:cNvSpPr/>
+      </dsp:nvSpPr>
+      <dsp:spPr>
+        <a:xfrm rot="5400000">
+          <a:off x="3092373" y="1294844"/>
+          <a:ext cx="520980" cy="593117"/>
+        </a:xfrm>
+        <a:prstGeom prst="bentUpArrow">
+          <a:avLst>
+            <a:gd name="adj1" fmla="val 32840"/>
+            <a:gd name="adj2" fmla="val 25000"/>
+            <a:gd name="adj3" fmla="val 35780"/>
+          </a:avLst>
+        </a:prstGeom>
+        <a:solidFill>
+          <a:schemeClr val="accent1">
+            <a:tint val="50000"/>
+            <a:hueOff val="0"/>
+            <a:satOff val="0"/>
+            <a:lumOff val="0"/>
+            <a:alphaOff val="0"/>
+          </a:schemeClr>
+        </a:solidFill>
+        <a:ln w="12700" cap="flat" cmpd="sng" algn="ctr">
+          <a:solidFill>
+            <a:schemeClr val="lt1">
+              <a:hueOff val="0"/>
+              <a:satOff val="0"/>
+              <a:lumOff val="0"/>
+              <a:alphaOff val="0"/>
+            </a:schemeClr>
+          </a:solidFill>
+          <a:prstDash val="solid"/>
+        </a:ln>
+        <a:effectLst/>
+      </dsp:spPr>
+      <dsp:style>
+        <a:lnRef idx="2">
+          <a:scrgbClr r="0" g="0" b="0"/>
+        </a:lnRef>
+        <a:fillRef idx="1">
+          <a:scrgbClr r="0" g="0" b="0"/>
+        </a:fillRef>
+        <a:effectRef idx="0">
+          <a:scrgbClr r="0" g="0" b="0"/>
+        </a:effectRef>
+        <a:fontRef idx="minor"/>
+      </dsp:style>
+    </dsp:sp>
+    <dsp:sp modelId="{96EF6C0F-E775-448E-A85E-A55C5A9E8545}">
+      <dsp:nvSpPr>
+        <dsp:cNvPr id="0" name=""/>
+        <dsp:cNvSpPr/>
+      </dsp:nvSpPr>
+      <dsp:spPr>
+        <a:xfrm>
+          <a:off x="2954345" y="717327"/>
+          <a:ext cx="877024" cy="613888"/>
+        </a:xfrm>
+        <a:prstGeom prst="roundRect">
+          <a:avLst>
+            <a:gd name="adj" fmla="val 16670"/>
+          </a:avLst>
+        </a:prstGeom>
+        <a:solidFill>
+          <a:schemeClr val="accent1">
+            <a:hueOff val="0"/>
+            <a:satOff val="0"/>
+            <a:lumOff val="0"/>
+            <a:alphaOff val="0"/>
+          </a:schemeClr>
+        </a:solidFill>
+        <a:ln w="12700" cap="flat" cmpd="sng" algn="ctr">
+          <a:solidFill>
+            <a:schemeClr val="lt1">
+              <a:hueOff val="0"/>
+              <a:satOff val="0"/>
+              <a:lumOff val="0"/>
+              <a:alphaOff val="0"/>
+            </a:schemeClr>
+          </a:solidFill>
+          <a:prstDash val="solid"/>
+        </a:ln>
+        <a:effectLst/>
+      </dsp:spPr>
+      <dsp:style>
+        <a:lnRef idx="2">
+          <a:scrgbClr r="0" g="0" b="0"/>
+        </a:lnRef>
+        <a:fillRef idx="1">
+          <a:scrgbClr r="0" g="0" b="0"/>
+        </a:fillRef>
+        <a:effectRef idx="0">
+          <a:scrgbClr r="0" g="0" b="0"/>
+        </a:effectRef>
+        <a:fontRef idx="minor">
+          <a:schemeClr val="lt1"/>
+        </a:fontRef>
+      </dsp:style>
+      <dsp:txBody>
+        <a:bodyPr spcFirstLastPara="0" vert="horz" wrap="square" lIns="53340" tIns="53340" rIns="53340" bIns="53340" numCol="1" spcCol="1270" anchor="ctr" anchorCtr="0">
+          <a:noAutofit/>
+        </a:bodyPr>
+        <a:lstStyle/>
+        <a:p>
+          <a:pPr marL="0" lvl="0" indent="0" algn="ctr" defTabSz="622300">
+            <a:lnSpc>
+              <a:spcPct val="90000"/>
+            </a:lnSpc>
+            <a:spcBef>
+              <a:spcPct val="0"/>
+            </a:spcBef>
+            <a:spcAft>
+              <a:spcPct val="35000"/>
+            </a:spcAft>
+            <a:buNone/>
+          </a:pPr>
+          <a:r>
+            <a:rPr lang="en-US" sz="1400" kern="1200" dirty="0"/>
+            <a:t>Bagging</a:t>
+          </a:r>
+        </a:p>
+      </dsp:txBody>
+      <dsp:txXfrm>
+        <a:off x="2984318" y="747300"/>
+        <a:ext cx="817078" cy="553942"/>
+      </dsp:txXfrm>
+    </dsp:sp>
+    <dsp:sp modelId="{16673E75-2E08-4F88-8C83-29E00D08DBD5}">
+      <dsp:nvSpPr>
+        <dsp:cNvPr id="0" name=""/>
+        <dsp:cNvSpPr/>
+      </dsp:nvSpPr>
+      <dsp:spPr>
+        <a:xfrm>
+          <a:off x="3831369" y="775875"/>
+          <a:ext cx="637863" cy="496171"/>
+        </a:xfrm>
+        <a:prstGeom prst="rect">
+          <a:avLst/>
+        </a:prstGeom>
+        <a:noFill/>
+        <a:ln>
+          <a:noFill/>
+        </a:ln>
+        <a:effectLst/>
+      </dsp:spPr>
+      <dsp:style>
+        <a:lnRef idx="0">
+          <a:scrgbClr r="0" g="0" b="0"/>
+        </a:lnRef>
+        <a:fillRef idx="0">
+          <a:scrgbClr r="0" g="0" b="0"/>
+        </a:fillRef>
+        <a:effectRef idx="0">
+          <a:scrgbClr r="0" g="0" b="0"/>
+        </a:effectRef>
+        <a:fontRef idx="minor"/>
+      </dsp:style>
+    </dsp:sp>
+    <dsp:sp modelId="{767714CB-F5C5-4038-A255-32CE2F6D6D9E}">
+      <dsp:nvSpPr>
+        <dsp:cNvPr id="0" name=""/>
+        <dsp:cNvSpPr/>
+      </dsp:nvSpPr>
+      <dsp:spPr>
+        <a:xfrm rot="5400000">
+          <a:off x="3819519" y="1984443"/>
+          <a:ext cx="520980" cy="593117"/>
+        </a:xfrm>
+        <a:prstGeom prst="bentUpArrow">
+          <a:avLst>
+            <a:gd name="adj1" fmla="val 32840"/>
+            <a:gd name="adj2" fmla="val 25000"/>
+            <a:gd name="adj3" fmla="val 35780"/>
+          </a:avLst>
+        </a:prstGeom>
+        <a:solidFill>
+          <a:schemeClr val="accent1">
+            <a:tint val="50000"/>
+            <a:hueOff val="0"/>
+            <a:satOff val="0"/>
+            <a:lumOff val="0"/>
+            <a:alphaOff val="0"/>
+          </a:schemeClr>
+        </a:solidFill>
+        <a:ln w="12700" cap="flat" cmpd="sng" algn="ctr">
+          <a:solidFill>
+            <a:schemeClr val="lt1">
+              <a:hueOff val="0"/>
+              <a:satOff val="0"/>
+              <a:lumOff val="0"/>
+              <a:alphaOff val="0"/>
+            </a:schemeClr>
+          </a:solidFill>
+          <a:prstDash val="solid"/>
+        </a:ln>
+        <a:effectLst/>
+      </dsp:spPr>
+      <dsp:style>
+        <a:lnRef idx="2">
+          <a:scrgbClr r="0" g="0" b="0"/>
+        </a:lnRef>
+        <a:fillRef idx="1">
+          <a:scrgbClr r="0" g="0" b="0"/>
+        </a:fillRef>
+        <a:effectRef idx="0">
+          <a:scrgbClr r="0" g="0" b="0"/>
+        </a:effectRef>
+        <a:fontRef idx="minor"/>
+      </dsp:style>
+    </dsp:sp>
+    <dsp:sp modelId="{08B2D816-0031-43DA-BF80-9F975AF3179C}">
+      <dsp:nvSpPr>
+        <dsp:cNvPr id="0" name=""/>
+        <dsp:cNvSpPr/>
+      </dsp:nvSpPr>
+      <dsp:spPr>
+        <a:xfrm>
+          <a:off x="3681491" y="1406926"/>
+          <a:ext cx="877024" cy="613888"/>
+        </a:xfrm>
+        <a:prstGeom prst="roundRect">
+          <a:avLst>
+            <a:gd name="adj" fmla="val 16670"/>
+          </a:avLst>
+        </a:prstGeom>
+        <a:solidFill>
+          <a:schemeClr val="accent1">
+            <a:hueOff val="0"/>
+            <a:satOff val="0"/>
+            <a:lumOff val="0"/>
+            <a:alphaOff val="0"/>
+          </a:schemeClr>
+        </a:solidFill>
+        <a:ln w="12700" cap="flat" cmpd="sng" algn="ctr">
+          <a:solidFill>
+            <a:schemeClr val="lt1">
+              <a:hueOff val="0"/>
+              <a:satOff val="0"/>
+              <a:lumOff val="0"/>
+              <a:alphaOff val="0"/>
+            </a:schemeClr>
+          </a:solidFill>
+          <a:prstDash val="solid"/>
+        </a:ln>
+        <a:effectLst/>
+      </dsp:spPr>
+      <dsp:style>
+        <a:lnRef idx="2">
+          <a:scrgbClr r="0" g="0" b="0"/>
+        </a:lnRef>
+        <a:fillRef idx="1">
+          <a:scrgbClr r="0" g="0" b="0"/>
+        </a:fillRef>
+        <a:effectRef idx="0">
+          <a:scrgbClr r="0" g="0" b="0"/>
+        </a:effectRef>
+        <a:fontRef idx="minor">
+          <a:schemeClr val="lt1"/>
+        </a:fontRef>
+      </dsp:style>
+      <dsp:txBody>
+        <a:bodyPr spcFirstLastPara="0" vert="horz" wrap="square" lIns="53340" tIns="53340" rIns="53340" bIns="53340" numCol="1" spcCol="1270" anchor="ctr" anchorCtr="0">
+          <a:noAutofit/>
+        </a:bodyPr>
+        <a:lstStyle/>
+        <a:p>
+          <a:pPr marL="0" lvl="0" indent="0" algn="ctr" defTabSz="622300">
+            <a:lnSpc>
+              <a:spcPct val="90000"/>
+            </a:lnSpc>
+            <a:spcBef>
+              <a:spcPct val="0"/>
+            </a:spcBef>
+            <a:spcAft>
+              <a:spcPct val="35000"/>
+            </a:spcAft>
+            <a:buNone/>
+          </a:pPr>
+          <a:r>
+            <a:rPr lang="en-US" sz="1400" kern="1200" dirty="0"/>
+            <a:t>Random Forest</a:t>
+          </a:r>
+        </a:p>
+      </dsp:txBody>
+      <dsp:txXfrm>
+        <a:off x="3711464" y="1436899"/>
+        <a:ext cx="817078" cy="553942"/>
+      </dsp:txXfrm>
+    </dsp:sp>
+    <dsp:sp modelId="{40660D0C-87E6-4C90-AB2B-502B175EBC88}">
+      <dsp:nvSpPr>
+        <dsp:cNvPr id="0" name=""/>
+        <dsp:cNvSpPr/>
+      </dsp:nvSpPr>
+      <dsp:spPr>
+        <a:xfrm>
+          <a:off x="4558515" y="1465474"/>
+          <a:ext cx="637863" cy="496171"/>
+        </a:xfrm>
+        <a:prstGeom prst="rect">
+          <a:avLst/>
+        </a:prstGeom>
+        <a:noFill/>
+        <a:ln>
+          <a:noFill/>
+        </a:ln>
+        <a:effectLst/>
+      </dsp:spPr>
+      <dsp:style>
+        <a:lnRef idx="0">
+          <a:scrgbClr r="0" g="0" b="0"/>
+        </a:lnRef>
+        <a:fillRef idx="0">
+          <a:scrgbClr r="0" g="0" b="0"/>
+        </a:fillRef>
+        <a:effectRef idx="0">
+          <a:scrgbClr r="0" g="0" b="0"/>
+        </a:effectRef>
+        <a:fontRef idx="minor"/>
+      </dsp:style>
+    </dsp:sp>
+    <dsp:sp modelId="{111A472C-5B9F-4142-89AC-DCBD4D95D3E8}">
+      <dsp:nvSpPr>
+        <dsp:cNvPr id="0" name=""/>
+        <dsp:cNvSpPr/>
+      </dsp:nvSpPr>
+      <dsp:spPr>
+        <a:xfrm rot="5400000">
+          <a:off x="4546665" y="2674042"/>
+          <a:ext cx="520980" cy="593117"/>
+        </a:xfrm>
+        <a:prstGeom prst="bentUpArrow">
+          <a:avLst>
+            <a:gd name="adj1" fmla="val 32840"/>
+            <a:gd name="adj2" fmla="val 25000"/>
+            <a:gd name="adj3" fmla="val 35780"/>
+          </a:avLst>
+        </a:prstGeom>
+        <a:solidFill>
+          <a:schemeClr val="accent1">
+            <a:tint val="50000"/>
+            <a:hueOff val="0"/>
+            <a:satOff val="0"/>
+            <a:lumOff val="0"/>
+            <a:alphaOff val="0"/>
+          </a:schemeClr>
+        </a:solidFill>
+        <a:ln w="12700" cap="flat" cmpd="sng" algn="ctr">
+          <a:solidFill>
+            <a:schemeClr val="lt1">
+              <a:hueOff val="0"/>
+              <a:satOff val="0"/>
+              <a:lumOff val="0"/>
+              <a:alphaOff val="0"/>
+            </a:schemeClr>
+          </a:solidFill>
+          <a:prstDash val="solid"/>
+        </a:ln>
+        <a:effectLst/>
+      </dsp:spPr>
+      <dsp:style>
+        <a:lnRef idx="2">
+          <a:scrgbClr r="0" g="0" b="0"/>
+        </a:lnRef>
+        <a:fillRef idx="1">
+          <a:scrgbClr r="0" g="0" b="0"/>
+        </a:fillRef>
+        <a:effectRef idx="0">
+          <a:scrgbClr r="0" g="0" b="0"/>
+        </a:effectRef>
+        <a:fontRef idx="minor"/>
+      </dsp:style>
+    </dsp:sp>
+    <dsp:sp modelId="{C5DFC8BF-C6C6-4B13-8F1A-BF46115A5800}">
+      <dsp:nvSpPr>
+        <dsp:cNvPr id="0" name=""/>
+        <dsp:cNvSpPr/>
+      </dsp:nvSpPr>
+      <dsp:spPr>
+        <a:xfrm>
+          <a:off x="4408637" y="2096525"/>
+          <a:ext cx="877024" cy="613888"/>
+        </a:xfrm>
+        <a:prstGeom prst="roundRect">
+          <a:avLst>
+            <a:gd name="adj" fmla="val 16670"/>
+          </a:avLst>
+        </a:prstGeom>
+        <a:solidFill>
+          <a:schemeClr val="accent1">
+            <a:hueOff val="0"/>
+            <a:satOff val="0"/>
+            <a:lumOff val="0"/>
+            <a:alphaOff val="0"/>
+          </a:schemeClr>
+        </a:solidFill>
+        <a:ln w="12700" cap="flat" cmpd="sng" algn="ctr">
+          <a:solidFill>
+            <a:schemeClr val="lt1">
+              <a:hueOff val="0"/>
+              <a:satOff val="0"/>
+              <a:lumOff val="0"/>
+              <a:alphaOff val="0"/>
+            </a:schemeClr>
+          </a:solidFill>
+          <a:prstDash val="solid"/>
+        </a:ln>
+        <a:effectLst/>
+      </dsp:spPr>
+      <dsp:style>
+        <a:lnRef idx="2">
+          <a:scrgbClr r="0" g="0" b="0"/>
+        </a:lnRef>
+        <a:fillRef idx="1">
+          <a:scrgbClr r="0" g="0" b="0"/>
+        </a:fillRef>
+        <a:effectRef idx="0">
+          <a:scrgbClr r="0" g="0" b="0"/>
+        </a:effectRef>
+        <a:fontRef idx="minor">
+          <a:schemeClr val="lt1"/>
+        </a:fontRef>
+      </dsp:style>
+      <dsp:txBody>
+        <a:bodyPr spcFirstLastPara="0" vert="horz" wrap="square" lIns="53340" tIns="53340" rIns="53340" bIns="53340" numCol="1" spcCol="1270" anchor="ctr" anchorCtr="0">
+          <a:noAutofit/>
+        </a:bodyPr>
+        <a:lstStyle/>
+        <a:p>
+          <a:pPr marL="0" lvl="0" indent="0" algn="ctr" defTabSz="622300">
+            <a:lnSpc>
+              <a:spcPct val="90000"/>
+            </a:lnSpc>
+            <a:spcBef>
+              <a:spcPct val="0"/>
+            </a:spcBef>
+            <a:spcAft>
+              <a:spcPct val="35000"/>
+            </a:spcAft>
+            <a:buNone/>
+          </a:pPr>
+          <a:r>
+            <a:rPr lang="en-US" sz="1400" kern="1200" dirty="0"/>
+            <a:t>Boosting</a:t>
+          </a:r>
+        </a:p>
+      </dsp:txBody>
+      <dsp:txXfrm>
+        <a:off x="4438610" y="2126498"/>
+        <a:ext cx="817078" cy="553942"/>
+      </dsp:txXfrm>
+    </dsp:sp>
+    <dsp:sp modelId="{17643780-B371-4C7F-AEB9-7AAF1AFA2AF4}">
+      <dsp:nvSpPr>
+        <dsp:cNvPr id="0" name=""/>
+        <dsp:cNvSpPr/>
+      </dsp:nvSpPr>
+      <dsp:spPr>
+        <a:xfrm>
+          <a:off x="5285661" y="2155073"/>
+          <a:ext cx="637863" cy="496171"/>
+        </a:xfrm>
+        <a:prstGeom prst="rect">
+          <a:avLst/>
+        </a:prstGeom>
+        <a:noFill/>
+        <a:ln>
+          <a:noFill/>
+        </a:ln>
+        <a:effectLst/>
+      </dsp:spPr>
+      <dsp:style>
+        <a:lnRef idx="0">
+          <a:scrgbClr r="0" g="0" b="0"/>
+        </a:lnRef>
+        <a:fillRef idx="0">
+          <a:scrgbClr r="0" g="0" b="0"/>
+        </a:fillRef>
+        <a:effectRef idx="0">
+          <a:scrgbClr r="0" g="0" b="0"/>
+        </a:effectRef>
+        <a:fontRef idx="minor"/>
+      </dsp:style>
+    </dsp:sp>
+    <dsp:sp modelId="{65BB8652-27C3-4039-B196-6B77E994725D}">
+      <dsp:nvSpPr>
+        <dsp:cNvPr id="0" name=""/>
+        <dsp:cNvSpPr/>
+      </dsp:nvSpPr>
+      <dsp:spPr>
+        <a:xfrm rot="5400000">
+          <a:off x="5273811" y="3363641"/>
+          <a:ext cx="520980" cy="593117"/>
+        </a:xfrm>
+        <a:prstGeom prst="bentUpArrow">
+          <a:avLst>
+            <a:gd name="adj1" fmla="val 32840"/>
+            <a:gd name="adj2" fmla="val 25000"/>
+            <a:gd name="adj3" fmla="val 35780"/>
+          </a:avLst>
+        </a:prstGeom>
+        <a:solidFill>
+          <a:schemeClr val="accent1">
+            <a:tint val="50000"/>
+            <a:hueOff val="0"/>
+            <a:satOff val="0"/>
+            <a:lumOff val="0"/>
+            <a:alphaOff val="0"/>
+          </a:schemeClr>
+        </a:solidFill>
+        <a:ln w="12700" cap="flat" cmpd="sng" algn="ctr">
+          <a:solidFill>
+            <a:schemeClr val="lt1">
+              <a:hueOff val="0"/>
+              <a:satOff val="0"/>
+              <a:lumOff val="0"/>
+              <a:alphaOff val="0"/>
+            </a:schemeClr>
+          </a:solidFill>
+          <a:prstDash val="solid"/>
+        </a:ln>
+        <a:effectLst/>
+      </dsp:spPr>
+      <dsp:style>
+        <a:lnRef idx="2">
+          <a:scrgbClr r="0" g="0" b="0"/>
+        </a:lnRef>
+        <a:fillRef idx="1">
+          <a:scrgbClr r="0" g="0" b="0"/>
+        </a:fillRef>
+        <a:effectRef idx="0">
+          <a:scrgbClr r="0" g="0" b="0"/>
+        </a:effectRef>
+        <a:fontRef idx="minor"/>
+      </dsp:style>
+    </dsp:sp>
+    <dsp:sp modelId="{FBB33FEB-BFFC-4F6E-AA74-6D3282608034}">
+      <dsp:nvSpPr>
+        <dsp:cNvPr id="0" name=""/>
+        <dsp:cNvSpPr/>
+      </dsp:nvSpPr>
+      <dsp:spPr>
+        <a:xfrm>
+          <a:off x="5135783" y="2786124"/>
+          <a:ext cx="877024" cy="613888"/>
+        </a:xfrm>
+        <a:prstGeom prst="roundRect">
+          <a:avLst>
+            <a:gd name="adj" fmla="val 16670"/>
+          </a:avLst>
+        </a:prstGeom>
+        <a:solidFill>
+          <a:schemeClr val="accent1">
+            <a:hueOff val="0"/>
+            <a:satOff val="0"/>
+            <a:lumOff val="0"/>
+            <a:alphaOff val="0"/>
+          </a:schemeClr>
+        </a:solidFill>
+        <a:ln w="12700" cap="flat" cmpd="sng" algn="ctr">
+          <a:solidFill>
+            <a:schemeClr val="lt1">
+              <a:hueOff val="0"/>
+              <a:satOff val="0"/>
+              <a:lumOff val="0"/>
+              <a:alphaOff val="0"/>
+            </a:schemeClr>
+          </a:solidFill>
+          <a:prstDash val="solid"/>
+        </a:ln>
+        <a:effectLst/>
+      </dsp:spPr>
+      <dsp:style>
+        <a:lnRef idx="2">
+          <a:scrgbClr r="0" g="0" b="0"/>
+        </a:lnRef>
+        <a:fillRef idx="1">
+          <a:scrgbClr r="0" g="0" b="0"/>
+        </a:fillRef>
+        <a:effectRef idx="0">
+          <a:scrgbClr r="0" g="0" b="0"/>
+        </a:effectRef>
+        <a:fontRef idx="minor">
+          <a:schemeClr val="lt1"/>
+        </a:fontRef>
+      </dsp:style>
+      <dsp:txBody>
+        <a:bodyPr spcFirstLastPara="0" vert="horz" wrap="square" lIns="53340" tIns="53340" rIns="53340" bIns="53340" numCol="1" spcCol="1270" anchor="ctr" anchorCtr="0">
+          <a:noAutofit/>
+        </a:bodyPr>
+        <a:lstStyle/>
+        <a:p>
+          <a:pPr marL="0" lvl="0" indent="0" algn="ctr" defTabSz="622300">
+            <a:lnSpc>
+              <a:spcPct val="90000"/>
+            </a:lnSpc>
+            <a:spcBef>
+              <a:spcPct val="0"/>
+            </a:spcBef>
+            <a:spcAft>
+              <a:spcPct val="35000"/>
+            </a:spcAft>
+            <a:buNone/>
+          </a:pPr>
+          <a:r>
+            <a:rPr lang="en-US" sz="1400" kern="1200" dirty="0"/>
+            <a:t>Gradient Boosting</a:t>
+          </a:r>
+        </a:p>
+      </dsp:txBody>
+      <dsp:txXfrm>
+        <a:off x="5165756" y="2816097"/>
+        <a:ext cx="817078" cy="553942"/>
+      </dsp:txXfrm>
+    </dsp:sp>
+    <dsp:sp modelId="{3FA4F11A-6D2E-4CB6-AFBD-10511ACB5DEC}">
+      <dsp:nvSpPr>
+        <dsp:cNvPr id="0" name=""/>
+        <dsp:cNvSpPr/>
+      </dsp:nvSpPr>
+      <dsp:spPr>
+        <a:xfrm>
+          <a:off x="6012807" y="2844672"/>
+          <a:ext cx="637863" cy="496171"/>
+        </a:xfrm>
+        <a:prstGeom prst="rect">
+          <a:avLst/>
+        </a:prstGeom>
+        <a:noFill/>
+        <a:ln>
+          <a:noFill/>
+        </a:ln>
+        <a:effectLst/>
+      </dsp:spPr>
+      <dsp:style>
+        <a:lnRef idx="0">
+          <a:scrgbClr r="0" g="0" b="0"/>
+        </a:lnRef>
+        <a:fillRef idx="0">
+          <a:scrgbClr r="0" g="0" b="0"/>
+        </a:fillRef>
+        <a:effectRef idx="0">
+          <a:scrgbClr r="0" g="0" b="0"/>
+        </a:effectRef>
+        <a:fontRef idx="minor"/>
+      </dsp:style>
+    </dsp:sp>
+    <dsp:sp modelId="{A5224548-49C4-4954-8EF1-58903A41E21C}">
+      <dsp:nvSpPr>
+        <dsp:cNvPr id="0" name=""/>
+        <dsp:cNvSpPr/>
+      </dsp:nvSpPr>
+      <dsp:spPr>
+        <a:xfrm>
+          <a:off x="5862929" y="3475723"/>
+          <a:ext cx="877024" cy="613888"/>
+        </a:xfrm>
+        <a:prstGeom prst="roundRect">
+          <a:avLst>
+            <a:gd name="adj" fmla="val 16670"/>
+          </a:avLst>
+        </a:prstGeom>
+        <a:solidFill>
+          <a:schemeClr val="accent1">
+            <a:hueOff val="0"/>
+            <a:satOff val="0"/>
+            <a:lumOff val="0"/>
+            <a:alphaOff val="0"/>
+          </a:schemeClr>
+        </a:solidFill>
+        <a:ln w="12700" cap="flat" cmpd="sng" algn="ctr">
+          <a:solidFill>
+            <a:schemeClr val="lt1">
+              <a:hueOff val="0"/>
+              <a:satOff val="0"/>
+              <a:lumOff val="0"/>
+              <a:alphaOff val="0"/>
+            </a:schemeClr>
+          </a:solidFill>
+          <a:prstDash val="solid"/>
+        </a:ln>
+        <a:effectLst/>
+      </dsp:spPr>
+      <dsp:style>
+        <a:lnRef idx="2">
+          <a:scrgbClr r="0" g="0" b="0"/>
+        </a:lnRef>
+        <a:fillRef idx="1">
+          <a:scrgbClr r="0" g="0" b="0"/>
+        </a:fillRef>
+        <a:effectRef idx="0">
+          <a:scrgbClr r="0" g="0" b="0"/>
+        </a:effectRef>
+        <a:fontRef idx="minor">
+          <a:schemeClr val="lt1"/>
+        </a:fontRef>
+      </dsp:style>
+      <dsp:txBody>
+        <a:bodyPr spcFirstLastPara="0" vert="horz" wrap="square" lIns="53340" tIns="53340" rIns="53340" bIns="53340" numCol="1" spcCol="1270" anchor="ctr" anchorCtr="0">
+          <a:noAutofit/>
+        </a:bodyPr>
+        <a:lstStyle/>
+        <a:p>
+          <a:pPr marL="0" lvl="0" indent="0" algn="ctr" defTabSz="622300">
+            <a:lnSpc>
+              <a:spcPct val="90000"/>
+            </a:lnSpc>
+            <a:spcBef>
+              <a:spcPct val="0"/>
+            </a:spcBef>
+            <a:spcAft>
+              <a:spcPct val="35000"/>
+            </a:spcAft>
+            <a:buNone/>
+          </a:pPr>
+          <a:r>
+            <a:rPr lang="en-US" sz="1400" kern="1200" dirty="0" err="1"/>
+            <a:t>XGBoost</a:t>
+          </a:r>
+          <a:endParaRPr lang="en-US" sz="1400" kern="1200" dirty="0"/>
+        </a:p>
+      </dsp:txBody>
+      <dsp:txXfrm>
+        <a:off x="5892902" y="3505696"/>
+        <a:ext cx="817078" cy="553942"/>
+      </dsp:txXfrm>
+    </dsp:sp>
+  </dsp:spTree>
+</dsp:drawing>
+</file>
+
+<file path=ppt/diagrams/layout1.xml><?xml version="1.0" encoding="utf-8"?>
+<dgm:layoutDef xmlns:dgm="http://schemas.openxmlformats.org/drawingml/2006/diagram" xmlns:a="http://schemas.openxmlformats.org/drawingml/2006/main" uniqueId="urn:microsoft.com/office/officeart/2005/8/layout/StepDownProcess">
+  <dgm:title val=""/>
+  <dgm:desc val=""/>
+  <dgm:catLst>
+    <dgm:cat type="process" pri="1600"/>
+  </dgm:catLst>
+  <dgm:sampData>
+    <dgm:dataModel>
+      <dgm:ptLst>
+        <dgm:pt modelId="0" type="doc"/>
+        <dgm:pt modelId="10">
+          <dgm:prSet phldr="1"/>
+        </dgm:pt>
+        <dgm:pt modelId="11">
+          <dgm:prSet phldr="1"/>
+        </dgm:pt>
+        <dgm:pt modelId="20">
+          <dgm:prSet phldr="1"/>
+        </dgm:pt>
+        <dgm:pt modelId="21">
+          <dgm:prSet phldr="1"/>
+        </dgm:pt>
+        <dgm:pt modelId="30">
+          <dgm:prSet phldr="1"/>
+        </dgm:pt>
+        <dgm:pt modelId="31">
+          <dgm:prSet phldr="1"/>
+        </dgm:pt>
+      </dgm:ptLst>
+      <dgm:cxnLst>
+        <dgm:cxn modelId="60" srcId="0" destId="10" srcOrd="0" destOrd="0"/>
+        <dgm:cxn modelId="12" srcId="10" destId="11" srcOrd="0" destOrd="0"/>
+        <dgm:cxn modelId="70" srcId="0" destId="20" srcOrd="1" destOrd="0"/>
+        <dgm:cxn modelId="22" srcId="20" destId="21" srcOrd="0" destOrd="0"/>
+        <dgm:cxn modelId="80" srcId="0" destId="30" srcOrd="2" destOrd="0"/>
+        <dgm:cxn modelId="32" srcId="30" destId="31" srcOrd="0" destOrd="0"/>
+      </dgm:cxnLst>
+      <dgm:bg/>
+      <dgm:whole/>
+    </dgm:dataModel>
+  </dgm:sampData>
+  <dgm:styleData>
+    <dgm:dataModel>
+      <dgm:ptLst>
+        <dgm:pt modelId="0" type="doc"/>
+        <dgm:pt modelId="10">
+          <dgm:prSet phldr="1"/>
+        </dgm:pt>
+        <dgm:pt modelId="20">
+          <dgm:prSet phldr="1"/>
+        </dgm:pt>
+      </dgm:ptLst>
+      <dgm:cxnLst>
+        <dgm:cxn modelId="60" srcId="0" destId="10" srcOrd="0" destOrd="0"/>
+        <dgm:cxn modelId="70" srcId="0" destId="20" srcOrd="1" destOrd="0"/>
+      </dgm:cxnLst>
+      <dgm:bg/>
+      <dgm:whole/>
+    </dgm:dataModel>
+  </dgm:styleData>
+  <dgm:clrData>
+    <dgm:dataModel>
+      <dgm:ptLst>
+        <dgm:pt modelId="0" type="doc"/>
+        <dgm:pt modelId="10">
+          <dgm:prSet phldr="1"/>
+        </dgm:pt>
+        <dgm:pt modelId="20">
+          <dgm:prSet phldr="1"/>
+        </dgm:pt>
+        <dgm:pt modelId="30">
+          <dgm:prSet phldr="1"/>
+        </dgm:pt>
+        <dgm:pt modelId="40">
+          <dgm:prSet phldr="1"/>
+        </dgm:pt>
+      </dgm:ptLst>
+      <dgm:cxnLst>
+        <dgm:cxn modelId="60" srcId="0" destId="10" srcOrd="0" destOrd="0"/>
+        <dgm:cxn modelId="70" srcId="0" destId="20" srcOrd="1" destOrd="0"/>
+        <dgm:cxn modelId="80" srcId="0" destId="30" srcOrd="2" destOrd="0"/>
+        <dgm:cxn modelId="90" srcId="0" destId="40" srcOrd="3" destOrd="0"/>
+      </dgm:cxnLst>
+      <dgm:bg/>
+      <dgm:whole/>
+    </dgm:dataModel>
+  </dgm:clrData>
+  <dgm:layoutNode name="rootnode">
+    <dgm:varLst>
+      <dgm:chMax/>
+      <dgm:chPref/>
+      <dgm:dir/>
+      <dgm:animLvl val="lvl"/>
+    </dgm:varLst>
+    <dgm:choose name="Name0">
+      <dgm:if name="Name1" func="var" arg="dir" op="equ" val="norm">
+        <dgm:alg type="snake">
+          <dgm:param type="grDir" val="tL"/>
+          <dgm:param type="flowDir" val="row"/>
+          <dgm:param type="off" val="off"/>
+          <dgm:param type="bkpt" val="fixed"/>
+          <dgm:param type="bkPtFixedVal" val="1"/>
+        </dgm:alg>
+      </dgm:if>
+      <dgm:else name="Name2">
+        <dgm:alg type="snake">
+          <dgm:param type="grDir" val="tR"/>
+          <dgm:param type="flowDir" val="row"/>
+          <dgm:param type="off" val="off"/>
+          <dgm:param type="bkpt" val="fixed"/>
+          <dgm:param type="bkPtFixedVal" val="1"/>
+        </dgm:alg>
+      </dgm:else>
+    </dgm:choose>
+    <dgm:shape xmlns:r="http://schemas.openxmlformats.org/officeDocument/2006/relationships" r:blip="">
+      <dgm:adjLst/>
+    </dgm:shape>
+    <dgm:choose name="Name3">
+      <dgm:if name="Name4" func="var" arg="dir" op="equ" val="norm">
+        <dgm:constrLst>
+          <dgm:constr type="alignOff" forName="rootnode" val="0.48"/>
+          <dgm:constr type="primFontSz" for="des" forName="ParentText" val="65"/>
+          <dgm:constr type="primFontSz" for="des" forName="ChildText" refType="primFontSz" refFor="des" refForName="ParentText" op="lte"/>
+          <dgm:constr type="w" for="ch" forName="composite" refType="w"/>
+          <dgm:constr type="h" for="ch" forName="composite" refType="h"/>
+          <dgm:constr type="sp" refType="h" refFor="ch" refForName="composite" op="equ" fact="-0.38"/>
+        </dgm:constrLst>
+      </dgm:if>
+      <dgm:else name="Name5">
+        <dgm:constrLst>
+          <dgm:constr type="alignOff" forName="rootnode" val="0.48"/>
+          <dgm:constr type="primFontSz" for="des" forName="ParentText" val="65"/>
+          <dgm:constr type="primFontSz" for="des" forName="ChildText" refType="primFontSz" refFor="des" refForName="ParentText" op="lte"/>
+          <dgm:constr type="w" for="ch" forName="composite" refType="w"/>
+          <dgm:constr type="h" for="ch" forName="composite" refType="h"/>
+          <dgm:constr type="sp" refType="h" refFor="ch" refForName="composite" op="equ" fact="-0.38"/>
+        </dgm:constrLst>
+      </dgm:else>
+    </dgm:choose>
+    <dgm:forEach name="nodesForEach" axis="ch" ptType="node">
+      <dgm:layoutNode name="composite">
+        <dgm:alg type="composite">
+          <dgm:param type="ar" val="1.2439"/>
+        </dgm:alg>
+        <dgm:shape xmlns:r="http://schemas.openxmlformats.org/officeDocument/2006/relationships" r:blip="">
+          <dgm:adjLst/>
+        </dgm:shape>
+        <dgm:choose name="Name6">
+          <dgm:if name="Name7" func="var" arg="dir" op="equ" val="norm">
+            <dgm:constrLst>
+              <dgm:constr type="l" for="ch" forName="bentUpArrow1" refType="w" fact="0.07"/>
+              <dgm:constr type="t" for="ch" forName="bentUpArrow1" refType="h" fact="0.524"/>
+              <dgm:constr type="w" for="ch" forName="bentUpArrow1" refType="w" fact="0.3844"/>
+              <dgm:constr type="h" for="ch" forName="bentUpArrow1" refType="h" fact="0.42"/>
+              <dgm:constr type="l" for="ch" forName="ParentText" refType="w" fact="0"/>
+              <dgm:constr type="t" for="ch" forName="ParentText" refType="h" fact="0"/>
+              <dgm:constr type="w" for="ch" forName="ParentText" refType="w" fact="0.5684"/>
+              <dgm:constr type="h" for="ch" forName="ParentText" refType="h" fact="0.4949"/>
+              <dgm:constr type="l" for="ch" forName="ChildText" refType="w" refFor="ch" refForName="ParentText"/>
+              <dgm:constr type="t" for="ch" forName="ChildText" refType="h" fact="0.05"/>
+              <dgm:constr type="w" for="ch" forName="ChildText" refType="w" fact="0.4134"/>
+              <dgm:constr type="h" for="ch" forName="ChildText" refType="h" fact="0.4"/>
+              <dgm:constr type="l" for="ch" forName="FinalChildText" refType="w" refFor="ch" refForName="ParentText"/>
+              <dgm:constr type="t" for="ch" forName="FinalChildText" refType="h" fact="0.05"/>
+              <dgm:constr type="w" for="ch" forName="FinalChildText" refType="w" fact="0.4134"/>
+              <dgm:constr type="h" for="ch" forName="FinalChildText" refType="h" fact="0.4"/>
+            </dgm:constrLst>
+          </dgm:if>
+          <dgm:else name="Name8">
+            <dgm:constrLst>
+              <dgm:constr type="r" for="ch" forName="bentUpArrow1" refType="w" fact="0.97"/>
+              <dgm:constr type="t" for="ch" forName="bentUpArrow1" refType="h" fact="0.524"/>
+              <dgm:constr type="w" for="ch" forName="bentUpArrow1" refType="w" fact="0.3844"/>
+              <dgm:constr type="h" for="ch" forName="bentUpArrow1" refType="h" fact="0.42"/>
+              <dgm:constr type="l" for="ch" forName="ParentText" refType="w" fact="0.4316"/>
+              <dgm:constr type="t" for="ch" forName="ParentText" refType="h" fact="0"/>
+              <dgm:constr type="w" for="ch" forName="ParentText" refType="w" fact="0.5684"/>
+              <dgm:constr type="h" for="ch" forName="ParentText" refType="h" fact="0.4949"/>
+              <dgm:constr type="l" for="ch" forName="ChildText" refType="w" fact="0"/>
+              <dgm:constr type="t" for="ch" forName="ChildText" refType="h" fact="0.05"/>
+              <dgm:constr type="w" for="ch" forName="ChildText" refType="w" fact="0.4134"/>
+              <dgm:constr type="h" for="ch" forName="ChildText" refType="h" fact="0.4"/>
+              <dgm:constr type="l" for="ch" forName="FinalChildText" refType="w" fact="0"/>
+              <dgm:constr type="t" for="ch" forName="FinalChildText" refType="h" fact="0.05"/>
+              <dgm:constr type="w" for="ch" forName="FinalChildText" refType="w" fact="0.4134"/>
+              <dgm:constr type="h" for="ch" forName="FinalChildText" refType="h" fact="0.4"/>
+            </dgm:constrLst>
+          </dgm:else>
+        </dgm:choose>
+        <dgm:choose name="Name9">
+          <dgm:if name="Name10" axis="followSib" ptType="node" func="cnt" op="gte" val="1">
+            <dgm:layoutNode name="bentUpArrow1" styleLbl="alignImgPlace1">
+              <dgm:alg type="sp"/>
+              <dgm:choose name="Name11">
+                <dgm:if name="Name12" func="var" arg="dir" op="equ" val="norm">
+                  <dgm:shape xmlns:r="http://schemas.openxmlformats.org/officeDocument/2006/relationships" rot="90" type="bentUpArrow" r:blip="">
+                    <dgm:adjLst>
+                      <dgm:adj idx="1" val="0.3284"/>
+                      <dgm:adj idx="2" val="0.25"/>
+                      <dgm:adj idx="3" val="0.3578"/>
+                    </dgm:adjLst>
+                  </dgm:shape>
+                </dgm:if>
+                <dgm:else name="Name13">
+                  <dgm:shape xmlns:r="http://schemas.openxmlformats.org/officeDocument/2006/relationships" rot="180" type="bentArrow" r:blip="">
+                    <dgm:adjLst>
+                      <dgm:adj idx="1" val="0.3284"/>
+                      <dgm:adj idx="2" val="0.25"/>
+                      <dgm:adj idx="3" val="0.3578"/>
+                      <dgm:adj idx="4" val="0"/>
+                    </dgm:adjLst>
+                  </dgm:shape>
+                </dgm:else>
+              </dgm:choose>
+              <dgm:presOf/>
+            </dgm:layoutNode>
+          </dgm:if>
+          <dgm:else name="Name14"/>
+        </dgm:choose>
+        <dgm:layoutNode name="ParentText" styleLbl="node1">
+          <dgm:varLst>
+            <dgm:chMax val="1"/>
+            <dgm:chPref val="1"/>
+            <dgm:bulletEnabled val="1"/>
+          </dgm:varLst>
+          <dgm:alg type="tx"/>
+          <dgm:shape xmlns:r="http://schemas.openxmlformats.org/officeDocument/2006/relationships" type="roundRect" r:blip="">
+            <dgm:adjLst>
+              <dgm:adj idx="1" val="0.1667"/>
+            </dgm:adjLst>
+          </dgm:shape>
+          <dgm:presOf axis="self" ptType="node"/>
+          <dgm:constrLst>
+            <dgm:constr type="lMarg" refType="primFontSz" fact="0.3"/>
+            <dgm:constr type="rMarg" refType="primFontSz" fact="0.3"/>
+            <dgm:constr type="tMarg" refType="primFontSz" fact="0.3"/>
+            <dgm:constr type="bMarg" refType="primFontSz" fact="0.3"/>
+          </dgm:constrLst>
+          <dgm:ruleLst>
+            <dgm:rule type="primFontSz" val="5" fact="NaN" max="NaN"/>
+          </dgm:ruleLst>
+        </dgm:layoutNode>
+        <dgm:choose name="Name15">
+          <dgm:if name="Name16" axis="followSib" ptType="node" func="cnt" op="equ" val="0">
+            <dgm:choose name="Name17">
+              <dgm:if name="Name18" axis="ch" ptType="node" func="cnt" op="gte" val="1">
+                <dgm:layoutNode name="FinalChildText" styleLbl="revTx">
+                  <dgm:varLst>
+                    <dgm:chMax val="0"/>
+                    <dgm:chPref val="0"/>
+                    <dgm:bulletEnabled val="1"/>
+                  </dgm:varLst>
+                  <dgm:alg type="tx">
+                    <dgm:param type="stBulletLvl" val="1"/>
+                    <dgm:param type="txAnchorVertCh" val="mid"/>
+                    <dgm:param type="parTxLTRAlign" val="l"/>
+                  </dgm:alg>
+                  <dgm:shape xmlns:r="http://schemas.openxmlformats.org/officeDocument/2006/relationships" type="rect" r:blip="">
+                    <dgm:adjLst/>
+                  </dgm:shape>
+                  <dgm:presOf axis="des" ptType="node"/>
+                  <dgm:constrLst>
+                    <dgm:constr type="lMarg" refType="primFontSz" fact="0.3"/>
+                    <dgm:constr type="rMarg" refType="primFontSz" fact="0.3"/>
+                    <dgm:constr type="tMarg" refType="primFontSz" fact="0.3"/>
+                    <dgm:constr type="bMarg" refType="primFontSz" fact="0.3"/>
+                  </dgm:constrLst>
+                  <dgm:ruleLst>
+                    <dgm:rule type="primFontSz" val="5" fact="NaN" max="NaN"/>
+                  </dgm:ruleLst>
+                </dgm:layoutNode>
+              </dgm:if>
+              <dgm:else name="Name19"/>
+            </dgm:choose>
+          </dgm:if>
+          <dgm:else name="Name20">
+            <dgm:layoutNode name="ChildText" styleLbl="revTx">
+              <dgm:varLst>
+                <dgm:chMax val="0"/>
+                <dgm:chPref val="0"/>
+                <dgm:bulletEnabled val="1"/>
+              </dgm:varLst>
+              <dgm:alg type="tx">
+                <dgm:param type="stBulletLvl" val="1"/>
+                <dgm:param type="txAnchorVertCh" val="mid"/>
+                <dgm:param type="parTxLTRAlign" val="l"/>
+              </dgm:alg>
+              <dgm:shape xmlns:r="http://schemas.openxmlformats.org/officeDocument/2006/relationships" type="rect" r:blip="">
+                <dgm:adjLst/>
+              </dgm:shape>
+              <dgm:presOf axis="des" ptType="node"/>
+              <dgm:constrLst>
+                <dgm:constr type="lMarg" refType="primFontSz" fact="0.3"/>
+                <dgm:constr type="rMarg" refType="primFontSz" fact="0.3"/>
+                <dgm:constr type="tMarg" refType="primFontSz" fact="0.3"/>
+                <dgm:constr type="bMarg" refType="primFontSz" fact="0.3"/>
+              </dgm:constrLst>
+              <dgm:ruleLst>
+                <dgm:rule type="primFontSz" val="5" fact="NaN" max="NaN"/>
+              </dgm:ruleLst>
+            </dgm:layoutNode>
+          </dgm:else>
+        </dgm:choose>
+      </dgm:layoutNode>
+      <dgm:forEach name="sibTransForEach" axis="followSib" ptType="sibTrans" cnt="1">
+        <dgm:layoutNode name="sibTrans">
+          <dgm:alg type="sp"/>
+          <dgm:shape xmlns:r="http://schemas.openxmlformats.org/officeDocument/2006/relationships" r:blip="">
+            <dgm:adjLst/>
+          </dgm:shape>
+        </dgm:layoutNode>
+      </dgm:forEach>
+    </dgm:forEach>
+  </dgm:layoutNode>
+</dgm:layoutDef>
+</file>
+
+<file path=ppt/diagrams/quickStyle1.xml><?xml version="1.0" encoding="utf-8"?>
+<dgm:styleDef xmlns:dgm="http://schemas.openxmlformats.org/drawingml/2006/diagram" xmlns:a="http://schemas.openxmlformats.org/drawingml/2006/main" uniqueId="urn:microsoft.com/office/officeart/2005/8/quickstyle/simple1">
+  <dgm:title val=""/>
+  <dgm:desc val=""/>
+  <dgm:catLst>
+    <dgm:cat type="simple" pri="10100"/>
+  </dgm:catLst>
+  <dgm:scene3d>
+    <a:camera prst="orthographicFront"/>
+    <a:lightRig rig="threePt" dir="t"/>
+  </dgm:scene3d>
+  <dgm:styleLbl name="node0">
+    <dgm:scene3d>
+      <a:camera prst="orthographicFront"/>
+      <a:lightRig rig="threePt" dir="t"/>
+    </dgm:scene3d>
+    <dgm:sp3d/>
+    <dgm:txPr/>
+    <dgm:style>
+      <a:lnRef idx="2">
+        <a:scrgbClr r="0" g="0" b="0"/>
+      </a:lnRef>
+      <a:fillRef idx="1">
+        <a:scrgbClr r="0" g="0" b="0"/>
+      </a:fillRef>
+      <a:effectRef idx="0">
+        <a:scrgbClr r="0" g="0" b="0"/>
+      </a:effectRef>
+      <a:fontRef idx="minor">
+        <a:schemeClr val="lt1"/>
+      </a:fontRef>
+    </dgm:style>
+  </dgm:styleLbl>
+  <dgm:styleLbl name="lnNode1">
+    <dgm:scene3d>
+      <a:camera prst="orthographicFront"/>
+      <a:lightRig rig="threePt" dir="t"/>
+    </dgm:scene3d>
+    <dgm:sp3d/>
+    <dgm:txPr/>
+    <dgm:style>
+      <a:lnRef idx="2">
+        <a:scrgbClr r="0" g="0" b="0"/>
+      </a:lnRef>
+      <a:fillRef idx="1">
+        <a:scrgbClr r="0" g="0" b="0"/>
+      </a:fillRef>
+      <a:effectRef idx="0">
+        <a:scrgbClr r="0" g="0" b="0"/>
+      </a:effectRef>
+      <a:fontRef idx="minor">
+        <a:schemeClr val="lt1"/>
+      </a:fontRef>
+    </dgm:style>
+  </dgm:styleLbl>
+  <dgm:styleLbl name="vennNode1">
+    <dgm:scene3d>
+      <a:camera prst="orthographicFront"/>
+      <a:lightRig rig="threePt" dir="t"/>
+    </dgm:scene3d>
+    <dgm:sp3d/>
+    <dgm:txPr/>
+    <dgm:style>
+      <a:lnRef idx="2">
+        <a:scrgbClr r="0" g="0" b="0"/>
+      </a:lnRef>
+      <a:fillRef idx="1">
+        <a:scrgbClr r="0" g="0" b="0"/>
+      </a:fillRef>
+      <a:effectRef idx="0">
+        <a:scrgbClr r="0" g="0" b="0"/>
+      </a:effectRef>
+      <a:fontRef idx="minor">
+        <a:schemeClr val="tx1"/>
+      </a:fontRef>
+    </dgm:style>
+  </dgm:styleLbl>
+  <dgm:styleLbl name="alignNode1">
+    <dgm:scene3d>
+      <a:camera prst="orthographicFront"/>
+      <a:lightRig rig="threePt" dir="t"/>
+    </dgm:scene3d>
+    <dgm:sp3d/>
+    <dgm:txPr/>
+    <dgm:style>
+      <a:lnRef idx="2">
+        <a:scrgbClr r="0" g="0" b="0"/>
+      </a:lnRef>
+      <a:fillRef idx="1">
+        <a:scrgbClr r="0" g="0" b="0"/>
+      </a:fillRef>
+      <a:effectRef idx="0">
+        <a:scrgbClr r="0" g="0" b="0"/>
+      </a:effectRef>
+      <a:fontRef idx="minor">
+        <a:schemeClr val="lt1"/>
+      </a:fontRef>
+    </dgm:style>
+  </dgm:styleLbl>
+  <dgm:styleLbl name="node1">
+    <dgm:scene3d>
+      <a:camera prst="orthographicFront"/>
+      <a:lightRig rig="threePt" dir="t"/>
+    </dgm:scene3d>
+    <dgm:sp3d/>
+    <dgm:txPr/>
+    <dgm:style>
+      <a:lnRef idx="2">
+        <a:scrgbClr r="0" g="0" b="0"/>
+      </a:lnRef>
+      <a:fillRef idx="1">
+        <a:scrgbClr r="0" g="0" b="0"/>
+      </a:fillRef>
+      <a:effectRef idx="0">
+        <a:scrgbClr r="0" g="0" b="0"/>
+      </a:effectRef>
+      <a:fontRef idx="minor">
+        <a:schemeClr val="lt1"/>
+      </a:fontRef>
+    </dgm:style>
+  </dgm:styleLbl>
+  <dgm:styleLbl name="node2">
+    <dgm:scene3d>
+      <a:camera prst="orthographicFront"/>
+      <a:lightRig rig="threePt" dir="t"/>
+    </dgm:scene3d>
+    <dgm:sp3d/>
+    <dgm:txPr/>
+    <dgm:style>
+      <a:lnRef idx="2">
+        <a:scrgbClr r="0" g="0" b="0"/>
+      </a:lnRef>
+      <a:fillRef idx="1">
+        <a:scrgbClr r="0" g="0" b="0"/>
+      </a:fillRef>
+      <a:effectRef idx="0">
+        <a:scrgbClr r="0" g="0" b="0"/>
+      </a:effectRef>
+      <a:fontRef idx="minor">
+        <a:schemeClr val="lt1"/>
+      </a:fontRef>
+    </dgm:style>
+  </dgm:styleLbl>
+  <dgm:styleLbl name="node3">
+    <dgm:scene3d>
+      <a:camera prst="orthographicFront"/>
+      <a:lightRig rig="threePt" dir="t"/>
+    </dgm:scene3d>
+    <dgm:sp3d/>
+    <dgm:txPr/>
+    <dgm:style>
+      <a:lnRef idx="2">
+        <a:scrgbClr r="0" g="0" b="0"/>
+      </a:lnRef>
+      <a:fillRef idx="1">
+        <a:scrgbClr r="0" g="0" b="0"/>
+      </a:fillRef>
+      <a:effectRef idx="0">
+        <a:scrgbClr r="0" g="0" b="0"/>
+      </a:effectRef>
+      <a:fontRef idx="minor">
+        <a:schemeClr val="lt1"/>
+      </a:fontRef>
+    </dgm:style>
+  </dgm:styleLbl>
+  <dgm:styleLbl name="node4">
+    <dgm:scene3d>
+      <a:camera prst="orthographicFront"/>
+      <a:lightRig rig="threePt" dir="t"/>
+    </dgm:scene3d>
+    <dgm:sp3d/>
+    <dgm:txPr/>
+    <dgm:style>
+      <a:lnRef idx="2">
+        <a:scrgbClr r="0" g="0" b="0"/>
+      </a:lnRef>
+      <a:fillRef idx="1">
+        <a:scrgbClr r="0" g="0" b="0"/>
+      </a:fillRef>
+      <a:effectRef idx="0">
+        <a:scrgbClr r="0" g="0" b="0"/>
+      </a:effectRef>
+      <a:fontRef idx="minor">
+        <a:schemeClr val="lt1"/>
+      </a:fontRef>
+    </dgm:style>
+  </dgm:styleLbl>
+  <dgm:styleLbl name="fgImgPlace1">
+    <dgm:scene3d>
+      <a:camera prst="orthographicFront"/>
+      <a:lightRig rig="threePt" dir="t"/>
+    </dgm:scene3d>
+    <dgm:sp3d/>
+    <dgm:txPr/>
+    <dgm:style>
+      <a:lnRef idx="2">
+        <a:scrgbClr r="0" g="0" b="0"/>
+      </a:lnRef>
+      <a:fillRef idx="1">
+        <a:scrgbClr r="0" g="0" b="0"/>
+      </a:fillRef>
+      <a:effectRef idx="0">
+        <a:scrgbClr r="0" g="0" b="0"/>
+      </a:effectRef>
+      <a:fontRef idx="minor"/>
+    </dgm:style>
+  </dgm:styleLbl>
+  <dgm:styleLbl name="alignImgPlace1">
+    <dgm:scene3d>
+      <a:camera prst="orthographicFront"/>
+      <a:lightRig rig="threePt" dir="t"/>
+    </dgm:scene3d>
+    <dgm:sp3d/>
+    <dgm:txPr/>
+    <dgm:style>
+      <a:lnRef idx="2">
+        <a:scrgbClr r="0" g="0" b="0"/>
+      </a:lnRef>
+      <a:fillRef idx="1">
+        <a:scrgbClr r="0" g="0" b="0"/>
+      </a:fillRef>
+      <a:effectRef idx="0">
+        <a:scrgbClr r="0" g="0" b="0"/>
+      </a:effectRef>
+      <a:fontRef idx="minor"/>
+    </dgm:style>
+  </dgm:styleLbl>
+  <dgm:styleLbl name="bgImgPlace1">
+    <dgm:scene3d>
+      <a:camera prst="orthographicFront"/>
+      <a:lightRig rig="threePt" dir="t"/>
+    </dgm:scene3d>
+    <dgm:sp3d/>
+    <dgm:txPr/>
+    <dgm:style>
+      <a:lnRef idx="2">
+        <a:scrgbClr r="0" g="0" b="0"/>
+      </a:lnRef>
+      <a:fillRef idx="1">
+        <a:scrgbClr r="0" g="0" b="0"/>
+      </a:fillRef>
+      <a:effectRef idx="0">
+        <a:scrgbClr r="0" g="0" b="0"/>
+      </a:effectRef>
+      <a:fontRef idx="minor"/>
+    </dgm:style>
+  </dgm:styleLbl>
+  <dgm:styleLbl name="sibTrans2D1">
+    <dgm:scene3d>
+      <a:camera prst="orthographicFront"/>
+      <a:lightRig rig="threePt" dir="t"/>
+    </dgm:scene3d>
+    <dgm:sp3d/>
+    <dgm:txPr/>
+    <dgm:style>
+      <a:lnRef idx="0">
+        <a:scrgbClr r="0" g="0" b="0"/>
+      </a:lnRef>
+      <a:fillRef idx="1">
+        <a:scrgbClr r="0" g="0" b="0"/>
+      </a:fillRef>
+      <a:effectRef idx="0">
+        <a:scrgbClr r="0" g="0" b="0"/>
+      </a:effectRef>
+      <a:fontRef idx="minor">
+        <a:schemeClr val="lt1"/>
+      </a:fontRef>
+    </dgm:style>
+  </dgm:styleLbl>
+  <dgm:styleLbl name="fgSibTrans2D1">
+    <dgm:scene3d>
+      <a:camera prst="orthographicFront"/>
+      <a:lightRig rig="threePt" dir="t"/>
+    </dgm:scene3d>
+    <dgm:sp3d/>
+    <dgm:txPr/>
+    <dgm:style>
+      <a:lnRef idx="0">
+        <a:scrgbClr r="0" g="0" b="0"/>
+      </a:lnRef>
+      <a:fillRef idx="1">
+        <a:scrgbClr r="0" g="0" b="0"/>
+      </a:fillRef>
+      <a:effectRef idx="0">
+        <a:scrgbClr r="0" g="0" b="0"/>
+      </a:effectRef>
+      <a:fontRef idx="minor">
+        <a:schemeClr val="lt1"/>
+      </a:fontRef>
+    </dgm:style>
+  </dgm:styleLbl>
+  <dgm:styleLbl name="bgSibTrans2D1">
+    <dgm:scene3d>
+      <a:camera prst="orthographicFront"/>
+      <a:lightRig rig="threePt" dir="t"/>
+    </dgm:scene3d>
+    <dgm:sp3d/>
+    <dgm:txPr/>
+    <dgm:style>
+      <a:lnRef idx="0">
+        <a:scrgbClr r="0" g="0" b="0"/>
+      </a:lnRef>
+      <a:fillRef idx="1">
+        <a:scrgbClr r="0" g="0" b="0"/>
+      </a:fillRef>
+      <a:effectRef idx="0">
+        <a:scrgbClr r="0" g="0" b="0"/>
+      </a:effectRef>
+      <a:fontRef idx="minor">
+        <a:schemeClr val="lt1"/>
+      </a:fontRef>
+    </dgm:style>
+  </dgm:styleLbl>
+  <dgm:styleLbl name="sibTrans1D1">
+    <dgm:scene3d>
+      <a:camera prst="orthographicFront"/>
+      <a:lightRig rig="threePt" dir="t"/>
+    </dgm:scene3d>
+    <dgm:sp3d/>
+    <dgm:txPr/>
+    <dgm:style>
+      <a:lnRef idx="1">
+        <a:scrgbClr r="0" g="0" b="0"/>
+      </a:lnRef>
+      <a:fillRef idx="0">
+        <a:scrgbClr r="0" g="0" b="0"/>
+      </a:fillRef>
+      <a:effectRef idx="0">
+        <a:scrgbClr r="0" g="0" b="0"/>
+      </a:effectRef>
+      <a:fontRef idx="minor"/>
+    </dgm:style>
+  </dgm:styleLbl>
+  <dgm:styleLbl name="callout">
+    <dgm:scene3d>
+      <a:camera prst="orthographicFront"/>
+      <a:lightRig rig="threePt" dir="t"/>
+    </dgm:scene3d>
+    <dgm:sp3d/>
+    <dgm:txPr/>
+    <dgm:style>
+      <a:lnRef idx="2">
+        <a:scrgbClr r="0" g="0" b="0"/>
+      </a:lnRef>
+      <a:fillRef idx="1">
+        <a:scrgbClr r="0" g="0" b="0"/>
+      </a:fillRef>
+      <a:effectRef idx="0">
+        <a:scrgbClr r="0" g="0" b="0"/>
+      </a:effectRef>
+      <a:fontRef idx="minor"/>
+    </dgm:style>
+  </dgm:styleLbl>
+  <dgm:styleLbl name="asst0">
+    <dgm:scene3d>
+      <a:camera prst="orthographicFront"/>
+      <a:lightRig rig="threePt" dir="t"/>
+    </dgm:scene3d>
+    <dgm:sp3d/>
+    <dgm:txPr/>
+    <dgm:style>
+      <a:lnRef idx="2">
+        <a:scrgbClr r="0" g="0" b="0"/>
+      </a:lnRef>
+      <a:fillRef idx="1">
+        <a:scrgbClr r="0" g="0" b="0"/>
+      </a:fillRef>
+      <a:effectRef idx="0">
+        <a:scrgbClr r="0" g="0" b="0"/>
+      </a:effectRef>
+      <a:fontRef idx="minor">
+        <a:schemeClr val="lt1"/>
+      </a:fontRef>
+    </dgm:style>
+  </dgm:styleLbl>
+  <dgm:styleLbl name="asst1">
+    <dgm:scene3d>
+      <a:camera prst="orthographicFront"/>
+      <a:lightRig rig="threePt" dir="t"/>
+    </dgm:scene3d>
+    <dgm:sp3d/>
+    <dgm:txPr/>
+    <dgm:style>
+      <a:lnRef idx="2">
+        <a:scrgbClr r="0" g="0" b="0"/>
+      </a:lnRef>
+      <a:fillRef idx="1">
+        <a:scrgbClr r="0" g="0" b="0"/>
+      </a:fillRef>
+      <a:effectRef idx="0">
+        <a:scrgbClr r="0" g="0" b="0"/>
+      </a:effectRef>
+      <a:fontRef idx="minor">
+        <a:schemeClr val="lt1"/>
+      </a:fontRef>
+    </dgm:style>
+  </dgm:styleLbl>
+  <dgm:styleLbl name="asst2">
+    <dgm:scene3d>
+      <a:camera prst="orthographicFront"/>
+      <a:lightRig rig="threePt" dir="t"/>
+    </dgm:scene3d>
+    <dgm:sp3d/>
+    <dgm:txPr/>
+    <dgm:style>
+      <a:lnRef idx="2">
+        <a:scrgbClr r="0" g="0" b="0"/>
+      </a:lnRef>
+      <a:fillRef idx="1">
+        <a:scrgbClr r="0" g="0" b="0"/>
+      </a:fillRef>
+      <a:effectRef idx="0">
+        <a:scrgbClr r="0" g="0" b="0"/>
+      </a:effectRef>
+      <a:fontRef idx="minor">
+        <a:schemeClr val="lt1"/>
+      </a:fontRef>
+    </dgm:style>
+  </dgm:styleLbl>
+  <dgm:styleLbl name="asst3">
+    <dgm:scene3d>
+      <a:camera prst="orthographicFront"/>
+      <a:lightRig rig="threePt" dir="t"/>
+    </dgm:scene3d>
+    <dgm:sp3d/>
+    <dgm:txPr/>
+    <dgm:style>
+      <a:lnRef idx="2">
+        <a:scrgbClr r="0" g="0" b="0"/>
+      </a:lnRef>
+      <a:fillRef idx="1">
+        <a:scrgbClr r="0" g="0" b="0"/>
+      </a:fillRef>
+      <a:effectRef idx="0">
+        <a:scrgbClr r="0" g="0" b="0"/>
+      </a:effectRef>
+      <a:fontRef idx="minor">
+        <a:schemeClr val="lt1"/>
+      </a:fontRef>
+    </dgm:style>
+  </dgm:styleLbl>
+  <dgm:styleLbl name="asst4">
+    <dgm:scene3d>
+      <a:camera prst="orthographicFront"/>
+      <a:lightRig rig="threePt" dir="t"/>
+    </dgm:scene3d>
+    <dgm:sp3d/>
+    <dgm:txPr/>
+    <dgm:style>
+      <a:lnRef idx="2">
+        <a:scrgbClr r="0" g="0" b="0"/>
+      </a:lnRef>
+      <a:fillRef idx="1">
+        <a:scrgbClr r="0" g="0" b="0"/>
+      </a:fillRef>
+      <a:effectRef idx="0">
+        <a:scrgbClr r="0" g="0" b="0"/>
+      </a:effectRef>
+      <a:fontRef idx="minor">
+        <a:schemeClr val="lt1"/>
+      </a:fontRef>
+    </dgm:style>
+  </dgm:styleLbl>
+  <dgm:styleLbl name="parChTrans2D1">
+    <dgm:scene3d>
+      <a:camera prst="orthographicFront"/>
+      <a:lightRig rig="threePt" dir="t"/>
+    </dgm:scene3d>
+    <dgm:sp3d/>
+    <dgm:txPr/>
+    <dgm:style>
+      <a:lnRef idx="2">
+        <a:scrgbClr r="0" g="0" b="0"/>
+      </a:lnRef>
+      <a:fillRef idx="1">
+        <a:scrgbClr r="0" g="0" b="0"/>
+      </a:fillRef>
+      <a:effectRef idx="0">
+        <a:scrgbClr r="0" g="0" b="0"/>
+      </a:effectRef>
+      <a:fontRef idx="minor">
+        <a:schemeClr val="lt1"/>
+      </a:fontRef>
+    </dgm:style>
+  </dgm:styleLbl>
+  <dgm:styleLbl name="parChTrans2D2">
+    <dgm:scene3d>
+      <a:camera prst="orthographicFront"/>
+      <a:lightRig rig="threePt" dir="t"/>
+    </dgm:scene3d>
+    <dgm:sp3d/>
+    <dgm:txPr/>
+    <dgm:style>
+      <a:lnRef idx="2">
+        <a:scrgbClr r="0" g="0" b="0"/>
+      </a:lnRef>
+      <a:fillRef idx="1">
+        <a:scrgbClr r="0" g="0" b="0"/>
+      </a:fillRef>
+      <a:effectRef idx="0">
+        <a:scrgbClr r="0" g="0" b="0"/>
+      </a:effectRef>
+      <a:fontRef idx="minor">
+        <a:schemeClr val="lt1"/>
+      </a:fontRef>
+    </dgm:style>
+  </dgm:styleLbl>
+  <dgm:styleLbl name="parChTrans2D3">
+    <dgm:scene3d>
+      <a:camera prst="orthographicFront"/>
+      <a:lightRig rig="threePt" dir="t"/>
+    </dgm:scene3d>
+    <dgm:sp3d/>
+    <dgm:txPr/>
+    <dgm:style>
+      <a:lnRef idx="2">
+        <a:scrgbClr r="0" g="0" b="0"/>
+      </a:lnRef>
+      <a:fillRef idx="1">
+        <a:scrgbClr r="0" g="0" b="0"/>
+      </a:fillRef>
+      <a:effectRef idx="0">
+        <a:scrgbClr r="0" g="0" b="0"/>
+      </a:effectRef>
+      <a:fontRef idx="minor">
+        <a:schemeClr val="lt1"/>
+      </a:fontRef>
+    </dgm:style>
+  </dgm:styleLbl>
+  <dgm:styleLbl name="parChTrans2D4">
+    <dgm:scene3d>
+      <a:camera prst="orthographicFront"/>
+      <a:lightRig rig="threePt" dir="t"/>
+    </dgm:scene3d>
+    <dgm:sp3d/>
+    <dgm:txPr/>
+    <dgm:style>
+      <a:lnRef idx="2">
+        <a:scrgbClr r="0" g="0" b="0"/>
+      </a:lnRef>
+      <a:fillRef idx="1">
+        <a:scrgbClr r="0" g="0" b="0"/>
+      </a:fillRef>
+      <a:effectRef idx="0">
+        <a:scrgbClr r="0" g="0" b="0"/>
+      </a:effectRef>
+      <a:fontRef idx="minor">
+        <a:schemeClr val="lt1"/>
+      </a:fontRef>
+    </dgm:style>
+  </dgm:styleLbl>
+  <dgm:styleLbl name="parChTrans1D1">
+    <dgm:scene3d>
+      <a:camera prst="orthographicFront"/>
+      <a:lightRig rig="threePt" dir="t"/>
+    </dgm:scene3d>
+    <dgm:sp3d/>
+    <dgm:txPr/>
+    <dgm:style>
+      <a:lnRef idx="2">
+        <a:scrgbClr r="0" g="0" b="0"/>
+      </a:lnRef>
+      <a:fillRef idx="0">
+        <a:scrgbClr r="0" g="0" b="0"/>
+      </a:fillRef>
+      <a:effectRef idx="0">
+        <a:scrgbClr r="0" g="0" b="0"/>
+      </a:effectRef>
+      <a:fontRef idx="minor"/>
+    </dgm:style>
+  </dgm:styleLbl>
+  <dgm:styleLbl name="parChTrans1D2">
+    <dgm:scene3d>
+      <a:camera prst="orthographicFront"/>
+      <a:lightRig rig="threePt" dir="t"/>
+    </dgm:scene3d>
+    <dgm:sp3d/>
+    <dgm:txPr/>
+    <dgm:style>
+      <a:lnRef idx="2">
+        <a:scrgbClr r="0" g="0" b="0"/>
+      </a:lnRef>
+      <a:fillRef idx="0">
+        <a:scrgbClr r="0" g="0" b="0"/>
+      </a:fillRef>
+      <a:effectRef idx="0">
+        <a:scrgbClr r="0" g="0" b="0"/>
+      </a:effectRef>
+      <a:fontRef idx="minor"/>
+    </dgm:style>
+  </dgm:styleLbl>
+  <dgm:styleLbl name="parChTrans1D3">
+    <dgm:scene3d>
+      <a:camera prst="orthographicFront"/>
+      <a:lightRig rig="threePt" dir="t"/>
+    </dgm:scene3d>
+    <dgm:sp3d/>
+    <dgm:txPr/>
+    <dgm:style>
+      <a:lnRef idx="2">
+        <a:scrgbClr r="0" g="0" b="0"/>
+      </a:lnRef>
+      <a:fillRef idx="0">
+        <a:scrgbClr r="0" g="0" b="0"/>
+      </a:fillRef>
+      <a:effectRef idx="0">
+        <a:scrgbClr r="0" g="0" b="0"/>
+      </a:effectRef>
+      <a:fontRef idx="minor"/>
+    </dgm:style>
+  </dgm:styleLbl>
+  <dgm:styleLbl name="parChTrans1D4">
+    <dgm:scene3d>
+      <a:camera prst="orthographicFront"/>
+      <a:lightRig rig="threePt" dir="t"/>
+    </dgm:scene3d>
+    <dgm:sp3d/>
+    <dgm:txPr/>
+    <dgm:style>
+      <a:lnRef idx="2">
+        <a:scrgbClr r="0" g="0" b="0"/>
+      </a:lnRef>
+      <a:fillRef idx="0">
+        <a:scrgbClr r="0" g="0" b="0"/>
+      </a:fillRef>
+      <a:effectRef idx="0">
+        <a:scrgbClr r="0" g="0" b="0"/>
+      </a:effectRef>
+      <a:fontRef idx="minor"/>
+    </dgm:style>
+  </dgm:styleLbl>
+  <dgm:styleLbl name="fgAcc1">
+    <dgm:scene3d>
+      <a:camera prst="orthographicFront"/>
+      <a:lightRig rig="threePt" dir="t"/>
+    </dgm:scene3d>
+    <dgm:sp3d/>
+    <dgm:txPr/>
+    <dgm:style>
+      <a:lnRef idx="2">
+        <a:scrgbClr r="0" g="0" b="0"/>
+      </a:lnRef>
+      <a:fillRef idx="1">
+        <a:scrgbClr r="0" g="0" b="0"/>
+      </a:fillRef>
+      <a:effectRef idx="0">
+        <a:scrgbClr r="0" g="0" b="0"/>
+      </a:effectRef>
+      <a:fontRef idx="minor"/>
+    </dgm:style>
+  </dgm:styleLbl>
+  <dgm:styleLbl name="conFgAcc1">
+    <dgm:scene3d>
+      <a:camera prst="orthographicFront"/>
+      <a:lightRig rig="threePt" dir="t"/>
+    </dgm:scene3d>
+    <dgm:sp3d/>
+    <dgm:txPr/>
+    <dgm:style>
+      <a:lnRef idx="2">
+        <a:scrgbClr r="0" g="0" b="0"/>
+      </a:lnRef>
+      <a:fillRef idx="1">
+        <a:scrgbClr r="0" g="0" b="0"/>
+      </a:fillRef>
+      <a:effectRef idx="0">
+        <a:scrgbClr r="0" g="0" b="0"/>
+      </a:effectRef>
+      <a:fontRef idx="minor"/>
+    </dgm:style>
+  </dgm:styleLbl>
+  <dgm:styleLbl name="alignAcc1">
+    <dgm:scene3d>
+      <a:camera prst="orthographicFront"/>
+      <a:lightRig rig="threePt" dir="t"/>
+    </dgm:scene3d>
+    <dgm:sp3d/>
+    <dgm:txPr/>
+    <dgm:style>
+      <a:lnRef idx="2">
+        <a:scrgbClr r="0" g="0" b="0"/>
+      </a:lnRef>
+      <a:fillRef idx="1">
+        <a:scrgbClr r="0" g="0" b="0"/>
+      </a:fillRef>
+      <a:effectRef idx="0">
+        <a:scrgbClr r="0" g="0" b="0"/>
+      </a:effectRef>
+      <a:fontRef idx="minor"/>
+    </dgm:style>
+  </dgm:styleLbl>
+  <dgm:styleLbl name="trAlignAcc1">
+    <dgm:scene3d>
+      <a:camera prst="orthographicFront"/>
+      <a:lightRig rig="threePt" dir="t"/>
+    </dgm:scene3d>
+    <dgm:sp3d/>
+    <dgm:txPr/>
+    <dgm:style>
+      <a:lnRef idx="1">
+        <a:scrgbClr r="0" g="0" b="0"/>
+      </a:lnRef>
+      <a:fillRef idx="1">
+        <a:scrgbClr r="0" g="0" b="0"/>
+      </a:fillRef>
+      <a:effectRef idx="0">
+        <a:scrgbClr r="0" g="0" b="0"/>
+      </a:effectRef>
+      <a:fontRef idx="minor"/>
+    </dgm:style>
+  </dgm:styleLbl>
+  <dgm:styleLbl name="bgAcc1">
+    <dgm:scene3d>
+      <a:camera prst="orthographicFront"/>
+      <a:lightRig rig="threePt" dir="t"/>
+    </dgm:scene3d>
+    <dgm:sp3d/>
+    <dgm:txPr/>
+    <dgm:style>
+      <a:lnRef idx="2">
+        <a:scrgbClr r="0" g="0" b="0"/>
+      </a:lnRef>
+      <a:fillRef idx="1">
+        <a:scrgbClr r="0" g="0" b="0"/>
+      </a:fillRef>
+      <a:effectRef idx="0">
+        <a:scrgbClr r="0" g="0" b="0"/>
+      </a:effectRef>
+      <a:fontRef idx="minor"/>
+    </dgm:style>
+  </dgm:styleLbl>
+  <dgm:styleLbl name="solidFgAcc1">
+    <dgm:scene3d>
+      <a:camera prst="orthographicFront"/>
+      <a:lightRig rig="threePt" dir="t"/>
+    </dgm:scene3d>
+    <dgm:sp3d/>
+    <dgm:txPr/>
+    <dgm:style>
+      <a:lnRef idx="2">
+        <a:scrgbClr r="0" g="0" b="0"/>
+      </a:lnRef>
+      <a:fillRef idx="1">
+        <a:scrgbClr r="0" g="0" b="0"/>
+      </a:fillRef>
+      <a:effectRef idx="0">
+        <a:scrgbClr r="0" g="0" b="0"/>
+      </a:effectRef>
+      <a:fontRef idx="minor"/>
+    </dgm:style>
+  </dgm:styleLbl>
+  <dgm:styleLbl name="solidAlignAcc1">
+    <dgm:scene3d>
+      <a:camera prst="orthographicFront"/>
+      <a:lightRig rig="threePt" dir="t"/>
+    </dgm:scene3d>
+    <dgm:sp3d/>
+    <dgm:txPr/>
+    <dgm:style>
+      <a:lnRef idx="2">
+        <a:scrgbClr r="0" g="0" b="0"/>
+      </a:lnRef>
+      <a:fillRef idx="1">
+        <a:scrgbClr r="0" g="0" b="0"/>
+      </a:fillRef>
+      <a:effectRef idx="0">
+        <a:scrgbClr r="0" g="0" b="0"/>
+      </a:effectRef>
+      <a:fontRef idx="minor"/>
+    </dgm:style>
+  </dgm:styleLbl>
+  <dgm:styleLbl name="solidBgAcc1">
+    <dgm:scene3d>
+      <a:camera prst="orthographicFront"/>
+      <a:lightRig rig="threePt" dir="t"/>
+    </dgm:scene3d>
+    <dgm:sp3d/>
+    <dgm:txPr/>
+    <dgm:style>
+      <a:lnRef idx="2">
+        <a:scrgbClr r="0" g="0" b="0"/>
+      </a:lnRef>
+      <a:fillRef idx="1">
+        <a:scrgbClr r="0" g="0" b="0"/>
+      </a:fillRef>
+      <a:effectRef idx="0">
+        <a:scrgbClr r="0" g="0" b="0"/>
+      </a:effectRef>
+      <a:fontRef idx="minor"/>
+    </dgm:style>
+  </dgm:styleLbl>
+  <dgm:styleLbl name="fgAccFollowNode1">
+    <dgm:scene3d>
+      <a:camera prst="orthographicFront"/>
+      <a:lightRig rig="threePt" dir="t"/>
+    </dgm:scene3d>
+    <dgm:sp3d/>
+    <dgm:txPr/>
+    <dgm:style>
+      <a:lnRef idx="2">
+        <a:scrgbClr r="0" g="0" b="0"/>
+      </a:lnRef>
+      <a:fillRef idx="1">
+        <a:scrgbClr r="0" g="0" b="0"/>
+      </a:fillRef>
+      <a:effectRef idx="0">
+        <a:scrgbClr r="0" g="0" b="0"/>
+      </a:effectRef>
+      <a:fontRef idx="minor"/>
+    </dgm:style>
+  </dgm:styleLbl>
+  <dgm:styleLbl name="alignAccFollowNode1">
+    <dgm:scene3d>
+      <a:camera prst="orthographicFront"/>
+      <a:lightRig rig="threePt" dir="t"/>
+    </dgm:scene3d>
+    <dgm:sp3d/>
+    <dgm:txPr/>
+    <dgm:style>
+      <a:lnRef idx="2">
+        <a:scrgbClr r="0" g="0" b="0"/>
+      </a:lnRef>
+      <a:fillRef idx="1">
+        <a:scrgbClr r="0" g="0" b="0"/>
+      </a:fillRef>
+      <a:effectRef idx="0">
+        <a:scrgbClr r="0" g="0" b="0"/>
+      </a:effectRef>
+      <a:fontRef idx="minor"/>
+    </dgm:style>
+  </dgm:styleLbl>
+  <dgm:styleLbl name="bgAccFollowNode1">
+    <dgm:scene3d>
+      <a:camera prst="orthographicFront"/>
+      <a:lightRig rig="threePt" dir="t"/>
+    </dgm:scene3d>
+    <dgm:sp3d/>
+    <dgm:txPr/>
+    <dgm:style>
+      <a:lnRef idx="2">
+        <a:scrgbClr r="0" g="0" b="0"/>
+      </a:lnRef>
+      <a:fillRef idx="1">
+        <a:scrgbClr r="0" g="0" b="0"/>
+      </a:fillRef>
+      <a:effectRef idx="0">
+        <a:scrgbClr r="0" g="0" b="0"/>
+      </a:effectRef>
+      <a:fontRef idx="minor"/>
+    </dgm:style>
+  </dgm:styleLbl>
+  <dgm:styleLbl name="fgAcc0">
+    <dgm:scene3d>
+      <a:camera prst="orthographicFront"/>
+      <a:lightRig rig="threePt" dir="t"/>
+    </dgm:scene3d>
+    <dgm:sp3d/>
+    <dgm:txPr/>
+    <dgm:style>
+      <a:lnRef idx="2">
+        <a:scrgbClr r="0" g="0" b="0"/>
+      </a:lnRef>
+      <a:fillRef idx="1">
+        <a:scrgbClr r="0" g="0" b="0"/>
+      </a:fillRef>
+      <a:effectRef idx="0">
+        <a:scrgbClr r="0" g="0" b="0"/>
+      </a:effectRef>
+      <a:fontRef idx="minor"/>
+    </dgm:style>
+  </dgm:styleLbl>
+  <dgm:styleLbl name="fgAcc2">
+    <dgm:scene3d>
+      <a:camera prst="orthographicFront"/>
+      <a:lightRig rig="threePt" dir="t"/>
+    </dgm:scene3d>
+    <dgm:sp3d/>
+    <dgm:txPr/>
+    <dgm:style>
+      <a:lnRef idx="2">
+        <a:scrgbClr r="0" g="0" b="0"/>
+      </a:lnRef>
+      <a:fillRef idx="1">
+        <a:scrgbClr r="0" g="0" b="0"/>
+      </a:fillRef>
+      <a:effectRef idx="0">
+        <a:scrgbClr r="0" g="0" b="0"/>
+      </a:effectRef>
+      <a:fontRef idx="minor"/>
+    </dgm:style>
+  </dgm:styleLbl>
+  <dgm:styleLbl name="fgAcc3">
+    <dgm:scene3d>
+      <a:camera prst="orthographicFront"/>
+      <a:lightRig rig="threePt" dir="t"/>
+    </dgm:scene3d>
+    <dgm:sp3d/>
+    <dgm:txPr/>
+    <dgm:style>
+      <a:lnRef idx="2">
+        <a:scrgbClr r="0" g="0" b="0"/>
+      </a:lnRef>
+      <a:fillRef idx="1">
+        <a:scrgbClr r="0" g="0" b="0"/>
+      </a:fillRef>
+      <a:effectRef idx="0">
+        <a:scrgbClr r="0" g="0" b="0"/>
+      </a:effectRef>
+      <a:fontRef idx="minor"/>
+    </dgm:style>
+  </dgm:styleLbl>
+  <dgm:styleLbl name="fgAcc4">
+    <dgm:scene3d>
+      <a:camera prst="orthographicFront"/>
+      <a:lightRig rig="threePt" dir="t"/>
+    </dgm:scene3d>
+    <dgm:sp3d/>
+    <dgm:txPr/>
+    <dgm:style>
+      <a:lnRef idx="2">
+        <a:scrgbClr r="0" g="0" b="0"/>
+      </a:lnRef>
+      <a:fillRef idx="1">
+        <a:scrgbClr r="0" g="0" b="0"/>
+      </a:fillRef>
+      <a:effectRef idx="0">
+        <a:scrgbClr r="0" g="0" b="0"/>
+      </a:effectRef>
+      <a:fontRef idx="minor"/>
+    </dgm:style>
+  </dgm:styleLbl>
+  <dgm:styleLbl name="bgShp">
+    <dgm:scene3d>
+      <a:camera prst="orthographicFront"/>
+      <a:lightRig rig="threePt" dir="t"/>
+    </dgm:scene3d>
+    <dgm:sp3d/>
+    <dgm:txPr/>
+    <dgm:style>
+      <a:lnRef idx="0">
+        <a:scrgbClr r="0" g="0" b="0"/>
+      </a:lnRef>
+      <a:fillRef idx="1">
+        <a:scrgbClr r="0" g="0" b="0"/>
+      </a:fillRef>
+      <a:effectRef idx="0">
+        <a:scrgbClr r="0" g="0" b="0"/>
+      </a:effectRef>
+      <a:fontRef idx="minor"/>
+    </dgm:style>
+  </dgm:styleLbl>
+  <dgm:styleLbl name="dkBgShp">
+    <dgm:scene3d>
+      <a:camera prst="orthographicFront"/>
+      <a:lightRig rig="threePt" dir="t"/>
+    </dgm:scene3d>
+    <dgm:sp3d/>
+    <dgm:txPr/>
+    <dgm:style>
+      <a:lnRef idx="0">
+        <a:scrgbClr r="0" g="0" b="0"/>
+      </a:lnRef>
+      <a:fillRef idx="1">
+        <a:scrgbClr r="0" g="0" b="0"/>
+      </a:fillRef>
+      <a:effectRef idx="0">
+        <a:scrgbClr r="0" g="0" b="0"/>
+      </a:effectRef>
+      <a:fontRef idx="minor"/>
+    </dgm:style>
+  </dgm:styleLbl>
+  <dgm:styleLbl name="trBgShp">
+    <dgm:scene3d>
+      <a:camera prst="orthographicFront"/>
+      <a:lightRig rig="threePt" dir="t"/>
+    </dgm:scene3d>
+    <dgm:sp3d/>
+    <dgm:txPr/>
+    <dgm:style>
+      <a:lnRef idx="0">
+        <a:scrgbClr r="0" g="0" b="0"/>
+      </a:lnRef>
+      <a:fillRef idx="1">
+        <a:scrgbClr r="0" g="0" b="0"/>
+      </a:fillRef>
+      <a:effectRef idx="0">
+        <a:scrgbClr r="0" g="0" b="0"/>
+      </a:effectRef>
+      <a:fontRef idx="minor"/>
+    </dgm:style>
+  </dgm:styleLbl>
+  <dgm:styleLbl name="fgShp">
+    <dgm:scene3d>
+      <a:camera prst="orthographicFront"/>
+      <a:lightRig rig="threePt" dir="t"/>
+    </dgm:scene3d>
+    <dgm:sp3d/>
+    <dgm:txPr/>
+    <dgm:style>
+      <a:lnRef idx="2">
+        <a:scrgbClr r="0" g="0" b="0"/>
+      </a:lnRef>
+      <a:fillRef idx="1">
+        <a:scrgbClr r="0" g="0" b="0"/>
+      </a:fillRef>
+      <a:effectRef idx="0">
+        <a:scrgbClr r="0" g="0" b="0"/>
+      </a:effectRef>
+      <a:fontRef idx="minor"/>
+    </dgm:style>
+  </dgm:styleLbl>
+  <dgm:styleLbl name="revTx">
+    <dgm:scene3d>
+      <a:camera prst="orthographicFront"/>
+      <a:lightRig rig="threePt" dir="t"/>
+    </dgm:scene3d>
+    <dgm:sp3d/>
+    <dgm:txPr/>
+    <dgm:style>
+      <a:lnRef idx="0">
+        <a:scrgbClr r="0" g="0" b="0"/>
+      </a:lnRef>
+      <a:fillRef idx="0">
+        <a:scrgbClr r="0" g="0" b="0"/>
+      </a:fillRef>
+      <a:effectRef idx="0">
+        <a:scrgbClr r="0" g="0" b="0"/>
+      </a:effectRef>
+      <a:fontRef idx="minor"/>
+    </dgm:style>
+  </dgm:styleLbl>
+</dgm:styleDef>
+</file>
+
 <file path=ppt/notesMasters/notesMaster1.xml><?xml version="1.0" encoding="utf-8"?>
 <p:notesMaster xmlns:a="http://schemas.openxmlformats.org/drawingml/2006/main" xmlns:r="http://schemas.openxmlformats.org/officeDocument/2006/relationships" xmlns:p="http://schemas.openxmlformats.org/presentationml/2006/main">
   <p:cSld>
@@ -205,7 +3682,7 @@
           <a:p>
             <a:fld id="{7551480C-35CC-4934-8EA7-894FE1EC2542}" type="datetimeFigureOut">
               <a:rPr lang="en-US" smtClean="0"/>
-              <a:t>3/29/2022</a:t>
+              <a:t>4/4/2022</a:t>
             </a:fld>
             <a:endParaRPr lang="en-US"/>
           </a:p>
@@ -623,7 +4100,27 @@
                 <a:effectLst/>
                 <a:latin typeface="Arial" panose="020B0604020202020204" pitchFamily="34" charset="0"/>
               </a:rPr>
-              <a:t>Tianqi Chen currently, as of 2022 is an </a:t>
+              <a:t>Tianqi Chen (tea-on-key </a:t>
+            </a:r>
+            <a:r>
+              <a:rPr lang="en-US" b="0" i="0" dirty="0" err="1">
+                <a:solidFill>
+                  <a:srgbClr val="202122"/>
+                </a:solidFill>
+                <a:effectLst/>
+                <a:latin typeface="Arial" panose="020B0604020202020204" pitchFamily="34" charset="0"/>
+              </a:rPr>
+              <a:t>chen</a:t>
+            </a:r>
+            <a:r>
+              <a:rPr lang="en-US" b="0" i="0" dirty="0">
+                <a:solidFill>
+                  <a:srgbClr val="202122"/>
+                </a:solidFill>
+                <a:effectLst/>
+                <a:latin typeface="Arial" panose="020B0604020202020204" pitchFamily="34" charset="0"/>
+              </a:rPr>
+              <a:t>) currently, as of 2022 is an </a:t>
             </a:r>
             <a:r>
               <a:rPr lang="en-US" b="0" i="0" dirty="0">
@@ -706,18 +4203,6 @@
               <a:effectLst/>
               <a:latin typeface="-apple-system"/>
             </a:endParaRPr>
-          </a:p>
-          <a:p>
-            <a:r>
-              <a:rPr lang="en-US" b="0" i="0" u="none" strike="noStrike" dirty="0">
-                <a:solidFill>
-                  <a:srgbClr val="0069D6"/>
-                </a:solidFill>
-                <a:effectLst/>
-                <a:latin typeface="-apple-system"/>
-              </a:rPr>
-              <a:t>In other words, total bad ass</a:t>
-            </a:r>
           </a:p>
           <a:p>
             <a:endParaRPr lang="en-US" b="0" i="0" u="none" strike="noStrike" dirty="0">
@@ -934,6 +4419,196 @@
     <p:extLst>
       <p:ext uri="{BB962C8B-B14F-4D97-AF65-F5344CB8AC3E}">
         <p14:creationId xmlns:p14="http://schemas.microsoft.com/office/powerpoint/2010/main" val="360506368"/>
+      </p:ext>
+    </p:extLst>
+  </p:cSld>
+  <p:clrMapOvr>
+    <a:masterClrMapping/>
+  </p:clrMapOvr>
+</p:notes>
+</file>
+
+<file path=ppt/notesSlides/notesSlide5.xml><?xml version="1.0" encoding="utf-8"?>
+<p:notes xmlns:a="http://schemas.openxmlformats.org/drawingml/2006/main" xmlns:r="http://schemas.openxmlformats.org/officeDocument/2006/relationships" xmlns:p="http://schemas.openxmlformats.org/presentationml/2006/main">
+  <p:cSld>
+    <p:spTree>
+      <p:nvGrpSpPr>
+        <p:cNvPr id="1" name=""/>
+        <p:cNvGrpSpPr/>
+        <p:nvPr/>
+      </p:nvGrpSpPr>
+      <p:grpSpPr>
+        <a:xfrm>
+          <a:off x="0" y="0"/>
+          <a:ext cx="0" cy="0"/>
+          <a:chOff x="0" y="0"/>
+          <a:chExt cx="0" cy="0"/>
+        </a:xfrm>
+      </p:grpSpPr>
+      <p:sp>
+        <p:nvSpPr>
+          <p:cNvPr id="2" name="Slide Image Placeholder 1"/>
+          <p:cNvSpPr>
+            <a:spLocks noGrp="1" noRot="1" noChangeAspect="1"/>
+          </p:cNvSpPr>
+          <p:nvPr>
+            <p:ph type="sldImg"/>
+          </p:nvPr>
+        </p:nvSpPr>
+        <p:spPr/>
+      </p:sp>
+      <p:sp>
+        <p:nvSpPr>
+          <p:cNvPr id="3" name="Notes Placeholder 2"/>
+          <p:cNvSpPr>
+            <a:spLocks noGrp="1"/>
+          </p:cNvSpPr>
+          <p:nvPr>
+            <p:ph type="body" idx="1"/>
+          </p:nvPr>
+        </p:nvSpPr>
+        <p:spPr/>
+        <p:txBody>
+          <a:bodyPr/>
+          <a:lstStyle/>
+          <a:p>
+            <a:r>
+              <a:rPr lang="en-US" dirty="0" err="1"/>
+              <a:t>XGBoost</a:t>
+            </a:r>
+            <a:r>
+              <a:rPr lang="en-US" dirty="0"/>
+              <a:t> is part of the tree algorithm category which also includes other popular algorithms such as random forest and gradient boosting</a:t>
+            </a:r>
+          </a:p>
+          <a:p>
+            <a:r>
+              <a:rPr lang="en-US" dirty="0"/>
+              <a:t>Photo site: https://mesin-belajar.blogspot.com/2019/04/xgboost-algorithm-long-may-she-reign.html</a:t>
+            </a:r>
+          </a:p>
+          <a:p>
+            <a:endParaRPr lang="en-US" dirty="0"/>
+          </a:p>
+        </p:txBody>
+      </p:sp>
+      <p:sp>
+        <p:nvSpPr>
+          <p:cNvPr id="4" name="Slide Number Placeholder 3"/>
+          <p:cNvSpPr>
+            <a:spLocks noGrp="1"/>
+          </p:cNvSpPr>
+          <p:nvPr>
+            <p:ph type="sldNum" sz="quarter" idx="5"/>
+          </p:nvPr>
+        </p:nvSpPr>
+        <p:spPr/>
+        <p:txBody>
+          <a:bodyPr/>
+          <a:lstStyle/>
+          <a:p>
+            <a:fld id="{077EA48B-ABE6-42F4-8513-DF8A98CA7ABC}" type="slidenum">
+              <a:rPr lang="en-US" smtClean="0"/>
+              <a:t>9</a:t>
+            </a:fld>
+            <a:endParaRPr lang="en-US"/>
+          </a:p>
+        </p:txBody>
+      </p:sp>
+    </p:spTree>
+    <p:extLst>
+      <p:ext uri="{BB962C8B-B14F-4D97-AF65-F5344CB8AC3E}">
+        <p14:creationId xmlns:p14="http://schemas.microsoft.com/office/powerpoint/2010/main" val="2593741020"/>
+      </p:ext>
+    </p:extLst>
+  </p:cSld>
+  <p:clrMapOvr>
+    <a:masterClrMapping/>
+  </p:clrMapOvr>
+</p:notes>
+</file>
+
+<file path=ppt/notesSlides/notesSlide6.xml><?xml version="1.0" encoding="utf-8"?>
+<p:notes xmlns:a="http://schemas.openxmlformats.org/drawingml/2006/main" xmlns:r="http://schemas.openxmlformats.org/officeDocument/2006/relationships" xmlns:p="http://schemas.openxmlformats.org/presentationml/2006/main">
+  <p:cSld>
+    <p:spTree>
+      <p:nvGrpSpPr>
+        <p:cNvPr id="1" name=""/>
+        <p:cNvGrpSpPr/>
+        <p:nvPr/>
+      </p:nvGrpSpPr>
+      <p:grpSpPr>
+        <a:xfrm>
+          <a:off x="0" y="0"/>
+          <a:ext cx="0" cy="0"/>
+          <a:chOff x="0" y="0"/>
+          <a:chExt cx="0" cy="0"/>
+        </a:xfrm>
+      </p:grpSpPr>
+      <p:sp>
+        <p:nvSpPr>
+          <p:cNvPr id="2" name="Slide Image Placeholder 1"/>
+          <p:cNvSpPr>
+            <a:spLocks noGrp="1" noRot="1" noChangeAspect="1"/>
+          </p:cNvSpPr>
+          <p:nvPr>
+            <p:ph type="sldImg"/>
+          </p:nvPr>
+        </p:nvSpPr>
+        <p:spPr/>
+      </p:sp>
+      <p:sp>
+        <p:nvSpPr>
+          <p:cNvPr id="3" name="Notes Placeholder 2"/>
+          <p:cNvSpPr>
+            <a:spLocks noGrp="1"/>
+          </p:cNvSpPr>
+          <p:nvPr>
+            <p:ph type="body" idx="1"/>
+          </p:nvPr>
+        </p:nvSpPr>
+        <p:spPr/>
+        <p:txBody>
+          <a:bodyPr/>
+          <a:lstStyle/>
+          <a:p>
+            <a:r>
+              <a:rPr lang="en-US"/>
+              <a:t>https://www.programmersought.com/article/13283190787/</a:t>
+            </a:r>
+          </a:p>
+          <a:p>
+            <a:endParaRPr lang="en-US"/>
+          </a:p>
+        </p:txBody>
+      </p:sp>
+      <p:sp>
+        <p:nvSpPr>
+          <p:cNvPr id="4" name="Slide Number Placeholder 3"/>
+          <p:cNvSpPr>
+            <a:spLocks noGrp="1"/>
+          </p:cNvSpPr>
+          <p:nvPr>
+            <p:ph type="sldNum" sz="quarter" idx="5"/>
+          </p:nvPr>
+        </p:nvSpPr>
+        <p:spPr/>
+        <p:txBody>
+          <a:bodyPr/>
+          <a:lstStyle/>
+          <a:p>
+            <a:fld id="{077EA48B-ABE6-42F4-8513-DF8A98CA7ABC}" type="slidenum">
+              <a:rPr lang="en-US" smtClean="0"/>
+              <a:t>10</a:t>
+            </a:fld>
+            <a:endParaRPr lang="en-US"/>
+          </a:p>
+        </p:txBody>
+      </p:sp>
+    </p:spTree>
+    <p:extLst>
+      <p:ext uri="{BB962C8B-B14F-4D97-AF65-F5344CB8AC3E}">
+        <p14:creationId xmlns:p14="http://schemas.microsoft.com/office/powerpoint/2010/main" val="2990006055"/>
       </p:ext>
     </p:extLst>
   </p:cSld>
@@ -1187,7 +4862,7 @@
           <a:p>
             <a:fld id="{9184DA70-C731-4C70-880D-CCD4705E623C}" type="datetime1">
               <a:rPr lang="en-US" smtClean="0"/>
-              <a:t>3/29/2022</a:t>
+              <a:t>4/4/2022</a:t>
             </a:fld>
             <a:endParaRPr lang="en-US" dirty="0"/>
           </a:p>
@@ -1423,7 +5098,7 @@
           <a:p>
             <a:fld id="{9184DA70-C731-4C70-880D-CCD4705E623C}" type="datetime1">
               <a:rPr lang="en-US" smtClean="0"/>
-              <a:t>3/29/2022</a:t>
+              <a:t>4/4/2022</a:t>
             </a:fld>
             <a:endParaRPr lang="en-US" dirty="0"/>
           </a:p>
@@ -1593,7 +5268,7 @@
           <a:p>
             <a:fld id="{4BE1D723-8F53-4F53-90B0-1982A396982E}" type="datetime1">
               <a:rPr lang="en-US" smtClean="0"/>
-              <a:t>3/29/2022</a:t>
+              <a:t>4/4/2022</a:t>
             </a:fld>
             <a:endParaRPr lang="en-US" dirty="0"/>
           </a:p>
@@ -1861,7 +5536,7 @@
           <a:p>
             <a:fld id="{97669AF7-7BEB-44E4-9852-375E34362B5B}" type="datetime1">
               <a:rPr lang="en-US" smtClean="0"/>
-              <a:t>3/29/2022</a:t>
+              <a:t>4/4/2022</a:t>
             </a:fld>
             <a:endParaRPr lang="en-US" dirty="0"/>
           </a:p>
@@ -2093,7 +5768,7 @@
           <a:p>
             <a:fld id="{BAAAC38D-0552-4C82-B593-E6124DFADBE2}" type="datetime1">
               <a:rPr lang="en-US" smtClean="0"/>
-              <a:t>3/29/2022</a:t>
+              <a:t>4/4/2022</a:t>
             </a:fld>
             <a:endParaRPr lang="en-US" dirty="0"/>
           </a:p>
@@ -2452,7 +6127,7 @@
           <a:p>
             <a:fld id="{62D6E202-B606-4609-B914-27C9371A1F6D}" type="datetime1">
               <a:rPr lang="en-US" smtClean="0"/>
-              <a:t>3/29/2022</a:t>
+              <a:t>4/4/2022</a:t>
             </a:fld>
             <a:endParaRPr lang="en-US" dirty="0"/>
           </a:p>
@@ -2594,7 +6269,7 @@
           <a:p>
             <a:fld id="{1775B394-D9F9-4F0C-B15D-605F45CB9E9F}" type="datetime1">
               <a:rPr lang="en-US" smtClean="0"/>
-              <a:t>3/29/2022</a:t>
+              <a:t>4/4/2022</a:t>
             </a:fld>
             <a:endParaRPr lang="en-US" dirty="0"/>
           </a:p>
@@ -2689,7 +6364,7 @@
           <a:p>
             <a:fld id="{39667345-2558-425A-8533-9BFDBCE15005}" type="datetime1">
               <a:rPr lang="en-US" smtClean="0"/>
-              <a:t>3/29/2022</a:t>
+              <a:t>4/4/2022</a:t>
             </a:fld>
             <a:endParaRPr lang="en-US" dirty="0"/>
           </a:p>
@@ -3046,7 +6721,7 @@
           <a:p>
             <a:fld id="{92BEA474-078D-4E9B-9B14-09A87B19DC46}" type="datetime1">
               <a:rPr lang="en-US" smtClean="0"/>
-              <a:t>3/29/2022</a:t>
+              <a:t>4/4/2022</a:t>
             </a:fld>
             <a:endParaRPr lang="en-US" dirty="0"/>
           </a:p>
@@ -3404,7 +7079,7 @@
           <a:p>
             <a:fld id="{4907D986-8816-4272-A432-0437A28A9828}" type="datetime1">
               <a:rPr lang="en-US" smtClean="0"/>
-              <a:t>3/29/2022</a:t>
+              <a:t>4/4/2022</a:t>
             </a:fld>
             <a:endParaRPr lang="en-US" dirty="0"/>
           </a:p>
@@ -3590,7 +7265,7 @@
           <a:p>
             <a:fld id="{62D6E202-B606-4609-B914-27C9371A1F6D}" type="datetime1">
               <a:rPr lang="en-US" smtClean="0"/>
-              <a:t>3/29/2022</a:t>
+              <a:t>4/4/2022</a:t>
             </a:fld>
             <a:endParaRPr lang="en-US" dirty="0"/>
           </a:p>
@@ -3792,7 +7467,7 @@
           <a:p>
             <a:fld id="{4BE1D723-8F53-4F53-90B0-1982A396982E}" type="datetime1">
               <a:rPr lang="en-US" smtClean="0"/>
-              <a:t>3/29/2022</a:t>
+              <a:t>4/4/2022</a:t>
             </a:fld>
             <a:endParaRPr lang="en-US" dirty="0"/>
           </a:p>
@@ -3984,7 +7659,7 @@
           <a:p>
             <a:fld id="{62D6E202-B606-4609-B914-27C9371A1F6D}" type="datetime1">
               <a:rPr lang="en-US" smtClean="0"/>
-              <a:t>3/29/2022</a:t>
+              <a:t>4/4/2022</a:t>
             </a:fld>
             <a:endParaRPr lang="en-US" dirty="0"/>
           </a:p>
@@ -4346,7 +8021,7 @@
           <a:p>
             <a:fld id="{97669AF7-7BEB-44E4-9852-375E34362B5B}" type="datetime1">
               <a:rPr lang="en-US" smtClean="0"/>
-              <a:t>3/29/2022</a:t>
+              <a:t>4/4/2022</a:t>
             </a:fld>
             <a:endParaRPr lang="en-US" dirty="0"/>
           </a:p>
@@ -4601,7 +8276,7 @@
           <a:p>
             <a:fld id="{BAAAC38D-0552-4C82-B593-E6124DFADBE2}" type="datetime1">
               <a:rPr lang="en-US" smtClean="0"/>
-              <a:t>3/29/2022</a:t>
+              <a:t>4/4/2022</a:t>
             </a:fld>
             <a:endParaRPr lang="en-US" dirty="0"/>
           </a:p>
@@ -4998,7 +8673,7 @@
           <a:p>
             <a:fld id="{D9DF0F1C-5577-4ACB-BB62-DF8F3C494C7E}" type="datetime1">
               <a:rPr lang="en-US" smtClean="0"/>
-              <a:t>3/29/2022</a:t>
+              <a:t>4/4/2022</a:t>
             </a:fld>
             <a:endParaRPr lang="en-US" dirty="0"/>
           </a:p>
@@ -5134,7 +8809,7 @@
           <a:p>
             <a:fld id="{1775B394-D9F9-4F0C-B15D-605F45CB9E9F}" type="datetime1">
               <a:rPr lang="en-US" smtClean="0"/>
-              <a:t>3/29/2022</a:t>
+              <a:t>4/4/2022</a:t>
             </a:fld>
             <a:endParaRPr lang="en-US" dirty="0"/>
           </a:p>
@@ -5291,7 +8966,7 @@
           <a:p>
             <a:fld id="{39667345-2558-425A-8533-9BFDBCE15005}" type="datetime1">
               <a:rPr lang="en-US" smtClean="0"/>
-              <a:t>3/29/2022</a:t>
+              <a:t>4/4/2022</a:t>
             </a:fld>
             <a:endParaRPr lang="en-US" dirty="0"/>
           </a:p>
@@ -5620,7 +9295,7 @@
           <a:p>
             <a:fld id="{92BEA474-078D-4E9B-9B14-09A87B19DC46}" type="datetime1">
               <a:rPr lang="en-US" smtClean="0"/>
-              <a:t>3/29/2022</a:t>
+              <a:t>4/4/2022</a:t>
             </a:fld>
             <a:endParaRPr lang="en-US" dirty="0"/>
           </a:p>
@@ -5970,7 +9645,7 @@
           <a:p>
             <a:fld id="{4907D986-8816-4272-A432-0437A28A9828}" type="datetime1">
               <a:rPr lang="en-US" smtClean="0"/>
-              <a:t>3/29/2022</a:t>
+              <a:t>4/4/2022</a:t>
             </a:fld>
             <a:endParaRPr lang="en-US" dirty="0"/>
           </a:p>
@@ -6231,7 +9906,7 @@
           <a:p>
             <a:fld id="{62D6E202-B606-4609-B914-27C9371A1F6D}" type="datetime1">
               <a:rPr lang="en-US" smtClean="0"/>
-              <a:t>3/29/2022</a:t>
+              <a:t>4/4/2022</a:t>
             </a:fld>
             <a:endParaRPr lang="en-US" dirty="0"/>
           </a:p>
@@ -6901,7 +10576,7 @@
           <a:p>
             <a:fld id="{62D6E202-B606-4609-B914-27C9371A1F6D}" type="datetime1">
               <a:rPr lang="en-US" smtClean="0"/>
-              <a:t>3/29/2022</a:t>
+              <a:t>4/4/2022</a:t>
             </a:fld>
             <a:endParaRPr lang="en-US" dirty="0"/>
           </a:p>
@@ -7800,6 +11475,95 @@
 </p:sld>
 </file>
 
+<file path=ppt/slides/slide10.xml><?xml version="1.0" encoding="utf-8"?>
+<p:sld xmlns:a="http://schemas.openxmlformats.org/drawingml/2006/main" xmlns:r="http://schemas.openxmlformats.org/officeDocument/2006/relationships" xmlns:p="http://schemas.openxmlformats.org/presentationml/2006/main">
+  <p:cSld>
+    <p:spTree>
+      <p:nvGrpSpPr>
+        <p:cNvPr id="1" name=""/>
+        <p:cNvGrpSpPr/>
+        <p:nvPr/>
+      </p:nvGrpSpPr>
+      <p:grpSpPr>
+        <a:xfrm>
+          <a:off x="0" y="0"/>
+          <a:ext cx="0" cy="0"/>
+          <a:chOff x="0" y="0"/>
+          <a:chExt cx="0" cy="0"/>
+        </a:xfrm>
+      </p:grpSpPr>
+      <p:sp>
+        <p:nvSpPr>
+          <p:cNvPr id="2" name="Title 1">
+            <a:extLst>
+              <a:ext uri="{FF2B5EF4-FFF2-40B4-BE49-F238E27FC236}">
+                <a16:creationId xmlns:a16="http://schemas.microsoft.com/office/drawing/2014/main" id="{B47C28FA-9978-4C88-84E6-83829B37006A}"/>
+              </a:ext>
+            </a:extLst>
+          </p:cNvPr>
+          <p:cNvSpPr>
+            <a:spLocks noGrp="1"/>
+          </p:cNvSpPr>
+          <p:nvPr>
+            <p:ph type="title"/>
+          </p:nvPr>
+        </p:nvSpPr>
+        <p:spPr/>
+        <p:txBody>
+          <a:bodyPr/>
+          <a:lstStyle/>
+          <a:p>
+            <a:r>
+              <a:rPr lang="en-US" dirty="0"/>
+              <a:t>Math</a:t>
+            </a:r>
+          </a:p>
+        </p:txBody>
+      </p:sp>
+      <p:sp>
+        <p:nvSpPr>
+          <p:cNvPr id="3" name="Content Placeholder 2">
+            <a:extLst>
+              <a:ext uri="{FF2B5EF4-FFF2-40B4-BE49-F238E27FC236}">
+                <a16:creationId xmlns:a16="http://schemas.microsoft.com/office/drawing/2014/main" id="{B2F5F14F-74D7-41C4-A5D3-C57C8035A431}"/>
+              </a:ext>
+            </a:extLst>
+          </p:cNvPr>
+          <p:cNvSpPr>
+            <a:spLocks noGrp="1"/>
+          </p:cNvSpPr>
+          <p:nvPr>
+            <p:ph idx="1"/>
+          </p:nvPr>
+        </p:nvSpPr>
+        <p:spPr/>
+        <p:txBody>
+          <a:bodyPr/>
+          <a:lstStyle/>
+          <a:p>
+            <a:r>
+              <a:rPr lang="en-US" dirty="0"/>
+              <a:t>Objective function</a:t>
+            </a:r>
+          </a:p>
+          <a:p>
+            <a:endParaRPr lang="en-US" dirty="0"/>
+          </a:p>
+        </p:txBody>
+      </p:sp>
+    </p:spTree>
+    <p:extLst>
+      <p:ext uri="{BB962C8B-B14F-4D97-AF65-F5344CB8AC3E}">
+        <p14:creationId xmlns:p14="http://schemas.microsoft.com/office/powerpoint/2010/main" val="3050360429"/>
+      </p:ext>
+    </p:extLst>
+  </p:cSld>
+  <p:clrMapOvr>
+    <a:masterClrMapping/>
+  </p:clrMapOvr>
+</p:sld>
+</file>
+
 <file path=ppt/slides/slide2.xml><?xml version="1.0" encoding="utf-8"?>
 <p:sld xmlns:a="http://schemas.openxmlformats.org/drawingml/2006/main" xmlns:r="http://schemas.openxmlformats.org/officeDocument/2006/relationships" xmlns:p="http://schemas.openxmlformats.org/presentationml/2006/main" show="0">
   <p:cSld>
@@ -9149,6 +12913,142 @@
     <p:extLst>
       <p:ext uri="{BB962C8B-B14F-4D97-AF65-F5344CB8AC3E}">
         <p14:creationId xmlns:p14="http://schemas.microsoft.com/office/powerpoint/2010/main" val="822139584"/>
+      </p:ext>
+    </p:extLst>
+  </p:cSld>
+  <p:clrMapOvr>
+    <a:masterClrMapping/>
+  </p:clrMapOvr>
+</p:sld>
+</file>
+
+<file path=ppt/slides/slide9.xml><?xml version="1.0" encoding="utf-8"?>
+<p:sld xmlns:a="http://schemas.openxmlformats.org/drawingml/2006/main" xmlns:r="http://schemas.openxmlformats.org/officeDocument/2006/relationships" xmlns:p="http://schemas.openxmlformats.org/presentationml/2006/main">
+  <p:cSld>
+    <p:spTree>
+      <p:nvGrpSpPr>
+        <p:cNvPr id="1" name=""/>
+        <p:cNvGrpSpPr/>
+        <p:nvPr/>
+      </p:nvGrpSpPr>
+      <p:grpSpPr>
+        <a:xfrm>
+          <a:off x="0" y="0"/>
+          <a:ext cx="0" cy="0"/>
+          <a:chOff x="0" y="0"/>
+          <a:chExt cx="0" cy="0"/>
+        </a:xfrm>
+      </p:grpSpPr>
+      <p:sp>
+        <p:nvSpPr>
+          <p:cNvPr id="2" name="Title 1">
+            <a:extLst>
+              <a:ext uri="{FF2B5EF4-FFF2-40B4-BE49-F238E27FC236}">
+                <a16:creationId xmlns:a16="http://schemas.microsoft.com/office/drawing/2014/main" id="{49F96309-6BD2-445D-AA55-E4C5DFF77BBA}"/>
+              </a:ext>
+            </a:extLst>
+          </p:cNvPr>
+          <p:cNvSpPr>
+            <a:spLocks noGrp="1"/>
+          </p:cNvSpPr>
+          <p:nvPr>
+            <p:ph type="title"/>
+          </p:nvPr>
+        </p:nvSpPr>
+        <p:spPr/>
+        <p:txBody>
+          <a:bodyPr/>
+          <a:lstStyle/>
+          <a:p>
+            <a:r>
+              <a:rPr lang="en-US" dirty="0"/>
+              <a:t>Evolution of Decision Trees</a:t>
+            </a:r>
+          </a:p>
+        </p:txBody>
+      </p:sp>
+      <p:graphicFrame>
+        <p:nvGraphicFramePr>
+          <p:cNvPr id="4" name="Content Placeholder 3">
+            <a:extLst>
+              <a:ext uri="{FF2B5EF4-FFF2-40B4-BE49-F238E27FC236}">
+                <a16:creationId xmlns:a16="http://schemas.microsoft.com/office/drawing/2014/main" id="{00535DD4-E864-4360-8CFE-CA8B7BF7D590}"/>
+              </a:ext>
+            </a:extLst>
+          </p:cNvPr>
+          <p:cNvGraphicFramePr>
+            <a:graphicFrameLocks noGrp="1"/>
+          </p:cNvGraphicFramePr>
+          <p:nvPr>
+            <p:ph idx="1"/>
+            <p:extLst>
+              <p:ext uri="{D42A27DB-BD31-4B8C-83A1-F6EECF244321}">
+                <p14:modId xmlns:p14="http://schemas.microsoft.com/office/powerpoint/2010/main" val="519113728"/>
+              </p:ext>
+            </p:extLst>
+          </p:nvPr>
+        </p:nvGraphicFramePr>
+        <p:xfrm>
+          <a:off x="-2186940" y="1965961"/>
+          <a:ext cx="8967153" cy="4117340"/>
+        </p:xfrm>
+        <a:graphic>
+          <a:graphicData uri="http://schemas.openxmlformats.org/drawingml/2006/diagram">
+            <dgm:relIds xmlns:dgm="http://schemas.openxmlformats.org/drawingml/2006/diagram" xmlns:r="http://schemas.openxmlformats.org/officeDocument/2006/relationships" r:dm="rId3" r:lo="rId4" r:qs="rId5" r:cs="rId6"/>
+          </a:graphicData>
+        </a:graphic>
+      </p:graphicFrame>
+      <p:pic>
+        <p:nvPicPr>
+          <p:cNvPr id="1028" name="Picture 4">
+            <a:extLst>
+              <a:ext uri="{FF2B5EF4-FFF2-40B4-BE49-F238E27FC236}">
+                <a16:creationId xmlns:a16="http://schemas.microsoft.com/office/drawing/2014/main" id="{D238796E-E196-45B1-93B1-E0E066E68DC7}"/>
+              </a:ext>
+            </a:extLst>
+          </p:cNvPr>
+          <p:cNvPicPr>
+            <a:picLocks noChangeAspect="1" noChangeArrowheads="1"/>
+          </p:cNvPicPr>
+          <p:nvPr/>
+        </p:nvPicPr>
+        <p:blipFill>
+          <a:blip r:embed="rId8">
+            <a:extLst>
+              <a:ext uri="{28A0092B-C50C-407E-A947-70E740481C1C}">
+                <a14:useLocalDpi xmlns:a14="http://schemas.microsoft.com/office/drawing/2010/main" val="0"/>
+              </a:ext>
+            </a:extLst>
+          </a:blip>
+          <a:srcRect/>
+          <a:stretch>
+            <a:fillRect/>
+          </a:stretch>
+        </p:blipFill>
+        <p:spPr bwMode="auto">
+          <a:xfrm>
+            <a:off x="5734050" y="2835276"/>
+            <a:ext cx="6096000" cy="3248025"/>
+          </a:xfrm>
+          <a:prstGeom prst="rect">
+            <a:avLst/>
+          </a:prstGeom>
+          <a:noFill/>
+          <a:extLst>
+            <a:ext uri="{909E8E84-426E-40DD-AFC4-6F175D3DCCD1}">
+              <a14:hiddenFill xmlns:a14="http://schemas.microsoft.com/office/drawing/2010/main">
+                <a:solidFill>
+                  <a:srgbClr val="FFFFFF"/>
+                </a:solidFill>
+              </a14:hiddenFill>
+            </a:ext>
+          </a:extLst>
+        </p:spPr>
+      </p:pic>
+    </p:spTree>
+    <p:extLst>
+      <p:ext uri="{BB962C8B-B14F-4D97-AF65-F5344CB8AC3E}">
+        <p14:creationId xmlns:p14="http://schemas.microsoft.com/office/powerpoint/2010/main" val="1610747562"/>
       </p:ext>
     </p:extLst>
   </p:cSld>
@@ -10040,12 +13940,12 @@
 </file>
 
 <file path=customXml/item1.xml><?xml version="1.0" encoding="utf-8"?>
-<?mso-contentType ?>
-<FormTemplates xmlns="http://schemas.microsoft.com/sharepoint/v3/contenttype/forms">
-  <Display>DocumentLibraryForm</Display>
-  <Edit>DocumentLibraryForm</Edit>
-  <New>DocumentLibraryForm</New>
-</FormTemplates>
+<p:properties xmlns:p="http://schemas.microsoft.com/office/2006/metadata/properties" xmlns:xsi="http://www.w3.org/2001/XMLSchema-instance" xmlns:pc="http://schemas.microsoft.com/office/infopath/2007/PartnerControls">
+  <documentManagement>
+    <Status xmlns="71af3243-3dd4-4a8d-8c0d-dd76da1f02a5">Not started</Status>
+    <MediaServiceKeyPoints xmlns="71af3243-3dd4-4a8d-8c0d-dd76da1f02a5" xsi:nil="true"/>
+  </documentManagement>
+</p:properties>
 </file>
 
 <file path=customXml/item2.xml><?xml version="1.0" encoding="utf-8"?>
@@ -10270,18 +14170,20 @@
 </file>
 
 <file path=customXml/item3.xml><?xml version="1.0" encoding="utf-8"?>
-<p:properties xmlns:p="http://schemas.microsoft.com/office/2006/metadata/properties" xmlns:xsi="http://www.w3.org/2001/XMLSchema-instance" xmlns:pc="http://schemas.microsoft.com/office/infopath/2007/PartnerControls">
-  <documentManagement>
-    <Status xmlns="71af3243-3dd4-4a8d-8c0d-dd76da1f02a5">Not started</Status>
-    <MediaServiceKeyPoints xmlns="71af3243-3dd4-4a8d-8c0d-dd76da1f02a5" xsi:nil="true"/>
-  </documentManagement>
-</p:properties>
+<?mso-contentType ?>
+<FormTemplates xmlns="http://schemas.microsoft.com/sharepoint/v3/contenttype/forms">
+  <Display>DocumentLibraryForm</Display>
+  <Edit>DocumentLibraryForm</Edit>
+  <New>DocumentLibraryForm</New>
+</FormTemplates>
 </file>
 
 <file path=customXml/itemProps1.xml><?xml version="1.0" encoding="utf-8"?>
-<ds:datastoreItem xmlns:ds="http://schemas.openxmlformats.org/officeDocument/2006/customXml" ds:itemID="{AA3F7EDC-E5B4-4BBC-9D2A-CBE6D46C37AD}">
+<ds:datastoreItem xmlns:ds="http://schemas.openxmlformats.org/officeDocument/2006/customXml" ds:itemID="{A03EEFF0-FB57-4CB4-8BFC-DF397689E2ED}">
   <ds:schemaRefs>
-    <ds:schemaRef ds:uri="http://schemas.microsoft.com/sharepoint/v3/contenttype/forms"/>
+    <ds:schemaRef ds:uri="http://schemas.microsoft.com/office/2006/metadata/properties"/>
+    <ds:schemaRef ds:uri="http://schemas.microsoft.com/office/infopath/2007/PartnerControls"/>
+    <ds:schemaRef ds:uri="71af3243-3dd4-4a8d-8c0d-dd76da1f02a5"/>
   </ds:schemaRefs>
 </ds:datastoreItem>
 </file>
@@ -10306,11 +14208,9 @@
 </file>
 
 <file path=customXml/itemProps3.xml><?xml version="1.0" encoding="utf-8"?>
-<ds:datastoreItem xmlns:ds="http://schemas.openxmlformats.org/officeDocument/2006/customXml" ds:itemID="{A03EEFF0-FB57-4CB4-8BFC-DF397689E2ED}">
+<ds:datastoreItem xmlns:ds="http://schemas.openxmlformats.org/officeDocument/2006/customXml" ds:itemID="{AA3F7EDC-E5B4-4BBC-9D2A-CBE6D46C37AD}">
   <ds:schemaRefs>
-    <ds:schemaRef ds:uri="http://schemas.microsoft.com/office/2006/metadata/properties"/>
-    <ds:schemaRef ds:uri="http://schemas.microsoft.com/office/infopath/2007/PartnerControls"/>
-    <ds:schemaRef ds:uri="71af3243-3dd4-4a8d-8c0d-dd76da1f02a5"/>
+    <ds:schemaRef ds:uri="http://schemas.microsoft.com/sharepoint/v3/contenttype/forms"/>
   </ds:schemaRefs>
 </ds:datastoreItem>
 </file>
--- a/XGBoost.pptx
+++ b/XGBoost.pptx
@@ -6,19 +6,22 @@
     <p:sldMasterId id="2147483682" r:id="rId5"/>
   </p:sldMasterIdLst>
   <p:notesMasterIdLst>
-    <p:notesMasterId r:id="rId16"/>
+    <p:notesMasterId r:id="rId19"/>
   </p:notesMasterIdLst>
   <p:sldIdLst>
     <p:sldId id="298" r:id="rId6"/>
     <p:sldId id="299" r:id="rId7"/>
     <p:sldId id="301" r:id="rId8"/>
-    <p:sldId id="300" r:id="rId9"/>
-    <p:sldId id="302" r:id="rId10"/>
-    <p:sldId id="303" r:id="rId11"/>
-    <p:sldId id="304" r:id="rId12"/>
-    <p:sldId id="305" r:id="rId13"/>
-    <p:sldId id="306" r:id="rId14"/>
-    <p:sldId id="307" r:id="rId15"/>
+    <p:sldId id="310" r:id="rId9"/>
+    <p:sldId id="306" r:id="rId10"/>
+    <p:sldId id="307" r:id="rId11"/>
+    <p:sldId id="312" r:id="rId12"/>
+    <p:sldId id="314" r:id="rId13"/>
+    <p:sldId id="308" r:id="rId14"/>
+    <p:sldId id="313" r:id="rId15"/>
+    <p:sldId id="315" r:id="rId16"/>
+    <p:sldId id="309" r:id="rId17"/>
+    <p:sldId id="316" r:id="rId18"/>
   </p:sldIdLst>
   <p:sldSz cx="12192000" cy="6858000"/>
   <p:notesSz cx="6858000" cy="9144000"/>
@@ -125,3479 +128,1937 @@
 </p:presentation>
 </file>
 
-<file path=ppt/diagrams/colors1.xml><?xml version="1.0" encoding="utf-8"?>
-<dgm:colorsDef xmlns:dgm="http://schemas.openxmlformats.org/drawingml/2006/diagram" xmlns:a="http://schemas.openxmlformats.org/drawingml/2006/main" uniqueId="urn:microsoft.com/office/officeart/2005/8/colors/accent1_2">
-  <dgm:title val=""/>
-  <dgm:desc val=""/>
-  <dgm:catLst>
-    <dgm:cat type="accent1" pri="11200"/>
-  </dgm:catLst>
-  <dgm:styleLbl name="node0">
-    <dgm:fillClrLst meth="repeat">
-      <a:schemeClr val="accent1"/>
-    </dgm:fillClrLst>
-    <dgm:linClrLst meth="repeat">
-      <a:schemeClr val="lt1"/>
-    </dgm:linClrLst>
-    <dgm:effectClrLst/>
-    <dgm:txLinClrLst/>
-    <dgm:txFillClrLst/>
-    <dgm:txEffectClrLst/>
-  </dgm:styleLbl>
-  <dgm:styleLbl name="alignNode1">
-    <dgm:fillClrLst meth="repeat">
-      <a:schemeClr val="accent1"/>
-    </dgm:fillClrLst>
-    <dgm:linClrLst meth="repeat">
-      <a:schemeClr val="accent1"/>
-    </dgm:linClrLst>
-    <dgm:effectClrLst/>
-    <dgm:txLinClrLst/>
-    <dgm:txFillClrLst/>
-    <dgm:txEffectClrLst/>
-  </dgm:styleLbl>
-  <dgm:styleLbl name="node1">
-    <dgm:fillClrLst meth="repeat">
-      <a:schemeClr val="accent1"/>
-    </dgm:fillClrLst>
-    <dgm:linClrLst meth="repeat">
-      <a:schemeClr val="lt1"/>
-    </dgm:linClrLst>
-    <dgm:effectClrLst/>
-    <dgm:txLinClrLst/>
-    <dgm:txFillClrLst/>
-    <dgm:txEffectClrLst/>
-  </dgm:styleLbl>
-  <dgm:styleLbl name="lnNode1">
-    <dgm:fillClrLst meth="repeat">
-      <a:schemeClr val="accent1"/>
-    </dgm:fillClrLst>
-    <dgm:linClrLst meth="repeat">
-      <a:schemeClr val="lt1"/>
-    </dgm:linClrLst>
-    <dgm:effectClrLst/>
-    <dgm:txLinClrLst/>
-    <dgm:txFillClrLst/>
-    <dgm:txEffectClrLst/>
-  </dgm:styleLbl>
-  <dgm:styleLbl name="vennNode1">
-    <dgm:fillClrLst meth="repeat">
-      <a:schemeClr val="accent1">
-        <a:alpha val="50000"/>
-      </a:schemeClr>
-    </dgm:fillClrLst>
-    <dgm:linClrLst meth="repeat">
-      <a:schemeClr val="lt1"/>
-    </dgm:linClrLst>
-    <dgm:effectClrLst/>
-    <dgm:txLinClrLst/>
-    <dgm:txFillClrLst/>
-    <dgm:txEffectClrLst/>
-  </dgm:styleLbl>
-  <dgm:styleLbl name="node2">
-    <dgm:fillClrLst meth="repeat">
-      <a:schemeClr val="accent1"/>
-    </dgm:fillClrLst>
-    <dgm:linClrLst meth="repeat">
-      <a:schemeClr val="lt1"/>
-    </dgm:linClrLst>
-    <dgm:effectClrLst/>
-    <dgm:txLinClrLst/>
-    <dgm:txFillClrLst/>
-    <dgm:txEffectClrLst/>
-  </dgm:styleLbl>
-  <dgm:styleLbl name="node3">
-    <dgm:fillClrLst meth="repeat">
-      <a:schemeClr val="accent1"/>
-    </dgm:fillClrLst>
-    <dgm:linClrLst meth="repeat">
-      <a:schemeClr val="lt1"/>
-    </dgm:linClrLst>
-    <dgm:effectClrLst/>
-    <dgm:txLinClrLst/>
-    <dgm:txFillClrLst/>
-    <dgm:txEffectClrLst/>
-  </dgm:styleLbl>
-  <dgm:styleLbl name="node4">
-    <dgm:fillClrLst meth="repeat">
-      <a:schemeClr val="accent1"/>
-    </dgm:fillClrLst>
-    <dgm:linClrLst meth="repeat">
-      <a:schemeClr val="lt1"/>
-    </dgm:linClrLst>
-    <dgm:effectClrLst/>
-    <dgm:txLinClrLst/>
-    <dgm:txFillClrLst/>
-    <dgm:txEffectClrLst/>
-  </dgm:styleLbl>
-  <dgm:styleLbl name="fgImgPlace1">
-    <dgm:fillClrLst meth="repeat">
-      <a:schemeClr val="accent1">
-        <a:tint val="50000"/>
-      </a:schemeClr>
-    </dgm:fillClrLst>
-    <dgm:linClrLst meth="repeat">
-      <a:schemeClr val="lt1"/>
-    </dgm:linClrLst>
-    <dgm:effectClrLst/>
-    <dgm:txLinClrLst/>
-    <dgm:txFillClrLst meth="repeat">
-      <a:schemeClr val="lt1"/>
-    </dgm:txFillClrLst>
-    <dgm:txEffectClrLst/>
-  </dgm:styleLbl>
-  <dgm:styleLbl name="alignImgPlace1">
-    <dgm:fillClrLst meth="repeat">
-      <a:schemeClr val="accent1">
-        <a:tint val="50000"/>
-      </a:schemeClr>
-    </dgm:fillClrLst>
-    <dgm:linClrLst meth="repeat">
-      <a:schemeClr val="lt1"/>
-    </dgm:linClrLst>
-    <dgm:effectClrLst/>
-    <dgm:txLinClrLst/>
-    <dgm:txFillClrLst meth="repeat">
-      <a:schemeClr val="lt1"/>
-    </dgm:txFillClrLst>
-    <dgm:txEffectClrLst/>
-  </dgm:styleLbl>
-  <dgm:styleLbl name="bgImgPlace1">
-    <dgm:fillClrLst meth="repeat">
-      <a:schemeClr val="accent1">
-        <a:tint val="50000"/>
-      </a:schemeClr>
-    </dgm:fillClrLst>
-    <dgm:linClrLst meth="repeat">
-      <a:schemeClr val="lt1"/>
-    </dgm:linClrLst>
-    <dgm:effectClrLst/>
-    <dgm:txLinClrLst/>
-    <dgm:txFillClrLst meth="repeat">
-      <a:schemeClr val="lt1"/>
-    </dgm:txFillClrLst>
-    <dgm:txEffectClrLst/>
-  </dgm:styleLbl>
-  <dgm:styleLbl name="sibTrans2D1">
-    <dgm:fillClrLst meth="repeat">
-      <a:schemeClr val="accent1">
-        <a:tint val="60000"/>
-      </a:schemeClr>
-    </dgm:fillClrLst>
-    <dgm:linClrLst meth="repeat">
-      <a:schemeClr val="accent1">
-        <a:tint val="60000"/>
-      </a:schemeClr>
-    </dgm:linClrLst>
-    <dgm:effectClrLst/>
-    <dgm:txLinClrLst/>
-    <dgm:txFillClrLst/>
-    <dgm:txEffectClrLst/>
-  </dgm:styleLbl>
-  <dgm:styleLbl name="fgSibTrans2D1">
-    <dgm:fillClrLst meth="repeat">
-      <a:schemeClr val="accent1">
-        <a:tint val="60000"/>
-      </a:schemeClr>
-    </dgm:fillClrLst>
-    <dgm:linClrLst meth="repeat">
-      <a:schemeClr val="accent1">
-        <a:tint val="60000"/>
-      </a:schemeClr>
-    </dgm:linClrLst>
-    <dgm:effectClrLst/>
-    <dgm:txLinClrLst/>
-    <dgm:txFillClrLst/>
-    <dgm:txEffectClrLst/>
-  </dgm:styleLbl>
-  <dgm:styleLbl name="bgSibTrans2D1">
-    <dgm:fillClrLst meth="repeat">
-      <a:schemeClr val="accent1">
-        <a:tint val="60000"/>
-      </a:schemeClr>
-    </dgm:fillClrLst>
-    <dgm:linClrLst meth="repeat">
-      <a:schemeClr val="accent1">
-        <a:tint val="60000"/>
-      </a:schemeClr>
-    </dgm:linClrLst>
-    <dgm:effectClrLst/>
-    <dgm:txLinClrLst/>
-    <dgm:txFillClrLst/>
-    <dgm:txEffectClrLst/>
-  </dgm:styleLbl>
-  <dgm:styleLbl name="sibTrans1D1">
-    <dgm:fillClrLst meth="repeat">
-      <a:schemeClr val="accent1"/>
-    </dgm:fillClrLst>
-    <dgm:linClrLst meth="repeat">
-      <a:schemeClr val="accent1"/>
-    </dgm:linClrLst>
-    <dgm:effectClrLst/>
-    <dgm:txLinClrLst/>
-    <dgm:txFillClrLst meth="repeat">
-      <a:schemeClr val="tx1"/>
-    </dgm:txFillClrLst>
-    <dgm:txEffectClrLst/>
-  </dgm:styleLbl>
-  <dgm:styleLbl name="callout">
-    <dgm:fillClrLst meth="repeat">
-      <a:schemeClr val="accent1"/>
-    </dgm:fillClrLst>
-    <dgm:linClrLst meth="repeat">
-      <a:schemeClr val="accent1">
-        <a:tint val="50000"/>
-      </a:schemeClr>
-    </dgm:linClrLst>
-    <dgm:effectClrLst/>
-    <dgm:txLinClrLst/>
-    <dgm:txFillClrLst meth="repeat">
-      <a:schemeClr val="tx1"/>
-    </dgm:txFillClrLst>
-    <dgm:txEffectClrLst/>
-  </dgm:styleLbl>
-  <dgm:styleLbl name="asst0">
-    <dgm:fillClrLst meth="repeat">
-      <a:schemeClr val="accent1"/>
-    </dgm:fillClrLst>
-    <dgm:linClrLst meth="repeat">
-      <a:schemeClr val="lt1"/>
-    </dgm:linClrLst>
-    <dgm:effectClrLst/>
-    <dgm:txLinClrLst/>
-    <dgm:txFillClrLst/>
-    <dgm:txEffectClrLst/>
-  </dgm:styleLbl>
-  <dgm:styleLbl name="asst1">
-    <dgm:fillClrLst meth="repeat">
-      <a:schemeClr val="accent1"/>
-    </dgm:fillClrLst>
-    <dgm:linClrLst meth="repeat">
-      <a:schemeClr val="lt1"/>
-    </dgm:linClrLst>
-    <dgm:effectClrLst/>
-    <dgm:txLinClrLst/>
-    <dgm:txFillClrLst/>
-    <dgm:txEffectClrLst/>
-  </dgm:styleLbl>
-  <dgm:styleLbl name="asst2">
-    <dgm:fillClrLst meth="repeat">
-      <a:schemeClr val="accent1"/>
-    </dgm:fillClrLst>
-    <dgm:linClrLst meth="repeat">
-      <a:schemeClr val="lt1"/>
-    </dgm:linClrLst>
-    <dgm:effectClrLst/>
-    <dgm:txLinClrLst/>
-    <dgm:txFillClrLst/>
-    <dgm:txEffectClrLst/>
-  </dgm:styleLbl>
-  <dgm:styleLbl name="asst3">
-    <dgm:fillClrLst meth="repeat">
-      <a:schemeClr val="accent1"/>
-    </dgm:fillClrLst>
-    <dgm:linClrLst meth="repeat">
-      <a:schemeClr val="lt1"/>
-    </dgm:linClrLst>
-    <dgm:effectClrLst/>
-    <dgm:txLinClrLst/>
-    <dgm:txFillClrLst/>
-    <dgm:txEffectClrLst/>
-  </dgm:styleLbl>
-  <dgm:styleLbl name="asst4">
-    <dgm:fillClrLst meth="repeat">
-      <a:schemeClr val="accent1"/>
-    </dgm:fillClrLst>
-    <dgm:linClrLst meth="repeat">
-      <a:schemeClr val="lt1"/>
-    </dgm:linClrLst>
-    <dgm:effectClrLst/>
-    <dgm:txLinClrLst/>
-    <dgm:txFillClrLst/>
-    <dgm:txEffectClrLst/>
-  </dgm:styleLbl>
-  <dgm:styleLbl name="parChTrans2D1">
-    <dgm:fillClrLst meth="repeat">
-      <a:schemeClr val="accent1">
-        <a:tint val="60000"/>
-      </a:schemeClr>
-    </dgm:fillClrLst>
-    <dgm:linClrLst meth="repeat">
-      <a:schemeClr val="accent1">
-        <a:tint val="60000"/>
-      </a:schemeClr>
-    </dgm:linClrLst>
-    <dgm:effectClrLst/>
-    <dgm:txLinClrLst/>
-    <dgm:txFillClrLst meth="repeat">
-      <a:schemeClr val="lt1"/>
-    </dgm:txFillClrLst>
-    <dgm:txEffectClrLst/>
-  </dgm:styleLbl>
-  <dgm:styleLbl name="parChTrans2D2">
-    <dgm:fillClrLst meth="repeat">
-      <a:schemeClr val="accent1"/>
-    </dgm:fillClrLst>
-    <dgm:linClrLst meth="repeat">
-      <a:schemeClr val="accent1"/>
-    </dgm:linClrLst>
-    <dgm:effectClrLst/>
-    <dgm:txLinClrLst/>
-    <dgm:txFillClrLst meth="repeat">
-      <a:schemeClr val="lt1"/>
-    </dgm:txFillClrLst>
-    <dgm:txEffectClrLst/>
-  </dgm:styleLbl>
-  <dgm:styleLbl name="parChTrans2D3">
-    <dgm:fillClrLst meth="repeat">
-      <a:schemeClr val="accent1"/>
-    </dgm:fillClrLst>
-    <dgm:linClrLst meth="repeat">
-      <a:schemeClr val="accent1"/>
-    </dgm:linClrLst>
-    <dgm:effectClrLst/>
-    <dgm:txLinClrLst/>
-    <dgm:txFillClrLst meth="repeat">
-      <a:schemeClr val="lt1"/>
-    </dgm:txFillClrLst>
-    <dgm:txEffectClrLst/>
-  </dgm:styleLbl>
-  <dgm:styleLbl name="parChTrans2D4">
-    <dgm:fillClrLst meth="repeat">
-      <a:schemeClr val="accent1"/>
-    </dgm:fillClrLst>
-    <dgm:linClrLst meth="repeat">
-      <a:schemeClr val="accent1"/>
-    </dgm:linClrLst>
-    <dgm:effectClrLst/>
-    <dgm:txLinClrLst/>
-    <dgm:txFillClrLst meth="repeat">
-      <a:schemeClr val="lt1"/>
-    </dgm:txFillClrLst>
-    <dgm:txEffectClrLst/>
-  </dgm:styleLbl>
-  <dgm:styleLbl name="parChTrans1D1">
-    <dgm:fillClrLst meth="repeat">
-      <a:schemeClr val="accent1"/>
-    </dgm:fillClrLst>
-    <dgm:linClrLst meth="repeat">
-      <a:schemeClr val="accent1">
-        <a:shade val="60000"/>
-      </a:schemeClr>
-    </dgm:linClrLst>
-    <dgm:effectClrLst/>
-    <dgm:txLinClrLst/>
-    <dgm:txFillClrLst meth="repeat">
-      <a:schemeClr val="tx1"/>
-    </dgm:txFillClrLst>
-    <dgm:txEffectClrLst/>
-  </dgm:styleLbl>
-  <dgm:styleLbl name="parChTrans1D2">
-    <dgm:fillClrLst meth="repeat">
-      <a:schemeClr val="accent1"/>
-    </dgm:fillClrLst>
-    <dgm:linClrLst meth="repeat">
-      <a:schemeClr val="accent1">
-        <a:shade val="60000"/>
-      </a:schemeClr>
-    </dgm:linClrLst>
-    <dgm:effectClrLst/>
-    <dgm:txLinClrLst/>
-    <dgm:txFillClrLst meth="repeat">
-      <a:schemeClr val="tx1"/>
-    </dgm:txFillClrLst>
-    <dgm:txEffectClrLst/>
-  </dgm:styleLbl>
-  <dgm:styleLbl name="parChTrans1D3">
-    <dgm:fillClrLst meth="repeat">
-      <a:schemeClr val="accent1"/>
-    </dgm:fillClrLst>
-    <dgm:linClrLst meth="repeat">
-      <a:schemeClr val="accent1">
-        <a:shade val="80000"/>
-      </a:schemeClr>
-    </dgm:linClrLst>
-    <dgm:effectClrLst/>
-    <dgm:txLinClrLst/>
-    <dgm:txFillClrLst meth="repeat">
-      <a:schemeClr val="tx1"/>
-    </dgm:txFillClrLst>
-    <dgm:txEffectClrLst/>
-  </dgm:styleLbl>
-  <dgm:styleLbl name="parChTrans1D4">
-    <dgm:fillClrLst meth="repeat">
-      <a:schemeClr val="accent1"/>
-    </dgm:fillClrLst>
-    <dgm:linClrLst meth="repeat">
-      <a:schemeClr val="accent1">
-        <a:shade val="80000"/>
-      </a:schemeClr>
-    </dgm:linClrLst>
-    <dgm:effectClrLst/>
-    <dgm:txLinClrLst/>
-    <dgm:txFillClrLst meth="repeat">
-      <a:schemeClr val="tx1"/>
-    </dgm:txFillClrLst>
-    <dgm:txEffectClrLst/>
-  </dgm:styleLbl>
-  <dgm:styleLbl name="fgAcc1">
-    <dgm:fillClrLst meth="repeat">
-      <a:schemeClr val="lt1">
-        <a:alpha val="90000"/>
-      </a:schemeClr>
-    </dgm:fillClrLst>
-    <dgm:linClrLst meth="repeat">
-      <a:schemeClr val="accent1"/>
-    </dgm:linClrLst>
-    <dgm:effectClrLst/>
-    <dgm:txLinClrLst/>
-    <dgm:txFillClrLst meth="repeat">
-      <a:schemeClr val="dk1"/>
-    </dgm:txFillClrLst>
-    <dgm:txEffectClrLst/>
-  </dgm:styleLbl>
-  <dgm:styleLbl name="conFgAcc1">
-    <dgm:fillClrLst meth="repeat">
-      <a:schemeClr val="lt1">
-        <a:alpha val="90000"/>
-      </a:schemeClr>
-    </dgm:fillClrLst>
-    <dgm:linClrLst meth="repeat">
-      <a:schemeClr val="accent1"/>
-    </dgm:linClrLst>
-    <dgm:effectClrLst/>
-    <dgm:txLinClrLst/>
-    <dgm:txFillClrLst meth="repeat">
-      <a:schemeClr val="dk1"/>
-    </dgm:txFillClrLst>
-    <dgm:txEffectClrLst/>
-  </dgm:styleLbl>
-  <dgm:styleLbl name="alignAcc1">
-    <dgm:fillClrLst meth="repeat">
-      <a:schemeClr val="lt1">
-        <a:alpha val="90000"/>
-      </a:schemeClr>
-    </dgm:fillClrLst>
-    <dgm:linClrLst meth="repeat">
-      <a:schemeClr val="accent1"/>
-    </dgm:linClrLst>
-    <dgm:effectClrLst/>
-    <dgm:txLinClrLst/>
-    <dgm:txFillClrLst meth="repeat">
-      <a:schemeClr val="dk1"/>
-    </dgm:txFillClrLst>
-    <dgm:txEffectClrLst/>
-  </dgm:styleLbl>
-  <dgm:styleLbl name="trAlignAcc1">
-    <dgm:fillClrLst meth="repeat">
-      <a:schemeClr val="lt1">
-        <a:alpha val="40000"/>
-      </a:schemeClr>
-    </dgm:fillClrLst>
-    <dgm:linClrLst meth="repeat">
-      <a:schemeClr val="accent1"/>
-    </dgm:linClrLst>
-    <dgm:effectClrLst/>
-    <dgm:txLinClrLst/>
-    <dgm:txFillClrLst meth="repeat">
-      <a:schemeClr val="dk1"/>
-    </dgm:txFillClrLst>
-    <dgm:txEffectClrLst/>
-  </dgm:styleLbl>
-  <dgm:styleLbl name="bgAcc1">
-    <dgm:fillClrLst meth="repeat">
-      <a:schemeClr val="lt1">
-        <a:alpha val="90000"/>
-      </a:schemeClr>
-    </dgm:fillClrLst>
-    <dgm:linClrLst meth="repeat">
-      <a:schemeClr val="accent1"/>
-    </dgm:linClrLst>
-    <dgm:effectClrLst/>
-    <dgm:txLinClrLst/>
-    <dgm:txFillClrLst meth="repeat">
-      <a:schemeClr val="dk1"/>
-    </dgm:txFillClrLst>
-    <dgm:txEffectClrLst/>
-  </dgm:styleLbl>
-  <dgm:styleLbl name="solidFgAcc1">
-    <dgm:fillClrLst meth="repeat">
-      <a:schemeClr val="lt1"/>
-    </dgm:fillClrLst>
-    <dgm:linClrLst meth="repeat">
-      <a:schemeClr val="accent1"/>
-    </dgm:linClrLst>
-    <dgm:effectClrLst/>
-    <dgm:txLinClrLst/>
-    <dgm:txFillClrLst meth="repeat">
-      <a:schemeClr val="dk1"/>
-    </dgm:txFillClrLst>
-    <dgm:txEffectClrLst/>
-  </dgm:styleLbl>
-  <dgm:styleLbl name="solidAlignAcc1">
-    <dgm:fillClrLst meth="repeat">
-      <a:schemeClr val="lt1"/>
-    </dgm:fillClrLst>
-    <dgm:linClrLst meth="repeat">
-      <a:schemeClr val="accent1"/>
-    </dgm:linClrLst>
-    <dgm:effectClrLst/>
-    <dgm:txLinClrLst/>
-    <dgm:txFillClrLst meth="repeat">
-      <a:schemeClr val="dk1"/>
-    </dgm:txFillClrLst>
-    <dgm:txEffectClrLst/>
-  </dgm:styleLbl>
-  <dgm:styleLbl name="solidBgAcc1">
-    <dgm:fillClrLst meth="repeat">
-      <a:schemeClr val="lt1"/>
-    </dgm:fillClrLst>
-    <dgm:linClrLst meth="repeat">
-      <a:schemeClr val="accent1"/>
-    </dgm:linClrLst>
-    <dgm:effectClrLst/>
-    <dgm:txLinClrLst/>
-    <dgm:txFillClrLst meth="repeat">
-      <a:schemeClr val="dk1"/>
-    </dgm:txFillClrLst>
-    <dgm:txEffectClrLst/>
-  </dgm:styleLbl>
-  <dgm:styleLbl name="fgAccFollowNode1">
-    <dgm:fillClrLst meth="repeat">
-      <a:schemeClr val="accent1">
-        <a:alpha val="90000"/>
-        <a:tint val="40000"/>
-      </a:schemeClr>
-    </dgm:fillClrLst>
-    <dgm:linClrLst meth="repeat">
-      <a:schemeClr val="accent1">
-        <a:alpha val="90000"/>
-        <a:tint val="40000"/>
-      </a:schemeClr>
-    </dgm:linClrLst>
-    <dgm:effectClrLst/>
-    <dgm:txLinClrLst/>
-    <dgm:txFillClrLst meth="repeat">
-      <a:schemeClr val="dk1"/>
-    </dgm:txFillClrLst>
-    <dgm:txEffectClrLst/>
-  </dgm:styleLbl>
-  <dgm:styleLbl name="alignAccFollowNode1">
-    <dgm:fillClrLst meth="repeat">
-      <a:schemeClr val="accent1">
-        <a:alpha val="90000"/>
-        <a:tint val="40000"/>
-      </a:schemeClr>
-    </dgm:fillClrLst>
-    <dgm:linClrLst meth="repeat">
-      <a:schemeClr val="accent1">
-        <a:alpha val="90000"/>
-        <a:tint val="40000"/>
-      </a:schemeClr>
-    </dgm:linClrLst>
-    <dgm:effectClrLst/>
-    <dgm:txLinClrLst/>
-    <dgm:txFillClrLst meth="repeat">
-      <a:schemeClr val="dk1"/>
-    </dgm:txFillClrLst>
-    <dgm:txEffectClrLst/>
-  </dgm:styleLbl>
-  <dgm:styleLbl name="bgAccFollowNode1">
-    <dgm:fillClrLst meth="repeat">
-      <a:schemeClr val="accent1">
-        <a:alpha val="90000"/>
-        <a:tint val="40000"/>
-      </a:schemeClr>
-    </dgm:fillClrLst>
-    <dgm:linClrLst meth="repeat">
-      <a:schemeClr val="accent1">
-        <a:alpha val="90000"/>
-        <a:tint val="40000"/>
-      </a:schemeClr>
-    </dgm:linClrLst>
-    <dgm:effectClrLst/>
-    <dgm:txLinClrLst/>
-    <dgm:txFillClrLst meth="repeat">
-      <a:schemeClr val="dk1"/>
-    </dgm:txFillClrLst>
-    <dgm:txEffectClrLst/>
-  </dgm:styleLbl>
-  <dgm:styleLbl name="fgAcc0">
-    <dgm:fillClrLst meth="repeat">
-      <a:schemeClr val="lt1">
-        <a:alpha val="90000"/>
-      </a:schemeClr>
-    </dgm:fillClrLst>
-    <dgm:linClrLst meth="repeat">
-      <a:schemeClr val="accent1"/>
-    </dgm:linClrLst>
-    <dgm:effectClrLst/>
-    <dgm:txLinClrLst/>
-    <dgm:txFillClrLst meth="repeat">
-      <a:schemeClr val="dk1"/>
-    </dgm:txFillClrLst>
-    <dgm:txEffectClrLst/>
-  </dgm:styleLbl>
-  <dgm:styleLbl name="fgAcc2">
-    <dgm:fillClrLst meth="repeat">
-      <a:schemeClr val="lt1">
-        <a:alpha val="90000"/>
-      </a:schemeClr>
-    </dgm:fillClrLst>
-    <dgm:linClrLst meth="repeat">
-      <a:schemeClr val="accent1"/>
-    </dgm:linClrLst>
-    <dgm:effectClrLst/>
-    <dgm:txLinClrLst/>
-    <dgm:txFillClrLst meth="repeat">
-      <a:schemeClr val="dk1"/>
-    </dgm:txFillClrLst>
-    <dgm:txEffectClrLst/>
-  </dgm:styleLbl>
-  <dgm:styleLbl name="fgAcc3">
-    <dgm:fillClrLst meth="repeat">
-      <a:schemeClr val="lt1">
-        <a:alpha val="90000"/>
-      </a:schemeClr>
-    </dgm:fillClrLst>
-    <dgm:linClrLst meth="repeat">
-      <a:schemeClr val="accent1"/>
-    </dgm:linClrLst>
-    <dgm:effectClrLst/>
-    <dgm:txLinClrLst/>
-    <dgm:txFillClrLst meth="repeat">
-      <a:schemeClr val="dk1"/>
-    </dgm:txFillClrLst>
-    <dgm:txEffectClrLst/>
-  </dgm:styleLbl>
-  <dgm:styleLbl name="fgAcc4">
-    <dgm:fillClrLst meth="repeat">
-      <a:schemeClr val="lt1">
-        <a:alpha val="90000"/>
-      </a:schemeClr>
-    </dgm:fillClrLst>
-    <dgm:linClrLst meth="repeat">
-      <a:schemeClr val="accent1"/>
-    </dgm:linClrLst>
-    <dgm:effectClrLst/>
-    <dgm:txLinClrLst/>
-    <dgm:txFillClrLst meth="repeat">
-      <a:schemeClr val="dk1"/>
-    </dgm:txFillClrLst>
-    <dgm:txEffectClrLst/>
-  </dgm:styleLbl>
-  <dgm:styleLbl name="bgShp">
-    <dgm:fillClrLst meth="repeat">
-      <a:schemeClr val="accent1">
-        <a:tint val="40000"/>
-      </a:schemeClr>
-    </dgm:fillClrLst>
-    <dgm:linClrLst meth="repeat">
-      <a:schemeClr val="accent1"/>
-    </dgm:linClrLst>
-    <dgm:effectClrLst/>
-    <dgm:txLinClrLst/>
-    <dgm:txFillClrLst meth="repeat">
-      <a:schemeClr val="dk1"/>
-    </dgm:txFillClrLst>
-    <dgm:txEffectClrLst/>
-  </dgm:styleLbl>
-  <dgm:styleLbl name="dkBgShp">
-    <dgm:fillClrLst meth="repeat">
-      <a:schemeClr val="accent1">
-        <a:shade val="80000"/>
-      </a:schemeClr>
-    </dgm:fillClrLst>
-    <dgm:linClrLst meth="repeat">
-      <a:schemeClr val="accent1"/>
-    </dgm:linClrLst>
-    <dgm:effectClrLst/>
-    <dgm:txLinClrLst/>
-    <dgm:txFillClrLst meth="repeat">
-      <a:schemeClr val="lt1"/>
-    </dgm:txFillClrLst>
-    <dgm:txEffectClrLst/>
-  </dgm:styleLbl>
-  <dgm:styleLbl name="trBgShp">
-    <dgm:fillClrLst meth="repeat">
-      <a:schemeClr val="accent1">
-        <a:tint val="50000"/>
-        <a:alpha val="40000"/>
-      </a:schemeClr>
-    </dgm:fillClrLst>
-    <dgm:linClrLst meth="repeat">
-      <a:schemeClr val="accent1"/>
-    </dgm:linClrLst>
-    <dgm:effectClrLst/>
-    <dgm:txLinClrLst/>
-    <dgm:txFillClrLst meth="repeat">
-      <a:schemeClr val="lt1"/>
-    </dgm:txFillClrLst>
-    <dgm:txEffectClrLst/>
-  </dgm:styleLbl>
-  <dgm:styleLbl name="fgShp">
-    <dgm:fillClrLst meth="repeat">
-      <a:schemeClr val="accent1">
-        <a:tint val="60000"/>
-      </a:schemeClr>
-    </dgm:fillClrLst>
-    <dgm:linClrLst meth="repeat">
-      <a:schemeClr val="lt1"/>
-    </dgm:linClrLst>
-    <dgm:effectClrLst/>
-    <dgm:txLinClrLst/>
-    <dgm:txFillClrLst meth="repeat">
-      <a:schemeClr val="dk1"/>
-    </dgm:txFillClrLst>
-    <dgm:txEffectClrLst/>
-  </dgm:styleLbl>
-  <dgm:styleLbl name="revTx">
-    <dgm:fillClrLst meth="repeat">
-      <a:schemeClr val="lt1">
-        <a:alpha val="0"/>
-      </a:schemeClr>
-    </dgm:fillClrLst>
-    <dgm:linClrLst meth="repeat">
-      <a:schemeClr val="dk1">
-        <a:alpha val="0"/>
-      </a:schemeClr>
-    </dgm:linClrLst>
-    <dgm:effectClrLst/>
-    <dgm:txLinClrLst/>
-    <dgm:txFillClrLst meth="repeat">
-      <a:schemeClr val="tx1"/>
-    </dgm:txFillClrLst>
-    <dgm:txEffectClrLst/>
-  </dgm:styleLbl>
-</dgm:colorsDef>
-</file>
-
-<file path=ppt/diagrams/data1.xml><?xml version="1.0" encoding="utf-8"?>
-<dgm:dataModel xmlns:dgm="http://schemas.openxmlformats.org/drawingml/2006/diagram" xmlns:a="http://schemas.openxmlformats.org/drawingml/2006/main">
-  <dgm:ptLst>
-    <dgm:pt modelId="{9874A089-DF7A-4AC9-BFF3-0E75CB757C35}" type="doc">
-      <dgm:prSet loTypeId="urn:microsoft.com/office/officeart/2005/8/layout/StepDownProcess" loCatId="process" qsTypeId="urn:microsoft.com/office/officeart/2005/8/quickstyle/simple1" qsCatId="simple" csTypeId="urn:microsoft.com/office/officeart/2005/8/colors/accent1_2" csCatId="accent1" phldr="1"/>
-      <dgm:spPr/>
-      <dgm:t>
-        <a:bodyPr/>
-        <a:lstStyle/>
-        <a:p>
-          <a:endParaRPr lang="en-US"/>
-        </a:p>
-      </dgm:t>
-    </dgm:pt>
-    <dgm:pt modelId="{5A862B5C-26BE-47BC-9D80-2C6D20D11F23}">
-      <dgm:prSet phldrT="[Text]"/>
-      <dgm:spPr/>
-      <dgm:t>
-        <a:bodyPr/>
-        <a:lstStyle/>
-        <a:p>
-          <a:r>
-            <a:rPr lang="en-US" dirty="0"/>
-            <a:t>Decision Trees</a:t>
-          </a:r>
-        </a:p>
-      </dgm:t>
-    </dgm:pt>
-    <dgm:pt modelId="{E927CE94-E553-445B-8A6E-855DFE535459}" type="parTrans" cxnId="{3A7CF79E-8785-48FA-B6A2-AB3CEB42F032}">
-      <dgm:prSet/>
-      <dgm:spPr/>
-      <dgm:t>
-        <a:bodyPr/>
-        <a:lstStyle/>
-        <a:p>
-          <a:endParaRPr lang="en-US"/>
-        </a:p>
-      </dgm:t>
-    </dgm:pt>
-    <dgm:pt modelId="{12929F39-741C-42F1-B470-7D5AED759AD4}" type="sibTrans" cxnId="{3A7CF79E-8785-48FA-B6A2-AB3CEB42F032}">
-      <dgm:prSet/>
-      <dgm:spPr/>
-      <dgm:t>
-        <a:bodyPr/>
-        <a:lstStyle/>
-        <a:p>
-          <a:endParaRPr lang="en-US"/>
-        </a:p>
-      </dgm:t>
-    </dgm:pt>
-    <dgm:pt modelId="{62D342BF-9954-4456-BEB9-96D217911DA0}">
-      <dgm:prSet phldrT="[Text]"/>
-      <dgm:spPr/>
-      <dgm:t>
-        <a:bodyPr/>
-        <a:lstStyle/>
-        <a:p>
-          <a:r>
-            <a:rPr lang="en-US" dirty="0"/>
-            <a:t>Bagging</a:t>
-          </a:r>
-        </a:p>
-      </dgm:t>
-    </dgm:pt>
-    <dgm:pt modelId="{005B954A-E144-42C6-A46E-D1C88BBE3455}" type="parTrans" cxnId="{7B319C93-54B1-46C9-BCD3-760C60E54EDE}">
-      <dgm:prSet/>
-      <dgm:spPr/>
-      <dgm:t>
-        <a:bodyPr/>
-        <a:lstStyle/>
-        <a:p>
-          <a:endParaRPr lang="en-US"/>
-        </a:p>
-      </dgm:t>
-    </dgm:pt>
-    <dgm:pt modelId="{25C154F6-0491-44EC-A45F-6B265B8837BF}" type="sibTrans" cxnId="{7B319C93-54B1-46C9-BCD3-760C60E54EDE}">
-      <dgm:prSet/>
-      <dgm:spPr/>
-      <dgm:t>
-        <a:bodyPr/>
-        <a:lstStyle/>
-        <a:p>
-          <a:endParaRPr lang="en-US"/>
-        </a:p>
-      </dgm:t>
-    </dgm:pt>
-    <dgm:pt modelId="{DE338A06-D6CF-48B4-9443-C4FFA4C23F45}">
-      <dgm:prSet phldrT="[Text]"/>
-      <dgm:spPr/>
-      <dgm:t>
-        <a:bodyPr/>
-        <a:lstStyle/>
-        <a:p>
-          <a:r>
-            <a:rPr lang="en-US" dirty="0"/>
-            <a:t>Random Forest</a:t>
-          </a:r>
-        </a:p>
-      </dgm:t>
-    </dgm:pt>
-    <dgm:pt modelId="{B3ABA422-2EFB-45FF-BBDF-B702D63A8D51}" type="parTrans" cxnId="{7841BE1A-6FE5-4B0C-B96D-B7D1767ED9BC}">
-      <dgm:prSet/>
-      <dgm:spPr/>
-      <dgm:t>
-        <a:bodyPr/>
-        <a:lstStyle/>
-        <a:p>
-          <a:endParaRPr lang="en-US"/>
-        </a:p>
-      </dgm:t>
-    </dgm:pt>
-    <dgm:pt modelId="{920155EC-4031-48DF-ACD7-17C746F257DE}" type="sibTrans" cxnId="{7841BE1A-6FE5-4B0C-B96D-B7D1767ED9BC}">
-      <dgm:prSet/>
-      <dgm:spPr/>
-      <dgm:t>
-        <a:bodyPr/>
-        <a:lstStyle/>
-        <a:p>
-          <a:endParaRPr lang="en-US"/>
-        </a:p>
-      </dgm:t>
-    </dgm:pt>
-    <dgm:pt modelId="{D9112E64-CF02-4533-9194-7545ADE0779C}">
-      <dgm:prSet/>
-      <dgm:spPr/>
-      <dgm:t>
-        <a:bodyPr/>
-        <a:lstStyle/>
-        <a:p>
-          <a:r>
-            <a:rPr lang="en-US" dirty="0"/>
-            <a:t>Boosting</a:t>
-          </a:r>
-        </a:p>
-      </dgm:t>
-    </dgm:pt>
-    <dgm:pt modelId="{BE149C90-2810-45BC-9CEA-4B7ED9AE6C70}" type="parTrans" cxnId="{ED325210-CB0C-415F-A2AC-60F0263E32D4}">
-      <dgm:prSet/>
-      <dgm:spPr/>
-      <dgm:t>
-        <a:bodyPr/>
-        <a:lstStyle/>
-        <a:p>
-          <a:endParaRPr lang="en-US"/>
-        </a:p>
-      </dgm:t>
-    </dgm:pt>
-    <dgm:pt modelId="{DA56DA75-A2C7-45D2-B9A2-EF28F7BF6D13}" type="sibTrans" cxnId="{ED325210-CB0C-415F-A2AC-60F0263E32D4}">
-      <dgm:prSet/>
-      <dgm:spPr/>
-      <dgm:t>
-        <a:bodyPr/>
-        <a:lstStyle/>
-        <a:p>
-          <a:endParaRPr lang="en-US"/>
-        </a:p>
-      </dgm:t>
-    </dgm:pt>
-    <dgm:pt modelId="{F22C6B09-4321-4F7B-892A-8BC910031C8C}">
-      <dgm:prSet/>
-      <dgm:spPr/>
-      <dgm:t>
-        <a:bodyPr/>
-        <a:lstStyle/>
-        <a:p>
-          <a:r>
-            <a:rPr lang="en-US" dirty="0"/>
-            <a:t>Gradient Boosting</a:t>
-          </a:r>
-        </a:p>
-      </dgm:t>
-    </dgm:pt>
-    <dgm:pt modelId="{F6C72C96-CCDA-4C98-A371-76C4A85AD112}" type="parTrans" cxnId="{FB8911FF-D255-46FB-BC4D-909DB83BDF62}">
-      <dgm:prSet/>
-      <dgm:spPr/>
-      <dgm:t>
-        <a:bodyPr/>
-        <a:lstStyle/>
-        <a:p>
-          <a:endParaRPr lang="en-US"/>
-        </a:p>
-      </dgm:t>
-    </dgm:pt>
-    <dgm:pt modelId="{DC75F0D0-58E2-4C11-8EEE-FA22E4742CEA}" type="sibTrans" cxnId="{FB8911FF-D255-46FB-BC4D-909DB83BDF62}">
-      <dgm:prSet/>
-      <dgm:spPr/>
-      <dgm:t>
-        <a:bodyPr/>
-        <a:lstStyle/>
-        <a:p>
-          <a:endParaRPr lang="en-US"/>
-        </a:p>
-      </dgm:t>
-    </dgm:pt>
-    <dgm:pt modelId="{82B5B356-6E5F-4C24-972C-47A2726ACB16}">
-      <dgm:prSet/>
-      <dgm:spPr/>
-      <dgm:t>
-        <a:bodyPr/>
-        <a:lstStyle/>
-        <a:p>
-          <a:r>
-            <a:rPr lang="en-US" dirty="0" err="1"/>
-            <a:t>XGBoost</a:t>
-          </a:r>
-          <a:endParaRPr lang="en-US" dirty="0"/>
-        </a:p>
-      </dgm:t>
-    </dgm:pt>
-    <dgm:pt modelId="{5326D1AE-6A8D-4E67-9E27-A640530569E9}" type="parTrans" cxnId="{A17B57EC-3778-45C1-933E-76F4B855DE11}">
-      <dgm:prSet/>
-      <dgm:spPr/>
-      <dgm:t>
-        <a:bodyPr/>
-        <a:lstStyle/>
-        <a:p>
-          <a:endParaRPr lang="en-US"/>
-        </a:p>
-      </dgm:t>
-    </dgm:pt>
-    <dgm:pt modelId="{F67A198E-1EC2-4A9A-BBAE-AA24605B9E32}" type="sibTrans" cxnId="{A17B57EC-3778-45C1-933E-76F4B855DE11}">
-      <dgm:prSet/>
-      <dgm:spPr/>
-      <dgm:t>
-        <a:bodyPr/>
-        <a:lstStyle/>
-        <a:p>
-          <a:endParaRPr lang="en-US"/>
-        </a:p>
-      </dgm:t>
-    </dgm:pt>
-    <dgm:pt modelId="{8668F5B0-DE2C-4C70-832A-51DFC603E57B}" type="pres">
-      <dgm:prSet presAssocID="{9874A089-DF7A-4AC9-BFF3-0E75CB757C35}" presName="rootnode" presStyleCnt="0">
-        <dgm:presLayoutVars>
-          <dgm:chMax/>
-          <dgm:chPref/>
-          <dgm:dir/>
-          <dgm:animLvl val="lvl"/>
-        </dgm:presLayoutVars>
-      </dgm:prSet>
-      <dgm:spPr/>
-    </dgm:pt>
-    <dgm:pt modelId="{CB3E9533-70B6-4857-8101-06351FC15CAA}" type="pres">
-      <dgm:prSet presAssocID="{5A862B5C-26BE-47BC-9D80-2C6D20D11F23}" presName="composite" presStyleCnt="0"/>
-      <dgm:spPr/>
-    </dgm:pt>
-    <dgm:pt modelId="{A0DE2803-FEF8-4B38-8139-E91F14428AFE}" type="pres">
-      <dgm:prSet presAssocID="{5A862B5C-26BE-47BC-9D80-2C6D20D11F23}" presName="bentUpArrow1" presStyleLbl="alignImgPlace1" presStyleIdx="0" presStyleCnt="5"/>
-      <dgm:spPr/>
-    </dgm:pt>
-    <dgm:pt modelId="{1001B8BE-AA17-45B2-AD39-DD3B354E39D8}" type="pres">
-      <dgm:prSet presAssocID="{5A862B5C-26BE-47BC-9D80-2C6D20D11F23}" presName="ParentText" presStyleLbl="node1" presStyleIdx="0" presStyleCnt="6">
-        <dgm:presLayoutVars>
-          <dgm:chMax val="1"/>
-          <dgm:chPref val="1"/>
-          <dgm:bulletEnabled val="1"/>
-        </dgm:presLayoutVars>
-      </dgm:prSet>
-      <dgm:spPr/>
-    </dgm:pt>
-    <dgm:pt modelId="{F0859565-9647-4386-9E68-E3463CB78EBC}" type="pres">
-      <dgm:prSet presAssocID="{5A862B5C-26BE-47BC-9D80-2C6D20D11F23}" presName="ChildText" presStyleLbl="revTx" presStyleIdx="0" presStyleCnt="5">
-        <dgm:presLayoutVars>
-          <dgm:chMax val="0"/>
-          <dgm:chPref val="0"/>
-          <dgm:bulletEnabled val="1"/>
-        </dgm:presLayoutVars>
-      </dgm:prSet>
-      <dgm:spPr/>
-    </dgm:pt>
-    <dgm:pt modelId="{6B8DC135-B556-4F62-AC40-077EFB01387E}" type="pres">
-      <dgm:prSet presAssocID="{12929F39-741C-42F1-B470-7D5AED759AD4}" presName="sibTrans" presStyleCnt="0"/>
-      <dgm:spPr/>
-    </dgm:pt>
-    <dgm:pt modelId="{B70956AF-3A6F-47C0-9CD9-214534BF0D7E}" type="pres">
-      <dgm:prSet presAssocID="{62D342BF-9954-4456-BEB9-96D217911DA0}" presName="composite" presStyleCnt="0"/>
-      <dgm:spPr/>
-    </dgm:pt>
-    <dgm:pt modelId="{86B4BB1B-AFCB-4930-AB94-0D3083AF56DF}" type="pres">
-      <dgm:prSet presAssocID="{62D342BF-9954-4456-BEB9-96D217911DA0}" presName="bentUpArrow1" presStyleLbl="alignImgPlace1" presStyleIdx="1" presStyleCnt="5"/>
-      <dgm:spPr/>
-    </dgm:pt>
-    <dgm:pt modelId="{96EF6C0F-E775-448E-A85E-A55C5A9E8545}" type="pres">
-      <dgm:prSet presAssocID="{62D342BF-9954-4456-BEB9-96D217911DA0}" presName="ParentText" presStyleLbl="node1" presStyleIdx="1" presStyleCnt="6">
-        <dgm:presLayoutVars>
-          <dgm:chMax val="1"/>
-          <dgm:chPref val="1"/>
-          <dgm:bulletEnabled val="1"/>
-        </dgm:presLayoutVars>
-      </dgm:prSet>
-      <dgm:spPr/>
-    </dgm:pt>
-    <dgm:pt modelId="{16673E75-2E08-4F88-8C83-29E00D08DBD5}" type="pres">
-      <dgm:prSet presAssocID="{62D342BF-9954-4456-BEB9-96D217911DA0}" presName="ChildText" presStyleLbl="revTx" presStyleIdx="1" presStyleCnt="5">
-        <dgm:presLayoutVars>
-          <dgm:chMax val="0"/>
-          <dgm:chPref val="0"/>
-          <dgm:bulletEnabled val="1"/>
-        </dgm:presLayoutVars>
-      </dgm:prSet>
-      <dgm:spPr/>
-    </dgm:pt>
-    <dgm:pt modelId="{E9AB13AE-DE03-4E6D-8E42-A8B9D2B2F455}" type="pres">
-      <dgm:prSet presAssocID="{25C154F6-0491-44EC-A45F-6B265B8837BF}" presName="sibTrans" presStyleCnt="0"/>
-      <dgm:spPr/>
-    </dgm:pt>
-    <dgm:pt modelId="{8E2C7F93-379F-4E3B-AD1E-C7204FBDCFDE}" type="pres">
-      <dgm:prSet presAssocID="{DE338A06-D6CF-48B4-9443-C4FFA4C23F45}" presName="composite" presStyleCnt="0"/>
-      <dgm:spPr/>
-    </dgm:pt>
-    <dgm:pt modelId="{767714CB-F5C5-4038-A255-32CE2F6D6D9E}" type="pres">
-      <dgm:prSet presAssocID="{DE338A06-D6CF-48B4-9443-C4FFA4C23F45}" presName="bentUpArrow1" presStyleLbl="alignImgPlace1" presStyleIdx="2" presStyleCnt="5"/>
-      <dgm:spPr/>
-    </dgm:pt>
-    <dgm:pt modelId="{08B2D816-0031-43DA-BF80-9F975AF3179C}" type="pres">
-      <dgm:prSet presAssocID="{DE338A06-D6CF-48B4-9443-C4FFA4C23F45}" presName="ParentText" presStyleLbl="node1" presStyleIdx="2" presStyleCnt="6">
-        <dgm:presLayoutVars>
-          <dgm:chMax val="1"/>
-          <dgm:chPref val="1"/>
-          <dgm:bulletEnabled val="1"/>
-        </dgm:presLayoutVars>
-      </dgm:prSet>
-      <dgm:spPr/>
-    </dgm:pt>
-    <dgm:pt modelId="{40660D0C-87E6-4C90-AB2B-502B175EBC88}" type="pres">
-      <dgm:prSet presAssocID="{DE338A06-D6CF-48B4-9443-C4FFA4C23F45}" presName="ChildText" presStyleLbl="revTx" presStyleIdx="2" presStyleCnt="5">
-        <dgm:presLayoutVars>
-          <dgm:chMax val="0"/>
-          <dgm:chPref val="0"/>
-          <dgm:bulletEnabled val="1"/>
-        </dgm:presLayoutVars>
-      </dgm:prSet>
-      <dgm:spPr/>
-    </dgm:pt>
-    <dgm:pt modelId="{6C21B52B-E0CA-40D4-A97A-F196705E30CB}" type="pres">
-      <dgm:prSet presAssocID="{920155EC-4031-48DF-ACD7-17C746F257DE}" presName="sibTrans" presStyleCnt="0"/>
-      <dgm:spPr/>
-    </dgm:pt>
-    <dgm:pt modelId="{82C20C72-6FBE-413B-A23F-68F2993780C1}" type="pres">
-      <dgm:prSet presAssocID="{D9112E64-CF02-4533-9194-7545ADE0779C}" presName="composite" presStyleCnt="0"/>
-      <dgm:spPr/>
-    </dgm:pt>
-    <dgm:pt modelId="{111A472C-5B9F-4142-89AC-DCBD4D95D3E8}" type="pres">
-      <dgm:prSet presAssocID="{D9112E64-CF02-4533-9194-7545ADE0779C}" presName="bentUpArrow1" presStyleLbl="alignImgPlace1" presStyleIdx="3" presStyleCnt="5"/>
-      <dgm:spPr/>
-    </dgm:pt>
-    <dgm:pt modelId="{C5DFC8BF-C6C6-4B13-8F1A-BF46115A5800}" type="pres">
-      <dgm:prSet presAssocID="{D9112E64-CF02-4533-9194-7545ADE0779C}" presName="ParentText" presStyleLbl="node1" presStyleIdx="3" presStyleCnt="6">
-        <dgm:presLayoutVars>
-          <dgm:chMax val="1"/>
-          <dgm:chPref val="1"/>
-          <dgm:bulletEnabled val="1"/>
-        </dgm:presLayoutVars>
-      </dgm:prSet>
-      <dgm:spPr/>
-    </dgm:pt>
-    <dgm:pt modelId="{17643780-B371-4C7F-AEB9-7AAF1AFA2AF4}" type="pres">
-      <dgm:prSet presAssocID="{D9112E64-CF02-4533-9194-7545ADE0779C}" presName="ChildText" presStyleLbl="revTx" presStyleIdx="3" presStyleCnt="5">
-        <dgm:presLayoutVars>
-          <dgm:chMax val="0"/>
-          <dgm:chPref val="0"/>
-          <dgm:bulletEnabled val="1"/>
-        </dgm:presLayoutVars>
-      </dgm:prSet>
-      <dgm:spPr/>
-    </dgm:pt>
-    <dgm:pt modelId="{2C5F8398-2070-45DD-80D6-A26F6D42A6EC}" type="pres">
-      <dgm:prSet presAssocID="{DA56DA75-A2C7-45D2-B9A2-EF28F7BF6D13}" presName="sibTrans" presStyleCnt="0"/>
-      <dgm:spPr/>
-    </dgm:pt>
-    <dgm:pt modelId="{D64ADAC3-F593-42C5-82B1-BE040F3C9824}" type="pres">
-      <dgm:prSet presAssocID="{F22C6B09-4321-4F7B-892A-8BC910031C8C}" presName="composite" presStyleCnt="0"/>
-      <dgm:spPr/>
-    </dgm:pt>
-    <dgm:pt modelId="{65BB8652-27C3-4039-B196-6B77E994725D}" type="pres">
-      <dgm:prSet presAssocID="{F22C6B09-4321-4F7B-892A-8BC910031C8C}" presName="bentUpArrow1" presStyleLbl="alignImgPlace1" presStyleIdx="4" presStyleCnt="5"/>
-      <dgm:spPr/>
-    </dgm:pt>
-    <dgm:pt modelId="{FBB33FEB-BFFC-4F6E-AA74-6D3282608034}" type="pres">
-      <dgm:prSet presAssocID="{F22C6B09-4321-4F7B-892A-8BC910031C8C}" presName="ParentText" presStyleLbl="node1" presStyleIdx="4" presStyleCnt="6">
-        <dgm:presLayoutVars>
-          <dgm:chMax val="1"/>
-          <dgm:chPref val="1"/>
-          <dgm:bulletEnabled val="1"/>
-        </dgm:presLayoutVars>
-      </dgm:prSet>
-      <dgm:spPr/>
-    </dgm:pt>
-    <dgm:pt modelId="{3FA4F11A-6D2E-4CB6-AFBD-10511ACB5DEC}" type="pres">
-      <dgm:prSet presAssocID="{F22C6B09-4321-4F7B-892A-8BC910031C8C}" presName="ChildText" presStyleLbl="revTx" presStyleIdx="4" presStyleCnt="5">
-        <dgm:presLayoutVars>
-          <dgm:chMax val="0"/>
-          <dgm:chPref val="0"/>
-          <dgm:bulletEnabled val="1"/>
-        </dgm:presLayoutVars>
-      </dgm:prSet>
-      <dgm:spPr/>
-    </dgm:pt>
-    <dgm:pt modelId="{F04A18A6-CB10-4194-AD5D-8C22E6CB1624}" type="pres">
-      <dgm:prSet presAssocID="{DC75F0D0-58E2-4C11-8EEE-FA22E4742CEA}" presName="sibTrans" presStyleCnt="0"/>
-      <dgm:spPr/>
-    </dgm:pt>
-    <dgm:pt modelId="{D1705CF6-C1E1-426C-8B0C-A2BF29B1E535}" type="pres">
-      <dgm:prSet presAssocID="{82B5B356-6E5F-4C24-972C-47A2726ACB16}" presName="composite" presStyleCnt="0"/>
-      <dgm:spPr/>
-    </dgm:pt>
-    <dgm:pt modelId="{A5224548-49C4-4954-8EF1-58903A41E21C}" type="pres">
-      <dgm:prSet presAssocID="{82B5B356-6E5F-4C24-972C-47A2726ACB16}" presName="ParentText" presStyleLbl="node1" presStyleIdx="5" presStyleCnt="6">
-        <dgm:presLayoutVars>
-          <dgm:chMax val="1"/>
-          <dgm:chPref val="1"/>
-          <dgm:bulletEnabled val="1"/>
-        </dgm:presLayoutVars>
-      </dgm:prSet>
-      <dgm:spPr/>
-    </dgm:pt>
-  </dgm:ptLst>
-  <dgm:cxnLst>
-    <dgm:cxn modelId="{F77C2706-9154-43EE-87A3-522DF0AB169C}" type="presOf" srcId="{5A862B5C-26BE-47BC-9D80-2C6D20D11F23}" destId="{1001B8BE-AA17-45B2-AD39-DD3B354E39D8}" srcOrd="0" destOrd="0" presId="urn:microsoft.com/office/officeart/2005/8/layout/StepDownProcess"/>
-    <dgm:cxn modelId="{ED325210-CB0C-415F-A2AC-60F0263E32D4}" srcId="{9874A089-DF7A-4AC9-BFF3-0E75CB757C35}" destId="{D9112E64-CF02-4533-9194-7545ADE0779C}" srcOrd="3" destOrd="0" parTransId="{BE149C90-2810-45BC-9CEA-4B7ED9AE6C70}" sibTransId="{DA56DA75-A2C7-45D2-B9A2-EF28F7BF6D13}"/>
-    <dgm:cxn modelId="{7841BE1A-6FE5-4B0C-B96D-B7D1767ED9BC}" srcId="{9874A089-DF7A-4AC9-BFF3-0E75CB757C35}" destId="{DE338A06-D6CF-48B4-9443-C4FFA4C23F45}" srcOrd="2" destOrd="0" parTransId="{B3ABA422-2EFB-45FF-BBDF-B702D63A8D51}" sibTransId="{920155EC-4031-48DF-ACD7-17C746F257DE}"/>
-    <dgm:cxn modelId="{F0EB7B68-D469-45E2-9FC6-F17C416DE7DC}" type="presOf" srcId="{9874A089-DF7A-4AC9-BFF3-0E75CB757C35}" destId="{8668F5B0-DE2C-4C70-832A-51DFC603E57B}" srcOrd="0" destOrd="0" presId="urn:microsoft.com/office/officeart/2005/8/layout/StepDownProcess"/>
-    <dgm:cxn modelId="{C6D2734C-DBD2-4F0D-9148-D72D1962B6C4}" type="presOf" srcId="{D9112E64-CF02-4533-9194-7545ADE0779C}" destId="{C5DFC8BF-C6C6-4B13-8F1A-BF46115A5800}" srcOrd="0" destOrd="0" presId="urn:microsoft.com/office/officeart/2005/8/layout/StepDownProcess"/>
-    <dgm:cxn modelId="{42C2E952-71E2-48A2-AD53-2B32AC0900AC}" type="presOf" srcId="{F22C6B09-4321-4F7B-892A-8BC910031C8C}" destId="{FBB33FEB-BFFC-4F6E-AA74-6D3282608034}" srcOrd="0" destOrd="0" presId="urn:microsoft.com/office/officeart/2005/8/layout/StepDownProcess"/>
-    <dgm:cxn modelId="{5458EF57-C3E8-4514-ACE2-97F94096285E}" type="presOf" srcId="{82B5B356-6E5F-4C24-972C-47A2726ACB16}" destId="{A5224548-49C4-4954-8EF1-58903A41E21C}" srcOrd="0" destOrd="0" presId="urn:microsoft.com/office/officeart/2005/8/layout/StepDownProcess"/>
-    <dgm:cxn modelId="{F8E9767F-FEDF-4FCA-B323-5E38ED463289}" type="presOf" srcId="{DE338A06-D6CF-48B4-9443-C4FFA4C23F45}" destId="{08B2D816-0031-43DA-BF80-9F975AF3179C}" srcOrd="0" destOrd="0" presId="urn:microsoft.com/office/officeart/2005/8/layout/StepDownProcess"/>
-    <dgm:cxn modelId="{7B319C93-54B1-46C9-BCD3-760C60E54EDE}" srcId="{9874A089-DF7A-4AC9-BFF3-0E75CB757C35}" destId="{62D342BF-9954-4456-BEB9-96D217911DA0}" srcOrd="1" destOrd="0" parTransId="{005B954A-E144-42C6-A46E-D1C88BBE3455}" sibTransId="{25C154F6-0491-44EC-A45F-6B265B8837BF}"/>
-    <dgm:cxn modelId="{3A7CF79E-8785-48FA-B6A2-AB3CEB42F032}" srcId="{9874A089-DF7A-4AC9-BFF3-0E75CB757C35}" destId="{5A862B5C-26BE-47BC-9D80-2C6D20D11F23}" srcOrd="0" destOrd="0" parTransId="{E927CE94-E553-445B-8A6E-855DFE535459}" sibTransId="{12929F39-741C-42F1-B470-7D5AED759AD4}"/>
-    <dgm:cxn modelId="{7FE139E2-071B-4E2B-B506-EE9864CABEAC}" type="presOf" srcId="{62D342BF-9954-4456-BEB9-96D217911DA0}" destId="{96EF6C0F-E775-448E-A85E-A55C5A9E8545}" srcOrd="0" destOrd="0" presId="urn:microsoft.com/office/officeart/2005/8/layout/StepDownProcess"/>
-    <dgm:cxn modelId="{A17B57EC-3778-45C1-933E-76F4B855DE11}" srcId="{9874A089-DF7A-4AC9-BFF3-0E75CB757C35}" destId="{82B5B356-6E5F-4C24-972C-47A2726ACB16}" srcOrd="5" destOrd="0" parTransId="{5326D1AE-6A8D-4E67-9E27-A640530569E9}" sibTransId="{F67A198E-1EC2-4A9A-BBAE-AA24605B9E32}"/>
-    <dgm:cxn modelId="{FB8911FF-D255-46FB-BC4D-909DB83BDF62}" srcId="{9874A089-DF7A-4AC9-BFF3-0E75CB757C35}" destId="{F22C6B09-4321-4F7B-892A-8BC910031C8C}" srcOrd="4" destOrd="0" parTransId="{F6C72C96-CCDA-4C98-A371-76C4A85AD112}" sibTransId="{DC75F0D0-58E2-4C11-8EEE-FA22E4742CEA}"/>
-    <dgm:cxn modelId="{98598D92-68D7-4390-8E67-7B4211C32704}" type="presParOf" srcId="{8668F5B0-DE2C-4C70-832A-51DFC603E57B}" destId="{CB3E9533-70B6-4857-8101-06351FC15CAA}" srcOrd="0" destOrd="0" presId="urn:microsoft.com/office/officeart/2005/8/layout/StepDownProcess"/>
-    <dgm:cxn modelId="{0407202F-7EC4-4720-9882-AD64270D8EDB}" type="presParOf" srcId="{CB3E9533-70B6-4857-8101-06351FC15CAA}" destId="{A0DE2803-FEF8-4B38-8139-E91F14428AFE}" srcOrd="0" destOrd="0" presId="urn:microsoft.com/office/officeart/2005/8/layout/StepDownProcess"/>
-    <dgm:cxn modelId="{09BE5BFD-2F7C-42B9-B97F-38AA142645D3}" type="presParOf" srcId="{CB3E9533-70B6-4857-8101-06351FC15CAA}" destId="{1001B8BE-AA17-45B2-AD39-DD3B354E39D8}" srcOrd="1" destOrd="0" presId="urn:microsoft.com/office/officeart/2005/8/layout/StepDownProcess"/>
-    <dgm:cxn modelId="{10A7CC5A-AFB7-4458-9DD1-36EEA2C66501}" type="presParOf" srcId="{CB3E9533-70B6-4857-8101-06351FC15CAA}" destId="{F0859565-9647-4386-9E68-E3463CB78EBC}" srcOrd="2" destOrd="0" presId="urn:microsoft.com/office/officeart/2005/8/layout/StepDownProcess"/>
-    <dgm:cxn modelId="{E8DEBD82-98B3-45EA-9CDD-B4E860310428}" type="presParOf" srcId="{8668F5B0-DE2C-4C70-832A-51DFC603E57B}" destId="{6B8DC135-B556-4F62-AC40-077EFB01387E}" srcOrd="1" destOrd="0" presId="urn:microsoft.com/office/officeart/2005/8/layout/StepDownProcess"/>
-    <dgm:cxn modelId="{332593F5-B63C-4137-BFDA-6B7C901DF47C}" type="presParOf" srcId="{8668F5B0-DE2C-4C70-832A-51DFC603E57B}" destId="{B70956AF-3A6F-47C0-9CD9-214534BF0D7E}" srcOrd="2" destOrd="0" presId="urn:microsoft.com/office/officeart/2005/8/layout/StepDownProcess"/>
-    <dgm:cxn modelId="{9F9E0805-608E-470E-83E4-D02F747E898A}" type="presParOf" srcId="{B70956AF-3A6F-47C0-9CD9-214534BF0D7E}" destId="{86B4BB1B-AFCB-4930-AB94-0D3083AF56DF}" srcOrd="0" destOrd="0" presId="urn:microsoft.com/office/officeart/2005/8/layout/StepDownProcess"/>
-    <dgm:cxn modelId="{9E3F38A9-50D8-4184-864C-E79F735FD888}" type="presParOf" srcId="{B70956AF-3A6F-47C0-9CD9-214534BF0D7E}" destId="{96EF6C0F-E775-448E-A85E-A55C5A9E8545}" srcOrd="1" destOrd="0" presId="urn:microsoft.com/office/officeart/2005/8/layout/StepDownProcess"/>
-    <dgm:cxn modelId="{0D2870AF-1F86-4D9E-9EA8-EFD626BC7FB3}" type="presParOf" srcId="{B70956AF-3A6F-47C0-9CD9-214534BF0D7E}" destId="{16673E75-2E08-4F88-8C83-29E00D08DBD5}" srcOrd="2" destOrd="0" presId="urn:microsoft.com/office/officeart/2005/8/layout/StepDownProcess"/>
-    <dgm:cxn modelId="{C848B07A-8ACE-47D3-9B22-DCA1477EAAB7}" type="presParOf" srcId="{8668F5B0-DE2C-4C70-832A-51DFC603E57B}" destId="{E9AB13AE-DE03-4E6D-8E42-A8B9D2B2F455}" srcOrd="3" destOrd="0" presId="urn:microsoft.com/office/officeart/2005/8/layout/StepDownProcess"/>
-    <dgm:cxn modelId="{0B2F0D2E-F92C-49E3-BCC2-B093F11ABD97}" type="presParOf" srcId="{8668F5B0-DE2C-4C70-832A-51DFC603E57B}" destId="{8E2C7F93-379F-4E3B-AD1E-C7204FBDCFDE}" srcOrd="4" destOrd="0" presId="urn:microsoft.com/office/officeart/2005/8/layout/StepDownProcess"/>
-    <dgm:cxn modelId="{E0CD3288-D12B-43E3-B9D3-61B33E88308A}" type="presParOf" srcId="{8E2C7F93-379F-4E3B-AD1E-C7204FBDCFDE}" destId="{767714CB-F5C5-4038-A255-32CE2F6D6D9E}" srcOrd="0" destOrd="0" presId="urn:microsoft.com/office/officeart/2005/8/layout/StepDownProcess"/>
-    <dgm:cxn modelId="{31A98087-2D4B-4928-B740-E0017DFB7C3D}" type="presParOf" srcId="{8E2C7F93-379F-4E3B-AD1E-C7204FBDCFDE}" destId="{08B2D816-0031-43DA-BF80-9F975AF3179C}" srcOrd="1" destOrd="0" presId="urn:microsoft.com/office/officeart/2005/8/layout/StepDownProcess"/>
-    <dgm:cxn modelId="{17D6C2B0-4E8F-4FBC-9223-819753F288B0}" type="presParOf" srcId="{8E2C7F93-379F-4E3B-AD1E-C7204FBDCFDE}" destId="{40660D0C-87E6-4C90-AB2B-502B175EBC88}" srcOrd="2" destOrd="0" presId="urn:microsoft.com/office/officeart/2005/8/layout/StepDownProcess"/>
-    <dgm:cxn modelId="{E632E6E8-A185-4E53-B3AD-8D45301E883E}" type="presParOf" srcId="{8668F5B0-DE2C-4C70-832A-51DFC603E57B}" destId="{6C21B52B-E0CA-40D4-A97A-F196705E30CB}" srcOrd="5" destOrd="0" presId="urn:microsoft.com/office/officeart/2005/8/layout/StepDownProcess"/>
-    <dgm:cxn modelId="{3C54FE8D-D509-423A-AD64-6C01AD57A2D5}" type="presParOf" srcId="{8668F5B0-DE2C-4C70-832A-51DFC603E57B}" destId="{82C20C72-6FBE-413B-A23F-68F2993780C1}" srcOrd="6" destOrd="0" presId="urn:microsoft.com/office/officeart/2005/8/layout/StepDownProcess"/>
-    <dgm:cxn modelId="{0DABFA51-E2D0-4E75-84A4-FE5EF16E4B08}" type="presParOf" srcId="{82C20C72-6FBE-413B-A23F-68F2993780C1}" destId="{111A472C-5B9F-4142-89AC-DCBD4D95D3E8}" srcOrd="0" destOrd="0" presId="urn:microsoft.com/office/officeart/2005/8/layout/StepDownProcess"/>
-    <dgm:cxn modelId="{E16B976D-0F93-4C2A-84F5-850016980F72}" type="presParOf" srcId="{82C20C72-6FBE-413B-A23F-68F2993780C1}" destId="{C5DFC8BF-C6C6-4B13-8F1A-BF46115A5800}" srcOrd="1" destOrd="0" presId="urn:microsoft.com/office/officeart/2005/8/layout/StepDownProcess"/>
-    <dgm:cxn modelId="{7A02418E-0466-498A-9515-F359180C925B}" type="presParOf" srcId="{82C20C72-6FBE-413B-A23F-68F2993780C1}" destId="{17643780-B371-4C7F-AEB9-7AAF1AFA2AF4}" srcOrd="2" destOrd="0" presId="urn:microsoft.com/office/officeart/2005/8/layout/StepDownProcess"/>
-    <dgm:cxn modelId="{0652B8E7-6A32-4696-8278-69C8BFAA99D0}" type="presParOf" srcId="{8668F5B0-DE2C-4C70-832A-51DFC603E57B}" destId="{2C5F8398-2070-45DD-80D6-A26F6D42A6EC}" srcOrd="7" destOrd="0" presId="urn:microsoft.com/office/officeart/2005/8/layout/StepDownProcess"/>
-    <dgm:cxn modelId="{460221B2-9950-452C-A796-D7D3B26CEBB1}" type="presParOf" srcId="{8668F5B0-DE2C-4C70-832A-51DFC603E57B}" destId="{D64ADAC3-F593-42C5-82B1-BE040F3C9824}" srcOrd="8" destOrd="0" presId="urn:microsoft.com/office/officeart/2005/8/layout/StepDownProcess"/>
-    <dgm:cxn modelId="{97065FA6-4003-4BB0-A4B0-1063FD4AD798}" type="presParOf" srcId="{D64ADAC3-F593-42C5-82B1-BE040F3C9824}" destId="{65BB8652-27C3-4039-B196-6B77E994725D}" srcOrd="0" destOrd="0" presId="urn:microsoft.com/office/officeart/2005/8/layout/StepDownProcess"/>
-    <dgm:cxn modelId="{8B691CB6-08E8-42FD-8900-7AB1DCD91C70}" type="presParOf" srcId="{D64ADAC3-F593-42C5-82B1-BE040F3C9824}" destId="{FBB33FEB-BFFC-4F6E-AA74-6D3282608034}" srcOrd="1" destOrd="0" presId="urn:microsoft.com/office/officeart/2005/8/layout/StepDownProcess"/>
-    <dgm:cxn modelId="{5E863159-DDDA-4F40-855E-979647CF55CE}" type="presParOf" srcId="{D64ADAC3-F593-42C5-82B1-BE040F3C9824}" destId="{3FA4F11A-6D2E-4CB6-AFBD-10511ACB5DEC}" srcOrd="2" destOrd="0" presId="urn:microsoft.com/office/officeart/2005/8/layout/StepDownProcess"/>
-    <dgm:cxn modelId="{BE097BBE-035B-4F10-A89B-D9E3DFB57973}" type="presParOf" srcId="{8668F5B0-DE2C-4C70-832A-51DFC603E57B}" destId="{F04A18A6-CB10-4194-AD5D-8C22E6CB1624}" srcOrd="9" destOrd="0" presId="urn:microsoft.com/office/officeart/2005/8/layout/StepDownProcess"/>
-    <dgm:cxn modelId="{CC5830EE-2258-414A-B0F0-5303B26BF88A}" type="presParOf" srcId="{8668F5B0-DE2C-4C70-832A-51DFC603E57B}" destId="{D1705CF6-C1E1-426C-8B0C-A2BF29B1E535}" srcOrd="10" destOrd="0" presId="urn:microsoft.com/office/officeart/2005/8/layout/StepDownProcess"/>
-    <dgm:cxn modelId="{E16F75F4-9D35-4C48-8140-4A611C4F0C5D}" type="presParOf" srcId="{D1705CF6-C1E1-426C-8B0C-A2BF29B1E535}" destId="{A5224548-49C4-4954-8EF1-58903A41E21C}" srcOrd="0" destOrd="0" presId="urn:microsoft.com/office/officeart/2005/8/layout/StepDownProcess"/>
-  </dgm:cxnLst>
-  <dgm:bg/>
-  <dgm:whole/>
-  <dgm:extLst>
-    <a:ext uri="http://schemas.microsoft.com/office/drawing/2008/diagram">
-      <dsp:dataModelExt xmlns:dsp="http://schemas.microsoft.com/office/drawing/2008/diagram" relId="rId7" minVer="http://schemas.openxmlformats.org/drawingml/2006/diagram"/>
-    </a:ext>
-  </dgm:extLst>
-</dgm:dataModel>
-</file>
-
-<file path=ppt/diagrams/drawing1.xml><?xml version="1.0" encoding="utf-8"?>
-<dsp:drawing xmlns:dgm="http://schemas.openxmlformats.org/drawingml/2006/diagram" xmlns:dsp="http://schemas.microsoft.com/office/drawing/2008/diagram" xmlns:a="http://schemas.openxmlformats.org/drawingml/2006/main">
-  <dsp:spTree>
-    <dsp:nvGrpSpPr>
-      <dsp:cNvPr id="0" name=""/>
-      <dsp:cNvGrpSpPr/>
-    </dsp:nvGrpSpPr>
-    <dsp:grpSpPr/>
-    <dsp:sp modelId="{A0DE2803-FEF8-4B38-8139-E91F14428AFE}">
-      <dsp:nvSpPr>
-        <dsp:cNvPr id="0" name=""/>
-        <dsp:cNvSpPr/>
-      </dsp:nvSpPr>
-      <dsp:spPr>
-        <a:xfrm rot="5400000">
-          <a:off x="2365227" y="605244"/>
-          <a:ext cx="520980" cy="593117"/>
-        </a:xfrm>
-        <a:prstGeom prst="bentUpArrow">
-          <a:avLst>
-            <a:gd name="adj1" fmla="val 32840"/>
-            <a:gd name="adj2" fmla="val 25000"/>
-            <a:gd name="adj3" fmla="val 35780"/>
-          </a:avLst>
-        </a:prstGeom>
-        <a:solidFill>
-          <a:schemeClr val="accent1">
-            <a:tint val="50000"/>
-            <a:hueOff val="0"/>
-            <a:satOff val="0"/>
-            <a:lumOff val="0"/>
-            <a:alphaOff val="0"/>
-          </a:schemeClr>
-        </a:solidFill>
-        <a:ln w="12700" cap="flat" cmpd="sng" algn="ctr">
-          <a:solidFill>
-            <a:schemeClr val="lt1">
-              <a:hueOff val="0"/>
-              <a:satOff val="0"/>
-              <a:lumOff val="0"/>
-              <a:alphaOff val="0"/>
-            </a:schemeClr>
-          </a:solidFill>
-          <a:prstDash val="solid"/>
-        </a:ln>
-        <a:effectLst/>
-      </dsp:spPr>
-      <dsp:style>
-        <a:lnRef idx="2">
-          <a:scrgbClr r="0" g="0" b="0"/>
-        </a:lnRef>
-        <a:fillRef idx="1">
-          <a:scrgbClr r="0" g="0" b="0"/>
-        </a:fillRef>
-        <a:effectRef idx="0">
-          <a:scrgbClr r="0" g="0" b="0"/>
-        </a:effectRef>
-        <a:fontRef idx="minor"/>
-      </dsp:style>
-    </dsp:sp>
-    <dsp:sp modelId="{1001B8BE-AA17-45B2-AD39-DD3B354E39D8}">
-      <dsp:nvSpPr>
-        <dsp:cNvPr id="0" name=""/>
-        <dsp:cNvSpPr/>
-      </dsp:nvSpPr>
-      <dsp:spPr>
-        <a:xfrm>
-          <a:off x="2227199" y="27727"/>
-          <a:ext cx="877024" cy="613888"/>
-        </a:xfrm>
-        <a:prstGeom prst="roundRect">
-          <a:avLst>
-            <a:gd name="adj" fmla="val 16670"/>
-          </a:avLst>
-        </a:prstGeom>
-        <a:solidFill>
-          <a:schemeClr val="accent1">
-            <a:hueOff val="0"/>
-            <a:satOff val="0"/>
-            <a:lumOff val="0"/>
-            <a:alphaOff val="0"/>
-          </a:schemeClr>
-        </a:solidFill>
-        <a:ln w="12700" cap="flat" cmpd="sng" algn="ctr">
-          <a:solidFill>
-            <a:schemeClr val="lt1">
-              <a:hueOff val="0"/>
-              <a:satOff val="0"/>
-              <a:lumOff val="0"/>
-              <a:alphaOff val="0"/>
-            </a:schemeClr>
-          </a:solidFill>
-          <a:prstDash val="solid"/>
-        </a:ln>
-        <a:effectLst/>
-      </dsp:spPr>
-      <dsp:style>
-        <a:lnRef idx="2">
-          <a:scrgbClr r="0" g="0" b="0"/>
-        </a:lnRef>
-        <a:fillRef idx="1">
-          <a:scrgbClr r="0" g="0" b="0"/>
-        </a:fillRef>
-        <a:effectRef idx="0">
-          <a:scrgbClr r="0" g="0" b="0"/>
-        </a:effectRef>
-        <a:fontRef idx="minor">
-          <a:schemeClr val="lt1"/>
-        </a:fontRef>
-      </dsp:style>
-      <dsp:txBody>
-        <a:bodyPr spcFirstLastPara="0" vert="horz" wrap="square" lIns="53340" tIns="53340" rIns="53340" bIns="53340" numCol="1" spcCol="1270" anchor="ctr" anchorCtr="0">
-          <a:noAutofit/>
-        </a:bodyPr>
-        <a:lstStyle/>
-        <a:p>
-          <a:pPr marL="0" lvl="0" indent="0" algn="ctr" defTabSz="622300">
-            <a:lnSpc>
-              <a:spcPct val="90000"/>
-            </a:lnSpc>
-            <a:spcBef>
-              <a:spcPct val="0"/>
-            </a:spcBef>
-            <a:spcAft>
-              <a:spcPct val="35000"/>
-            </a:spcAft>
-            <a:buNone/>
-          </a:pPr>
-          <a:r>
-            <a:rPr lang="en-US" sz="1400" kern="1200" dirty="0"/>
-            <a:t>Decision Trees</a:t>
-          </a:r>
-        </a:p>
-      </dsp:txBody>
-      <dsp:txXfrm>
-        <a:off x="2257172" y="57700"/>
-        <a:ext cx="817078" cy="553942"/>
-      </dsp:txXfrm>
-    </dsp:sp>
-    <dsp:sp modelId="{F0859565-9647-4386-9E68-E3463CB78EBC}">
-      <dsp:nvSpPr>
-        <dsp:cNvPr id="0" name=""/>
-        <dsp:cNvSpPr/>
-      </dsp:nvSpPr>
-      <dsp:spPr>
-        <a:xfrm>
-          <a:off x="3104223" y="86276"/>
-          <a:ext cx="637863" cy="496171"/>
-        </a:xfrm>
-        <a:prstGeom prst="rect">
-          <a:avLst/>
-        </a:prstGeom>
+<file path=ppt/charts/chart1.xml><?xml version="1.0" encoding="utf-8"?>
+<c:chartSpace xmlns:c="http://schemas.openxmlformats.org/drawingml/2006/chart" xmlns:a="http://schemas.openxmlformats.org/drawingml/2006/main" xmlns:r="http://schemas.openxmlformats.org/officeDocument/2006/relationships" xmlns:c16r2="http://schemas.microsoft.com/office/drawing/2015/06/chart">
+  <c:date1904 val="0"/>
+  <c:lang val="en-US"/>
+  <c:roundedCorners val="0"/>
+  <mc:AlternateContent xmlns:mc="http://schemas.openxmlformats.org/markup-compatibility/2006">
+    <mc:Choice xmlns:c14="http://schemas.microsoft.com/office/drawing/2007/8/2/chart" Requires="c14">
+      <c14:style val="102"/>
+    </mc:Choice>
+    <mc:Fallback>
+      <c:style val="2"/>
+    </mc:Fallback>
+  </mc:AlternateContent>
+  <c:clrMapOvr bg1="lt1" tx1="dk1" bg2="lt2" tx2="dk2" accent1="accent1" accent2="accent2" accent3="accent3" accent4="accent4" accent5="accent5" accent6="accent6" hlink="hlink" folHlink="folHlink"/>
+  <c:chart>
+    <c:title>
+      <c:tx>
+        <c:rich>
+          <a:bodyPr rot="0" spcFirstLastPara="1" vertOverflow="ellipsis" vert="horz" wrap="square" anchor="ctr" anchorCtr="1"/>
+          <a:lstStyle/>
+          <a:p>
+            <a:pPr>
+              <a:defRPr sz="1862" b="0" i="0" u="none" strike="noStrike" kern="1200" spc="0" baseline="0">
+                <a:solidFill>
+                  <a:schemeClr val="tx1">
+                    <a:lumMod val="65000"/>
+                    <a:lumOff val="35000"/>
+                  </a:schemeClr>
+                </a:solidFill>
+                <a:latin typeface="+mn-lt"/>
+                <a:ea typeface="+mn-ea"/>
+                <a:cs typeface="+mn-cs"/>
+              </a:defRPr>
+            </a:pPr>
+            <a:r>
+              <a:rPr lang="en-US" dirty="0"/>
+              <a:t>Sample Graph Regression</a:t>
+            </a:r>
+          </a:p>
+        </c:rich>
+      </c:tx>
+      <c:overlay val="0"/>
+      <c:spPr>
         <a:noFill/>
         <a:ln>
           <a:noFill/>
         </a:ln>
         <a:effectLst/>
-      </dsp:spPr>
-      <dsp:style>
-        <a:lnRef idx="0">
-          <a:scrgbClr r="0" g="0" b="0"/>
-        </a:lnRef>
-        <a:fillRef idx="0">
-          <a:scrgbClr r="0" g="0" b="0"/>
-        </a:fillRef>
-        <a:effectRef idx="0">
-          <a:scrgbClr r="0" g="0" b="0"/>
-        </a:effectRef>
-        <a:fontRef idx="minor"/>
-      </dsp:style>
-    </dsp:sp>
-    <dsp:sp modelId="{86B4BB1B-AFCB-4930-AB94-0D3083AF56DF}">
-      <dsp:nvSpPr>
-        <dsp:cNvPr id="0" name=""/>
-        <dsp:cNvSpPr/>
-      </dsp:nvSpPr>
-      <dsp:spPr>
-        <a:xfrm rot="5400000">
-          <a:off x="3092373" y="1294844"/>
-          <a:ext cx="520980" cy="593117"/>
-        </a:xfrm>
-        <a:prstGeom prst="bentUpArrow">
-          <a:avLst>
-            <a:gd name="adj1" fmla="val 32840"/>
-            <a:gd name="adj2" fmla="val 25000"/>
-            <a:gd name="adj3" fmla="val 35780"/>
-          </a:avLst>
-        </a:prstGeom>
-        <a:solidFill>
-          <a:schemeClr val="accent1">
-            <a:tint val="50000"/>
-            <a:hueOff val="0"/>
-            <a:satOff val="0"/>
-            <a:lumOff val="0"/>
-            <a:alphaOff val="0"/>
-          </a:schemeClr>
-        </a:solidFill>
-        <a:ln w="12700" cap="flat" cmpd="sng" algn="ctr">
-          <a:solidFill>
-            <a:schemeClr val="lt1">
-              <a:hueOff val="0"/>
-              <a:satOff val="0"/>
-              <a:lumOff val="0"/>
-              <a:alphaOff val="0"/>
-            </a:schemeClr>
-          </a:solidFill>
-          <a:prstDash val="solid"/>
-        </a:ln>
-        <a:effectLst/>
-      </dsp:spPr>
-      <dsp:style>
-        <a:lnRef idx="2">
-          <a:scrgbClr r="0" g="0" b="0"/>
-        </a:lnRef>
-        <a:fillRef idx="1">
-          <a:scrgbClr r="0" g="0" b="0"/>
-        </a:fillRef>
-        <a:effectRef idx="0">
-          <a:scrgbClr r="0" g="0" b="0"/>
-        </a:effectRef>
-        <a:fontRef idx="minor"/>
-      </dsp:style>
-    </dsp:sp>
-    <dsp:sp modelId="{96EF6C0F-E775-448E-A85E-A55C5A9E8545}">
-      <dsp:nvSpPr>
-        <dsp:cNvPr id="0" name=""/>
-        <dsp:cNvSpPr/>
-      </dsp:nvSpPr>
-      <dsp:spPr>
-        <a:xfrm>
-          <a:off x="2954345" y="717327"/>
-          <a:ext cx="877024" cy="613888"/>
-        </a:xfrm>
-        <a:prstGeom prst="roundRect">
-          <a:avLst>
-            <a:gd name="adj" fmla="val 16670"/>
-          </a:avLst>
-        </a:prstGeom>
-        <a:solidFill>
-          <a:schemeClr val="accent1">
-            <a:hueOff val="0"/>
-            <a:satOff val="0"/>
-            <a:lumOff val="0"/>
-            <a:alphaOff val="0"/>
-          </a:schemeClr>
-        </a:solidFill>
-        <a:ln w="12700" cap="flat" cmpd="sng" algn="ctr">
-          <a:solidFill>
-            <a:schemeClr val="lt1">
-              <a:hueOff val="0"/>
-              <a:satOff val="0"/>
-              <a:lumOff val="0"/>
-              <a:alphaOff val="0"/>
-            </a:schemeClr>
-          </a:solidFill>
-          <a:prstDash val="solid"/>
-        </a:ln>
-        <a:effectLst/>
-      </dsp:spPr>
-      <dsp:style>
-        <a:lnRef idx="2">
-          <a:scrgbClr r="0" g="0" b="0"/>
-        </a:lnRef>
-        <a:fillRef idx="1">
-          <a:scrgbClr r="0" g="0" b="0"/>
-        </a:fillRef>
-        <a:effectRef idx="0">
-          <a:scrgbClr r="0" g="0" b="0"/>
-        </a:effectRef>
-        <a:fontRef idx="minor">
-          <a:schemeClr val="lt1"/>
-        </a:fontRef>
-      </dsp:style>
-      <dsp:txBody>
-        <a:bodyPr spcFirstLastPara="0" vert="horz" wrap="square" lIns="53340" tIns="53340" rIns="53340" bIns="53340" numCol="1" spcCol="1270" anchor="ctr" anchorCtr="0">
-          <a:noAutofit/>
-        </a:bodyPr>
+      </c:spPr>
+      <c:txPr>
+        <a:bodyPr rot="0" spcFirstLastPara="1" vertOverflow="ellipsis" vert="horz" wrap="square" anchor="ctr" anchorCtr="1"/>
         <a:lstStyle/>
         <a:p>
-          <a:pPr marL="0" lvl="0" indent="0" algn="ctr" defTabSz="622300">
-            <a:lnSpc>
-              <a:spcPct val="90000"/>
-            </a:lnSpc>
-            <a:spcBef>
-              <a:spcPct val="0"/>
-            </a:spcBef>
-            <a:spcAft>
-              <a:spcPct val="35000"/>
-            </a:spcAft>
-            <a:buNone/>
+          <a:pPr>
+            <a:defRPr sz="1862" b="0" i="0" u="none" strike="noStrike" kern="1200" spc="0" baseline="0">
+              <a:solidFill>
+                <a:schemeClr val="tx1">
+                  <a:lumMod val="65000"/>
+                  <a:lumOff val="35000"/>
+                </a:schemeClr>
+              </a:solidFill>
+              <a:latin typeface="+mn-lt"/>
+              <a:ea typeface="+mn-ea"/>
+              <a:cs typeface="+mn-cs"/>
+            </a:defRPr>
           </a:pPr>
-          <a:r>
-            <a:rPr lang="en-US" sz="1400" kern="1200" dirty="0"/>
-            <a:t>Bagging</a:t>
-          </a:r>
+          <a:endParaRPr lang="en-US"/>
         </a:p>
-      </dsp:txBody>
-      <dsp:txXfrm>
-        <a:off x="2984318" y="747300"/>
-        <a:ext cx="817078" cy="553942"/>
-      </dsp:txXfrm>
-    </dsp:sp>
-    <dsp:sp modelId="{16673E75-2E08-4F88-8C83-29E00D08DBD5}">
-      <dsp:nvSpPr>
-        <dsp:cNvPr id="0" name=""/>
-        <dsp:cNvSpPr/>
-      </dsp:nvSpPr>
-      <dsp:spPr>
-        <a:xfrm>
-          <a:off x="3831369" y="775875"/>
-          <a:ext cx="637863" cy="496171"/>
-        </a:xfrm>
-        <a:prstGeom prst="rect">
-          <a:avLst/>
-        </a:prstGeom>
+      </c:txPr>
+    </c:title>
+    <c:autoTitleDeleted val="0"/>
+    <c:plotArea>
+      <c:layout/>
+      <c:scatterChart>
+        <c:scatterStyle val="lineMarker"/>
+        <c:varyColors val="0"/>
+        <c:ser>
+          <c:idx val="0"/>
+          <c:order val="0"/>
+          <c:tx>
+            <c:strRef>
+              <c:f>Sheet1!$B$1</c:f>
+              <c:strCache>
+                <c:ptCount val="1"/>
+                <c:pt idx="0">
+                  <c:v>Y-Values</c:v>
+                </c:pt>
+              </c:strCache>
+            </c:strRef>
+          </c:tx>
+          <c:spPr>
+            <a:ln w="76200" cap="rnd">
+              <a:solidFill>
+                <a:schemeClr val="tx1"/>
+              </a:solidFill>
+              <a:round/>
+            </a:ln>
+            <a:effectLst/>
+          </c:spPr>
+          <c:marker>
+            <c:symbol val="circle"/>
+            <c:size val="5"/>
+            <c:spPr>
+              <a:solidFill>
+                <a:schemeClr val="accent1"/>
+              </a:solidFill>
+              <a:ln w="76200">
+                <a:solidFill>
+                  <a:schemeClr val="accent1"/>
+                </a:solidFill>
+              </a:ln>
+              <a:effectLst/>
+            </c:spPr>
+          </c:marker>
+          <c:dPt>
+            <c:idx val="1"/>
+            <c:marker>
+              <c:symbol val="circle"/>
+              <c:size val="5"/>
+              <c:spPr>
+                <a:solidFill>
+                  <a:schemeClr val="accent1"/>
+                </a:solidFill>
+                <a:ln w="76200">
+                  <a:solidFill>
+                    <a:schemeClr val="accent1"/>
+                  </a:solidFill>
+                </a:ln>
+                <a:effectLst/>
+              </c:spPr>
+            </c:marker>
+            <c:bubble3D val="0"/>
+            <c:spPr>
+              <a:ln w="76200" cap="rnd">
+                <a:noFill/>
+                <a:round/>
+              </a:ln>
+              <a:effectLst/>
+            </c:spPr>
+            <c:extLst>
+              <c:ext xmlns:c16="http://schemas.microsoft.com/office/drawing/2014/chart" uri="{C3380CC4-5D6E-409C-BE32-E72D297353CC}">
+                <c16:uniqueId val="{00000001-4C2A-4D2E-8BA2-07CEAE14E734}"/>
+              </c:ext>
+            </c:extLst>
+          </c:dPt>
+          <c:dPt>
+            <c:idx val="2"/>
+            <c:marker>
+              <c:symbol val="circle"/>
+              <c:size val="5"/>
+              <c:spPr>
+                <a:solidFill>
+                  <a:schemeClr val="accent1"/>
+                </a:solidFill>
+                <a:ln w="76200">
+                  <a:solidFill>
+                    <a:schemeClr val="accent1"/>
+                  </a:solidFill>
+                </a:ln>
+                <a:effectLst/>
+              </c:spPr>
+            </c:marker>
+            <c:bubble3D val="0"/>
+            <c:spPr>
+              <a:ln w="76200" cap="rnd">
+                <a:noFill/>
+                <a:round/>
+              </a:ln>
+              <a:effectLst/>
+            </c:spPr>
+            <c:extLst>
+              <c:ext xmlns:c16="http://schemas.microsoft.com/office/drawing/2014/chart" uri="{C3380CC4-5D6E-409C-BE32-E72D297353CC}">
+                <c16:uniqueId val="{00000003-4C2A-4D2E-8BA2-07CEAE14E734}"/>
+              </c:ext>
+            </c:extLst>
+          </c:dPt>
+          <c:dPt>
+            <c:idx val="3"/>
+            <c:marker>
+              <c:symbol val="circle"/>
+              <c:size val="5"/>
+              <c:spPr>
+                <a:solidFill>
+                  <a:schemeClr val="accent1"/>
+                </a:solidFill>
+                <a:ln w="76200">
+                  <a:solidFill>
+                    <a:schemeClr val="accent1"/>
+                  </a:solidFill>
+                </a:ln>
+                <a:effectLst/>
+              </c:spPr>
+            </c:marker>
+            <c:bubble3D val="0"/>
+            <c:spPr>
+              <a:ln w="76200" cap="rnd">
+                <a:noFill/>
+                <a:round/>
+              </a:ln>
+              <a:effectLst/>
+            </c:spPr>
+            <c:extLst>
+              <c:ext xmlns:c16="http://schemas.microsoft.com/office/drawing/2014/chart" uri="{C3380CC4-5D6E-409C-BE32-E72D297353CC}">
+                <c16:uniqueId val="{00000005-4C2A-4D2E-8BA2-07CEAE14E734}"/>
+              </c:ext>
+            </c:extLst>
+          </c:dPt>
+          <c:xVal>
+            <c:numRef>
+              <c:f>Sheet1!$A$2:$A$5</c:f>
+              <c:numCache>
+                <c:formatCode>General</c:formatCode>
+                <c:ptCount val="4"/>
+                <c:pt idx="0">
+                  <c:v>0.4</c:v>
+                </c:pt>
+                <c:pt idx="1">
+                  <c:v>0.6</c:v>
+                </c:pt>
+                <c:pt idx="2">
+                  <c:v>1.1000000000000001</c:v>
+                </c:pt>
+                <c:pt idx="3">
+                  <c:v>1.3</c:v>
+                </c:pt>
+              </c:numCache>
+            </c:numRef>
+          </c:xVal>
+          <c:yVal>
+            <c:numRef>
+              <c:f>Sheet1!$B$2:$B$5</c:f>
+              <c:numCache>
+                <c:formatCode>General</c:formatCode>
+                <c:ptCount val="4"/>
+                <c:pt idx="0">
+                  <c:v>2.7</c:v>
+                </c:pt>
+                <c:pt idx="1">
+                  <c:v>3.2</c:v>
+                </c:pt>
+                <c:pt idx="2">
+                  <c:v>0.8</c:v>
+                </c:pt>
+                <c:pt idx="3">
+                  <c:v>1.2</c:v>
+                </c:pt>
+              </c:numCache>
+            </c:numRef>
+          </c:yVal>
+          <c:smooth val="0"/>
+          <c:extLst>
+            <c:ext xmlns:c16="http://schemas.microsoft.com/office/drawing/2014/chart" uri="{C3380CC4-5D6E-409C-BE32-E72D297353CC}">
+              <c16:uniqueId val="{00000006-4C2A-4D2E-8BA2-07CEAE14E734}"/>
+            </c:ext>
+          </c:extLst>
+        </c:ser>
+        <c:dLbls>
+          <c:showLegendKey val="0"/>
+          <c:showVal val="0"/>
+          <c:showCatName val="0"/>
+          <c:showSerName val="0"/>
+          <c:showPercent val="0"/>
+          <c:showBubbleSize val="0"/>
+        </c:dLbls>
+        <c:axId val="264391423"/>
+        <c:axId val="264393087"/>
+      </c:scatterChart>
+      <c:valAx>
+        <c:axId val="264391423"/>
+        <c:scaling>
+          <c:orientation val="minMax"/>
+        </c:scaling>
+        <c:delete val="0"/>
+        <c:axPos val="b"/>
+        <c:majorGridlines>
+          <c:spPr>
+            <a:ln w="9525" cap="flat" cmpd="sng" algn="ctr">
+              <a:solidFill>
+                <a:schemeClr val="tx1">
+                  <a:lumMod val="15000"/>
+                  <a:lumOff val="85000"/>
+                </a:schemeClr>
+              </a:solidFill>
+              <a:round/>
+            </a:ln>
+            <a:effectLst/>
+          </c:spPr>
+        </c:majorGridlines>
+        <c:numFmt formatCode="General" sourceLinked="1"/>
+        <c:majorTickMark val="none"/>
+        <c:minorTickMark val="none"/>
+        <c:tickLblPos val="nextTo"/>
+        <c:spPr>
+          <a:noFill/>
+          <a:ln w="9525" cap="flat" cmpd="sng" algn="ctr">
+            <a:solidFill>
+              <a:schemeClr val="tx1">
+                <a:lumMod val="25000"/>
+                <a:lumOff val="75000"/>
+              </a:schemeClr>
+            </a:solidFill>
+            <a:round/>
+          </a:ln>
+          <a:effectLst/>
+        </c:spPr>
+        <c:txPr>
+          <a:bodyPr rot="-60000000" spcFirstLastPara="1" vertOverflow="ellipsis" vert="horz" wrap="square" anchor="ctr" anchorCtr="1"/>
+          <a:lstStyle/>
+          <a:p>
+            <a:pPr>
+              <a:defRPr sz="1197" b="0" i="0" u="none" strike="noStrike" kern="1200" baseline="0">
+                <a:solidFill>
+                  <a:schemeClr val="tx1">
+                    <a:lumMod val="65000"/>
+                    <a:lumOff val="35000"/>
+                  </a:schemeClr>
+                </a:solidFill>
+                <a:latin typeface="+mn-lt"/>
+                <a:ea typeface="+mn-ea"/>
+                <a:cs typeface="+mn-cs"/>
+              </a:defRPr>
+            </a:pPr>
+            <a:endParaRPr lang="en-US"/>
+          </a:p>
+        </c:txPr>
+        <c:crossAx val="264393087"/>
+        <c:crosses val="autoZero"/>
+        <c:crossBetween val="midCat"/>
+      </c:valAx>
+      <c:valAx>
+        <c:axId val="264393087"/>
+        <c:scaling>
+          <c:orientation val="minMax"/>
+        </c:scaling>
+        <c:delete val="0"/>
+        <c:axPos val="l"/>
+        <c:majorGridlines>
+          <c:spPr>
+            <a:ln w="9525" cap="flat" cmpd="sng" algn="ctr">
+              <a:solidFill>
+                <a:schemeClr val="tx1">
+                  <a:lumMod val="15000"/>
+                  <a:lumOff val="85000"/>
+                </a:schemeClr>
+              </a:solidFill>
+              <a:round/>
+            </a:ln>
+            <a:effectLst/>
+          </c:spPr>
+        </c:majorGridlines>
+        <c:numFmt formatCode="General" sourceLinked="1"/>
+        <c:majorTickMark val="none"/>
+        <c:minorTickMark val="none"/>
+        <c:tickLblPos val="nextTo"/>
+        <c:spPr>
+          <a:noFill/>
+          <a:ln w="9525" cap="flat" cmpd="sng" algn="ctr">
+            <a:solidFill>
+              <a:schemeClr val="tx1">
+                <a:lumMod val="25000"/>
+                <a:lumOff val="75000"/>
+              </a:schemeClr>
+            </a:solidFill>
+            <a:round/>
+          </a:ln>
+          <a:effectLst/>
+        </c:spPr>
+        <c:txPr>
+          <a:bodyPr rot="-60000000" spcFirstLastPara="1" vertOverflow="ellipsis" vert="horz" wrap="square" anchor="ctr" anchorCtr="1"/>
+          <a:lstStyle/>
+          <a:p>
+            <a:pPr>
+              <a:defRPr sz="1197" b="0" i="0" u="none" strike="noStrike" kern="1200" baseline="0">
+                <a:solidFill>
+                  <a:schemeClr val="tx1">
+                    <a:lumMod val="65000"/>
+                    <a:lumOff val="35000"/>
+                  </a:schemeClr>
+                </a:solidFill>
+                <a:latin typeface="+mn-lt"/>
+                <a:ea typeface="+mn-ea"/>
+                <a:cs typeface="+mn-cs"/>
+              </a:defRPr>
+            </a:pPr>
+            <a:endParaRPr lang="en-US"/>
+          </a:p>
+        </c:txPr>
+        <c:crossAx val="264391423"/>
+        <c:crosses val="autoZero"/>
+        <c:crossBetween val="midCat"/>
+      </c:valAx>
+      <c:spPr>
         <a:noFill/>
         <a:ln>
           <a:noFill/>
         </a:ln>
         <a:effectLst/>
-      </dsp:spPr>
-      <dsp:style>
-        <a:lnRef idx="0">
-          <a:scrgbClr r="0" g="0" b="0"/>
-        </a:lnRef>
-        <a:fillRef idx="0">
-          <a:scrgbClr r="0" g="0" b="0"/>
-        </a:fillRef>
-        <a:effectRef idx="0">
-          <a:scrgbClr r="0" g="0" b="0"/>
-        </a:effectRef>
-        <a:fontRef idx="minor"/>
-      </dsp:style>
-    </dsp:sp>
-    <dsp:sp modelId="{767714CB-F5C5-4038-A255-32CE2F6D6D9E}">
-      <dsp:nvSpPr>
-        <dsp:cNvPr id="0" name=""/>
-        <dsp:cNvSpPr/>
-      </dsp:nvSpPr>
-      <dsp:spPr>
-        <a:xfrm rot="5400000">
-          <a:off x="3819519" y="1984443"/>
-          <a:ext cx="520980" cy="593117"/>
-        </a:xfrm>
-        <a:prstGeom prst="bentUpArrow">
-          <a:avLst>
-            <a:gd name="adj1" fmla="val 32840"/>
-            <a:gd name="adj2" fmla="val 25000"/>
-            <a:gd name="adj3" fmla="val 35780"/>
-          </a:avLst>
-        </a:prstGeom>
-        <a:solidFill>
-          <a:schemeClr val="accent1">
-            <a:tint val="50000"/>
-            <a:hueOff val="0"/>
-            <a:satOff val="0"/>
-            <a:lumOff val="0"/>
-            <a:alphaOff val="0"/>
-          </a:schemeClr>
-        </a:solidFill>
-        <a:ln w="12700" cap="flat" cmpd="sng" algn="ctr">
-          <a:solidFill>
-            <a:schemeClr val="lt1">
-              <a:hueOff val="0"/>
-              <a:satOff val="0"/>
-              <a:lumOff val="0"/>
-              <a:alphaOff val="0"/>
-            </a:schemeClr>
-          </a:solidFill>
-          <a:prstDash val="solid"/>
-        </a:ln>
-        <a:effectLst/>
-      </dsp:spPr>
-      <dsp:style>
-        <a:lnRef idx="2">
-          <a:scrgbClr r="0" g="0" b="0"/>
-        </a:lnRef>
-        <a:fillRef idx="1">
-          <a:scrgbClr r="0" g="0" b="0"/>
-        </a:fillRef>
-        <a:effectRef idx="0">
-          <a:scrgbClr r="0" g="0" b="0"/>
-        </a:effectRef>
-        <a:fontRef idx="minor"/>
-      </dsp:style>
-    </dsp:sp>
-    <dsp:sp modelId="{08B2D816-0031-43DA-BF80-9F975AF3179C}">
-      <dsp:nvSpPr>
-        <dsp:cNvPr id="0" name=""/>
-        <dsp:cNvSpPr/>
-      </dsp:nvSpPr>
-      <dsp:spPr>
-        <a:xfrm>
-          <a:off x="3681491" y="1406926"/>
-          <a:ext cx="877024" cy="613888"/>
-        </a:xfrm>
-        <a:prstGeom prst="roundRect">
-          <a:avLst>
-            <a:gd name="adj" fmla="val 16670"/>
-          </a:avLst>
-        </a:prstGeom>
-        <a:solidFill>
-          <a:schemeClr val="accent1">
-            <a:hueOff val="0"/>
-            <a:satOff val="0"/>
-            <a:lumOff val="0"/>
-            <a:alphaOff val="0"/>
-          </a:schemeClr>
-        </a:solidFill>
-        <a:ln w="12700" cap="flat" cmpd="sng" algn="ctr">
-          <a:solidFill>
-            <a:schemeClr val="lt1">
-              <a:hueOff val="0"/>
-              <a:satOff val="0"/>
-              <a:lumOff val="0"/>
-              <a:alphaOff val="0"/>
-            </a:schemeClr>
-          </a:solidFill>
-          <a:prstDash val="solid"/>
-        </a:ln>
-        <a:effectLst/>
-      </dsp:spPr>
-      <dsp:style>
-        <a:lnRef idx="2">
-          <a:scrgbClr r="0" g="0" b="0"/>
-        </a:lnRef>
-        <a:fillRef idx="1">
-          <a:scrgbClr r="0" g="0" b="0"/>
-        </a:fillRef>
-        <a:effectRef idx="0">
-          <a:scrgbClr r="0" g="0" b="0"/>
-        </a:effectRef>
-        <a:fontRef idx="minor">
-          <a:schemeClr val="lt1"/>
-        </a:fontRef>
-      </dsp:style>
-      <dsp:txBody>
-        <a:bodyPr spcFirstLastPara="0" vert="horz" wrap="square" lIns="53340" tIns="53340" rIns="53340" bIns="53340" numCol="1" spcCol="1270" anchor="ctr" anchorCtr="0">
-          <a:noAutofit/>
-        </a:bodyPr>
-        <a:lstStyle/>
-        <a:p>
-          <a:pPr marL="0" lvl="0" indent="0" algn="ctr" defTabSz="622300">
-            <a:lnSpc>
-              <a:spcPct val="90000"/>
-            </a:lnSpc>
-            <a:spcBef>
-              <a:spcPct val="0"/>
-            </a:spcBef>
-            <a:spcAft>
-              <a:spcPct val="35000"/>
-            </a:spcAft>
-            <a:buNone/>
-          </a:pPr>
-          <a:r>
-            <a:rPr lang="en-US" sz="1400" kern="1200" dirty="0"/>
-            <a:t>Random Forest</a:t>
-          </a:r>
-        </a:p>
-      </dsp:txBody>
-      <dsp:txXfrm>
-        <a:off x="3711464" y="1436899"/>
-        <a:ext cx="817078" cy="553942"/>
-      </dsp:txXfrm>
-    </dsp:sp>
-    <dsp:sp modelId="{40660D0C-87E6-4C90-AB2B-502B175EBC88}">
-      <dsp:nvSpPr>
-        <dsp:cNvPr id="0" name=""/>
-        <dsp:cNvSpPr/>
-      </dsp:nvSpPr>
-      <dsp:spPr>
-        <a:xfrm>
-          <a:off x="4558515" y="1465474"/>
-          <a:ext cx="637863" cy="496171"/>
-        </a:xfrm>
-        <a:prstGeom prst="rect">
-          <a:avLst/>
-        </a:prstGeom>
+      </c:spPr>
+    </c:plotArea>
+    <c:plotVisOnly val="1"/>
+    <c:dispBlanksAs val="gap"/>
+    <c:extLst>
+      <c:ext xmlns:c16r3="http://schemas.microsoft.com/office/drawing/2017/03/chart" uri="{56B9EC1D-385E-4148-901F-78D8002777C0}">
+        <c16r3:dataDisplayOptions16>
+          <c16r3:dispNaAsBlank val="1"/>
+        </c16r3:dataDisplayOptions16>
+      </c:ext>
+    </c:extLst>
+    <c:showDLblsOverMax val="0"/>
+  </c:chart>
+  <c:spPr>
+    <a:noFill/>
+    <a:ln>
+      <a:noFill/>
+    </a:ln>
+    <a:effectLst/>
+  </c:spPr>
+  <c:txPr>
+    <a:bodyPr/>
+    <a:lstStyle/>
+    <a:p>
+      <a:pPr>
+        <a:defRPr/>
+      </a:pPr>
+      <a:endParaRPr lang="en-US"/>
+    </a:p>
+  </c:txPr>
+  <c:externalData r:id="rId4">
+    <c:autoUpdate val="0"/>
+  </c:externalData>
+</c:chartSpace>
+</file>
+
+<file path=ppt/charts/chart2.xml><?xml version="1.0" encoding="utf-8"?>
+<c:chartSpace xmlns:c="http://schemas.openxmlformats.org/drawingml/2006/chart" xmlns:a="http://schemas.openxmlformats.org/drawingml/2006/main" xmlns:r="http://schemas.openxmlformats.org/officeDocument/2006/relationships" xmlns:c16r2="http://schemas.microsoft.com/office/drawing/2015/06/chart">
+  <c:date1904 val="0"/>
+  <c:lang val="en-US"/>
+  <c:roundedCorners val="0"/>
+  <mc:AlternateContent xmlns:mc="http://schemas.openxmlformats.org/markup-compatibility/2006">
+    <mc:Choice xmlns:c14="http://schemas.microsoft.com/office/drawing/2007/8/2/chart" Requires="c14">
+      <c14:style val="102"/>
+    </mc:Choice>
+    <mc:Fallback>
+      <c:style val="2"/>
+    </mc:Fallback>
+  </mc:AlternateContent>
+  <c:clrMapOvr bg1="lt1" tx1="dk1" bg2="lt2" tx2="dk2" accent1="accent1" accent2="accent2" accent3="accent3" accent4="accent4" accent5="accent5" accent6="accent6" hlink="hlink" folHlink="folHlink"/>
+  <c:chart>
+    <c:title>
+      <c:tx>
+        <c:rich>
+          <a:bodyPr rot="0" spcFirstLastPara="1" vertOverflow="ellipsis" vert="horz" wrap="square" anchor="ctr" anchorCtr="1"/>
+          <a:lstStyle/>
+          <a:p>
+            <a:pPr>
+              <a:defRPr sz="1862" b="0" i="0" u="none" strike="noStrike" kern="1200" spc="0" baseline="0">
+                <a:solidFill>
+                  <a:schemeClr val="tx1">
+                    <a:lumMod val="65000"/>
+                    <a:lumOff val="35000"/>
+                  </a:schemeClr>
+                </a:solidFill>
+                <a:latin typeface="+mn-lt"/>
+                <a:ea typeface="+mn-ea"/>
+                <a:cs typeface="+mn-cs"/>
+              </a:defRPr>
+            </a:pPr>
+            <a:r>
+              <a:rPr lang="en-US" dirty="0"/>
+              <a:t>Sample Graph Classification</a:t>
+            </a:r>
+          </a:p>
+        </c:rich>
+      </c:tx>
+      <c:overlay val="0"/>
+      <c:spPr>
         <a:noFill/>
         <a:ln>
           <a:noFill/>
         </a:ln>
         <a:effectLst/>
-      </dsp:spPr>
-      <dsp:style>
-        <a:lnRef idx="0">
-          <a:scrgbClr r="0" g="0" b="0"/>
-        </a:lnRef>
-        <a:fillRef idx="0">
-          <a:scrgbClr r="0" g="0" b="0"/>
-        </a:fillRef>
-        <a:effectRef idx="0">
-          <a:scrgbClr r="0" g="0" b="0"/>
-        </a:effectRef>
-        <a:fontRef idx="minor"/>
-      </dsp:style>
-    </dsp:sp>
-    <dsp:sp modelId="{111A472C-5B9F-4142-89AC-DCBD4D95D3E8}">
-      <dsp:nvSpPr>
-        <dsp:cNvPr id="0" name=""/>
-        <dsp:cNvSpPr/>
-      </dsp:nvSpPr>
-      <dsp:spPr>
-        <a:xfrm rot="5400000">
-          <a:off x="4546665" y="2674042"/>
-          <a:ext cx="520980" cy="593117"/>
-        </a:xfrm>
-        <a:prstGeom prst="bentUpArrow">
-          <a:avLst>
-            <a:gd name="adj1" fmla="val 32840"/>
-            <a:gd name="adj2" fmla="val 25000"/>
-            <a:gd name="adj3" fmla="val 35780"/>
-          </a:avLst>
-        </a:prstGeom>
-        <a:solidFill>
-          <a:schemeClr val="accent1">
-            <a:tint val="50000"/>
-            <a:hueOff val="0"/>
-            <a:satOff val="0"/>
-            <a:lumOff val="0"/>
-            <a:alphaOff val="0"/>
-          </a:schemeClr>
-        </a:solidFill>
-        <a:ln w="12700" cap="flat" cmpd="sng" algn="ctr">
-          <a:solidFill>
-            <a:schemeClr val="lt1">
-              <a:hueOff val="0"/>
-              <a:satOff val="0"/>
-              <a:lumOff val="0"/>
-              <a:alphaOff val="0"/>
-            </a:schemeClr>
-          </a:solidFill>
-          <a:prstDash val="solid"/>
-        </a:ln>
-        <a:effectLst/>
-      </dsp:spPr>
-      <dsp:style>
-        <a:lnRef idx="2">
-          <a:scrgbClr r="0" g="0" b="0"/>
-        </a:lnRef>
-        <a:fillRef idx="1">
-          <a:scrgbClr r="0" g="0" b="0"/>
-        </a:fillRef>
-        <a:effectRef idx="0">
-          <a:scrgbClr r="0" g="0" b="0"/>
-        </a:effectRef>
-        <a:fontRef idx="minor"/>
-      </dsp:style>
-    </dsp:sp>
-    <dsp:sp modelId="{C5DFC8BF-C6C6-4B13-8F1A-BF46115A5800}">
-      <dsp:nvSpPr>
-        <dsp:cNvPr id="0" name=""/>
-        <dsp:cNvSpPr/>
-      </dsp:nvSpPr>
-      <dsp:spPr>
-        <a:xfrm>
-          <a:off x="4408637" y="2096525"/>
-          <a:ext cx="877024" cy="613888"/>
-        </a:xfrm>
-        <a:prstGeom prst="roundRect">
-          <a:avLst>
-            <a:gd name="adj" fmla="val 16670"/>
-          </a:avLst>
-        </a:prstGeom>
-        <a:solidFill>
-          <a:schemeClr val="accent1">
-            <a:hueOff val="0"/>
-            <a:satOff val="0"/>
-            <a:lumOff val="0"/>
-            <a:alphaOff val="0"/>
-          </a:schemeClr>
-        </a:solidFill>
-        <a:ln w="12700" cap="flat" cmpd="sng" algn="ctr">
-          <a:solidFill>
-            <a:schemeClr val="lt1">
-              <a:hueOff val="0"/>
-              <a:satOff val="0"/>
-              <a:lumOff val="0"/>
-              <a:alphaOff val="0"/>
-            </a:schemeClr>
-          </a:solidFill>
-          <a:prstDash val="solid"/>
-        </a:ln>
-        <a:effectLst/>
-      </dsp:spPr>
-      <dsp:style>
-        <a:lnRef idx="2">
-          <a:scrgbClr r="0" g="0" b="0"/>
-        </a:lnRef>
-        <a:fillRef idx="1">
-          <a:scrgbClr r="0" g="0" b="0"/>
-        </a:fillRef>
-        <a:effectRef idx="0">
-          <a:scrgbClr r="0" g="0" b="0"/>
-        </a:effectRef>
-        <a:fontRef idx="minor">
-          <a:schemeClr val="lt1"/>
-        </a:fontRef>
-      </dsp:style>
-      <dsp:txBody>
-        <a:bodyPr spcFirstLastPara="0" vert="horz" wrap="square" lIns="53340" tIns="53340" rIns="53340" bIns="53340" numCol="1" spcCol="1270" anchor="ctr" anchorCtr="0">
-          <a:noAutofit/>
-        </a:bodyPr>
+      </c:spPr>
+      <c:txPr>
+        <a:bodyPr rot="0" spcFirstLastPara="1" vertOverflow="ellipsis" vert="horz" wrap="square" anchor="ctr" anchorCtr="1"/>
         <a:lstStyle/>
         <a:p>
-          <a:pPr marL="0" lvl="0" indent="0" algn="ctr" defTabSz="622300">
-            <a:lnSpc>
-              <a:spcPct val="90000"/>
-            </a:lnSpc>
-            <a:spcBef>
-              <a:spcPct val="0"/>
-            </a:spcBef>
-            <a:spcAft>
-              <a:spcPct val="35000"/>
-            </a:spcAft>
-            <a:buNone/>
+          <a:pPr>
+            <a:defRPr sz="1862" b="0" i="0" u="none" strike="noStrike" kern="1200" spc="0" baseline="0">
+              <a:solidFill>
+                <a:schemeClr val="tx1">
+                  <a:lumMod val="65000"/>
+                  <a:lumOff val="35000"/>
+                </a:schemeClr>
+              </a:solidFill>
+              <a:latin typeface="+mn-lt"/>
+              <a:ea typeface="+mn-ea"/>
+              <a:cs typeface="+mn-cs"/>
+            </a:defRPr>
           </a:pPr>
-          <a:r>
-            <a:rPr lang="en-US" sz="1400" kern="1200" dirty="0"/>
-            <a:t>Boosting</a:t>
-          </a:r>
+          <a:endParaRPr lang="en-US"/>
         </a:p>
-      </dsp:txBody>
-      <dsp:txXfrm>
-        <a:off x="4438610" y="2126498"/>
-        <a:ext cx="817078" cy="553942"/>
-      </dsp:txXfrm>
-    </dsp:sp>
-    <dsp:sp modelId="{17643780-B371-4C7F-AEB9-7AAF1AFA2AF4}">
-      <dsp:nvSpPr>
-        <dsp:cNvPr id="0" name=""/>
-        <dsp:cNvSpPr/>
-      </dsp:nvSpPr>
-      <dsp:spPr>
-        <a:xfrm>
-          <a:off x="5285661" y="2155073"/>
-          <a:ext cx="637863" cy="496171"/>
-        </a:xfrm>
-        <a:prstGeom prst="rect">
-          <a:avLst/>
-        </a:prstGeom>
+      </c:txPr>
+    </c:title>
+    <c:autoTitleDeleted val="0"/>
+    <c:plotArea>
+      <c:layout/>
+      <c:scatterChart>
+        <c:scatterStyle val="lineMarker"/>
+        <c:varyColors val="0"/>
+        <c:ser>
+          <c:idx val="0"/>
+          <c:order val="0"/>
+          <c:tx>
+            <c:strRef>
+              <c:f>Sheet1!$B$1</c:f>
+              <c:strCache>
+                <c:ptCount val="1"/>
+                <c:pt idx="0">
+                  <c:v>Y-Values</c:v>
+                </c:pt>
+              </c:strCache>
+            </c:strRef>
+          </c:tx>
+          <c:spPr>
+            <a:ln w="76200" cap="rnd">
+              <a:noFill/>
+              <a:round/>
+            </a:ln>
+            <a:effectLst/>
+          </c:spPr>
+          <c:marker>
+            <c:symbol val="circle"/>
+            <c:size val="5"/>
+            <c:spPr>
+              <a:solidFill>
+                <a:schemeClr val="accent1"/>
+              </a:solidFill>
+              <a:ln w="76200">
+                <a:solidFill>
+                  <a:schemeClr val="accent1"/>
+                </a:solidFill>
+              </a:ln>
+              <a:effectLst/>
+            </c:spPr>
+          </c:marker>
+          <c:dPt>
+            <c:idx val="1"/>
+            <c:marker>
+              <c:symbol val="circle"/>
+              <c:size val="5"/>
+              <c:spPr>
+                <a:solidFill>
+                  <a:schemeClr val="accent4"/>
+                </a:solidFill>
+                <a:ln w="76200">
+                  <a:solidFill>
+                    <a:schemeClr val="accent4"/>
+                  </a:solidFill>
+                </a:ln>
+                <a:effectLst/>
+              </c:spPr>
+            </c:marker>
+            <c:bubble3D val="0"/>
+            <c:extLst>
+              <c:ext xmlns:c16="http://schemas.microsoft.com/office/drawing/2014/chart" uri="{C3380CC4-5D6E-409C-BE32-E72D297353CC}">
+                <c16:uniqueId val="{00000000-77AD-4DA5-863A-798A72631210}"/>
+              </c:ext>
+            </c:extLst>
+          </c:dPt>
+          <c:dPt>
+            <c:idx val="2"/>
+            <c:marker>
+              <c:symbol val="circle"/>
+              <c:size val="5"/>
+              <c:spPr>
+                <a:solidFill>
+                  <a:schemeClr val="accent1"/>
+                </a:solidFill>
+                <a:ln w="76200">
+                  <a:solidFill>
+                    <a:schemeClr val="accent4"/>
+                  </a:solidFill>
+                </a:ln>
+                <a:effectLst/>
+              </c:spPr>
+            </c:marker>
+            <c:bubble3D val="0"/>
+            <c:extLst>
+              <c:ext xmlns:c16="http://schemas.microsoft.com/office/drawing/2014/chart" uri="{C3380CC4-5D6E-409C-BE32-E72D297353CC}">
+                <c16:uniqueId val="{00000001-77AD-4DA5-863A-798A72631210}"/>
+              </c:ext>
+            </c:extLst>
+          </c:dPt>
+          <c:xVal>
+            <c:numRef>
+              <c:f>Sheet1!$A$2:$A$5</c:f>
+              <c:numCache>
+                <c:formatCode>General</c:formatCode>
+                <c:ptCount val="4"/>
+                <c:pt idx="0">
+                  <c:v>4</c:v>
+                </c:pt>
+                <c:pt idx="1">
+                  <c:v>6</c:v>
+                </c:pt>
+                <c:pt idx="2">
+                  <c:v>7</c:v>
+                </c:pt>
+                <c:pt idx="3">
+                  <c:v>10</c:v>
+                </c:pt>
+              </c:numCache>
+            </c:numRef>
+          </c:xVal>
+          <c:yVal>
+            <c:numRef>
+              <c:f>Sheet1!$B$2:$B$5</c:f>
+              <c:numCache>
+                <c:formatCode>General</c:formatCode>
+                <c:ptCount val="4"/>
+                <c:pt idx="0">
+                  <c:v>0</c:v>
+                </c:pt>
+                <c:pt idx="1">
+                  <c:v>1</c:v>
+                </c:pt>
+                <c:pt idx="2">
+                  <c:v>1</c:v>
+                </c:pt>
+                <c:pt idx="3">
+                  <c:v>0</c:v>
+                </c:pt>
+              </c:numCache>
+            </c:numRef>
+          </c:yVal>
+          <c:smooth val="0"/>
+          <c:extLst>
+            <c:ext xmlns:c16="http://schemas.microsoft.com/office/drawing/2014/chart" uri="{C3380CC4-5D6E-409C-BE32-E72D297353CC}">
+              <c16:uniqueId val="{00000002-77AD-4DA5-863A-798A72631210}"/>
+            </c:ext>
+          </c:extLst>
+        </c:ser>
+        <c:dLbls>
+          <c:showLegendKey val="0"/>
+          <c:showVal val="0"/>
+          <c:showCatName val="0"/>
+          <c:showSerName val="0"/>
+          <c:showPercent val="0"/>
+          <c:showBubbleSize val="0"/>
+        </c:dLbls>
+        <c:axId val="1410100559"/>
+        <c:axId val="1410101391"/>
+      </c:scatterChart>
+      <c:valAx>
+        <c:axId val="1410100559"/>
+        <c:scaling>
+          <c:orientation val="minMax"/>
+          <c:min val="3"/>
+        </c:scaling>
+        <c:delete val="0"/>
+        <c:axPos val="b"/>
+        <c:majorGridlines>
+          <c:spPr>
+            <a:ln w="9525" cap="flat" cmpd="sng" algn="ctr">
+              <a:solidFill>
+                <a:schemeClr val="tx1">
+                  <a:lumMod val="15000"/>
+                  <a:lumOff val="85000"/>
+                </a:schemeClr>
+              </a:solidFill>
+              <a:round/>
+            </a:ln>
+            <a:effectLst/>
+          </c:spPr>
+        </c:majorGridlines>
+        <c:numFmt formatCode="General" sourceLinked="1"/>
+        <c:majorTickMark val="none"/>
+        <c:minorTickMark val="none"/>
+        <c:tickLblPos val="nextTo"/>
+        <c:spPr>
+          <a:noFill/>
+          <a:ln w="9525" cap="flat" cmpd="sng" algn="ctr">
+            <a:solidFill>
+              <a:schemeClr val="tx1">
+                <a:lumMod val="25000"/>
+                <a:lumOff val="75000"/>
+              </a:schemeClr>
+            </a:solidFill>
+            <a:round/>
+          </a:ln>
+          <a:effectLst/>
+        </c:spPr>
+        <c:txPr>
+          <a:bodyPr rot="-60000000" spcFirstLastPara="1" vertOverflow="ellipsis" vert="horz" wrap="square" anchor="ctr" anchorCtr="1"/>
+          <a:lstStyle/>
+          <a:p>
+            <a:pPr>
+              <a:defRPr sz="1197" b="0" i="0" u="none" strike="noStrike" kern="1200" baseline="0">
+                <a:solidFill>
+                  <a:schemeClr val="tx1">
+                    <a:lumMod val="65000"/>
+                    <a:lumOff val="35000"/>
+                  </a:schemeClr>
+                </a:solidFill>
+                <a:latin typeface="+mn-lt"/>
+                <a:ea typeface="+mn-ea"/>
+                <a:cs typeface="+mn-cs"/>
+              </a:defRPr>
+            </a:pPr>
+            <a:endParaRPr lang="en-US"/>
+          </a:p>
+        </c:txPr>
+        <c:crossAx val="1410101391"/>
+        <c:crosses val="autoZero"/>
+        <c:crossBetween val="midCat"/>
+      </c:valAx>
+      <c:valAx>
+        <c:axId val="1410101391"/>
+        <c:scaling>
+          <c:orientation val="minMax"/>
+          <c:min val="-0.2"/>
+        </c:scaling>
+        <c:delete val="0"/>
+        <c:axPos val="l"/>
+        <c:majorGridlines>
+          <c:spPr>
+            <a:ln w="9525" cap="flat" cmpd="sng" algn="ctr">
+              <a:solidFill>
+                <a:schemeClr val="tx1">
+                  <a:lumMod val="15000"/>
+                  <a:lumOff val="85000"/>
+                </a:schemeClr>
+              </a:solidFill>
+              <a:round/>
+            </a:ln>
+            <a:effectLst/>
+          </c:spPr>
+        </c:majorGridlines>
+        <c:numFmt formatCode="General" sourceLinked="1"/>
+        <c:majorTickMark val="none"/>
+        <c:minorTickMark val="none"/>
+        <c:tickLblPos val="nextTo"/>
+        <c:spPr>
+          <a:noFill/>
+          <a:ln w="9525" cap="flat" cmpd="sng" algn="ctr">
+            <a:solidFill>
+              <a:schemeClr val="tx1">
+                <a:lumMod val="25000"/>
+                <a:lumOff val="75000"/>
+              </a:schemeClr>
+            </a:solidFill>
+            <a:round/>
+          </a:ln>
+          <a:effectLst/>
+        </c:spPr>
+        <c:txPr>
+          <a:bodyPr rot="-60000000" spcFirstLastPara="1" vertOverflow="ellipsis" vert="horz" wrap="square" anchor="ctr" anchorCtr="1"/>
+          <a:lstStyle/>
+          <a:p>
+            <a:pPr>
+              <a:defRPr sz="1197" b="0" i="0" u="none" strike="noStrike" kern="1200" baseline="0">
+                <a:solidFill>
+                  <a:schemeClr val="tx1">
+                    <a:lumMod val="65000"/>
+                    <a:lumOff val="35000"/>
+                  </a:schemeClr>
+                </a:solidFill>
+                <a:latin typeface="+mn-lt"/>
+                <a:ea typeface="+mn-ea"/>
+                <a:cs typeface="+mn-cs"/>
+              </a:defRPr>
+            </a:pPr>
+            <a:endParaRPr lang="en-US"/>
+          </a:p>
+        </c:txPr>
+        <c:crossAx val="1410100559"/>
+        <c:crosses val="autoZero"/>
+        <c:crossBetween val="midCat"/>
+      </c:valAx>
+      <c:spPr>
         <a:noFill/>
         <a:ln>
           <a:noFill/>
         </a:ln>
         <a:effectLst/>
-      </dsp:spPr>
-      <dsp:style>
-        <a:lnRef idx="0">
-          <a:scrgbClr r="0" g="0" b="0"/>
-        </a:lnRef>
-        <a:fillRef idx="0">
-          <a:scrgbClr r="0" g="0" b="0"/>
-        </a:fillRef>
-        <a:effectRef idx="0">
-          <a:scrgbClr r="0" g="0" b="0"/>
-        </a:effectRef>
-        <a:fontRef idx="minor"/>
-      </dsp:style>
-    </dsp:sp>
-    <dsp:sp modelId="{65BB8652-27C3-4039-B196-6B77E994725D}">
-      <dsp:nvSpPr>
-        <dsp:cNvPr id="0" name=""/>
-        <dsp:cNvSpPr/>
-      </dsp:nvSpPr>
-      <dsp:spPr>
-        <a:xfrm rot="5400000">
-          <a:off x="5273811" y="3363641"/>
-          <a:ext cx="520980" cy="593117"/>
-        </a:xfrm>
-        <a:prstGeom prst="bentUpArrow">
-          <a:avLst>
-            <a:gd name="adj1" fmla="val 32840"/>
-            <a:gd name="adj2" fmla="val 25000"/>
-            <a:gd name="adj3" fmla="val 35780"/>
-          </a:avLst>
-        </a:prstGeom>
+      </c:spPr>
+    </c:plotArea>
+    <c:plotVisOnly val="1"/>
+    <c:dispBlanksAs val="gap"/>
+    <c:extLst>
+      <c:ext xmlns:c16r3="http://schemas.microsoft.com/office/drawing/2017/03/chart" uri="{56B9EC1D-385E-4148-901F-78D8002777C0}">
+        <c16r3:dataDisplayOptions16>
+          <c16r3:dispNaAsBlank val="1"/>
+        </c16r3:dataDisplayOptions16>
+      </c:ext>
+    </c:extLst>
+    <c:showDLblsOverMax val="0"/>
+  </c:chart>
+  <c:spPr>
+    <a:noFill/>
+    <a:ln>
+      <a:noFill/>
+    </a:ln>
+    <a:effectLst/>
+  </c:spPr>
+  <c:txPr>
+    <a:bodyPr/>
+    <a:lstStyle/>
+    <a:p>
+      <a:pPr>
+        <a:defRPr/>
+      </a:pPr>
+      <a:endParaRPr lang="en-US"/>
+    </a:p>
+  </c:txPr>
+  <c:externalData r:id="rId4">
+    <c:autoUpdate val="0"/>
+  </c:externalData>
+</c:chartSpace>
+</file>
+
+<file path=ppt/charts/colors1.xml><?xml version="1.0" encoding="utf-8"?>
+<cs:colorStyle xmlns:cs="http://schemas.microsoft.com/office/drawing/2012/chartStyle" xmlns:a="http://schemas.openxmlformats.org/drawingml/2006/main" meth="cycle" id="10">
+  <a:schemeClr val="accent1"/>
+  <a:schemeClr val="accent2"/>
+  <a:schemeClr val="accent3"/>
+  <a:schemeClr val="accent4"/>
+  <a:schemeClr val="accent5"/>
+  <a:schemeClr val="accent6"/>
+  <cs:variation/>
+  <cs:variation>
+    <a:lumMod val="60000"/>
+  </cs:variation>
+  <cs:variation>
+    <a:lumMod val="80000"/>
+    <a:lumOff val="20000"/>
+  </cs:variation>
+  <cs:variation>
+    <a:lumMod val="80000"/>
+  </cs:variation>
+  <cs:variation>
+    <a:lumMod val="60000"/>
+    <a:lumOff val="40000"/>
+  </cs:variation>
+  <cs:variation>
+    <a:lumMod val="50000"/>
+  </cs:variation>
+  <cs:variation>
+    <a:lumMod val="70000"/>
+    <a:lumOff val="30000"/>
+  </cs:variation>
+  <cs:variation>
+    <a:lumMod val="70000"/>
+  </cs:variation>
+  <cs:variation>
+    <a:lumMod val="50000"/>
+    <a:lumOff val="50000"/>
+  </cs:variation>
+</cs:colorStyle>
+</file>
+
+<file path=ppt/charts/colors2.xml><?xml version="1.0" encoding="utf-8"?>
+<cs:colorStyle xmlns:cs="http://schemas.microsoft.com/office/drawing/2012/chartStyle" xmlns:a="http://schemas.openxmlformats.org/drawingml/2006/main" meth="cycle" id="10">
+  <a:schemeClr val="accent1"/>
+  <a:schemeClr val="accent2"/>
+  <a:schemeClr val="accent3"/>
+  <a:schemeClr val="accent4"/>
+  <a:schemeClr val="accent5"/>
+  <a:schemeClr val="accent6"/>
+  <cs:variation/>
+  <cs:variation>
+    <a:lumMod val="60000"/>
+  </cs:variation>
+  <cs:variation>
+    <a:lumMod val="80000"/>
+    <a:lumOff val="20000"/>
+  </cs:variation>
+  <cs:variation>
+    <a:lumMod val="80000"/>
+  </cs:variation>
+  <cs:variation>
+    <a:lumMod val="60000"/>
+    <a:lumOff val="40000"/>
+  </cs:variation>
+  <cs:variation>
+    <a:lumMod val="50000"/>
+  </cs:variation>
+  <cs:variation>
+    <a:lumMod val="70000"/>
+    <a:lumOff val="30000"/>
+  </cs:variation>
+  <cs:variation>
+    <a:lumMod val="70000"/>
+  </cs:variation>
+  <cs:variation>
+    <a:lumMod val="50000"/>
+    <a:lumOff val="50000"/>
+  </cs:variation>
+</cs:colorStyle>
+</file>
+
+<file path=ppt/charts/style1.xml><?xml version="1.0" encoding="utf-8"?>
+<cs:chartStyle xmlns:cs="http://schemas.microsoft.com/office/drawing/2012/chartStyle" xmlns:a="http://schemas.openxmlformats.org/drawingml/2006/main" id="240">
+  <cs:axisTitle>
+    <cs:lnRef idx="0"/>
+    <cs:fillRef idx="0"/>
+    <cs:effectRef idx="0"/>
+    <cs:fontRef idx="minor">
+      <a:schemeClr val="tx1">
+        <a:lumMod val="65000"/>
+        <a:lumOff val="35000"/>
+      </a:schemeClr>
+    </cs:fontRef>
+    <cs:defRPr sz="1330" kern="1200"/>
+  </cs:axisTitle>
+  <cs:categoryAxis>
+    <cs:lnRef idx="0"/>
+    <cs:fillRef idx="0"/>
+    <cs:effectRef idx="0"/>
+    <cs:fontRef idx="minor">
+      <a:schemeClr val="tx1">
+        <a:lumMod val="65000"/>
+        <a:lumOff val="35000"/>
+      </a:schemeClr>
+    </cs:fontRef>
+    <cs:spPr>
+      <a:ln w="9525" cap="flat" cmpd="sng" algn="ctr">
         <a:solidFill>
-          <a:schemeClr val="accent1">
-            <a:tint val="50000"/>
-            <a:hueOff val="0"/>
-            <a:satOff val="0"/>
-            <a:lumOff val="0"/>
-            <a:alphaOff val="0"/>
+          <a:schemeClr val="tx1">
+            <a:lumMod val="25000"/>
+            <a:lumOff val="75000"/>
           </a:schemeClr>
         </a:solidFill>
-        <a:ln w="12700" cap="flat" cmpd="sng" algn="ctr">
-          <a:solidFill>
-            <a:schemeClr val="lt1">
-              <a:hueOff val="0"/>
-              <a:satOff val="0"/>
-              <a:lumOff val="0"/>
-              <a:alphaOff val="0"/>
-            </a:schemeClr>
-          </a:solidFill>
-          <a:prstDash val="solid"/>
-        </a:ln>
-        <a:effectLst/>
-      </dsp:spPr>
-      <dsp:style>
-        <a:lnRef idx="2">
-          <a:scrgbClr r="0" g="0" b="0"/>
-        </a:lnRef>
-        <a:fillRef idx="1">
-          <a:scrgbClr r="0" g="0" b="0"/>
-        </a:fillRef>
-        <a:effectRef idx="0">
-          <a:scrgbClr r="0" g="0" b="0"/>
-        </a:effectRef>
-        <a:fontRef idx="minor"/>
-      </dsp:style>
-    </dsp:sp>
-    <dsp:sp modelId="{FBB33FEB-BFFC-4F6E-AA74-6D3282608034}">
-      <dsp:nvSpPr>
-        <dsp:cNvPr id="0" name=""/>
-        <dsp:cNvSpPr/>
-      </dsp:nvSpPr>
-      <dsp:spPr>
-        <a:xfrm>
-          <a:off x="5135783" y="2786124"/>
-          <a:ext cx="877024" cy="613888"/>
-        </a:xfrm>
-        <a:prstGeom prst="roundRect">
-          <a:avLst>
-            <a:gd name="adj" fmla="val 16670"/>
-          </a:avLst>
-        </a:prstGeom>
+        <a:round/>
+      </a:ln>
+    </cs:spPr>
+    <cs:defRPr sz="1197" kern="1200"/>
+  </cs:categoryAxis>
+  <cs:chartArea mods="allowNoFillOverride allowNoLineOverride">
+    <cs:lnRef idx="0"/>
+    <cs:fillRef idx="0"/>
+    <cs:effectRef idx="0"/>
+    <cs:fontRef idx="minor">
+      <a:schemeClr val="tx1"/>
+    </cs:fontRef>
+    <cs:spPr>
+      <a:solidFill>
+        <a:schemeClr val="bg1"/>
+      </a:solidFill>
+      <a:ln w="9525" cap="flat" cmpd="sng" algn="ctr">
         <a:solidFill>
-          <a:schemeClr val="accent1">
-            <a:hueOff val="0"/>
-            <a:satOff val="0"/>
-            <a:lumOff val="0"/>
-            <a:alphaOff val="0"/>
+          <a:schemeClr val="tx1">
+            <a:lumMod val="15000"/>
+            <a:lumOff val="85000"/>
           </a:schemeClr>
         </a:solidFill>
-        <a:ln w="12700" cap="flat" cmpd="sng" algn="ctr">
-          <a:solidFill>
-            <a:schemeClr val="lt1">
-              <a:hueOff val="0"/>
-              <a:satOff val="0"/>
-              <a:lumOff val="0"/>
-              <a:alphaOff val="0"/>
-            </a:schemeClr>
-          </a:solidFill>
-          <a:prstDash val="solid"/>
-        </a:ln>
-        <a:effectLst/>
-      </dsp:spPr>
-      <dsp:style>
-        <a:lnRef idx="2">
-          <a:scrgbClr r="0" g="0" b="0"/>
-        </a:lnRef>
-        <a:fillRef idx="1">
-          <a:scrgbClr r="0" g="0" b="0"/>
-        </a:fillRef>
-        <a:effectRef idx="0">
-          <a:scrgbClr r="0" g="0" b="0"/>
-        </a:effectRef>
-        <a:fontRef idx="minor">
-          <a:schemeClr val="lt1"/>
-        </a:fontRef>
-      </dsp:style>
-      <dsp:txBody>
-        <a:bodyPr spcFirstLastPara="0" vert="horz" wrap="square" lIns="53340" tIns="53340" rIns="53340" bIns="53340" numCol="1" spcCol="1270" anchor="ctr" anchorCtr="0">
-          <a:noAutofit/>
-        </a:bodyPr>
-        <a:lstStyle/>
-        <a:p>
-          <a:pPr marL="0" lvl="0" indent="0" algn="ctr" defTabSz="622300">
-            <a:lnSpc>
-              <a:spcPct val="90000"/>
-            </a:lnSpc>
-            <a:spcBef>
-              <a:spcPct val="0"/>
-            </a:spcBef>
-            <a:spcAft>
-              <a:spcPct val="35000"/>
-            </a:spcAft>
-            <a:buNone/>
-          </a:pPr>
-          <a:r>
-            <a:rPr lang="en-US" sz="1400" kern="1200" dirty="0"/>
-            <a:t>Gradient Boosting</a:t>
-          </a:r>
-        </a:p>
-      </dsp:txBody>
-      <dsp:txXfrm>
-        <a:off x="5165756" y="2816097"/>
-        <a:ext cx="817078" cy="553942"/>
-      </dsp:txXfrm>
-    </dsp:sp>
-    <dsp:sp modelId="{3FA4F11A-6D2E-4CB6-AFBD-10511ACB5DEC}">
-      <dsp:nvSpPr>
-        <dsp:cNvPr id="0" name=""/>
-        <dsp:cNvSpPr/>
-      </dsp:nvSpPr>
-      <dsp:spPr>
-        <a:xfrm>
-          <a:off x="6012807" y="2844672"/>
-          <a:ext cx="637863" cy="496171"/>
-        </a:xfrm>
-        <a:prstGeom prst="rect">
-          <a:avLst/>
-        </a:prstGeom>
-        <a:noFill/>
-        <a:ln>
-          <a:noFill/>
-        </a:ln>
-        <a:effectLst/>
-      </dsp:spPr>
-      <dsp:style>
-        <a:lnRef idx="0">
-          <a:scrgbClr r="0" g="0" b="0"/>
-        </a:lnRef>
-        <a:fillRef idx="0">
-          <a:scrgbClr r="0" g="0" b="0"/>
-        </a:fillRef>
-        <a:effectRef idx="0">
-          <a:scrgbClr r="0" g="0" b="0"/>
-        </a:effectRef>
-        <a:fontRef idx="minor"/>
-      </dsp:style>
-    </dsp:sp>
-    <dsp:sp modelId="{A5224548-49C4-4954-8EF1-58903A41E21C}">
-      <dsp:nvSpPr>
-        <dsp:cNvPr id="0" name=""/>
-        <dsp:cNvSpPr/>
-      </dsp:nvSpPr>
-      <dsp:spPr>
-        <a:xfrm>
-          <a:off x="5862929" y="3475723"/>
-          <a:ext cx="877024" cy="613888"/>
-        </a:xfrm>
-        <a:prstGeom prst="roundRect">
-          <a:avLst>
-            <a:gd name="adj" fmla="val 16670"/>
-          </a:avLst>
-        </a:prstGeom>
+        <a:round/>
+      </a:ln>
+    </cs:spPr>
+    <cs:defRPr sz="1330" kern="1200"/>
+  </cs:chartArea>
+  <cs:dataLabel>
+    <cs:lnRef idx="0"/>
+    <cs:fillRef idx="0"/>
+    <cs:effectRef idx="0"/>
+    <cs:fontRef idx="minor">
+      <a:schemeClr val="tx1">
+        <a:lumMod val="75000"/>
+        <a:lumOff val="25000"/>
+      </a:schemeClr>
+    </cs:fontRef>
+    <cs:defRPr sz="1197" kern="1200"/>
+  </cs:dataLabel>
+  <cs:dataLabelCallout>
+    <cs:lnRef idx="0"/>
+    <cs:fillRef idx="0"/>
+    <cs:effectRef idx="0"/>
+    <cs:fontRef idx="minor">
+      <a:schemeClr val="dk1">
+        <a:lumMod val="65000"/>
+        <a:lumOff val="35000"/>
+      </a:schemeClr>
+    </cs:fontRef>
+    <cs:spPr>
+      <a:solidFill>
+        <a:schemeClr val="lt1"/>
+      </a:solidFill>
+      <a:ln>
         <a:solidFill>
-          <a:schemeClr val="accent1">
-            <a:hueOff val="0"/>
-            <a:satOff val="0"/>
-            <a:lumOff val="0"/>
-            <a:alphaOff val="0"/>
+          <a:schemeClr val="dk1">
+            <a:lumMod val="25000"/>
+            <a:lumOff val="75000"/>
           </a:schemeClr>
         </a:solidFill>
-        <a:ln w="12700" cap="flat" cmpd="sng" algn="ctr">
-          <a:solidFill>
-            <a:schemeClr val="lt1">
-              <a:hueOff val="0"/>
-              <a:satOff val="0"/>
-              <a:lumOff val="0"/>
-              <a:alphaOff val="0"/>
-            </a:schemeClr>
-          </a:solidFill>
-          <a:prstDash val="solid"/>
-        </a:ln>
-        <a:effectLst/>
-      </dsp:spPr>
-      <dsp:style>
-        <a:lnRef idx="2">
-          <a:scrgbClr r="0" g="0" b="0"/>
-        </a:lnRef>
-        <a:fillRef idx="1">
-          <a:scrgbClr r="0" g="0" b="0"/>
-        </a:fillRef>
-        <a:effectRef idx="0">
-          <a:scrgbClr r="0" g="0" b="0"/>
-        </a:effectRef>
-        <a:fontRef idx="minor">
-          <a:schemeClr val="lt1"/>
-        </a:fontRef>
-      </dsp:style>
-      <dsp:txBody>
-        <a:bodyPr spcFirstLastPara="0" vert="horz" wrap="square" lIns="53340" tIns="53340" rIns="53340" bIns="53340" numCol="1" spcCol="1270" anchor="ctr" anchorCtr="0">
-          <a:noAutofit/>
-        </a:bodyPr>
-        <a:lstStyle/>
-        <a:p>
-          <a:pPr marL="0" lvl="0" indent="0" algn="ctr" defTabSz="622300">
-            <a:lnSpc>
-              <a:spcPct val="90000"/>
-            </a:lnSpc>
-            <a:spcBef>
-              <a:spcPct val="0"/>
-            </a:spcBef>
-            <a:spcAft>
-              <a:spcPct val="35000"/>
-            </a:spcAft>
-            <a:buNone/>
-          </a:pPr>
-          <a:r>
-            <a:rPr lang="en-US" sz="1400" kern="1200" dirty="0" err="1"/>
-            <a:t>XGBoost</a:t>
-          </a:r>
-          <a:endParaRPr lang="en-US" sz="1400" kern="1200" dirty="0"/>
-        </a:p>
-      </dsp:txBody>
-      <dsp:txXfrm>
-        <a:off x="5892902" y="3505696"/>
-        <a:ext cx="817078" cy="553942"/>
-      </dsp:txXfrm>
-    </dsp:sp>
-  </dsp:spTree>
-</dsp:drawing>
+      </a:ln>
+    </cs:spPr>
+    <cs:defRPr sz="1197" kern="1200"/>
+    <cs:bodyPr rot="0" spcFirstLastPara="1" vertOverflow="clip" horzOverflow="clip" vert="horz" wrap="square" lIns="36576" tIns="18288" rIns="36576" bIns="18288" anchor="ctr" anchorCtr="1">
+      <a:spAutoFit/>
+    </cs:bodyPr>
+  </cs:dataLabelCallout>
+  <cs:dataPoint>
+    <cs:lnRef idx="0"/>
+    <cs:fillRef idx="1">
+      <cs:styleClr val="auto"/>
+    </cs:fillRef>
+    <cs:effectRef idx="0"/>
+    <cs:fontRef idx="minor">
+      <a:schemeClr val="tx1"/>
+    </cs:fontRef>
+  </cs:dataPoint>
+  <cs:dataPoint3D>
+    <cs:lnRef idx="0"/>
+    <cs:fillRef idx="1">
+      <cs:styleClr val="auto"/>
+    </cs:fillRef>
+    <cs:effectRef idx="0"/>
+    <cs:fontRef idx="minor">
+      <a:schemeClr val="tx1"/>
+    </cs:fontRef>
+  </cs:dataPoint3D>
+  <cs:dataPointLine>
+    <cs:lnRef idx="0">
+      <cs:styleClr val="auto"/>
+    </cs:lnRef>
+    <cs:fillRef idx="1"/>
+    <cs:effectRef idx="0"/>
+    <cs:fontRef idx="minor">
+      <a:schemeClr val="tx1"/>
+    </cs:fontRef>
+    <cs:spPr>
+      <a:ln w="19050" cap="rnd">
+        <a:solidFill>
+          <a:schemeClr val="phClr"/>
+        </a:solidFill>
+        <a:round/>
+      </a:ln>
+    </cs:spPr>
+  </cs:dataPointLine>
+  <cs:dataPointMarker>
+    <cs:lnRef idx="0">
+      <cs:styleClr val="auto"/>
+    </cs:lnRef>
+    <cs:fillRef idx="1">
+      <cs:styleClr val="auto"/>
+    </cs:fillRef>
+    <cs:effectRef idx="0"/>
+    <cs:fontRef idx="minor">
+      <a:schemeClr val="tx1"/>
+    </cs:fontRef>
+    <cs:spPr>
+      <a:ln w="9525">
+        <a:solidFill>
+          <a:schemeClr val="phClr"/>
+        </a:solidFill>
+      </a:ln>
+    </cs:spPr>
+  </cs:dataPointMarker>
+  <cs:dataPointMarkerLayout symbol="circle" size="5"/>
+  <cs:dataPointWireframe>
+    <cs:lnRef idx="0">
+      <cs:styleClr val="auto"/>
+    </cs:lnRef>
+    <cs:fillRef idx="0"/>
+    <cs:effectRef idx="0"/>
+    <cs:fontRef idx="minor">
+      <a:schemeClr val="dk1"/>
+    </cs:fontRef>
+    <cs:spPr>
+      <a:ln w="9525" cap="rnd">
+        <a:solidFill>
+          <a:schemeClr val="phClr"/>
+        </a:solidFill>
+        <a:round/>
+      </a:ln>
+    </cs:spPr>
+  </cs:dataPointWireframe>
+  <cs:dataTable>
+    <cs:lnRef idx="0"/>
+    <cs:fillRef idx="0"/>
+    <cs:effectRef idx="0"/>
+    <cs:fontRef idx="minor">
+      <a:schemeClr val="tx1">
+        <a:lumMod val="65000"/>
+        <a:lumOff val="35000"/>
+      </a:schemeClr>
+    </cs:fontRef>
+    <cs:spPr>
+      <a:noFill/>
+      <a:ln w="9525" cap="flat" cmpd="sng" algn="ctr">
+        <a:solidFill>
+          <a:schemeClr val="tx1">
+            <a:lumMod val="15000"/>
+            <a:lumOff val="85000"/>
+          </a:schemeClr>
+        </a:solidFill>
+        <a:round/>
+      </a:ln>
+    </cs:spPr>
+    <cs:defRPr sz="1197" kern="1200"/>
+  </cs:dataTable>
+  <cs:downBar>
+    <cs:lnRef idx="0"/>
+    <cs:fillRef idx="0"/>
+    <cs:effectRef idx="0"/>
+    <cs:fontRef idx="minor">
+      <a:schemeClr val="tx1"/>
+    </cs:fontRef>
+    <cs:spPr>
+      <a:solidFill>
+        <a:schemeClr val="dk1">
+          <a:lumMod val="75000"/>
+          <a:lumOff val="25000"/>
+        </a:schemeClr>
+      </a:solidFill>
+      <a:ln w="9525" cap="flat" cmpd="sng" algn="ctr">
+        <a:solidFill>
+          <a:schemeClr val="tx1">
+            <a:lumMod val="65000"/>
+            <a:lumOff val="35000"/>
+          </a:schemeClr>
+        </a:solidFill>
+        <a:round/>
+      </a:ln>
+    </cs:spPr>
+  </cs:downBar>
+  <cs:dropLine>
+    <cs:lnRef idx="0"/>
+    <cs:fillRef idx="0"/>
+    <cs:effectRef idx="0"/>
+    <cs:fontRef idx="minor">
+      <a:schemeClr val="tx1"/>
+    </cs:fontRef>
+    <cs:spPr>
+      <a:ln w="9525" cap="flat" cmpd="sng" algn="ctr">
+        <a:solidFill>
+          <a:schemeClr val="tx1">
+            <a:lumMod val="35000"/>
+            <a:lumOff val="65000"/>
+          </a:schemeClr>
+        </a:solidFill>
+        <a:round/>
+      </a:ln>
+    </cs:spPr>
+  </cs:dropLine>
+  <cs:errorBar>
+    <cs:lnRef idx="0"/>
+    <cs:fillRef idx="0"/>
+    <cs:effectRef idx="0"/>
+    <cs:fontRef idx="minor">
+      <a:schemeClr val="tx1"/>
+    </cs:fontRef>
+    <cs:spPr>
+      <a:ln w="9525" cap="flat" cmpd="sng" algn="ctr">
+        <a:solidFill>
+          <a:schemeClr val="tx1">
+            <a:lumMod val="65000"/>
+            <a:lumOff val="35000"/>
+          </a:schemeClr>
+        </a:solidFill>
+        <a:round/>
+      </a:ln>
+    </cs:spPr>
+  </cs:errorBar>
+  <cs:floor>
+    <cs:lnRef idx="0"/>
+    <cs:fillRef idx="0"/>
+    <cs:effectRef idx="0"/>
+    <cs:fontRef idx="minor">
+      <a:schemeClr val="tx1"/>
+    </cs:fontRef>
+    <cs:spPr>
+      <a:noFill/>
+      <a:ln>
+        <a:noFill/>
+      </a:ln>
+    </cs:spPr>
+  </cs:floor>
+  <cs:gridlineMajor>
+    <cs:lnRef idx="0"/>
+    <cs:fillRef idx="0"/>
+    <cs:effectRef idx="0"/>
+    <cs:fontRef idx="minor">
+      <a:schemeClr val="tx1"/>
+    </cs:fontRef>
+    <cs:spPr>
+      <a:ln w="9525" cap="flat" cmpd="sng" algn="ctr">
+        <a:solidFill>
+          <a:schemeClr val="tx1">
+            <a:lumMod val="15000"/>
+            <a:lumOff val="85000"/>
+          </a:schemeClr>
+        </a:solidFill>
+        <a:round/>
+      </a:ln>
+    </cs:spPr>
+  </cs:gridlineMajor>
+  <cs:gridlineMinor>
+    <cs:lnRef idx="0"/>
+    <cs:fillRef idx="0"/>
+    <cs:effectRef idx="0"/>
+    <cs:fontRef idx="minor">
+      <a:schemeClr val="tx1"/>
+    </cs:fontRef>
+    <cs:spPr>
+      <a:ln w="9525" cap="flat" cmpd="sng" algn="ctr">
+        <a:solidFill>
+          <a:schemeClr val="tx1">
+            <a:lumMod val="5000"/>
+            <a:lumOff val="95000"/>
+          </a:schemeClr>
+        </a:solidFill>
+        <a:round/>
+      </a:ln>
+    </cs:spPr>
+  </cs:gridlineMinor>
+  <cs:hiLoLine>
+    <cs:lnRef idx="0"/>
+    <cs:fillRef idx="0"/>
+    <cs:effectRef idx="0"/>
+    <cs:fontRef idx="minor">
+      <a:schemeClr val="tx1"/>
+    </cs:fontRef>
+    <cs:spPr>
+      <a:ln w="9525" cap="flat" cmpd="sng" algn="ctr">
+        <a:solidFill>
+          <a:schemeClr val="tx1">
+            <a:lumMod val="50000"/>
+            <a:lumOff val="50000"/>
+          </a:schemeClr>
+        </a:solidFill>
+        <a:round/>
+      </a:ln>
+    </cs:spPr>
+  </cs:hiLoLine>
+  <cs:leaderLine>
+    <cs:lnRef idx="0"/>
+    <cs:fillRef idx="0"/>
+    <cs:effectRef idx="0"/>
+    <cs:fontRef idx="minor">
+      <a:schemeClr val="tx1"/>
+    </cs:fontRef>
+    <cs:spPr>
+      <a:ln w="9525" cap="flat" cmpd="sng" algn="ctr">
+        <a:solidFill>
+          <a:schemeClr val="tx1">
+            <a:lumMod val="35000"/>
+            <a:lumOff val="65000"/>
+          </a:schemeClr>
+        </a:solidFill>
+        <a:round/>
+      </a:ln>
+    </cs:spPr>
+  </cs:leaderLine>
+  <cs:legend>
+    <cs:lnRef idx="0"/>
+    <cs:fillRef idx="0"/>
+    <cs:effectRef idx="0"/>
+    <cs:fontRef idx="minor">
+      <a:schemeClr val="tx1">
+        <a:lumMod val="65000"/>
+        <a:lumOff val="35000"/>
+      </a:schemeClr>
+    </cs:fontRef>
+    <cs:defRPr sz="1197" kern="1200"/>
+  </cs:legend>
+  <cs:plotArea mods="allowNoFillOverride allowNoLineOverride">
+    <cs:lnRef idx="0"/>
+    <cs:fillRef idx="0"/>
+    <cs:effectRef idx="0"/>
+    <cs:fontRef idx="minor">
+      <a:schemeClr val="tx1"/>
+    </cs:fontRef>
+  </cs:plotArea>
+  <cs:plotArea3D mods="allowNoFillOverride allowNoLineOverride">
+    <cs:lnRef idx="0"/>
+    <cs:fillRef idx="0"/>
+    <cs:effectRef idx="0"/>
+    <cs:fontRef idx="minor">
+      <a:schemeClr val="tx1"/>
+    </cs:fontRef>
+  </cs:plotArea3D>
+  <cs:seriesAxis>
+    <cs:lnRef idx="0"/>
+    <cs:fillRef idx="0"/>
+    <cs:effectRef idx="0"/>
+    <cs:fontRef idx="minor">
+      <a:schemeClr val="tx1">
+        <a:lumMod val="65000"/>
+        <a:lumOff val="35000"/>
+      </a:schemeClr>
+    </cs:fontRef>
+    <cs:defRPr sz="1197" kern="1200"/>
+  </cs:seriesAxis>
+  <cs:seriesLine>
+    <cs:lnRef idx="0"/>
+    <cs:fillRef idx="0"/>
+    <cs:effectRef idx="0"/>
+    <cs:fontRef idx="minor">
+      <a:schemeClr val="tx1"/>
+    </cs:fontRef>
+    <cs:spPr>
+      <a:ln w="9525" cap="flat" cmpd="sng" algn="ctr">
+        <a:solidFill>
+          <a:schemeClr val="tx1">
+            <a:lumMod val="35000"/>
+            <a:lumOff val="65000"/>
+          </a:schemeClr>
+        </a:solidFill>
+        <a:round/>
+      </a:ln>
+    </cs:spPr>
+  </cs:seriesLine>
+  <cs:title>
+    <cs:lnRef idx="0"/>
+    <cs:fillRef idx="0"/>
+    <cs:effectRef idx="0"/>
+    <cs:fontRef idx="minor">
+      <a:schemeClr val="tx1">
+        <a:lumMod val="65000"/>
+        <a:lumOff val="35000"/>
+      </a:schemeClr>
+    </cs:fontRef>
+    <cs:defRPr sz="1862" b="0" kern="1200" spc="0" baseline="0"/>
+  </cs:title>
+  <cs:trendline>
+    <cs:lnRef idx="0">
+      <cs:styleClr val="auto"/>
+    </cs:lnRef>
+    <cs:fillRef idx="0"/>
+    <cs:effectRef idx="0"/>
+    <cs:fontRef idx="minor">
+      <a:schemeClr val="tx1"/>
+    </cs:fontRef>
+    <cs:spPr>
+      <a:ln w="19050" cap="rnd">
+        <a:solidFill>
+          <a:schemeClr val="phClr"/>
+        </a:solidFill>
+        <a:prstDash val="sysDot"/>
+      </a:ln>
+    </cs:spPr>
+  </cs:trendline>
+  <cs:trendlineLabel>
+    <cs:lnRef idx="0"/>
+    <cs:fillRef idx="0"/>
+    <cs:effectRef idx="0"/>
+    <cs:fontRef idx="minor">
+      <a:schemeClr val="tx1">
+        <a:lumMod val="65000"/>
+        <a:lumOff val="35000"/>
+      </a:schemeClr>
+    </cs:fontRef>
+    <cs:defRPr sz="1197" kern="1200"/>
+  </cs:trendlineLabel>
+  <cs:upBar>
+    <cs:lnRef idx="0"/>
+    <cs:fillRef idx="0"/>
+    <cs:effectRef idx="0"/>
+    <cs:fontRef idx="minor">
+      <a:schemeClr val="tx1"/>
+    </cs:fontRef>
+    <cs:spPr>
+      <a:solidFill>
+        <a:schemeClr val="lt1"/>
+      </a:solidFill>
+      <a:ln w="9525" cap="flat" cmpd="sng" algn="ctr">
+        <a:solidFill>
+          <a:schemeClr val="tx1">
+            <a:lumMod val="65000"/>
+            <a:lumOff val="35000"/>
+          </a:schemeClr>
+        </a:solidFill>
+        <a:round/>
+      </a:ln>
+    </cs:spPr>
+  </cs:upBar>
+  <cs:valueAxis>
+    <cs:lnRef idx="0"/>
+    <cs:fillRef idx="0"/>
+    <cs:effectRef idx="0"/>
+    <cs:fontRef idx="minor">
+      <a:schemeClr val="tx1">
+        <a:lumMod val="65000"/>
+        <a:lumOff val="35000"/>
+      </a:schemeClr>
+    </cs:fontRef>
+    <cs:spPr>
+      <a:ln w="9525" cap="flat" cmpd="sng" algn="ctr">
+        <a:solidFill>
+          <a:schemeClr val="tx1">
+            <a:lumMod val="25000"/>
+            <a:lumOff val="75000"/>
+          </a:schemeClr>
+        </a:solidFill>
+        <a:round/>
+      </a:ln>
+    </cs:spPr>
+    <cs:defRPr sz="1197" kern="1200"/>
+  </cs:valueAxis>
+  <cs:wall>
+    <cs:lnRef idx="0"/>
+    <cs:fillRef idx="0"/>
+    <cs:effectRef idx="0"/>
+    <cs:fontRef idx="minor">
+      <a:schemeClr val="tx1"/>
+    </cs:fontRef>
+    <cs:spPr>
+      <a:noFill/>
+      <a:ln>
+        <a:noFill/>
+      </a:ln>
+    </cs:spPr>
+  </cs:wall>
+</cs:chartStyle>
 </file>
 
-<file path=ppt/diagrams/layout1.xml><?xml version="1.0" encoding="utf-8"?>
-<dgm:layoutDef xmlns:dgm="http://schemas.openxmlformats.org/drawingml/2006/diagram" xmlns:a="http://schemas.openxmlformats.org/drawingml/2006/main" uniqueId="urn:microsoft.com/office/officeart/2005/8/layout/StepDownProcess">
-  <dgm:title val=""/>
-  <dgm:desc val=""/>
-  <dgm:catLst>
-    <dgm:cat type="process" pri="1600"/>
-  </dgm:catLst>
-  <dgm:sampData>
-    <dgm:dataModel>
-      <dgm:ptLst>
-        <dgm:pt modelId="0" type="doc"/>
-        <dgm:pt modelId="10">
-          <dgm:prSet phldr="1"/>
-        </dgm:pt>
-        <dgm:pt modelId="11">
-          <dgm:prSet phldr="1"/>
-        </dgm:pt>
-        <dgm:pt modelId="20">
-          <dgm:prSet phldr="1"/>
-        </dgm:pt>
-        <dgm:pt modelId="21">
-          <dgm:prSet phldr="1"/>
-        </dgm:pt>
-        <dgm:pt modelId="30">
-          <dgm:prSet phldr="1"/>
-        </dgm:pt>
-        <dgm:pt modelId="31">
-          <dgm:prSet phldr="1"/>
-        </dgm:pt>
-      </dgm:ptLst>
-      <dgm:cxnLst>
-        <dgm:cxn modelId="60" srcId="0" destId="10" srcOrd="0" destOrd="0"/>
-        <dgm:cxn modelId="12" srcId="10" destId="11" srcOrd="0" destOrd="0"/>
-        <dgm:cxn modelId="70" srcId="0" destId="20" srcOrd="1" destOrd="0"/>
-        <dgm:cxn modelId="22" srcId="20" destId="21" srcOrd="0" destOrd="0"/>
-        <dgm:cxn modelId="80" srcId="0" destId="30" srcOrd="2" destOrd="0"/>
-        <dgm:cxn modelId="32" srcId="30" destId="31" srcOrd="0" destOrd="0"/>
-      </dgm:cxnLst>
-      <dgm:bg/>
-      <dgm:whole/>
-    </dgm:dataModel>
-  </dgm:sampData>
-  <dgm:styleData>
-    <dgm:dataModel>
-      <dgm:ptLst>
-        <dgm:pt modelId="0" type="doc"/>
-        <dgm:pt modelId="10">
-          <dgm:prSet phldr="1"/>
-        </dgm:pt>
-        <dgm:pt modelId="20">
-          <dgm:prSet phldr="1"/>
-        </dgm:pt>
-      </dgm:ptLst>
-      <dgm:cxnLst>
-        <dgm:cxn modelId="60" srcId="0" destId="10" srcOrd="0" destOrd="0"/>
-        <dgm:cxn modelId="70" srcId="0" destId="20" srcOrd="1" destOrd="0"/>
-      </dgm:cxnLst>
-      <dgm:bg/>
-      <dgm:whole/>
-    </dgm:dataModel>
-  </dgm:styleData>
-  <dgm:clrData>
-    <dgm:dataModel>
-      <dgm:ptLst>
-        <dgm:pt modelId="0" type="doc"/>
-        <dgm:pt modelId="10">
-          <dgm:prSet phldr="1"/>
-        </dgm:pt>
-        <dgm:pt modelId="20">
-          <dgm:prSet phldr="1"/>
-        </dgm:pt>
-        <dgm:pt modelId="30">
-          <dgm:prSet phldr="1"/>
-        </dgm:pt>
-        <dgm:pt modelId="40">
-          <dgm:prSet phldr="1"/>
-        </dgm:pt>
-      </dgm:ptLst>
-      <dgm:cxnLst>
-        <dgm:cxn modelId="60" srcId="0" destId="10" srcOrd="0" destOrd="0"/>
-        <dgm:cxn modelId="70" srcId="0" destId="20" srcOrd="1" destOrd="0"/>
-        <dgm:cxn modelId="80" srcId="0" destId="30" srcOrd="2" destOrd="0"/>
-        <dgm:cxn modelId="90" srcId="0" destId="40" srcOrd="3" destOrd="0"/>
-      </dgm:cxnLst>
-      <dgm:bg/>
-      <dgm:whole/>
-    </dgm:dataModel>
-  </dgm:clrData>
-  <dgm:layoutNode name="rootnode">
-    <dgm:varLst>
-      <dgm:chMax/>
-      <dgm:chPref/>
-      <dgm:dir/>
-      <dgm:animLvl val="lvl"/>
-    </dgm:varLst>
-    <dgm:choose name="Name0">
-      <dgm:if name="Name1" func="var" arg="dir" op="equ" val="norm">
-        <dgm:alg type="snake">
-          <dgm:param type="grDir" val="tL"/>
-          <dgm:param type="flowDir" val="row"/>
-          <dgm:param type="off" val="off"/>
-          <dgm:param type="bkpt" val="fixed"/>
-          <dgm:param type="bkPtFixedVal" val="1"/>
-        </dgm:alg>
-      </dgm:if>
-      <dgm:else name="Name2">
-        <dgm:alg type="snake">
-          <dgm:param type="grDir" val="tR"/>
-          <dgm:param type="flowDir" val="row"/>
-          <dgm:param type="off" val="off"/>
-          <dgm:param type="bkpt" val="fixed"/>
-          <dgm:param type="bkPtFixedVal" val="1"/>
-        </dgm:alg>
-      </dgm:else>
-    </dgm:choose>
-    <dgm:shape xmlns:r="http://schemas.openxmlformats.org/officeDocument/2006/relationships" r:blip="">
-      <dgm:adjLst/>
-    </dgm:shape>
-    <dgm:choose name="Name3">
-      <dgm:if name="Name4" func="var" arg="dir" op="equ" val="norm">
-        <dgm:constrLst>
-          <dgm:constr type="alignOff" forName="rootnode" val="0.48"/>
-          <dgm:constr type="primFontSz" for="des" forName="ParentText" val="65"/>
-          <dgm:constr type="primFontSz" for="des" forName="ChildText" refType="primFontSz" refFor="des" refForName="ParentText" op="lte"/>
-          <dgm:constr type="w" for="ch" forName="composite" refType="w"/>
-          <dgm:constr type="h" for="ch" forName="composite" refType="h"/>
-          <dgm:constr type="sp" refType="h" refFor="ch" refForName="composite" op="equ" fact="-0.38"/>
-        </dgm:constrLst>
-      </dgm:if>
-      <dgm:else name="Name5">
-        <dgm:constrLst>
-          <dgm:constr type="alignOff" forName="rootnode" val="0.48"/>
-          <dgm:constr type="primFontSz" for="des" forName="ParentText" val="65"/>
-          <dgm:constr type="primFontSz" for="des" forName="ChildText" refType="primFontSz" refFor="des" refForName="ParentText" op="lte"/>
-          <dgm:constr type="w" for="ch" forName="composite" refType="w"/>
-          <dgm:constr type="h" for="ch" forName="composite" refType="h"/>
-          <dgm:constr type="sp" refType="h" refFor="ch" refForName="composite" op="equ" fact="-0.38"/>
-        </dgm:constrLst>
-      </dgm:else>
-    </dgm:choose>
-    <dgm:forEach name="nodesForEach" axis="ch" ptType="node">
-      <dgm:layoutNode name="composite">
-        <dgm:alg type="composite">
-          <dgm:param type="ar" val="1.2439"/>
-        </dgm:alg>
-        <dgm:shape xmlns:r="http://schemas.openxmlformats.org/officeDocument/2006/relationships" r:blip="">
-          <dgm:adjLst/>
-        </dgm:shape>
-        <dgm:choose name="Name6">
-          <dgm:if name="Name7" func="var" arg="dir" op="equ" val="norm">
-            <dgm:constrLst>
-              <dgm:constr type="l" for="ch" forName="bentUpArrow1" refType="w" fact="0.07"/>
-              <dgm:constr type="t" for="ch" forName="bentUpArrow1" refType="h" fact="0.524"/>
-              <dgm:constr type="w" for="ch" forName="bentUpArrow1" refType="w" fact="0.3844"/>
-              <dgm:constr type="h" for="ch" forName="bentUpArrow1" refType="h" fact="0.42"/>
-              <dgm:constr type="l" for="ch" forName="ParentText" refType="w" fact="0"/>
-              <dgm:constr type="t" for="ch" forName="ParentText" refType="h" fact="0"/>
-              <dgm:constr type="w" for="ch" forName="ParentText" refType="w" fact="0.5684"/>
-              <dgm:constr type="h" for="ch" forName="ParentText" refType="h" fact="0.4949"/>
-              <dgm:constr type="l" for="ch" forName="ChildText" refType="w" refFor="ch" refForName="ParentText"/>
-              <dgm:constr type="t" for="ch" forName="ChildText" refType="h" fact="0.05"/>
-              <dgm:constr type="w" for="ch" forName="ChildText" refType="w" fact="0.4134"/>
-              <dgm:constr type="h" for="ch" forName="ChildText" refType="h" fact="0.4"/>
-              <dgm:constr type="l" for="ch" forName="FinalChildText" refType="w" refFor="ch" refForName="ParentText"/>
-              <dgm:constr type="t" for="ch" forName="FinalChildText" refType="h" fact="0.05"/>
-              <dgm:constr type="w" for="ch" forName="FinalChildText" refType="w" fact="0.4134"/>
-              <dgm:constr type="h" for="ch" forName="FinalChildText" refType="h" fact="0.4"/>
-            </dgm:constrLst>
-          </dgm:if>
-          <dgm:else name="Name8">
-            <dgm:constrLst>
-              <dgm:constr type="r" for="ch" forName="bentUpArrow1" refType="w" fact="0.97"/>
-              <dgm:constr type="t" for="ch" forName="bentUpArrow1" refType="h" fact="0.524"/>
-              <dgm:constr type="w" for="ch" forName="bentUpArrow1" refType="w" fact="0.3844"/>
-              <dgm:constr type="h" for="ch" forName="bentUpArrow1" refType="h" fact="0.42"/>
-              <dgm:constr type="l" for="ch" forName="ParentText" refType="w" fact="0.4316"/>
-              <dgm:constr type="t" for="ch" forName="ParentText" refType="h" fact="0"/>
-              <dgm:constr type="w" for="ch" forName="ParentText" refType="w" fact="0.5684"/>
-              <dgm:constr type="h" for="ch" forName="ParentText" refType="h" fact="0.4949"/>
-              <dgm:constr type="l" for="ch" forName="ChildText" refType="w" fact="0"/>
-              <dgm:constr type="t" for="ch" forName="ChildText" refType="h" fact="0.05"/>
-              <dgm:constr type="w" for="ch" forName="ChildText" refType="w" fact="0.4134"/>
-              <dgm:constr type="h" for="ch" forName="ChildText" refType="h" fact="0.4"/>
-              <dgm:constr type="l" for="ch" forName="FinalChildText" refType="w" fact="0"/>
-              <dgm:constr type="t" for="ch" forName="FinalChildText" refType="h" fact="0.05"/>
-              <dgm:constr type="w" for="ch" forName="FinalChildText" refType="w" fact="0.4134"/>
-              <dgm:constr type="h" for="ch" forName="FinalChildText" refType="h" fact="0.4"/>
-            </dgm:constrLst>
-          </dgm:else>
-        </dgm:choose>
-        <dgm:choose name="Name9">
-          <dgm:if name="Name10" axis="followSib" ptType="node" func="cnt" op="gte" val="1">
-            <dgm:layoutNode name="bentUpArrow1" styleLbl="alignImgPlace1">
-              <dgm:alg type="sp"/>
-              <dgm:choose name="Name11">
-                <dgm:if name="Name12" func="var" arg="dir" op="equ" val="norm">
-                  <dgm:shape xmlns:r="http://schemas.openxmlformats.org/officeDocument/2006/relationships" rot="90" type="bentUpArrow" r:blip="">
-                    <dgm:adjLst>
-                      <dgm:adj idx="1" val="0.3284"/>
-                      <dgm:adj idx="2" val="0.25"/>
-                      <dgm:adj idx="3" val="0.3578"/>
-                    </dgm:adjLst>
-                  </dgm:shape>
-                </dgm:if>
-                <dgm:else name="Name13">
-                  <dgm:shape xmlns:r="http://schemas.openxmlformats.org/officeDocument/2006/relationships" rot="180" type="bentArrow" r:blip="">
-                    <dgm:adjLst>
-                      <dgm:adj idx="1" val="0.3284"/>
-                      <dgm:adj idx="2" val="0.25"/>
-                      <dgm:adj idx="3" val="0.3578"/>
-                      <dgm:adj idx="4" val="0"/>
-                    </dgm:adjLst>
-                  </dgm:shape>
-                </dgm:else>
-              </dgm:choose>
-              <dgm:presOf/>
-            </dgm:layoutNode>
-          </dgm:if>
-          <dgm:else name="Name14"/>
-        </dgm:choose>
-        <dgm:layoutNode name="ParentText" styleLbl="node1">
-          <dgm:varLst>
-            <dgm:chMax val="1"/>
-            <dgm:chPref val="1"/>
-            <dgm:bulletEnabled val="1"/>
-          </dgm:varLst>
-          <dgm:alg type="tx"/>
-          <dgm:shape xmlns:r="http://schemas.openxmlformats.org/officeDocument/2006/relationships" type="roundRect" r:blip="">
-            <dgm:adjLst>
-              <dgm:adj idx="1" val="0.1667"/>
-            </dgm:adjLst>
-          </dgm:shape>
-          <dgm:presOf axis="self" ptType="node"/>
-          <dgm:constrLst>
-            <dgm:constr type="lMarg" refType="primFontSz" fact="0.3"/>
-            <dgm:constr type="rMarg" refType="primFontSz" fact="0.3"/>
-            <dgm:constr type="tMarg" refType="primFontSz" fact="0.3"/>
-            <dgm:constr type="bMarg" refType="primFontSz" fact="0.3"/>
-          </dgm:constrLst>
-          <dgm:ruleLst>
-            <dgm:rule type="primFontSz" val="5" fact="NaN" max="NaN"/>
-          </dgm:ruleLst>
-        </dgm:layoutNode>
-        <dgm:choose name="Name15">
-          <dgm:if name="Name16" axis="followSib" ptType="node" func="cnt" op="equ" val="0">
-            <dgm:choose name="Name17">
-              <dgm:if name="Name18" axis="ch" ptType="node" func="cnt" op="gte" val="1">
-                <dgm:layoutNode name="FinalChildText" styleLbl="revTx">
-                  <dgm:varLst>
-                    <dgm:chMax val="0"/>
-                    <dgm:chPref val="0"/>
-                    <dgm:bulletEnabled val="1"/>
-                  </dgm:varLst>
-                  <dgm:alg type="tx">
-                    <dgm:param type="stBulletLvl" val="1"/>
-                    <dgm:param type="txAnchorVertCh" val="mid"/>
-                    <dgm:param type="parTxLTRAlign" val="l"/>
-                  </dgm:alg>
-                  <dgm:shape xmlns:r="http://schemas.openxmlformats.org/officeDocument/2006/relationships" type="rect" r:blip="">
-                    <dgm:adjLst/>
-                  </dgm:shape>
-                  <dgm:presOf axis="des" ptType="node"/>
-                  <dgm:constrLst>
-                    <dgm:constr type="lMarg" refType="primFontSz" fact="0.3"/>
-                    <dgm:constr type="rMarg" refType="primFontSz" fact="0.3"/>
-                    <dgm:constr type="tMarg" refType="primFontSz" fact="0.3"/>
-                    <dgm:constr type="bMarg" refType="primFontSz" fact="0.3"/>
-                  </dgm:constrLst>
-                  <dgm:ruleLst>
-                    <dgm:rule type="primFontSz" val="5" fact="NaN" max="NaN"/>
-                  </dgm:ruleLst>
-                </dgm:layoutNode>
-              </dgm:if>
-              <dgm:else name="Name19"/>
-            </dgm:choose>
-          </dgm:if>
-          <dgm:else name="Name20">
-            <dgm:layoutNode name="ChildText" styleLbl="revTx">
-              <dgm:varLst>
-                <dgm:chMax val="0"/>
-                <dgm:chPref val="0"/>
-                <dgm:bulletEnabled val="1"/>
-              </dgm:varLst>
-              <dgm:alg type="tx">
-                <dgm:param type="stBulletLvl" val="1"/>
-                <dgm:param type="txAnchorVertCh" val="mid"/>
-                <dgm:param type="parTxLTRAlign" val="l"/>
-              </dgm:alg>
-              <dgm:shape xmlns:r="http://schemas.openxmlformats.org/officeDocument/2006/relationships" type="rect" r:blip="">
-                <dgm:adjLst/>
-              </dgm:shape>
-              <dgm:presOf axis="des" ptType="node"/>
-              <dgm:constrLst>
-                <dgm:constr type="lMarg" refType="primFontSz" fact="0.3"/>
-                <dgm:constr type="rMarg" refType="primFontSz" fact="0.3"/>
-                <dgm:constr type="tMarg" refType="primFontSz" fact="0.3"/>
-                <dgm:constr type="bMarg" refType="primFontSz" fact="0.3"/>
-              </dgm:constrLst>
-              <dgm:ruleLst>
-                <dgm:rule type="primFontSz" val="5" fact="NaN" max="NaN"/>
-              </dgm:ruleLst>
-            </dgm:layoutNode>
-          </dgm:else>
-        </dgm:choose>
-      </dgm:layoutNode>
-      <dgm:forEach name="sibTransForEach" axis="followSib" ptType="sibTrans" cnt="1">
-        <dgm:layoutNode name="sibTrans">
-          <dgm:alg type="sp"/>
-          <dgm:shape xmlns:r="http://schemas.openxmlformats.org/officeDocument/2006/relationships" r:blip="">
-            <dgm:adjLst/>
-          </dgm:shape>
-        </dgm:layoutNode>
-      </dgm:forEach>
-    </dgm:forEach>
-  </dgm:layoutNode>
-</dgm:layoutDef>
-</file>
-
-<file path=ppt/diagrams/quickStyle1.xml><?xml version="1.0" encoding="utf-8"?>
-<dgm:styleDef xmlns:dgm="http://schemas.openxmlformats.org/drawingml/2006/diagram" xmlns:a="http://schemas.openxmlformats.org/drawingml/2006/main" uniqueId="urn:microsoft.com/office/officeart/2005/8/quickstyle/simple1">
-  <dgm:title val=""/>
-  <dgm:desc val=""/>
-  <dgm:catLst>
-    <dgm:cat type="simple" pri="10100"/>
-  </dgm:catLst>
-  <dgm:scene3d>
-    <a:camera prst="orthographicFront"/>
-    <a:lightRig rig="threePt" dir="t"/>
-  </dgm:scene3d>
-  <dgm:styleLbl name="node0">
-    <dgm:scene3d>
-      <a:camera prst="orthographicFront"/>
-      <a:lightRig rig="threePt" dir="t"/>
-    </dgm:scene3d>
-    <dgm:sp3d/>
-    <dgm:txPr/>
-    <dgm:style>
-      <a:lnRef idx="2">
-        <a:scrgbClr r="0" g="0" b="0"/>
-      </a:lnRef>
-      <a:fillRef idx="1">
-        <a:scrgbClr r="0" g="0" b="0"/>
-      </a:fillRef>
-      <a:effectRef idx="0">
-        <a:scrgbClr r="0" g="0" b="0"/>
-      </a:effectRef>
-      <a:fontRef idx="minor">
+<file path=ppt/charts/style2.xml><?xml version="1.0" encoding="utf-8"?>
+<cs:chartStyle xmlns:cs="http://schemas.microsoft.com/office/drawing/2012/chartStyle" xmlns:a="http://schemas.openxmlformats.org/drawingml/2006/main" id="240">
+  <cs:axisTitle>
+    <cs:lnRef idx="0"/>
+    <cs:fillRef idx="0"/>
+    <cs:effectRef idx="0"/>
+    <cs:fontRef idx="minor">
+      <a:schemeClr val="tx1">
+        <a:lumMod val="65000"/>
+        <a:lumOff val="35000"/>
+      </a:schemeClr>
+    </cs:fontRef>
+    <cs:defRPr sz="1330" kern="1200"/>
+  </cs:axisTitle>
+  <cs:categoryAxis>
+    <cs:lnRef idx="0"/>
+    <cs:fillRef idx="0"/>
+    <cs:effectRef idx="0"/>
+    <cs:fontRef idx="minor">
+      <a:schemeClr val="tx1">
+        <a:lumMod val="65000"/>
+        <a:lumOff val="35000"/>
+      </a:schemeClr>
+    </cs:fontRef>
+    <cs:spPr>
+      <a:ln w="9525" cap="flat" cmpd="sng" algn="ctr">
+        <a:solidFill>
+          <a:schemeClr val="tx1">
+            <a:lumMod val="25000"/>
+            <a:lumOff val="75000"/>
+          </a:schemeClr>
+        </a:solidFill>
+        <a:round/>
+      </a:ln>
+    </cs:spPr>
+    <cs:defRPr sz="1197" kern="1200"/>
+  </cs:categoryAxis>
+  <cs:chartArea mods="allowNoFillOverride allowNoLineOverride">
+    <cs:lnRef idx="0"/>
+    <cs:fillRef idx="0"/>
+    <cs:effectRef idx="0"/>
+    <cs:fontRef idx="minor">
+      <a:schemeClr val="tx1"/>
+    </cs:fontRef>
+    <cs:spPr>
+      <a:solidFill>
+        <a:schemeClr val="bg1"/>
+      </a:solidFill>
+      <a:ln w="9525" cap="flat" cmpd="sng" algn="ctr">
+        <a:solidFill>
+          <a:schemeClr val="tx1">
+            <a:lumMod val="15000"/>
+            <a:lumOff val="85000"/>
+          </a:schemeClr>
+        </a:solidFill>
+        <a:round/>
+      </a:ln>
+    </cs:spPr>
+    <cs:defRPr sz="1330" kern="1200"/>
+  </cs:chartArea>
+  <cs:dataLabel>
+    <cs:lnRef idx="0"/>
+    <cs:fillRef idx="0"/>
+    <cs:effectRef idx="0"/>
+    <cs:fontRef idx="minor">
+      <a:schemeClr val="tx1">
+        <a:lumMod val="75000"/>
+        <a:lumOff val="25000"/>
+      </a:schemeClr>
+    </cs:fontRef>
+    <cs:defRPr sz="1197" kern="1200"/>
+  </cs:dataLabel>
+  <cs:dataLabelCallout>
+    <cs:lnRef idx="0"/>
+    <cs:fillRef idx="0"/>
+    <cs:effectRef idx="0"/>
+    <cs:fontRef idx="minor">
+      <a:schemeClr val="dk1">
+        <a:lumMod val="65000"/>
+        <a:lumOff val="35000"/>
+      </a:schemeClr>
+    </cs:fontRef>
+    <cs:spPr>
+      <a:solidFill>
         <a:schemeClr val="lt1"/>
-      </a:fontRef>
-    </dgm:style>
-  </dgm:styleLbl>
-  <dgm:styleLbl name="lnNode1">
-    <dgm:scene3d>
-      <a:camera prst="orthographicFront"/>
-      <a:lightRig rig="threePt" dir="t"/>
-    </dgm:scene3d>
-    <dgm:sp3d/>
-    <dgm:txPr/>
-    <dgm:style>
-      <a:lnRef idx="2">
-        <a:scrgbClr r="0" g="0" b="0"/>
-      </a:lnRef>
-      <a:fillRef idx="1">
-        <a:scrgbClr r="0" g="0" b="0"/>
-      </a:fillRef>
-      <a:effectRef idx="0">
-        <a:scrgbClr r="0" g="0" b="0"/>
-      </a:effectRef>
-      <a:fontRef idx="minor">
+      </a:solidFill>
+      <a:ln>
+        <a:solidFill>
+          <a:schemeClr val="dk1">
+            <a:lumMod val="25000"/>
+            <a:lumOff val="75000"/>
+          </a:schemeClr>
+        </a:solidFill>
+      </a:ln>
+    </cs:spPr>
+    <cs:defRPr sz="1197" kern="1200"/>
+    <cs:bodyPr rot="0" spcFirstLastPara="1" vertOverflow="clip" horzOverflow="clip" vert="horz" wrap="square" lIns="36576" tIns="18288" rIns="36576" bIns="18288" anchor="ctr" anchorCtr="1">
+      <a:spAutoFit/>
+    </cs:bodyPr>
+  </cs:dataLabelCallout>
+  <cs:dataPoint>
+    <cs:lnRef idx="0"/>
+    <cs:fillRef idx="1">
+      <cs:styleClr val="auto"/>
+    </cs:fillRef>
+    <cs:effectRef idx="0"/>
+    <cs:fontRef idx="minor">
+      <a:schemeClr val="tx1"/>
+    </cs:fontRef>
+  </cs:dataPoint>
+  <cs:dataPoint3D>
+    <cs:lnRef idx="0"/>
+    <cs:fillRef idx="1">
+      <cs:styleClr val="auto"/>
+    </cs:fillRef>
+    <cs:effectRef idx="0"/>
+    <cs:fontRef idx="minor">
+      <a:schemeClr val="tx1"/>
+    </cs:fontRef>
+  </cs:dataPoint3D>
+  <cs:dataPointLine>
+    <cs:lnRef idx="0">
+      <cs:styleClr val="auto"/>
+    </cs:lnRef>
+    <cs:fillRef idx="1"/>
+    <cs:effectRef idx="0"/>
+    <cs:fontRef idx="minor">
+      <a:schemeClr val="tx1"/>
+    </cs:fontRef>
+    <cs:spPr>
+      <a:ln w="19050" cap="rnd">
+        <a:solidFill>
+          <a:schemeClr val="phClr"/>
+        </a:solidFill>
+        <a:round/>
+      </a:ln>
+    </cs:spPr>
+  </cs:dataPointLine>
+  <cs:dataPointMarker>
+    <cs:lnRef idx="0">
+      <cs:styleClr val="auto"/>
+    </cs:lnRef>
+    <cs:fillRef idx="1">
+      <cs:styleClr val="auto"/>
+    </cs:fillRef>
+    <cs:effectRef idx="0"/>
+    <cs:fontRef idx="minor">
+      <a:schemeClr val="tx1"/>
+    </cs:fontRef>
+    <cs:spPr>
+      <a:ln w="9525">
+        <a:solidFill>
+          <a:schemeClr val="phClr"/>
+        </a:solidFill>
+      </a:ln>
+    </cs:spPr>
+  </cs:dataPointMarker>
+  <cs:dataPointMarkerLayout symbol="circle" size="5"/>
+  <cs:dataPointWireframe>
+    <cs:lnRef idx="0">
+      <cs:styleClr val="auto"/>
+    </cs:lnRef>
+    <cs:fillRef idx="0"/>
+    <cs:effectRef idx="0"/>
+    <cs:fontRef idx="minor">
+      <a:schemeClr val="dk1"/>
+    </cs:fontRef>
+    <cs:spPr>
+      <a:ln w="9525" cap="rnd">
+        <a:solidFill>
+          <a:schemeClr val="phClr"/>
+        </a:solidFill>
+        <a:round/>
+      </a:ln>
+    </cs:spPr>
+  </cs:dataPointWireframe>
+  <cs:dataTable>
+    <cs:lnRef idx="0"/>
+    <cs:fillRef idx="0"/>
+    <cs:effectRef idx="0"/>
+    <cs:fontRef idx="minor">
+      <a:schemeClr val="tx1">
+        <a:lumMod val="65000"/>
+        <a:lumOff val="35000"/>
+      </a:schemeClr>
+    </cs:fontRef>
+    <cs:spPr>
+      <a:noFill/>
+      <a:ln w="9525" cap="flat" cmpd="sng" algn="ctr">
+        <a:solidFill>
+          <a:schemeClr val="tx1">
+            <a:lumMod val="15000"/>
+            <a:lumOff val="85000"/>
+          </a:schemeClr>
+        </a:solidFill>
+        <a:round/>
+      </a:ln>
+    </cs:spPr>
+    <cs:defRPr sz="1197" kern="1200"/>
+  </cs:dataTable>
+  <cs:downBar>
+    <cs:lnRef idx="0"/>
+    <cs:fillRef idx="0"/>
+    <cs:effectRef idx="0"/>
+    <cs:fontRef idx="minor">
+      <a:schemeClr val="tx1"/>
+    </cs:fontRef>
+    <cs:spPr>
+      <a:solidFill>
+        <a:schemeClr val="dk1">
+          <a:lumMod val="75000"/>
+          <a:lumOff val="25000"/>
+        </a:schemeClr>
+      </a:solidFill>
+      <a:ln w="9525" cap="flat" cmpd="sng" algn="ctr">
+        <a:solidFill>
+          <a:schemeClr val="tx1">
+            <a:lumMod val="65000"/>
+            <a:lumOff val="35000"/>
+          </a:schemeClr>
+        </a:solidFill>
+        <a:round/>
+      </a:ln>
+    </cs:spPr>
+  </cs:downBar>
+  <cs:dropLine>
+    <cs:lnRef idx="0"/>
+    <cs:fillRef idx="0"/>
+    <cs:effectRef idx="0"/>
+    <cs:fontRef idx="minor">
+      <a:schemeClr val="tx1"/>
+    </cs:fontRef>
+    <cs:spPr>
+      <a:ln w="9525" cap="flat" cmpd="sng" algn="ctr">
+        <a:solidFill>
+          <a:schemeClr val="tx1">
+            <a:lumMod val="35000"/>
+            <a:lumOff val="65000"/>
+          </a:schemeClr>
+        </a:solidFill>
+        <a:round/>
+      </a:ln>
+    </cs:spPr>
+  </cs:dropLine>
+  <cs:errorBar>
+    <cs:lnRef idx="0"/>
+    <cs:fillRef idx="0"/>
+    <cs:effectRef idx="0"/>
+    <cs:fontRef idx="minor">
+      <a:schemeClr val="tx1"/>
+    </cs:fontRef>
+    <cs:spPr>
+      <a:ln w="9525" cap="flat" cmpd="sng" algn="ctr">
+        <a:solidFill>
+          <a:schemeClr val="tx1">
+            <a:lumMod val="65000"/>
+            <a:lumOff val="35000"/>
+          </a:schemeClr>
+        </a:solidFill>
+        <a:round/>
+      </a:ln>
+    </cs:spPr>
+  </cs:errorBar>
+  <cs:floor>
+    <cs:lnRef idx="0"/>
+    <cs:fillRef idx="0"/>
+    <cs:effectRef idx="0"/>
+    <cs:fontRef idx="minor">
+      <a:schemeClr val="tx1"/>
+    </cs:fontRef>
+    <cs:spPr>
+      <a:noFill/>
+      <a:ln>
+        <a:noFill/>
+      </a:ln>
+    </cs:spPr>
+  </cs:floor>
+  <cs:gridlineMajor>
+    <cs:lnRef idx="0"/>
+    <cs:fillRef idx="0"/>
+    <cs:effectRef idx="0"/>
+    <cs:fontRef idx="minor">
+      <a:schemeClr val="tx1"/>
+    </cs:fontRef>
+    <cs:spPr>
+      <a:ln w="9525" cap="flat" cmpd="sng" algn="ctr">
+        <a:solidFill>
+          <a:schemeClr val="tx1">
+            <a:lumMod val="15000"/>
+            <a:lumOff val="85000"/>
+          </a:schemeClr>
+        </a:solidFill>
+        <a:round/>
+      </a:ln>
+    </cs:spPr>
+  </cs:gridlineMajor>
+  <cs:gridlineMinor>
+    <cs:lnRef idx="0"/>
+    <cs:fillRef idx="0"/>
+    <cs:effectRef idx="0"/>
+    <cs:fontRef idx="minor">
+      <a:schemeClr val="tx1"/>
+    </cs:fontRef>
+    <cs:spPr>
+      <a:ln w="9525" cap="flat" cmpd="sng" algn="ctr">
+        <a:solidFill>
+          <a:schemeClr val="tx1">
+            <a:lumMod val="5000"/>
+            <a:lumOff val="95000"/>
+          </a:schemeClr>
+        </a:solidFill>
+        <a:round/>
+      </a:ln>
+    </cs:spPr>
+  </cs:gridlineMinor>
+  <cs:hiLoLine>
+    <cs:lnRef idx="0"/>
+    <cs:fillRef idx="0"/>
+    <cs:effectRef idx="0"/>
+    <cs:fontRef idx="minor">
+      <a:schemeClr val="tx1"/>
+    </cs:fontRef>
+    <cs:spPr>
+      <a:ln w="9525" cap="flat" cmpd="sng" algn="ctr">
+        <a:solidFill>
+          <a:schemeClr val="tx1">
+            <a:lumMod val="50000"/>
+            <a:lumOff val="50000"/>
+          </a:schemeClr>
+        </a:solidFill>
+        <a:round/>
+      </a:ln>
+    </cs:spPr>
+  </cs:hiLoLine>
+  <cs:leaderLine>
+    <cs:lnRef idx="0"/>
+    <cs:fillRef idx="0"/>
+    <cs:effectRef idx="0"/>
+    <cs:fontRef idx="minor">
+      <a:schemeClr val="tx1"/>
+    </cs:fontRef>
+    <cs:spPr>
+      <a:ln w="9525" cap="flat" cmpd="sng" algn="ctr">
+        <a:solidFill>
+          <a:schemeClr val="tx1">
+            <a:lumMod val="35000"/>
+            <a:lumOff val="65000"/>
+          </a:schemeClr>
+        </a:solidFill>
+        <a:round/>
+      </a:ln>
+    </cs:spPr>
+  </cs:leaderLine>
+  <cs:legend>
+    <cs:lnRef idx="0"/>
+    <cs:fillRef idx="0"/>
+    <cs:effectRef idx="0"/>
+    <cs:fontRef idx="minor">
+      <a:schemeClr val="tx1">
+        <a:lumMod val="65000"/>
+        <a:lumOff val="35000"/>
+      </a:schemeClr>
+    </cs:fontRef>
+    <cs:defRPr sz="1197" kern="1200"/>
+  </cs:legend>
+  <cs:plotArea mods="allowNoFillOverride allowNoLineOverride">
+    <cs:lnRef idx="0"/>
+    <cs:fillRef idx="0"/>
+    <cs:effectRef idx="0"/>
+    <cs:fontRef idx="minor">
+      <a:schemeClr val="tx1"/>
+    </cs:fontRef>
+  </cs:plotArea>
+  <cs:plotArea3D mods="allowNoFillOverride allowNoLineOverride">
+    <cs:lnRef idx="0"/>
+    <cs:fillRef idx="0"/>
+    <cs:effectRef idx="0"/>
+    <cs:fontRef idx="minor">
+      <a:schemeClr val="tx1"/>
+    </cs:fontRef>
+  </cs:plotArea3D>
+  <cs:seriesAxis>
+    <cs:lnRef idx="0"/>
+    <cs:fillRef idx="0"/>
+    <cs:effectRef idx="0"/>
+    <cs:fontRef idx="minor">
+      <a:schemeClr val="tx1">
+        <a:lumMod val="65000"/>
+        <a:lumOff val="35000"/>
+      </a:schemeClr>
+    </cs:fontRef>
+    <cs:defRPr sz="1197" kern="1200"/>
+  </cs:seriesAxis>
+  <cs:seriesLine>
+    <cs:lnRef idx="0"/>
+    <cs:fillRef idx="0"/>
+    <cs:effectRef idx="0"/>
+    <cs:fontRef idx="minor">
+      <a:schemeClr val="tx1"/>
+    </cs:fontRef>
+    <cs:spPr>
+      <a:ln w="9525" cap="flat" cmpd="sng" algn="ctr">
+        <a:solidFill>
+          <a:schemeClr val="tx1">
+            <a:lumMod val="35000"/>
+            <a:lumOff val="65000"/>
+          </a:schemeClr>
+        </a:solidFill>
+        <a:round/>
+      </a:ln>
+    </cs:spPr>
+  </cs:seriesLine>
+  <cs:title>
+    <cs:lnRef idx="0"/>
+    <cs:fillRef idx="0"/>
+    <cs:effectRef idx="0"/>
+    <cs:fontRef idx="minor">
+      <a:schemeClr val="tx1">
+        <a:lumMod val="65000"/>
+        <a:lumOff val="35000"/>
+      </a:schemeClr>
+    </cs:fontRef>
+    <cs:defRPr sz="1862" b="0" kern="1200" spc="0" baseline="0"/>
+  </cs:title>
+  <cs:trendline>
+    <cs:lnRef idx="0">
+      <cs:styleClr val="auto"/>
+    </cs:lnRef>
+    <cs:fillRef idx="0"/>
+    <cs:effectRef idx="0"/>
+    <cs:fontRef idx="minor">
+      <a:schemeClr val="tx1"/>
+    </cs:fontRef>
+    <cs:spPr>
+      <a:ln w="19050" cap="rnd">
+        <a:solidFill>
+          <a:schemeClr val="phClr"/>
+        </a:solidFill>
+        <a:prstDash val="sysDot"/>
+      </a:ln>
+    </cs:spPr>
+  </cs:trendline>
+  <cs:trendlineLabel>
+    <cs:lnRef idx="0"/>
+    <cs:fillRef idx="0"/>
+    <cs:effectRef idx="0"/>
+    <cs:fontRef idx="minor">
+      <a:schemeClr val="tx1">
+        <a:lumMod val="65000"/>
+        <a:lumOff val="35000"/>
+      </a:schemeClr>
+    </cs:fontRef>
+    <cs:defRPr sz="1197" kern="1200"/>
+  </cs:trendlineLabel>
+  <cs:upBar>
+    <cs:lnRef idx="0"/>
+    <cs:fillRef idx="0"/>
+    <cs:effectRef idx="0"/>
+    <cs:fontRef idx="minor">
+      <a:schemeClr val="tx1"/>
+    </cs:fontRef>
+    <cs:spPr>
+      <a:solidFill>
         <a:schemeClr val="lt1"/>
-      </a:fontRef>
-    </dgm:style>
-  </dgm:styleLbl>
-  <dgm:styleLbl name="vennNode1">
-    <dgm:scene3d>
-      <a:camera prst="orthographicFront"/>
-      <a:lightRig rig="threePt" dir="t"/>
-    </dgm:scene3d>
-    <dgm:sp3d/>
-    <dgm:txPr/>
-    <dgm:style>
-      <a:lnRef idx="2">
-        <a:scrgbClr r="0" g="0" b="0"/>
-      </a:lnRef>
-      <a:fillRef idx="1">
-        <a:scrgbClr r="0" g="0" b="0"/>
-      </a:fillRef>
-      <a:effectRef idx="0">
-        <a:scrgbClr r="0" g="0" b="0"/>
-      </a:effectRef>
-      <a:fontRef idx="minor">
-        <a:schemeClr val="tx1"/>
-      </a:fontRef>
-    </dgm:style>
-  </dgm:styleLbl>
-  <dgm:styleLbl name="alignNode1">
-    <dgm:scene3d>
-      <a:camera prst="orthographicFront"/>
-      <a:lightRig rig="threePt" dir="t"/>
-    </dgm:scene3d>
-    <dgm:sp3d/>
-    <dgm:txPr/>
-    <dgm:style>
-      <a:lnRef idx="2">
-        <a:scrgbClr r="0" g="0" b="0"/>
-      </a:lnRef>
-      <a:fillRef idx="1">
-        <a:scrgbClr r="0" g="0" b="0"/>
-      </a:fillRef>
-      <a:effectRef idx="0">
-        <a:scrgbClr r="0" g="0" b="0"/>
-      </a:effectRef>
-      <a:fontRef idx="minor">
-        <a:schemeClr val="lt1"/>
-      </a:fontRef>
-    </dgm:style>
-  </dgm:styleLbl>
-  <dgm:styleLbl name="node1">
-    <dgm:scene3d>
-      <a:camera prst="orthographicFront"/>
-      <a:lightRig rig="threePt" dir="t"/>
-    </dgm:scene3d>
-    <dgm:sp3d/>
-    <dgm:txPr/>
-    <dgm:style>
-      <a:lnRef idx="2">
-        <a:scrgbClr r="0" g="0" b="0"/>
-      </a:lnRef>
-      <a:fillRef idx="1">
-        <a:scrgbClr r="0" g="0" b="0"/>
-      </a:fillRef>
-      <a:effectRef idx="0">
-        <a:scrgbClr r="0" g="0" b="0"/>
-      </a:effectRef>
-      <a:fontRef idx="minor">
-        <a:schemeClr val="lt1"/>
-      </a:fontRef>
-    </dgm:style>
-  </dgm:styleLbl>
-  <dgm:styleLbl name="node2">
-    <dgm:scene3d>
-      <a:camera prst="orthographicFront"/>
-      <a:lightRig rig="threePt" dir="t"/>
-    </dgm:scene3d>
-    <dgm:sp3d/>
-    <dgm:txPr/>
-    <dgm:style>
-      <a:lnRef idx="2">
-        <a:scrgbClr r="0" g="0" b="0"/>
-      </a:lnRef>
-      <a:fillRef idx="1">
-        <a:scrgbClr r="0" g="0" b="0"/>
-      </a:fillRef>
-      <a:effectRef idx="0">
-        <a:scrgbClr r="0" g="0" b="0"/>
-      </a:effectRef>
-      <a:fontRef idx="minor">
-        <a:schemeClr val="lt1"/>
-      </a:fontRef>
-    </dgm:style>
-  </dgm:styleLbl>
-  <dgm:styleLbl name="node3">
-    <dgm:scene3d>
-      <a:camera prst="orthographicFront"/>
-      <a:lightRig rig="threePt" dir="t"/>
-    </dgm:scene3d>
-    <dgm:sp3d/>
-    <dgm:txPr/>
-    <dgm:style>
-      <a:lnRef idx="2">
-        <a:scrgbClr r="0" g="0" b="0"/>
-      </a:lnRef>
-      <a:fillRef idx="1">
-        <a:scrgbClr r="0" g="0" b="0"/>
-      </a:fillRef>
-      <a:effectRef idx="0">
-        <a:scrgbClr r="0" g="0" b="0"/>
-      </a:effectRef>
-      <a:fontRef idx="minor">
-        <a:schemeClr val="lt1"/>
-      </a:fontRef>
-    </dgm:style>
-  </dgm:styleLbl>
-  <dgm:styleLbl name="node4">
-    <dgm:scene3d>
-      <a:camera prst="orthographicFront"/>
-      <a:lightRig rig="threePt" dir="t"/>
-    </dgm:scene3d>
-    <dgm:sp3d/>
-    <dgm:txPr/>
-    <dgm:style>
-      <a:lnRef idx="2">
-        <a:scrgbClr r="0" g="0" b="0"/>
-      </a:lnRef>
-      <a:fillRef idx="1">
-        <a:scrgbClr r="0" g="0" b="0"/>
-      </a:fillRef>
-      <a:effectRef idx="0">
-        <a:scrgbClr r="0" g="0" b="0"/>
-      </a:effectRef>
-      <a:fontRef idx="minor">
-        <a:schemeClr val="lt1"/>
-      </a:fontRef>
-    </dgm:style>
-  </dgm:styleLbl>
-  <dgm:styleLbl name="fgImgPlace1">
-    <dgm:scene3d>
-      <a:camera prst="orthographicFront"/>
-      <a:lightRig rig="threePt" dir="t"/>
-    </dgm:scene3d>
-    <dgm:sp3d/>
-    <dgm:txPr/>
-    <dgm:style>
-      <a:lnRef idx="2">
-        <a:scrgbClr r="0" g="0" b="0"/>
-      </a:lnRef>
-      <a:fillRef idx="1">
-        <a:scrgbClr r="0" g="0" b="0"/>
-      </a:fillRef>
-      <a:effectRef idx="0">
-        <a:scrgbClr r="0" g="0" b="0"/>
-      </a:effectRef>
-      <a:fontRef idx="minor"/>
-    </dgm:style>
-  </dgm:styleLbl>
-  <dgm:styleLbl name="alignImgPlace1">
-    <dgm:scene3d>
-      <a:camera prst="orthographicFront"/>
-      <a:lightRig rig="threePt" dir="t"/>
-    </dgm:scene3d>
-    <dgm:sp3d/>
-    <dgm:txPr/>
-    <dgm:style>
-      <a:lnRef idx="2">
-        <a:scrgbClr r="0" g="0" b="0"/>
-      </a:lnRef>
-      <a:fillRef idx="1">
-        <a:scrgbClr r="0" g="0" b="0"/>
-      </a:fillRef>
-      <a:effectRef idx="0">
-        <a:scrgbClr r="0" g="0" b="0"/>
-      </a:effectRef>
-      <a:fontRef idx="minor"/>
-    </dgm:style>
-  </dgm:styleLbl>
-  <dgm:styleLbl name="bgImgPlace1">
-    <dgm:scene3d>
-      <a:camera prst="orthographicFront"/>
-      <a:lightRig rig="threePt" dir="t"/>
-    </dgm:scene3d>
-    <dgm:sp3d/>
-    <dgm:txPr/>
-    <dgm:style>
-      <a:lnRef idx="2">
-        <a:scrgbClr r="0" g="0" b="0"/>
-      </a:lnRef>
-      <a:fillRef idx="1">
-        <a:scrgbClr r="0" g="0" b="0"/>
-      </a:fillRef>
-      <a:effectRef idx="0">
-        <a:scrgbClr r="0" g="0" b="0"/>
-      </a:effectRef>
-      <a:fontRef idx="minor"/>
-    </dgm:style>
-  </dgm:styleLbl>
-  <dgm:styleLbl name="sibTrans2D1">
-    <dgm:scene3d>
-      <a:camera prst="orthographicFront"/>
-      <a:lightRig rig="threePt" dir="t"/>
-    </dgm:scene3d>
-    <dgm:sp3d/>
-    <dgm:txPr/>
-    <dgm:style>
-      <a:lnRef idx="0">
-        <a:scrgbClr r="0" g="0" b="0"/>
-      </a:lnRef>
-      <a:fillRef idx="1">
-        <a:scrgbClr r="0" g="0" b="0"/>
-      </a:fillRef>
-      <a:effectRef idx="0">
-        <a:scrgbClr r="0" g="0" b="0"/>
-      </a:effectRef>
-      <a:fontRef idx="minor">
-        <a:schemeClr val="lt1"/>
-      </a:fontRef>
-    </dgm:style>
-  </dgm:styleLbl>
-  <dgm:styleLbl name="fgSibTrans2D1">
-    <dgm:scene3d>
-      <a:camera prst="orthographicFront"/>
-      <a:lightRig rig="threePt" dir="t"/>
-    </dgm:scene3d>
-    <dgm:sp3d/>
-    <dgm:txPr/>
-    <dgm:style>
-      <a:lnRef idx="0">
-        <a:scrgbClr r="0" g="0" b="0"/>
-      </a:lnRef>
-      <a:fillRef idx="1">
-        <a:scrgbClr r="0" g="0" b="0"/>
-      </a:fillRef>
-      <a:effectRef idx="0">
-        <a:scrgbClr r="0" g="0" b="0"/>
-      </a:effectRef>
-      <a:fontRef idx="minor">
-        <a:schemeClr val="lt1"/>
-      </a:fontRef>
-    </dgm:style>
-  </dgm:styleLbl>
-  <dgm:styleLbl name="bgSibTrans2D1">
-    <dgm:scene3d>
-      <a:camera prst="orthographicFront"/>
-      <a:lightRig rig="threePt" dir="t"/>
-    </dgm:scene3d>
-    <dgm:sp3d/>
-    <dgm:txPr/>
-    <dgm:style>
-      <a:lnRef idx="0">
-        <a:scrgbClr r="0" g="0" b="0"/>
-      </a:lnRef>
-      <a:fillRef idx="1">
-        <a:scrgbClr r="0" g="0" b="0"/>
-      </a:fillRef>
-      <a:effectRef idx="0">
-        <a:scrgbClr r="0" g="0" b="0"/>
-      </a:effectRef>
-      <a:fontRef idx="minor">
-        <a:schemeClr val="lt1"/>
-      </a:fontRef>
-    </dgm:style>
-  </dgm:styleLbl>
-  <dgm:styleLbl name="sibTrans1D1">
-    <dgm:scene3d>
-      <a:camera prst="orthographicFront"/>
-      <a:lightRig rig="threePt" dir="t"/>
-    </dgm:scene3d>
-    <dgm:sp3d/>
-    <dgm:txPr/>
-    <dgm:style>
-      <a:lnRef idx="1">
-        <a:scrgbClr r="0" g="0" b="0"/>
-      </a:lnRef>
-      <a:fillRef idx="0">
-        <a:scrgbClr r="0" g="0" b="0"/>
-      </a:fillRef>
-      <a:effectRef idx="0">
-        <a:scrgbClr r="0" g="0" b="0"/>
-      </a:effectRef>
-      <a:fontRef idx="minor"/>
-    </dgm:style>
-  </dgm:styleLbl>
-  <dgm:styleLbl name="callout">
-    <dgm:scene3d>
-      <a:camera prst="orthographicFront"/>
-      <a:lightRig rig="threePt" dir="t"/>
-    </dgm:scene3d>
-    <dgm:sp3d/>
-    <dgm:txPr/>
-    <dgm:style>
-      <a:lnRef idx="2">
-        <a:scrgbClr r="0" g="0" b="0"/>
-      </a:lnRef>
-      <a:fillRef idx="1">
-        <a:scrgbClr r="0" g="0" b="0"/>
-      </a:fillRef>
-      <a:effectRef idx="0">
-        <a:scrgbClr r="0" g="0" b="0"/>
-      </a:effectRef>
-      <a:fontRef idx="minor"/>
-    </dgm:style>
-  </dgm:styleLbl>
-  <dgm:styleLbl name="asst0">
-    <dgm:scene3d>
-      <a:camera prst="orthographicFront"/>
-      <a:lightRig rig="threePt" dir="t"/>
-    </dgm:scene3d>
-    <dgm:sp3d/>
-    <dgm:txPr/>
-    <dgm:style>
-      <a:lnRef idx="2">
-        <a:scrgbClr r="0" g="0" b="0"/>
-      </a:lnRef>
-      <a:fillRef idx="1">
-        <a:scrgbClr r="0" g="0" b="0"/>
-      </a:fillRef>
-      <a:effectRef idx="0">
-        <a:scrgbClr r="0" g="0" b="0"/>
-      </a:effectRef>
-      <a:fontRef idx="minor">
-        <a:schemeClr val="lt1"/>
-      </a:fontRef>
-    </dgm:style>
-  </dgm:styleLbl>
-  <dgm:styleLbl name="asst1">
-    <dgm:scene3d>
-      <a:camera prst="orthographicFront"/>
-      <a:lightRig rig="threePt" dir="t"/>
-    </dgm:scene3d>
-    <dgm:sp3d/>
-    <dgm:txPr/>
-    <dgm:style>
-      <a:lnRef idx="2">
-        <a:scrgbClr r="0" g="0" b="0"/>
-      </a:lnRef>
-      <a:fillRef idx="1">
-        <a:scrgbClr r="0" g="0" b="0"/>
-      </a:fillRef>
-      <a:effectRef idx="0">
-        <a:scrgbClr r="0" g="0" b="0"/>
-      </a:effectRef>
-      <a:fontRef idx="minor">
-        <a:schemeClr val="lt1"/>
-      </a:fontRef>
-    </dgm:style>
-  </dgm:styleLbl>
-  <dgm:styleLbl name="asst2">
-    <dgm:scene3d>
-      <a:camera prst="orthographicFront"/>
-      <a:lightRig rig="threePt" dir="t"/>
-    </dgm:scene3d>
-    <dgm:sp3d/>
-    <dgm:txPr/>
-    <dgm:style>
-      <a:lnRef idx="2">
-        <a:scrgbClr r="0" g="0" b="0"/>
-      </a:lnRef>
-      <a:fillRef idx="1">
-        <a:scrgbClr r="0" g="0" b="0"/>
-      </a:fillRef>
-      <a:effectRef idx="0">
-        <a:scrgbClr r="0" g="0" b="0"/>
-      </a:effectRef>
-      <a:fontRef idx="minor">
-        <a:schemeClr val="lt1"/>
-      </a:fontRef>
-    </dgm:style>
-  </dgm:styleLbl>
-  <dgm:styleLbl name="asst3">
-    <dgm:scene3d>
-      <a:camera prst="orthographicFront"/>
-      <a:lightRig rig="threePt" dir="t"/>
-    </dgm:scene3d>
-    <dgm:sp3d/>
-    <dgm:txPr/>
-    <dgm:style>
-      <a:lnRef idx="2">
-        <a:scrgbClr r="0" g="0" b="0"/>
-      </a:lnRef>
-      <a:fillRef idx="1">
-        <a:scrgbClr r="0" g="0" b="0"/>
-      </a:fillRef>
-      <a:effectRef idx="0">
-        <a:scrgbClr r="0" g="0" b="0"/>
-      </a:effectRef>
-      <a:fontRef idx="minor">
-        <a:schemeClr val="lt1"/>
-      </a:fontRef>
-    </dgm:style>
-  </dgm:styleLbl>
-  <dgm:styleLbl name="asst4">
-    <dgm:scene3d>
-      <a:camera prst="orthographicFront"/>
-      <a:lightRig rig="threePt" dir="t"/>
-    </dgm:scene3d>
-    <dgm:sp3d/>
-    <dgm:txPr/>
-    <dgm:style>
-      <a:lnRef idx="2">
-        <a:scrgbClr r="0" g="0" b="0"/>
-      </a:lnRef>
-      <a:fillRef idx="1">
-        <a:scrgbClr r="0" g="0" b="0"/>
-      </a:fillRef>
-      <a:effectRef idx="0">
-        <a:scrgbClr r="0" g="0" b="0"/>
-      </a:effectRef>
-      <a:fontRef idx="minor">
-        <a:schemeClr val="lt1"/>
-      </a:fontRef>
-    </dgm:style>
-  </dgm:styleLbl>
-  <dgm:styleLbl name="parChTrans2D1">
-    <dgm:scene3d>
-      <a:camera prst="orthographicFront"/>
-      <a:lightRig rig="threePt" dir="t"/>
-    </dgm:scene3d>
-    <dgm:sp3d/>
-    <dgm:txPr/>
-    <dgm:style>
-      <a:lnRef idx="2">
-        <a:scrgbClr r="0" g="0" b="0"/>
-      </a:lnRef>
-      <a:fillRef idx="1">
-        <a:scrgbClr r="0" g="0" b="0"/>
-      </a:fillRef>
-      <a:effectRef idx="0">
-        <a:scrgbClr r="0" g="0" b="0"/>
-      </a:effectRef>
-      <a:fontRef idx="minor">
-        <a:schemeClr val="lt1"/>
-      </a:fontRef>
-    </dgm:style>
-  </dgm:styleLbl>
-  <dgm:styleLbl name="parChTrans2D2">
-    <dgm:scene3d>
-      <a:camera prst="orthographicFront"/>
-      <a:lightRig rig="threePt" dir="t"/>
-    </dgm:scene3d>
-    <dgm:sp3d/>
-    <dgm:txPr/>
-    <dgm:style>
-      <a:lnRef idx="2">
-        <a:scrgbClr r="0" g="0" b="0"/>
-      </a:lnRef>
-      <a:fillRef idx="1">
-        <a:scrgbClr r="0" g="0" b="0"/>
-      </a:fillRef>
-      <a:effectRef idx="0">
-        <a:scrgbClr r="0" g="0" b="0"/>
-      </a:effectRef>
-      <a:fontRef idx="minor">
-        <a:schemeClr val="lt1"/>
-      </a:fontRef>
-    </dgm:style>
-  </dgm:styleLbl>
-  <dgm:styleLbl name="parChTrans2D3">
-    <dgm:scene3d>
-      <a:camera prst="orthographicFront"/>
-      <a:lightRig rig="threePt" dir="t"/>
-    </dgm:scene3d>
-    <dgm:sp3d/>
-    <dgm:txPr/>
-    <dgm:style>
-      <a:lnRef idx="2">
-        <a:scrgbClr r="0" g="0" b="0"/>
-      </a:lnRef>
-      <a:fillRef idx="1">
-        <a:scrgbClr r="0" g="0" b="0"/>
-      </a:fillRef>
-      <a:effectRef idx="0">
-        <a:scrgbClr r="0" g="0" b="0"/>
-      </a:effectRef>
-      <a:fontRef idx="minor">
-        <a:schemeClr val="lt1"/>
-      </a:fontRef>
-    </dgm:style>
-  </dgm:styleLbl>
-  <dgm:styleLbl name="parChTrans2D4">
-    <dgm:scene3d>
-      <a:camera prst="orthographicFront"/>
-      <a:lightRig rig="threePt" dir="t"/>
-    </dgm:scene3d>
-    <dgm:sp3d/>
-    <dgm:txPr/>
-    <dgm:style>
-      <a:lnRef idx="2">
-        <a:scrgbClr r="0" g="0" b="0"/>
-      </a:lnRef>
-      <a:fillRef idx="1">
-        <a:scrgbClr r="0" g="0" b="0"/>
-      </a:fillRef>
-      <a:effectRef idx="0">
-        <a:scrgbClr r="0" g="0" b="0"/>
-      </a:effectRef>
-      <a:fontRef idx="minor">
-        <a:schemeClr val="lt1"/>
-      </a:fontRef>
-    </dgm:style>
-  </dgm:styleLbl>
-  <dgm:styleLbl name="parChTrans1D1">
-    <dgm:scene3d>
-      <a:camera prst="orthographicFront"/>
-      <a:lightRig rig="threePt" dir="t"/>
-    </dgm:scene3d>
-    <dgm:sp3d/>
-    <dgm:txPr/>
-    <dgm:style>
-      <a:lnRef idx="2">
-        <a:scrgbClr r="0" g="0" b="0"/>
-      </a:lnRef>
-      <a:fillRef idx="0">
-        <a:scrgbClr r="0" g="0" b="0"/>
-      </a:fillRef>
-      <a:effectRef idx="0">
-        <a:scrgbClr r="0" g="0" b="0"/>
-      </a:effectRef>
-      <a:fontRef idx="minor"/>
-    </dgm:style>
-  </dgm:styleLbl>
-  <dgm:styleLbl name="parChTrans1D2">
-    <dgm:scene3d>
-      <a:camera prst="orthographicFront"/>
-      <a:lightRig rig="threePt" dir="t"/>
-    </dgm:scene3d>
-    <dgm:sp3d/>
-    <dgm:txPr/>
-    <dgm:style>
-      <a:lnRef idx="2">
-        <a:scrgbClr r="0" g="0" b="0"/>
-      </a:lnRef>
-      <a:fillRef idx="0">
-        <a:scrgbClr r="0" g="0" b="0"/>
-      </a:fillRef>
-      <a:effectRef idx="0">
-        <a:scrgbClr r="0" g="0" b="0"/>
-      </a:effectRef>
-      <a:fontRef idx="minor"/>
-    </dgm:style>
-  </dgm:styleLbl>
-  <dgm:styleLbl name="parChTrans1D3">
-    <dgm:scene3d>
-      <a:camera prst="orthographicFront"/>
-      <a:lightRig rig="threePt" dir="t"/>
-    </dgm:scene3d>
-    <dgm:sp3d/>
-    <dgm:txPr/>
-    <dgm:style>
-      <a:lnRef idx="2">
-        <a:scrgbClr r="0" g="0" b="0"/>
-      </a:lnRef>
-      <a:fillRef idx="0">
-        <a:scrgbClr r="0" g="0" b="0"/>
-      </a:fillRef>
-      <a:effectRef idx="0">
-        <a:scrgbClr r="0" g="0" b="0"/>
-      </a:effectRef>
-      <a:fontRef idx="minor"/>
-    </dgm:style>
-  </dgm:styleLbl>
-  <dgm:styleLbl name="parChTrans1D4">
-    <dgm:scene3d>
-      <a:camera prst="orthographicFront"/>
-      <a:lightRig rig="threePt" dir="t"/>
-    </dgm:scene3d>
-    <dgm:sp3d/>
-    <dgm:txPr/>
-    <dgm:style>
-      <a:lnRef idx="2">
-        <a:scrgbClr r="0" g="0" b="0"/>
-      </a:lnRef>
-      <a:fillRef idx="0">
-        <a:scrgbClr r="0" g="0" b="0"/>
-      </a:fillRef>
-      <a:effectRef idx="0">
-        <a:scrgbClr r="0" g="0" b="0"/>
-      </a:effectRef>
-      <a:fontRef idx="minor"/>
-    </dgm:style>
-  </dgm:styleLbl>
-  <dgm:styleLbl name="fgAcc1">
-    <dgm:scene3d>
-      <a:camera prst="orthographicFront"/>
-      <a:lightRig rig="threePt" dir="t"/>
-    </dgm:scene3d>
-    <dgm:sp3d/>
-    <dgm:txPr/>
-    <dgm:style>
-      <a:lnRef idx="2">
-        <a:scrgbClr r="0" g="0" b="0"/>
-      </a:lnRef>
-      <a:fillRef idx="1">
-        <a:scrgbClr r="0" g="0" b="0"/>
-      </a:fillRef>
-      <a:effectRef idx="0">
-        <a:scrgbClr r="0" g="0" b="0"/>
-      </a:effectRef>
-      <a:fontRef idx="minor"/>
-    </dgm:style>
-  </dgm:styleLbl>
-  <dgm:styleLbl name="conFgAcc1">
-    <dgm:scene3d>
-      <a:camera prst="orthographicFront"/>
-      <a:lightRig rig="threePt" dir="t"/>
-    </dgm:scene3d>
-    <dgm:sp3d/>
-    <dgm:txPr/>
-    <dgm:style>
-      <a:lnRef idx="2">
-        <a:scrgbClr r="0" g="0" b="0"/>
-      </a:lnRef>
-      <a:fillRef idx="1">
-        <a:scrgbClr r="0" g="0" b="0"/>
-      </a:fillRef>
-      <a:effectRef idx="0">
-        <a:scrgbClr r="0" g="0" b="0"/>
-      </a:effectRef>
-      <a:fontRef idx="minor"/>
-    </dgm:style>
-  </dgm:styleLbl>
-  <dgm:styleLbl name="alignAcc1">
-    <dgm:scene3d>
-      <a:camera prst="orthographicFront"/>
-      <a:lightRig rig="threePt" dir="t"/>
-    </dgm:scene3d>
-    <dgm:sp3d/>
-    <dgm:txPr/>
-    <dgm:style>
-      <a:lnRef idx="2">
-        <a:scrgbClr r="0" g="0" b="0"/>
-      </a:lnRef>
-      <a:fillRef idx="1">
-        <a:scrgbClr r="0" g="0" b="0"/>
-      </a:fillRef>
-      <a:effectRef idx="0">
-        <a:scrgbClr r="0" g="0" b="0"/>
-      </a:effectRef>
-      <a:fontRef idx="minor"/>
-    </dgm:style>
-  </dgm:styleLbl>
-  <dgm:styleLbl name="trAlignAcc1">
-    <dgm:scene3d>
-      <a:camera prst="orthographicFront"/>
-      <a:lightRig rig="threePt" dir="t"/>
-    </dgm:scene3d>
-    <dgm:sp3d/>
-    <dgm:txPr/>
-    <dgm:style>
-      <a:lnRef idx="1">
-        <a:scrgbClr r="0" g="0" b="0"/>
-      </a:lnRef>
-      <a:fillRef idx="1">
-        <a:scrgbClr r="0" g="0" b="0"/>
-      </a:fillRef>
-      <a:effectRef idx="0">
-        <a:scrgbClr r="0" g="0" b="0"/>
-      </a:effectRef>
-      <a:fontRef idx="minor"/>
-    </dgm:style>
-  </dgm:styleLbl>
-  <dgm:styleLbl name="bgAcc1">
-    <dgm:scene3d>
-      <a:camera prst="orthographicFront"/>
-      <a:lightRig rig="threePt" dir="t"/>
-    </dgm:scene3d>
-    <dgm:sp3d/>
-    <dgm:txPr/>
-    <dgm:style>
-      <a:lnRef idx="2">
-        <a:scrgbClr r="0" g="0" b="0"/>
-      </a:lnRef>
-      <a:fillRef idx="1">
-        <a:scrgbClr r="0" g="0" b="0"/>
-      </a:fillRef>
-      <a:effectRef idx="0">
-        <a:scrgbClr r="0" g="0" b="0"/>
-      </a:effectRef>
-      <a:fontRef idx="minor"/>
-    </dgm:style>
-  </dgm:styleLbl>
-  <dgm:styleLbl name="solidFgAcc1">
-    <dgm:scene3d>
-      <a:camera prst="orthographicFront"/>
-      <a:lightRig rig="threePt" dir="t"/>
-    </dgm:scene3d>
-    <dgm:sp3d/>
-    <dgm:txPr/>
-    <dgm:style>
-      <a:lnRef idx="2">
-        <a:scrgbClr r="0" g="0" b="0"/>
-      </a:lnRef>
-      <a:fillRef idx="1">
-        <a:scrgbClr r="0" g="0" b="0"/>
-      </a:fillRef>
-      <a:effectRef idx="0">
-        <a:scrgbClr r="0" g="0" b="0"/>
-      </a:effectRef>
-      <a:fontRef idx="minor"/>
-    </dgm:style>
-  </dgm:styleLbl>
-  <dgm:styleLbl name="solidAlignAcc1">
-    <dgm:scene3d>
-      <a:camera prst="orthographicFront"/>
-      <a:lightRig rig="threePt" dir="t"/>
-    </dgm:scene3d>
-    <dgm:sp3d/>
-    <dgm:txPr/>
-    <dgm:style>
-      <a:lnRef idx="2">
-        <a:scrgbClr r="0" g="0" b="0"/>
-      </a:lnRef>
-      <a:fillRef idx="1">
-        <a:scrgbClr r="0" g="0" b="0"/>
-      </a:fillRef>
-      <a:effectRef idx="0">
-        <a:scrgbClr r="0" g="0" b="0"/>
-      </a:effectRef>
-      <a:fontRef idx="minor"/>
-    </dgm:style>
-  </dgm:styleLbl>
-  <dgm:styleLbl name="solidBgAcc1">
-    <dgm:scene3d>
-      <a:camera prst="orthographicFront"/>
-      <a:lightRig rig="threePt" dir="t"/>
-    </dgm:scene3d>
-    <dgm:sp3d/>
-    <dgm:txPr/>
-    <dgm:style>
-      <a:lnRef idx="2">
-        <a:scrgbClr r="0" g="0" b="0"/>
-      </a:lnRef>
-      <a:fillRef idx="1">
-        <a:scrgbClr r="0" g="0" b="0"/>
-      </a:fillRef>
-      <a:effectRef idx="0">
-        <a:scrgbClr r="0" g="0" b="0"/>
-      </a:effectRef>
-      <a:fontRef idx="minor"/>
-    </dgm:style>
-  </dgm:styleLbl>
-  <dgm:styleLbl name="fgAccFollowNode1">
-    <dgm:scene3d>
-      <a:camera prst="orthographicFront"/>
-      <a:lightRig rig="threePt" dir="t"/>
-    </dgm:scene3d>
-    <dgm:sp3d/>
-    <dgm:txPr/>
-    <dgm:style>
-      <a:lnRef idx="2">
-        <a:scrgbClr r="0" g="0" b="0"/>
-      </a:lnRef>
-      <a:fillRef idx="1">
-        <a:scrgbClr r="0" g="0" b="0"/>
-      </a:fillRef>
-      <a:effectRef idx="0">
-        <a:scrgbClr r="0" g="0" b="0"/>
-      </a:effectRef>
-      <a:fontRef idx="minor"/>
-    </dgm:style>
-  </dgm:styleLbl>
-  <dgm:styleLbl name="alignAccFollowNode1">
-    <dgm:scene3d>
-      <a:camera prst="orthographicFront"/>
-      <a:lightRig rig="threePt" dir="t"/>
-    </dgm:scene3d>
-    <dgm:sp3d/>
-    <dgm:txPr/>
-    <dgm:style>
-      <a:lnRef idx="2">
-        <a:scrgbClr r="0" g="0" b="0"/>
-      </a:lnRef>
-      <a:fillRef idx="1">
-        <a:scrgbClr r="0" g="0" b="0"/>
-      </a:fillRef>
-      <a:effectRef idx="0">
-        <a:scrgbClr r="0" g="0" b="0"/>
-      </a:effectRef>
-      <a:fontRef idx="minor"/>
-    </dgm:style>
-  </dgm:styleLbl>
-  <dgm:styleLbl name="bgAccFollowNode1">
-    <dgm:scene3d>
-      <a:camera prst="orthographicFront"/>
-      <a:lightRig rig="threePt" dir="t"/>
-    </dgm:scene3d>
-    <dgm:sp3d/>
-    <dgm:txPr/>
-    <dgm:style>
-      <a:lnRef idx="2">
-        <a:scrgbClr r="0" g="0" b="0"/>
-      </a:lnRef>
-      <a:fillRef idx="1">
-        <a:scrgbClr r="0" g="0" b="0"/>
-      </a:fillRef>
-      <a:effectRef idx="0">
-        <a:scrgbClr r="0" g="0" b="0"/>
-      </a:effectRef>
-      <a:fontRef idx="minor"/>
-    </dgm:style>
-  </dgm:styleLbl>
-  <dgm:styleLbl name="fgAcc0">
-    <dgm:scene3d>
-      <a:camera prst="orthographicFront"/>
-      <a:lightRig rig="threePt" dir="t"/>
-    </dgm:scene3d>
-    <dgm:sp3d/>
-    <dgm:txPr/>
-    <dgm:style>
-      <a:lnRef idx="2">
-        <a:scrgbClr r="0" g="0" b="0"/>
-      </a:lnRef>
-      <a:fillRef idx="1">
-        <a:scrgbClr r="0" g="0" b="0"/>
-      </a:fillRef>
-      <a:effectRef idx="0">
-        <a:scrgbClr r="0" g="0" b="0"/>
-      </a:effectRef>
-      <a:fontRef idx="minor"/>
-    </dgm:style>
-  </dgm:styleLbl>
-  <dgm:styleLbl name="fgAcc2">
-    <dgm:scene3d>
-      <a:camera prst="orthographicFront"/>
-      <a:lightRig rig="threePt" dir="t"/>
-    </dgm:scene3d>
-    <dgm:sp3d/>
-    <dgm:txPr/>
-    <dgm:style>
-      <a:lnRef idx="2">
-        <a:scrgbClr r="0" g="0" b="0"/>
-      </a:lnRef>
-      <a:fillRef idx="1">
-        <a:scrgbClr r="0" g="0" b="0"/>
-      </a:fillRef>
-      <a:effectRef idx="0">
-        <a:scrgbClr r="0" g="0" b="0"/>
-      </a:effectRef>
-      <a:fontRef idx="minor"/>
-    </dgm:style>
-  </dgm:styleLbl>
-  <dgm:styleLbl name="fgAcc3">
-    <dgm:scene3d>
-      <a:camera prst="orthographicFront"/>
-      <a:lightRig rig="threePt" dir="t"/>
-    </dgm:scene3d>
-    <dgm:sp3d/>
-    <dgm:txPr/>
-    <dgm:style>
-      <a:lnRef idx="2">
-        <a:scrgbClr r="0" g="0" b="0"/>
-      </a:lnRef>
-      <a:fillRef idx="1">
-        <a:scrgbClr r="0" g="0" b="0"/>
-      </a:fillRef>
-      <a:effectRef idx="0">
-        <a:scrgbClr r="0" g="0" b="0"/>
-      </a:effectRef>
-      <a:fontRef idx="minor"/>
-    </dgm:style>
-  </dgm:styleLbl>
-  <dgm:styleLbl name="fgAcc4">
-    <dgm:scene3d>
-      <a:camera prst="orthographicFront"/>
-      <a:lightRig rig="threePt" dir="t"/>
-    </dgm:scene3d>
-    <dgm:sp3d/>
-    <dgm:txPr/>
-    <dgm:style>
-      <a:lnRef idx="2">
-        <a:scrgbClr r="0" g="0" b="0"/>
-      </a:lnRef>
-      <a:fillRef idx="1">
-        <a:scrgbClr r="0" g="0" b="0"/>
-      </a:fillRef>
-      <a:effectRef idx="0">
-        <a:scrgbClr r="0" g="0" b="0"/>
-      </a:effectRef>
-      <a:fontRef idx="minor"/>
-    </dgm:style>
-  </dgm:styleLbl>
-  <dgm:styleLbl name="bgShp">
-    <dgm:scene3d>
-      <a:camera prst="orthographicFront"/>
-      <a:lightRig rig="threePt" dir="t"/>
-    </dgm:scene3d>
-    <dgm:sp3d/>
-    <dgm:txPr/>
-    <dgm:style>
-      <a:lnRef idx="0">
-        <a:scrgbClr r="0" g="0" b="0"/>
-      </a:lnRef>
-      <a:fillRef idx="1">
-        <a:scrgbClr r="0" g="0" b="0"/>
-      </a:fillRef>
-      <a:effectRef idx="0">
-        <a:scrgbClr r="0" g="0" b="0"/>
-      </a:effectRef>
-      <a:fontRef idx="minor"/>
-    </dgm:style>
-  </dgm:styleLbl>
-  <dgm:styleLbl name="dkBgShp">
-    <dgm:scene3d>
-      <a:camera prst="orthographicFront"/>
-      <a:lightRig rig="threePt" dir="t"/>
-    </dgm:scene3d>
-    <dgm:sp3d/>
-    <dgm:txPr/>
-    <dgm:style>
-      <a:lnRef idx="0">
-        <a:scrgbClr r="0" g="0" b="0"/>
-      </a:lnRef>
-      <a:fillRef idx="1">
-        <a:scrgbClr r="0" g="0" b="0"/>
-      </a:fillRef>
-      <a:effectRef idx="0">
-        <a:scrgbClr r="0" g="0" b="0"/>
-      </a:effectRef>
-      <a:fontRef idx="minor"/>
-    </dgm:style>
-  </dgm:styleLbl>
-  <dgm:styleLbl name="trBgShp">
-    <dgm:scene3d>
-      <a:camera prst="orthographicFront"/>
-      <a:lightRig rig="threePt" dir="t"/>
-    </dgm:scene3d>
-    <dgm:sp3d/>
-    <dgm:txPr/>
-    <dgm:style>
-      <a:lnRef idx="0">
-        <a:scrgbClr r="0" g="0" b="0"/>
-      </a:lnRef>
-      <a:fillRef idx="1">
-        <a:scrgbClr r="0" g="0" b="0"/>
-      </a:fillRef>
-      <a:effectRef idx="0">
-        <a:scrgbClr r="0" g="0" b="0"/>
-      </a:effectRef>
-      <a:fontRef idx="minor"/>
-    </dgm:style>
-  </dgm:styleLbl>
-  <dgm:styleLbl name="fgShp">
-    <dgm:scene3d>
-      <a:camera prst="orthographicFront"/>
-      <a:lightRig rig="threePt" dir="t"/>
-    </dgm:scene3d>
-    <dgm:sp3d/>
-    <dgm:txPr/>
-    <dgm:style>
-      <a:lnRef idx="2">
-        <a:scrgbClr r="0" g="0" b="0"/>
-      </a:lnRef>
-      <a:fillRef idx="1">
-        <a:scrgbClr r="0" g="0" b="0"/>
-      </a:fillRef>
-      <a:effectRef idx="0">
-        <a:scrgbClr r="0" g="0" b="0"/>
-      </a:effectRef>
-      <a:fontRef idx="minor"/>
-    </dgm:style>
-  </dgm:styleLbl>
-  <dgm:styleLbl name="revTx">
-    <dgm:scene3d>
-      <a:camera prst="orthographicFront"/>
-      <a:lightRig rig="threePt" dir="t"/>
-    </dgm:scene3d>
-    <dgm:sp3d/>
-    <dgm:txPr/>
-    <dgm:style>
-      <a:lnRef idx="0">
-        <a:scrgbClr r="0" g="0" b="0"/>
-      </a:lnRef>
-      <a:fillRef idx="0">
-        <a:scrgbClr r="0" g="0" b="0"/>
-      </a:fillRef>
-      <a:effectRef idx="0">
-        <a:scrgbClr r="0" g="0" b="0"/>
-      </a:effectRef>
-      <a:fontRef idx="minor"/>
-    </dgm:style>
-  </dgm:styleLbl>
-</dgm:styleDef>
+      </a:solidFill>
+      <a:ln w="9525" cap="flat" cmpd="sng" algn="ctr">
+        <a:solidFill>
+          <a:schemeClr val="tx1">
+            <a:lumMod val="65000"/>
+            <a:lumOff val="35000"/>
+          </a:schemeClr>
+        </a:solidFill>
+        <a:round/>
+      </a:ln>
+    </cs:spPr>
+  </cs:upBar>
+  <cs:valueAxis>
+    <cs:lnRef idx="0"/>
+    <cs:fillRef idx="0"/>
+    <cs:effectRef idx="0"/>
+    <cs:fontRef idx="minor">
+      <a:schemeClr val="tx1">
+        <a:lumMod val="65000"/>
+        <a:lumOff val="35000"/>
+      </a:schemeClr>
+    </cs:fontRef>
+    <cs:spPr>
+      <a:ln w="9525" cap="flat" cmpd="sng" algn="ctr">
+        <a:solidFill>
+          <a:schemeClr val="tx1">
+            <a:lumMod val="25000"/>
+            <a:lumOff val="75000"/>
+          </a:schemeClr>
+        </a:solidFill>
+        <a:round/>
+      </a:ln>
+    </cs:spPr>
+    <cs:defRPr sz="1197" kern="1200"/>
+  </cs:valueAxis>
+  <cs:wall>
+    <cs:lnRef idx="0"/>
+    <cs:fillRef idx="0"/>
+    <cs:effectRef idx="0"/>
+    <cs:fontRef idx="minor">
+      <a:schemeClr val="tx1"/>
+    </cs:fontRef>
+    <cs:spPr>
+      <a:noFill/>
+      <a:ln>
+        <a:noFill/>
+      </a:ln>
+    </cs:spPr>
+  </cs:wall>
+</cs:chartStyle>
 </file>
 
 <file path=ppt/notesMasters/notesMaster1.xml><?xml version="1.0" encoding="utf-8"?>
@@ -3682,7 +2143,7 @@
           <a:p>
             <a:fld id="{7551480C-35CC-4934-8EA7-894FE1EC2542}" type="datetimeFigureOut">
               <a:rPr lang="en-US" smtClean="0"/>
-              <a:t>4/4/2022</a:t>
+              <a:t>4/7/2022</a:t>
             </a:fld>
             <a:endParaRPr lang="en-US"/>
           </a:p>
@@ -4196,22 +2657,7 @@
             </a:r>
           </a:p>
           <a:p>
-            <a:endParaRPr lang="en-US" b="0" i="0" u="none" strike="noStrike" dirty="0">
-              <a:solidFill>
-                <a:srgbClr val="0069D6"/>
-              </a:solidFill>
-              <a:effectLst/>
-              <a:latin typeface="-apple-system"/>
-            </a:endParaRPr>
-          </a:p>
-          <a:p>
-            <a:endParaRPr lang="en-US" b="0" i="0" u="none" strike="noStrike" dirty="0">
-              <a:solidFill>
-                <a:srgbClr val="0069D6"/>
-              </a:solidFill>
-              <a:effectLst/>
-              <a:latin typeface="-apple-system"/>
-            </a:endParaRPr>
+            <a:endParaRPr lang="en-US" dirty="0"/>
           </a:p>
         </p:txBody>
       </p:sp>
@@ -4241,7 +2687,7 @@
     </p:spTree>
     <p:extLst>
       <p:ext uri="{BB962C8B-B14F-4D97-AF65-F5344CB8AC3E}">
-        <p14:creationId xmlns:p14="http://schemas.microsoft.com/office/powerpoint/2010/main" val="3243413034"/>
+        <p14:creationId xmlns:p14="http://schemas.microsoft.com/office/powerpoint/2010/main" val="3868544259"/>
       </p:ext>
     </p:extLst>
   </p:cSld>
@@ -4296,9 +2742,22 @@
           <a:lstStyle/>
           <a:p>
             <a:r>
+              <a:rPr lang="en-US" dirty="0" err="1"/>
+              <a:t>XGBoost</a:t>
+            </a:r>
+            <a:r>
               <a:rPr lang="en-US" dirty="0"/>
-              <a:t>Cite photo</a:t>
-            </a:r>
+              <a:t> is part of the tree algorithm category which also includes other popular algorithms such as random forest and gradient boosting</a:t>
+            </a:r>
+          </a:p>
+          <a:p>
+            <a:r>
+              <a:rPr lang="en-US" dirty="0"/>
+              <a:t>Photo site: https://mesin-belajar.blogspot.com/2019/04/xgboost-algorithm-long-may-she-reign.html</a:t>
+            </a:r>
+          </a:p>
+          <a:p>
+            <a:endParaRPr lang="en-US" dirty="0"/>
           </a:p>
         </p:txBody>
       </p:sp>
@@ -4328,7 +2787,7 @@
     </p:spTree>
     <p:extLst>
       <p:ext uri="{BB962C8B-B14F-4D97-AF65-F5344CB8AC3E}">
-        <p14:creationId xmlns:p14="http://schemas.microsoft.com/office/powerpoint/2010/main" val="2923065964"/>
+        <p14:creationId xmlns:p14="http://schemas.microsoft.com/office/powerpoint/2010/main" val="2593741020"/>
       </p:ext>
     </p:extLst>
   </p:cSld>
@@ -4382,13 +2841,7 @@
           <a:bodyPr/>
           <a:lstStyle/>
           <a:p>
-            <a:r>
-              <a:rPr lang="en-US" dirty="0"/>
-              <a:t>https://dimleve.medium.com/xgboost-mathematics-explained-58262530904a </a:t>
-            </a:r>
-          </a:p>
-          <a:p>
-            <a:endParaRPr lang="en-US" dirty="0"/>
+            <a:endParaRPr lang="en-US"/>
           </a:p>
         </p:txBody>
       </p:sp>
@@ -4409,7 +2862,7 @@
           <a:p>
             <a:fld id="{077EA48B-ABE6-42F4-8513-DF8A98CA7ABC}" type="slidenum">
               <a:rPr lang="en-US" smtClean="0"/>
-              <a:t>6</a:t>
+              <a:t>12</a:t>
             </a:fld>
             <a:endParaRPr lang="en-US"/>
           </a:p>
@@ -4418,197 +2871,7 @@
     </p:spTree>
     <p:extLst>
       <p:ext uri="{BB962C8B-B14F-4D97-AF65-F5344CB8AC3E}">
-        <p14:creationId xmlns:p14="http://schemas.microsoft.com/office/powerpoint/2010/main" val="360506368"/>
-      </p:ext>
-    </p:extLst>
-  </p:cSld>
-  <p:clrMapOvr>
-    <a:masterClrMapping/>
-  </p:clrMapOvr>
-</p:notes>
-</file>
-
-<file path=ppt/notesSlides/notesSlide5.xml><?xml version="1.0" encoding="utf-8"?>
-<p:notes xmlns:a="http://schemas.openxmlformats.org/drawingml/2006/main" xmlns:r="http://schemas.openxmlformats.org/officeDocument/2006/relationships" xmlns:p="http://schemas.openxmlformats.org/presentationml/2006/main">
-  <p:cSld>
-    <p:spTree>
-      <p:nvGrpSpPr>
-        <p:cNvPr id="1" name=""/>
-        <p:cNvGrpSpPr/>
-        <p:nvPr/>
-      </p:nvGrpSpPr>
-      <p:grpSpPr>
-        <a:xfrm>
-          <a:off x="0" y="0"/>
-          <a:ext cx="0" cy="0"/>
-          <a:chOff x="0" y="0"/>
-          <a:chExt cx="0" cy="0"/>
-        </a:xfrm>
-      </p:grpSpPr>
-      <p:sp>
-        <p:nvSpPr>
-          <p:cNvPr id="2" name="Slide Image Placeholder 1"/>
-          <p:cNvSpPr>
-            <a:spLocks noGrp="1" noRot="1" noChangeAspect="1"/>
-          </p:cNvSpPr>
-          <p:nvPr>
-            <p:ph type="sldImg"/>
-          </p:nvPr>
-        </p:nvSpPr>
-        <p:spPr/>
-      </p:sp>
-      <p:sp>
-        <p:nvSpPr>
-          <p:cNvPr id="3" name="Notes Placeholder 2"/>
-          <p:cNvSpPr>
-            <a:spLocks noGrp="1"/>
-          </p:cNvSpPr>
-          <p:nvPr>
-            <p:ph type="body" idx="1"/>
-          </p:nvPr>
-        </p:nvSpPr>
-        <p:spPr/>
-        <p:txBody>
-          <a:bodyPr/>
-          <a:lstStyle/>
-          <a:p>
-            <a:r>
-              <a:rPr lang="en-US" dirty="0" err="1"/>
-              <a:t>XGBoost</a:t>
-            </a:r>
-            <a:r>
-              <a:rPr lang="en-US" dirty="0"/>
-              <a:t> is part of the tree algorithm category which also includes other popular algorithms such as random forest and gradient boosting</a:t>
-            </a:r>
-          </a:p>
-          <a:p>
-            <a:r>
-              <a:rPr lang="en-US" dirty="0"/>
-              <a:t>Photo site: https://mesin-belajar.blogspot.com/2019/04/xgboost-algorithm-long-may-she-reign.html</a:t>
-            </a:r>
-          </a:p>
-          <a:p>
-            <a:endParaRPr lang="en-US" dirty="0"/>
-          </a:p>
-        </p:txBody>
-      </p:sp>
-      <p:sp>
-        <p:nvSpPr>
-          <p:cNvPr id="4" name="Slide Number Placeholder 3"/>
-          <p:cNvSpPr>
-            <a:spLocks noGrp="1"/>
-          </p:cNvSpPr>
-          <p:nvPr>
-            <p:ph type="sldNum" sz="quarter" idx="5"/>
-          </p:nvPr>
-        </p:nvSpPr>
-        <p:spPr/>
-        <p:txBody>
-          <a:bodyPr/>
-          <a:lstStyle/>
-          <a:p>
-            <a:fld id="{077EA48B-ABE6-42F4-8513-DF8A98CA7ABC}" type="slidenum">
-              <a:rPr lang="en-US" smtClean="0"/>
-              <a:t>9</a:t>
-            </a:fld>
-            <a:endParaRPr lang="en-US"/>
-          </a:p>
-        </p:txBody>
-      </p:sp>
-    </p:spTree>
-    <p:extLst>
-      <p:ext uri="{BB962C8B-B14F-4D97-AF65-F5344CB8AC3E}">
-        <p14:creationId xmlns:p14="http://schemas.microsoft.com/office/powerpoint/2010/main" val="2593741020"/>
-      </p:ext>
-    </p:extLst>
-  </p:cSld>
-  <p:clrMapOvr>
-    <a:masterClrMapping/>
-  </p:clrMapOvr>
-</p:notes>
-</file>
-
-<file path=ppt/notesSlides/notesSlide6.xml><?xml version="1.0" encoding="utf-8"?>
-<p:notes xmlns:a="http://schemas.openxmlformats.org/drawingml/2006/main" xmlns:r="http://schemas.openxmlformats.org/officeDocument/2006/relationships" xmlns:p="http://schemas.openxmlformats.org/presentationml/2006/main">
-  <p:cSld>
-    <p:spTree>
-      <p:nvGrpSpPr>
-        <p:cNvPr id="1" name=""/>
-        <p:cNvGrpSpPr/>
-        <p:nvPr/>
-      </p:nvGrpSpPr>
-      <p:grpSpPr>
-        <a:xfrm>
-          <a:off x="0" y="0"/>
-          <a:ext cx="0" cy="0"/>
-          <a:chOff x="0" y="0"/>
-          <a:chExt cx="0" cy="0"/>
-        </a:xfrm>
-      </p:grpSpPr>
-      <p:sp>
-        <p:nvSpPr>
-          <p:cNvPr id="2" name="Slide Image Placeholder 1"/>
-          <p:cNvSpPr>
-            <a:spLocks noGrp="1" noRot="1" noChangeAspect="1"/>
-          </p:cNvSpPr>
-          <p:nvPr>
-            <p:ph type="sldImg"/>
-          </p:nvPr>
-        </p:nvSpPr>
-        <p:spPr/>
-      </p:sp>
-      <p:sp>
-        <p:nvSpPr>
-          <p:cNvPr id="3" name="Notes Placeholder 2"/>
-          <p:cNvSpPr>
-            <a:spLocks noGrp="1"/>
-          </p:cNvSpPr>
-          <p:nvPr>
-            <p:ph type="body" idx="1"/>
-          </p:nvPr>
-        </p:nvSpPr>
-        <p:spPr/>
-        <p:txBody>
-          <a:bodyPr/>
-          <a:lstStyle/>
-          <a:p>
-            <a:r>
-              <a:rPr lang="en-US"/>
-              <a:t>https://www.programmersought.com/article/13283190787/</a:t>
-            </a:r>
-          </a:p>
-          <a:p>
-            <a:endParaRPr lang="en-US"/>
-          </a:p>
-        </p:txBody>
-      </p:sp>
-      <p:sp>
-        <p:nvSpPr>
-          <p:cNvPr id="4" name="Slide Number Placeholder 3"/>
-          <p:cNvSpPr>
-            <a:spLocks noGrp="1"/>
-          </p:cNvSpPr>
-          <p:nvPr>
-            <p:ph type="sldNum" sz="quarter" idx="5"/>
-          </p:nvPr>
-        </p:nvSpPr>
-        <p:spPr/>
-        <p:txBody>
-          <a:bodyPr/>
-          <a:lstStyle/>
-          <a:p>
-            <a:fld id="{077EA48B-ABE6-42F4-8513-DF8A98CA7ABC}" type="slidenum">
-              <a:rPr lang="en-US" smtClean="0"/>
-              <a:t>10</a:t>
-            </a:fld>
-            <a:endParaRPr lang="en-US"/>
-          </a:p>
-        </p:txBody>
-      </p:sp>
-    </p:spTree>
-    <p:extLst>
-      <p:ext uri="{BB962C8B-B14F-4D97-AF65-F5344CB8AC3E}">
-        <p14:creationId xmlns:p14="http://schemas.microsoft.com/office/powerpoint/2010/main" val="2990006055"/>
+        <p14:creationId xmlns:p14="http://schemas.microsoft.com/office/powerpoint/2010/main" val="3925198462"/>
       </p:ext>
     </p:extLst>
   </p:cSld>
@@ -4862,7 +3125,7 @@
           <a:p>
             <a:fld id="{9184DA70-C731-4C70-880D-CCD4705E623C}" type="datetime1">
               <a:rPr lang="en-US" smtClean="0"/>
-              <a:t>4/4/2022</a:t>
+              <a:t>4/7/2022</a:t>
             </a:fld>
             <a:endParaRPr lang="en-US" dirty="0"/>
           </a:p>
@@ -5098,7 +3361,7 @@
           <a:p>
             <a:fld id="{9184DA70-C731-4C70-880D-CCD4705E623C}" type="datetime1">
               <a:rPr lang="en-US" smtClean="0"/>
-              <a:t>4/4/2022</a:t>
+              <a:t>4/7/2022</a:t>
             </a:fld>
             <a:endParaRPr lang="en-US" dirty="0"/>
           </a:p>
@@ -5268,7 +3531,7 @@
           <a:p>
             <a:fld id="{4BE1D723-8F53-4F53-90B0-1982A396982E}" type="datetime1">
               <a:rPr lang="en-US" smtClean="0"/>
-              <a:t>4/4/2022</a:t>
+              <a:t>4/7/2022</a:t>
             </a:fld>
             <a:endParaRPr lang="en-US" dirty="0"/>
           </a:p>
@@ -5536,7 +3799,7 @@
           <a:p>
             <a:fld id="{97669AF7-7BEB-44E4-9852-375E34362B5B}" type="datetime1">
               <a:rPr lang="en-US" smtClean="0"/>
-              <a:t>4/4/2022</a:t>
+              <a:t>4/7/2022</a:t>
             </a:fld>
             <a:endParaRPr lang="en-US" dirty="0"/>
           </a:p>
@@ -5768,7 +4031,7 @@
           <a:p>
             <a:fld id="{BAAAC38D-0552-4C82-B593-E6124DFADBE2}" type="datetime1">
               <a:rPr lang="en-US" smtClean="0"/>
-              <a:t>4/4/2022</a:t>
+              <a:t>4/7/2022</a:t>
             </a:fld>
             <a:endParaRPr lang="en-US" dirty="0"/>
           </a:p>
@@ -6127,7 +4390,7 @@
           <a:p>
             <a:fld id="{62D6E202-B606-4609-B914-27C9371A1F6D}" type="datetime1">
               <a:rPr lang="en-US" smtClean="0"/>
-              <a:t>4/4/2022</a:t>
+              <a:t>4/7/2022</a:t>
             </a:fld>
             <a:endParaRPr lang="en-US" dirty="0"/>
           </a:p>
@@ -6269,7 +4532,7 @@
           <a:p>
             <a:fld id="{1775B394-D9F9-4F0C-B15D-605F45CB9E9F}" type="datetime1">
               <a:rPr lang="en-US" smtClean="0"/>
-              <a:t>4/4/2022</a:t>
+              <a:t>4/7/2022</a:t>
             </a:fld>
             <a:endParaRPr lang="en-US" dirty="0"/>
           </a:p>
@@ -6364,7 +4627,7 @@
           <a:p>
             <a:fld id="{39667345-2558-425A-8533-9BFDBCE15005}" type="datetime1">
               <a:rPr lang="en-US" smtClean="0"/>
-              <a:t>4/4/2022</a:t>
+              <a:t>4/7/2022</a:t>
             </a:fld>
             <a:endParaRPr lang="en-US" dirty="0"/>
           </a:p>
@@ -6721,7 +4984,7 @@
           <a:p>
             <a:fld id="{92BEA474-078D-4E9B-9B14-09A87B19DC46}" type="datetime1">
               <a:rPr lang="en-US" smtClean="0"/>
-              <a:t>4/4/2022</a:t>
+              <a:t>4/7/2022</a:t>
             </a:fld>
             <a:endParaRPr lang="en-US" dirty="0"/>
           </a:p>
@@ -7079,7 +5342,7 @@
           <a:p>
             <a:fld id="{4907D986-8816-4272-A432-0437A28A9828}" type="datetime1">
               <a:rPr lang="en-US" smtClean="0"/>
-              <a:t>4/4/2022</a:t>
+              <a:t>4/7/2022</a:t>
             </a:fld>
             <a:endParaRPr lang="en-US" dirty="0"/>
           </a:p>
@@ -7265,7 +5528,7 @@
           <a:p>
             <a:fld id="{62D6E202-B606-4609-B914-27C9371A1F6D}" type="datetime1">
               <a:rPr lang="en-US" smtClean="0"/>
-              <a:t>4/4/2022</a:t>
+              <a:t>4/7/2022</a:t>
             </a:fld>
             <a:endParaRPr lang="en-US" dirty="0"/>
           </a:p>
@@ -7467,7 +5730,7 @@
           <a:p>
             <a:fld id="{4BE1D723-8F53-4F53-90B0-1982A396982E}" type="datetime1">
               <a:rPr lang="en-US" smtClean="0"/>
-              <a:t>4/4/2022</a:t>
+              <a:t>4/7/2022</a:t>
             </a:fld>
             <a:endParaRPr lang="en-US" dirty="0"/>
           </a:p>
@@ -7659,7 +5922,7 @@
           <a:p>
             <a:fld id="{62D6E202-B606-4609-B914-27C9371A1F6D}" type="datetime1">
               <a:rPr lang="en-US" smtClean="0"/>
-              <a:t>4/4/2022</a:t>
+              <a:t>4/7/2022</a:t>
             </a:fld>
             <a:endParaRPr lang="en-US" dirty="0"/>
           </a:p>
@@ -8021,7 +6284,7 @@
           <a:p>
             <a:fld id="{97669AF7-7BEB-44E4-9852-375E34362B5B}" type="datetime1">
               <a:rPr lang="en-US" smtClean="0"/>
-              <a:t>4/4/2022</a:t>
+              <a:t>4/7/2022</a:t>
             </a:fld>
             <a:endParaRPr lang="en-US" dirty="0"/>
           </a:p>
@@ -8276,7 +6539,7 @@
           <a:p>
             <a:fld id="{BAAAC38D-0552-4C82-B593-E6124DFADBE2}" type="datetime1">
               <a:rPr lang="en-US" smtClean="0"/>
-              <a:t>4/4/2022</a:t>
+              <a:t>4/7/2022</a:t>
             </a:fld>
             <a:endParaRPr lang="en-US" dirty="0"/>
           </a:p>
@@ -8673,7 +6936,7 @@
           <a:p>
             <a:fld id="{D9DF0F1C-5577-4ACB-BB62-DF8F3C494C7E}" type="datetime1">
               <a:rPr lang="en-US" smtClean="0"/>
-              <a:t>4/4/2022</a:t>
+              <a:t>4/7/2022</a:t>
             </a:fld>
             <a:endParaRPr lang="en-US" dirty="0"/>
           </a:p>
@@ -8809,7 +7072,7 @@
           <a:p>
             <a:fld id="{1775B394-D9F9-4F0C-B15D-605F45CB9E9F}" type="datetime1">
               <a:rPr lang="en-US" smtClean="0"/>
-              <a:t>4/4/2022</a:t>
+              <a:t>4/7/2022</a:t>
             </a:fld>
             <a:endParaRPr lang="en-US" dirty="0"/>
           </a:p>
@@ -8966,7 +7229,7 @@
           <a:p>
             <a:fld id="{39667345-2558-425A-8533-9BFDBCE15005}" type="datetime1">
               <a:rPr lang="en-US" smtClean="0"/>
-              <a:t>4/4/2022</a:t>
+              <a:t>4/7/2022</a:t>
             </a:fld>
             <a:endParaRPr lang="en-US" dirty="0"/>
           </a:p>
@@ -9295,7 +7558,7 @@
           <a:p>
             <a:fld id="{92BEA474-078D-4E9B-9B14-09A87B19DC46}" type="datetime1">
               <a:rPr lang="en-US" smtClean="0"/>
-              <a:t>4/4/2022</a:t>
+              <a:t>4/7/2022</a:t>
             </a:fld>
             <a:endParaRPr lang="en-US" dirty="0"/>
           </a:p>
@@ -9645,7 +7908,7 @@
           <a:p>
             <a:fld id="{4907D986-8816-4272-A432-0437A28A9828}" type="datetime1">
               <a:rPr lang="en-US" smtClean="0"/>
-              <a:t>4/4/2022</a:t>
+              <a:t>4/7/2022</a:t>
             </a:fld>
             <a:endParaRPr lang="en-US" dirty="0"/>
           </a:p>
@@ -9906,7 +8169,7 @@
           <a:p>
             <a:fld id="{62D6E202-B606-4609-B914-27C9371A1F6D}" type="datetime1">
               <a:rPr lang="en-US" smtClean="0"/>
-              <a:t>4/4/2022</a:t>
+              <a:t>4/7/2022</a:t>
             </a:fld>
             <a:endParaRPr lang="en-US" dirty="0"/>
           </a:p>
@@ -10576,7 +8839,7 @@
           <a:p>
             <a:fld id="{62D6E202-B606-4609-B914-27C9371A1F6D}" type="datetime1">
               <a:rPr lang="en-US" smtClean="0"/>
-              <a:t>4/4/2022</a:t>
+              <a:t>4/7/2022</a:t>
             </a:fld>
             <a:endParaRPr lang="en-US" dirty="0"/>
           </a:p>
@@ -11492,12 +9755,414 @@
           <a:chExt cx="0" cy="0"/>
         </a:xfrm>
       </p:grpSpPr>
+      <p:graphicFrame>
+        <p:nvGraphicFramePr>
+          <p:cNvPr id="4" name="Chart 3">
+            <a:extLst>
+              <a:ext uri="{FF2B5EF4-FFF2-40B4-BE49-F238E27FC236}">
+                <a16:creationId xmlns:a16="http://schemas.microsoft.com/office/drawing/2014/main" id="{3C9B3EE7-11F9-4CC3-8344-3E8E6E5A255B}"/>
+              </a:ext>
+            </a:extLst>
+          </p:cNvPr>
+          <p:cNvGraphicFramePr/>
+          <p:nvPr>
+            <p:extLst>
+              <p:ext uri="{D42A27DB-BD31-4B8C-83A1-F6EECF244321}">
+                <p14:modId xmlns:p14="http://schemas.microsoft.com/office/powerpoint/2010/main" val="2154722011"/>
+              </p:ext>
+            </p:extLst>
+          </p:nvPr>
+        </p:nvGraphicFramePr>
+        <p:xfrm>
+          <a:off x="134620" y="1348316"/>
+          <a:ext cx="4195764" cy="5418667"/>
+        </p:xfrm>
+        <a:graphic>
+          <a:graphicData uri="http://schemas.openxmlformats.org/drawingml/2006/chart">
+            <c:chart xmlns:c="http://schemas.openxmlformats.org/drawingml/2006/chart" xmlns:r="http://schemas.openxmlformats.org/officeDocument/2006/relationships" r:id="rId2"/>
+          </a:graphicData>
+        </a:graphic>
+      </p:graphicFrame>
+      <p:cxnSp>
+        <p:nvCxnSpPr>
+          <p:cNvPr id="5" name="Straight Connector 4">
+            <a:extLst>
+              <a:ext uri="{FF2B5EF4-FFF2-40B4-BE49-F238E27FC236}">
+                <a16:creationId xmlns:a16="http://schemas.microsoft.com/office/drawing/2014/main" id="{33FE37FB-9D9E-42A5-A958-EAB5EBBC7619}"/>
+              </a:ext>
+            </a:extLst>
+          </p:cNvPr>
+          <p:cNvCxnSpPr>
+            <a:cxnSpLocks/>
+          </p:cNvCxnSpPr>
+          <p:nvPr/>
+        </p:nvCxnSpPr>
+        <p:spPr>
+          <a:xfrm>
+            <a:off x="547240" y="4283917"/>
+            <a:ext cx="3559014" cy="0"/>
+          </a:xfrm>
+          <a:prstGeom prst="line">
+            <a:avLst/>
+          </a:prstGeom>
+          <a:noFill/>
+          <a:ln w="38100" cap="flat" cmpd="sng" algn="ctr">
+            <a:solidFill>
+              <a:srgbClr val="FF0000"/>
+            </a:solidFill>
+            <a:prstDash val="dash"/>
+            <a:miter lim="800000"/>
+          </a:ln>
+          <a:effectLst/>
+        </p:spPr>
+      </p:cxnSp>
+      <p:cxnSp>
+        <p:nvCxnSpPr>
+          <p:cNvPr id="6" name="Straight Connector 5">
+            <a:extLst>
+              <a:ext uri="{FF2B5EF4-FFF2-40B4-BE49-F238E27FC236}">
+                <a16:creationId xmlns:a16="http://schemas.microsoft.com/office/drawing/2014/main" id="{F5DBC8A4-5063-4EFF-99A0-F9DBDDAAFDEB}"/>
+              </a:ext>
+            </a:extLst>
+          </p:cNvPr>
+          <p:cNvCxnSpPr>
+            <a:cxnSpLocks/>
+          </p:cNvCxnSpPr>
+          <p:nvPr/>
+        </p:nvCxnSpPr>
+        <p:spPr>
+          <a:xfrm flipV="1">
+            <a:off x="2983633" y="1943100"/>
+            <a:ext cx="0" cy="4661753"/>
+          </a:xfrm>
+          <a:prstGeom prst="line">
+            <a:avLst/>
+          </a:prstGeom>
+          <a:noFill/>
+          <a:ln w="38100" cap="flat" cmpd="sng" algn="ctr">
+            <a:solidFill>
+              <a:srgbClr val="70AD47"/>
+            </a:solidFill>
+            <a:prstDash val="dash"/>
+            <a:miter lim="800000"/>
+          </a:ln>
+          <a:effectLst/>
+        </p:spPr>
+      </p:cxnSp>
+      <p:cxnSp>
+        <p:nvCxnSpPr>
+          <p:cNvPr id="7" name="Straight Connector 6">
+            <a:extLst>
+              <a:ext uri="{FF2B5EF4-FFF2-40B4-BE49-F238E27FC236}">
+                <a16:creationId xmlns:a16="http://schemas.microsoft.com/office/drawing/2014/main" id="{ADE3D865-BB41-4DEB-87A7-FF769DDAA962}"/>
+              </a:ext>
+            </a:extLst>
+          </p:cNvPr>
+          <p:cNvCxnSpPr>
+            <a:cxnSpLocks/>
+          </p:cNvCxnSpPr>
+          <p:nvPr/>
+        </p:nvCxnSpPr>
+        <p:spPr>
+          <a:xfrm flipV="1">
+            <a:off x="3666718" y="4283917"/>
+            <a:ext cx="0" cy="1583483"/>
+          </a:xfrm>
+          <a:prstGeom prst="line">
+            <a:avLst/>
+          </a:prstGeom>
+          <a:noFill/>
+          <a:ln w="38100" cap="flat" cmpd="sng" algn="ctr">
+            <a:solidFill>
+              <a:sysClr val="windowText" lastClr="000000"/>
+            </a:solidFill>
+            <a:prstDash val="dash"/>
+            <a:miter lim="800000"/>
+          </a:ln>
+          <a:effectLst/>
+        </p:spPr>
+      </p:cxnSp>
+      <p:cxnSp>
+        <p:nvCxnSpPr>
+          <p:cNvPr id="8" name="Straight Connector 7">
+            <a:extLst>
+              <a:ext uri="{FF2B5EF4-FFF2-40B4-BE49-F238E27FC236}">
+                <a16:creationId xmlns:a16="http://schemas.microsoft.com/office/drawing/2014/main" id="{CCB895E9-835B-4343-B9E0-A1F12310C014}"/>
+              </a:ext>
+            </a:extLst>
+          </p:cNvPr>
+          <p:cNvCxnSpPr>
+            <a:cxnSpLocks/>
+          </p:cNvCxnSpPr>
+          <p:nvPr/>
+        </p:nvCxnSpPr>
+        <p:spPr>
+          <a:xfrm flipV="1">
+            <a:off x="1031319" y="4283917"/>
+            <a:ext cx="0" cy="1511093"/>
+          </a:xfrm>
+          <a:prstGeom prst="line">
+            <a:avLst/>
+          </a:prstGeom>
+          <a:noFill/>
+          <a:ln w="38100" cap="flat" cmpd="sng" algn="ctr">
+            <a:solidFill>
+              <a:sysClr val="windowText" lastClr="000000"/>
+            </a:solidFill>
+            <a:prstDash val="dash"/>
+            <a:miter lim="800000"/>
+          </a:ln>
+          <a:effectLst/>
+        </p:spPr>
+      </p:cxnSp>
+      <p:cxnSp>
+        <p:nvCxnSpPr>
+          <p:cNvPr id="9" name="Straight Connector 8">
+            <a:extLst>
+              <a:ext uri="{FF2B5EF4-FFF2-40B4-BE49-F238E27FC236}">
+                <a16:creationId xmlns:a16="http://schemas.microsoft.com/office/drawing/2014/main" id="{1B7B274B-B534-4A38-8AA0-F2BB980C7FB9}"/>
+              </a:ext>
+            </a:extLst>
+          </p:cNvPr>
+          <p:cNvCxnSpPr>
+            <a:cxnSpLocks/>
+          </p:cNvCxnSpPr>
+          <p:nvPr/>
+        </p:nvCxnSpPr>
+        <p:spPr>
+          <a:xfrm flipV="1">
+            <a:off x="1920559" y="2657475"/>
+            <a:ext cx="0" cy="1626442"/>
+          </a:xfrm>
+          <a:prstGeom prst="line">
+            <a:avLst/>
+          </a:prstGeom>
+          <a:noFill/>
+          <a:ln w="38100" cap="flat" cmpd="sng" algn="ctr">
+            <a:solidFill>
+              <a:sysClr val="windowText" lastClr="000000"/>
+            </a:solidFill>
+            <a:prstDash val="dash"/>
+            <a:miter lim="800000"/>
+          </a:ln>
+          <a:effectLst/>
+        </p:spPr>
+      </p:cxnSp>
+      <p:cxnSp>
+        <p:nvCxnSpPr>
+          <p:cNvPr id="10" name="Straight Connector 9">
+            <a:extLst>
+              <a:ext uri="{FF2B5EF4-FFF2-40B4-BE49-F238E27FC236}">
+                <a16:creationId xmlns:a16="http://schemas.microsoft.com/office/drawing/2014/main" id="{364CABDF-EA87-421A-9CC9-0851BD1BEDC7}"/>
+              </a:ext>
+            </a:extLst>
+          </p:cNvPr>
+          <p:cNvCxnSpPr>
+            <a:cxnSpLocks/>
+          </p:cNvCxnSpPr>
+          <p:nvPr/>
+        </p:nvCxnSpPr>
+        <p:spPr>
+          <a:xfrm flipV="1">
+            <a:off x="2355449" y="2657475"/>
+            <a:ext cx="0" cy="1626442"/>
+          </a:xfrm>
+          <a:prstGeom prst="line">
+            <a:avLst/>
+          </a:prstGeom>
+          <a:noFill/>
+          <a:ln w="38100" cap="flat" cmpd="sng" algn="ctr">
+            <a:solidFill>
+              <a:sysClr val="windowText" lastClr="000000"/>
+            </a:solidFill>
+            <a:prstDash val="dash"/>
+            <a:miter lim="800000"/>
+          </a:ln>
+          <a:effectLst/>
+        </p:spPr>
+      </p:cxnSp>
+      <p:sp>
+        <p:nvSpPr>
+          <p:cNvPr id="11" name="Footer Placeholder 27">
+            <a:extLst>
+              <a:ext uri="{FF2B5EF4-FFF2-40B4-BE49-F238E27FC236}">
+                <a16:creationId xmlns:a16="http://schemas.microsoft.com/office/drawing/2014/main" id="{96189F63-45B2-4C2D-8449-18CEDBDA5EED}"/>
+              </a:ext>
+            </a:extLst>
+          </p:cNvPr>
+          <p:cNvSpPr txBox="1">
+            <a:spLocks/>
+          </p:cNvSpPr>
+          <p:nvPr/>
+        </p:nvSpPr>
+        <p:spPr>
+          <a:xfrm>
+            <a:off x="4106254" y="6604853"/>
+            <a:ext cx="184731" cy="830997"/>
+          </a:xfrm>
+          <a:prstGeom prst="rect">
+            <a:avLst/>
+          </a:prstGeom>
+        </p:spPr>
+        <p:txBody>
+          <a:bodyPr vert="horz" wrap="none" lIns="91440" tIns="45720" rIns="91440" bIns="45720" rtlCol="0" anchor="b" anchorCtr="1">
+            <a:spAutoFit/>
+          </a:bodyPr>
+          <a:lstStyle>
+            <a:defPPr>
+              <a:defRPr lang="en-US"/>
+            </a:defPPr>
+            <a:lvl1pPr marL="0" algn="ctr" defTabSz="914400" rtl="0" eaLnBrk="1" latinLnBrk="0" hangingPunct="1">
+              <a:defRPr sz="1200" kern="1200">
+                <a:solidFill>
+                  <a:schemeClr val="tx1">
+                    <a:tint val="75000"/>
+                  </a:schemeClr>
+                </a:solidFill>
+                <a:latin typeface="+mn-lt"/>
+                <a:ea typeface="+mn-ea"/>
+                <a:cs typeface="+mn-cs"/>
+              </a:defRPr>
+            </a:lvl1pPr>
+            <a:lvl2pPr marL="457200" algn="l" defTabSz="914400" rtl="0" eaLnBrk="1" latinLnBrk="0" hangingPunct="1">
+              <a:defRPr sz="1800" kern="1200">
+                <a:solidFill>
+                  <a:schemeClr val="tx1"/>
+                </a:solidFill>
+                <a:latin typeface="+mn-lt"/>
+                <a:ea typeface="+mn-ea"/>
+                <a:cs typeface="+mn-cs"/>
+              </a:defRPr>
+            </a:lvl2pPr>
+            <a:lvl3pPr marL="914400" algn="l" defTabSz="914400" rtl="0" eaLnBrk="1" latinLnBrk="0" hangingPunct="1">
+              <a:defRPr sz="1800" kern="1200">
+                <a:solidFill>
+                  <a:schemeClr val="tx1"/>
+                </a:solidFill>
+                <a:latin typeface="+mn-lt"/>
+                <a:ea typeface="+mn-ea"/>
+                <a:cs typeface="+mn-cs"/>
+              </a:defRPr>
+            </a:lvl3pPr>
+            <a:lvl4pPr marL="1371600" algn="l" defTabSz="914400" rtl="0" eaLnBrk="1" latinLnBrk="0" hangingPunct="1">
+              <a:defRPr sz="1800" kern="1200">
+                <a:solidFill>
+                  <a:schemeClr val="tx1"/>
+                </a:solidFill>
+                <a:latin typeface="+mn-lt"/>
+                <a:ea typeface="+mn-ea"/>
+                <a:cs typeface="+mn-cs"/>
+              </a:defRPr>
+            </a:lvl4pPr>
+            <a:lvl5pPr marL="1828800" algn="l" defTabSz="914400" rtl="0" eaLnBrk="1" latinLnBrk="0" hangingPunct="1">
+              <a:defRPr sz="1800" kern="1200">
+                <a:solidFill>
+                  <a:schemeClr val="tx1"/>
+                </a:solidFill>
+                <a:latin typeface="+mn-lt"/>
+                <a:ea typeface="+mn-ea"/>
+                <a:cs typeface="+mn-cs"/>
+              </a:defRPr>
+            </a:lvl5pPr>
+            <a:lvl6pPr marL="2286000" algn="l" defTabSz="914400" rtl="0" eaLnBrk="1" latinLnBrk="0" hangingPunct="1">
+              <a:defRPr sz="1800" kern="1200">
+                <a:solidFill>
+                  <a:schemeClr val="tx1"/>
+                </a:solidFill>
+                <a:latin typeface="+mn-lt"/>
+                <a:ea typeface="+mn-ea"/>
+                <a:cs typeface="+mn-cs"/>
+              </a:defRPr>
+            </a:lvl6pPr>
+            <a:lvl7pPr marL="2743200" algn="l" defTabSz="914400" rtl="0" eaLnBrk="1" latinLnBrk="0" hangingPunct="1">
+              <a:defRPr sz="1800" kern="1200">
+                <a:solidFill>
+                  <a:schemeClr val="tx1"/>
+                </a:solidFill>
+                <a:latin typeface="+mn-lt"/>
+                <a:ea typeface="+mn-ea"/>
+                <a:cs typeface="+mn-cs"/>
+              </a:defRPr>
+            </a:lvl7pPr>
+            <a:lvl8pPr marL="3200400" algn="l" defTabSz="914400" rtl="0" eaLnBrk="1" latinLnBrk="0" hangingPunct="1">
+              <a:defRPr sz="1800" kern="1200">
+                <a:solidFill>
+                  <a:schemeClr val="tx1"/>
+                </a:solidFill>
+                <a:latin typeface="+mn-lt"/>
+                <a:ea typeface="+mn-ea"/>
+                <a:cs typeface="+mn-cs"/>
+              </a:defRPr>
+            </a:lvl8pPr>
+            <a:lvl9pPr marL="3657600" algn="l" defTabSz="914400" rtl="0" eaLnBrk="1" latinLnBrk="0" hangingPunct="1">
+              <a:defRPr sz="1800" kern="1200">
+                <a:solidFill>
+                  <a:schemeClr val="tx1"/>
+                </a:solidFill>
+                <a:latin typeface="+mn-lt"/>
+                <a:ea typeface="+mn-ea"/>
+                <a:cs typeface="+mn-cs"/>
+              </a:defRPr>
+            </a:lvl9pPr>
+          </a:lstStyle>
+          <a:p>
+            <a:endParaRPr lang="en-US">
+              <a:solidFill>
+                <a:prstClr val="black">
+                  <a:tint val="75000"/>
+                </a:prstClr>
+              </a:solidFill>
+              <a:latin typeface="Calibri" panose="020F0502020204030204"/>
+            </a:endParaRPr>
+          </a:p>
+          <a:p>
+            <a:endParaRPr lang="en-US">
+              <a:solidFill>
+                <a:prstClr val="black">
+                  <a:tint val="75000"/>
+                </a:prstClr>
+              </a:solidFill>
+              <a:latin typeface="Calibri" panose="020F0502020204030204"/>
+            </a:endParaRPr>
+          </a:p>
+        </p:txBody>
+      </p:sp>
+    </p:spTree>
+    <p:extLst>
+      <p:ext uri="{BB962C8B-B14F-4D97-AF65-F5344CB8AC3E}">
+        <p14:creationId xmlns:p14="http://schemas.microsoft.com/office/powerpoint/2010/main" val="1741541477"/>
+      </p:ext>
+    </p:extLst>
+  </p:cSld>
+  <p:clrMapOvr>
+    <a:masterClrMapping/>
+  </p:clrMapOvr>
+</p:sld>
+</file>
+
+<file path=ppt/slides/slide11.xml><?xml version="1.0" encoding="utf-8"?>
+<p:sld xmlns:a="http://schemas.openxmlformats.org/drawingml/2006/main" xmlns:r="http://schemas.openxmlformats.org/officeDocument/2006/relationships" xmlns:p="http://schemas.openxmlformats.org/presentationml/2006/main">
+  <p:cSld>
+    <p:spTree>
+      <p:nvGrpSpPr>
+        <p:cNvPr id="1" name=""/>
+        <p:cNvGrpSpPr/>
+        <p:nvPr/>
+      </p:nvGrpSpPr>
+      <p:grpSpPr>
+        <a:xfrm>
+          <a:off x="0" y="0"/>
+          <a:ext cx="0" cy="0"/>
+          <a:chOff x="0" y="0"/>
+          <a:chExt cx="0" cy="0"/>
+        </a:xfrm>
+      </p:grpSpPr>
       <p:sp>
         <p:nvSpPr>
           <p:cNvPr id="2" name="Title 1">
             <a:extLst>
               <a:ext uri="{FF2B5EF4-FFF2-40B4-BE49-F238E27FC236}">
-                <a16:creationId xmlns:a16="http://schemas.microsoft.com/office/drawing/2014/main" id="{B47C28FA-9978-4C88-84E6-83829B37006A}"/>
+                <a16:creationId xmlns:a16="http://schemas.microsoft.com/office/drawing/2014/main" id="{6C7C769D-24D2-4178-A229-AEE3D643EFD0}"/>
               </a:ext>
             </a:extLst>
           </p:cNvPr>
@@ -11513,10 +10178,7 @@
           <a:bodyPr/>
           <a:lstStyle/>
           <a:p>
-            <a:r>
-              <a:rPr lang="en-US" dirty="0"/>
-              <a:t>Math</a:t>
-            </a:r>
+            <a:endParaRPr lang="en-US"/>
           </a:p>
         </p:txBody>
       </p:sp>
@@ -11525,7 +10187,7 @@
           <p:cNvPr id="3" name="Content Placeholder 2">
             <a:extLst>
               <a:ext uri="{FF2B5EF4-FFF2-40B4-BE49-F238E27FC236}">
-                <a16:creationId xmlns:a16="http://schemas.microsoft.com/office/drawing/2014/main" id="{B2F5F14F-74D7-41C4-A5D3-C57C8035A431}"/>
+                <a16:creationId xmlns:a16="http://schemas.microsoft.com/office/drawing/2014/main" id="{7AAD141D-4619-43F9-8C30-F395D6C89FB9}"/>
               </a:ext>
             </a:extLst>
           </p:cNvPr>
@@ -11541,20 +10203,177 @@
           <a:bodyPr/>
           <a:lstStyle/>
           <a:p>
-            <a:r>
-              <a:rPr lang="en-US" dirty="0"/>
-              <a:t>Objective function</a:t>
-            </a:r>
-          </a:p>
-          <a:p>
-            <a:endParaRPr lang="en-US" dirty="0"/>
+            <a:endParaRPr lang="en-US"/>
           </a:p>
         </p:txBody>
       </p:sp>
     </p:spTree>
     <p:extLst>
       <p:ext uri="{BB962C8B-B14F-4D97-AF65-F5344CB8AC3E}">
-        <p14:creationId xmlns:p14="http://schemas.microsoft.com/office/powerpoint/2010/main" val="3050360429"/>
+        <p14:creationId xmlns:p14="http://schemas.microsoft.com/office/powerpoint/2010/main" val="2849368861"/>
+      </p:ext>
+    </p:extLst>
+  </p:cSld>
+  <p:clrMapOvr>
+    <a:masterClrMapping/>
+  </p:clrMapOvr>
+</p:sld>
+</file>
+
+<file path=ppt/slides/slide12.xml><?xml version="1.0" encoding="utf-8"?>
+<p:sld xmlns:a="http://schemas.openxmlformats.org/drawingml/2006/main" xmlns:r="http://schemas.openxmlformats.org/officeDocument/2006/relationships" xmlns:p="http://schemas.openxmlformats.org/presentationml/2006/main">
+  <p:cSld>
+    <p:spTree>
+      <p:nvGrpSpPr>
+        <p:cNvPr id="1" name=""/>
+        <p:cNvGrpSpPr/>
+        <p:nvPr/>
+      </p:nvGrpSpPr>
+      <p:grpSpPr>
+        <a:xfrm>
+          <a:off x="0" y="0"/>
+          <a:ext cx="0" cy="0"/>
+          <a:chOff x="0" y="0"/>
+          <a:chExt cx="0" cy="0"/>
+        </a:xfrm>
+      </p:grpSpPr>
+      <p:sp>
+        <p:nvSpPr>
+          <p:cNvPr id="2" name="Title 1">
+            <a:extLst>
+              <a:ext uri="{FF2B5EF4-FFF2-40B4-BE49-F238E27FC236}">
+                <a16:creationId xmlns:a16="http://schemas.microsoft.com/office/drawing/2014/main" id="{D5A4BFA0-70F5-45E2-BE70-51640368AD42}"/>
+              </a:ext>
+            </a:extLst>
+          </p:cNvPr>
+          <p:cNvSpPr>
+            <a:spLocks noGrp="1"/>
+          </p:cNvSpPr>
+          <p:nvPr>
+            <p:ph type="ctrTitle"/>
+          </p:nvPr>
+        </p:nvSpPr>
+        <p:spPr/>
+        <p:txBody>
+          <a:bodyPr/>
+          <a:lstStyle/>
+          <a:p>
+            <a:r>
+              <a:rPr lang="en-US" dirty="0"/>
+              <a:t>Math Details</a:t>
+            </a:r>
+          </a:p>
+        </p:txBody>
+      </p:sp>
+      <p:sp>
+        <p:nvSpPr>
+          <p:cNvPr id="3" name="Subtitle 2">
+            <a:extLst>
+              <a:ext uri="{FF2B5EF4-FFF2-40B4-BE49-F238E27FC236}">
+                <a16:creationId xmlns:a16="http://schemas.microsoft.com/office/drawing/2014/main" id="{32A701BE-3BB6-48EA-9221-6295795AF8A4}"/>
+              </a:ext>
+            </a:extLst>
+          </p:cNvPr>
+          <p:cNvSpPr>
+            <a:spLocks noGrp="1"/>
+          </p:cNvSpPr>
+          <p:nvPr>
+            <p:ph type="subTitle" idx="1"/>
+          </p:nvPr>
+        </p:nvSpPr>
+        <p:spPr/>
+        <p:txBody>
+          <a:bodyPr/>
+          <a:lstStyle/>
+          <a:p>
+            <a:endParaRPr lang="en-US"/>
+          </a:p>
+        </p:txBody>
+      </p:sp>
+    </p:spTree>
+    <p:extLst>
+      <p:ext uri="{BB962C8B-B14F-4D97-AF65-F5344CB8AC3E}">
+        <p14:creationId xmlns:p14="http://schemas.microsoft.com/office/powerpoint/2010/main" val="2775352367"/>
+      </p:ext>
+    </p:extLst>
+  </p:cSld>
+  <p:clrMapOvr>
+    <a:masterClrMapping/>
+  </p:clrMapOvr>
+</p:sld>
+</file>
+
+<file path=ppt/slides/slide13.xml><?xml version="1.0" encoding="utf-8"?>
+<p:sld xmlns:a="http://schemas.openxmlformats.org/drawingml/2006/main" xmlns:r="http://schemas.openxmlformats.org/officeDocument/2006/relationships" xmlns:p="http://schemas.openxmlformats.org/presentationml/2006/main">
+  <p:cSld>
+    <p:spTree>
+      <p:nvGrpSpPr>
+        <p:cNvPr id="1" name=""/>
+        <p:cNvGrpSpPr/>
+        <p:nvPr/>
+      </p:nvGrpSpPr>
+      <p:grpSpPr>
+        <a:xfrm>
+          <a:off x="0" y="0"/>
+          <a:ext cx="0" cy="0"/>
+          <a:chOff x="0" y="0"/>
+          <a:chExt cx="0" cy="0"/>
+        </a:xfrm>
+      </p:grpSpPr>
+      <p:sp>
+        <p:nvSpPr>
+          <p:cNvPr id="2" name="Title 1">
+            <a:extLst>
+              <a:ext uri="{FF2B5EF4-FFF2-40B4-BE49-F238E27FC236}">
+                <a16:creationId xmlns:a16="http://schemas.microsoft.com/office/drawing/2014/main" id="{7E03C36A-FC39-4941-8CC3-8F132831394E}"/>
+              </a:ext>
+            </a:extLst>
+          </p:cNvPr>
+          <p:cNvSpPr>
+            <a:spLocks noGrp="1"/>
+          </p:cNvSpPr>
+          <p:nvPr>
+            <p:ph type="title"/>
+          </p:nvPr>
+        </p:nvSpPr>
+        <p:spPr/>
+        <p:txBody>
+          <a:bodyPr/>
+          <a:lstStyle/>
+          <a:p>
+            <a:endParaRPr lang="en-US"/>
+          </a:p>
+        </p:txBody>
+      </p:sp>
+      <p:sp>
+        <p:nvSpPr>
+          <p:cNvPr id="3" name="Content Placeholder 2">
+            <a:extLst>
+              <a:ext uri="{FF2B5EF4-FFF2-40B4-BE49-F238E27FC236}">
+                <a16:creationId xmlns:a16="http://schemas.microsoft.com/office/drawing/2014/main" id="{C16D1EB4-BED1-470F-85D2-67B4B206F60B}"/>
+              </a:ext>
+            </a:extLst>
+          </p:cNvPr>
+          <p:cNvSpPr>
+            <a:spLocks noGrp="1"/>
+          </p:cNvSpPr>
+          <p:nvPr>
+            <p:ph idx="1"/>
+          </p:nvPr>
+        </p:nvSpPr>
+        <p:spPr/>
+        <p:txBody>
+          <a:bodyPr/>
+          <a:lstStyle/>
+          <a:p>
+            <a:endParaRPr lang="en-US"/>
+          </a:p>
+        </p:txBody>
+      </p:sp>
+    </p:spTree>
+    <p:extLst>
+      <p:ext uri="{BB962C8B-B14F-4D97-AF65-F5344CB8AC3E}">
+        <p14:creationId xmlns:p14="http://schemas.microsoft.com/office/powerpoint/2010/main" val="3892439352"/>
       </p:ext>
     </p:extLst>
   </p:cSld>
@@ -12204,7 +11023,18 @@
                   <a:schemeClr val="bg1"/>
                 </a:solidFill>
               </a:rPr>
-              <a:t>Why use it?</a:t>
+              <a:t>Regression</a:t>
+            </a:r>
+          </a:p>
+          <a:p>
+            <a:pPr lvl="1"/>
+            <a:r>
+              <a:rPr lang="en-US" dirty="0">
+                <a:solidFill>
+                  <a:schemeClr val="bg1"/>
+                </a:solidFill>
+              </a:rPr>
+              <a:t>Classification</a:t>
             </a:r>
           </a:p>
           <a:p>
@@ -12263,10 +11093,10 @@
       </p:grpSpPr>
       <p:sp>
         <p:nvSpPr>
-          <p:cNvPr id="2" name="Title 1">
+          <p:cNvPr id="4" name="Title 3">
             <a:extLst>
               <a:ext uri="{FF2B5EF4-FFF2-40B4-BE49-F238E27FC236}">
-                <a16:creationId xmlns:a16="http://schemas.microsoft.com/office/drawing/2014/main" id="{A36CB5F0-B8AC-4EB3-AA55-471CFE1C0AA6}"/>
+                <a16:creationId xmlns:a16="http://schemas.microsoft.com/office/drawing/2014/main" id="{99F4574F-EB59-44D5-8DDF-8B219526CD0F}"/>
               </a:ext>
             </a:extLst>
           </p:cNvPr>
@@ -12274,27 +11104,32 @@
             <a:spLocks noGrp="1"/>
           </p:cNvSpPr>
           <p:nvPr>
-            <p:ph type="title"/>
-          </p:nvPr>
-        </p:nvSpPr>
-        <p:spPr/>
+            <p:ph type="ctrTitle"/>
+          </p:nvPr>
+        </p:nvSpPr>
+        <p:spPr>
+          <a:xfrm>
+            <a:off x="1600200" y="1003714"/>
+            <a:ext cx="8991600" cy="1645920"/>
+          </a:xfrm>
+        </p:spPr>
         <p:txBody>
           <a:bodyPr/>
           <a:lstStyle/>
           <a:p>
             <a:r>
               <a:rPr lang="en-US" dirty="0"/>
-              <a:t>Background </a:t>
-            </a:r>
-          </a:p>
-        </p:txBody>
-      </p:sp>
-      <p:sp>
-        <p:nvSpPr>
-          <p:cNvPr id="3" name="Content Placeholder 2">
+              <a:t>Background</a:t>
+            </a:r>
+          </a:p>
+        </p:txBody>
+      </p:sp>
+      <p:sp>
+        <p:nvSpPr>
+          <p:cNvPr id="5" name="Subtitle 4">
             <a:extLst>
               <a:ext uri="{FF2B5EF4-FFF2-40B4-BE49-F238E27FC236}">
-                <a16:creationId xmlns:a16="http://schemas.microsoft.com/office/drawing/2014/main" id="{03E96807-710A-4E0D-B199-C6301F71F3AD}"/>
+                <a16:creationId xmlns:a16="http://schemas.microsoft.com/office/drawing/2014/main" id="{737C62AE-7EEA-47C4-8A2C-A98ACE77941D}"/>
               </a:ext>
             </a:extLst>
           </p:cNvPr>
@@ -12302,21 +11137,25 @@
             <a:spLocks noGrp="1"/>
           </p:cNvSpPr>
           <p:nvPr>
-            <p:ph idx="1"/>
-          </p:nvPr>
-        </p:nvSpPr>
-        <p:spPr/>
-        <p:txBody>
-          <a:bodyPr/>
+            <p:ph type="subTitle" idx="1"/>
+          </p:nvPr>
+        </p:nvSpPr>
+        <p:spPr>
+          <a:xfrm>
+            <a:off x="2695194" y="2923794"/>
+            <a:ext cx="6801612" cy="2322576"/>
+          </a:xfrm>
+        </p:spPr>
+        <p:txBody>
+          <a:bodyPr>
+            <a:normAutofit/>
+          </a:bodyPr>
           <a:lstStyle/>
           <a:p>
             <a:r>
               <a:rPr lang="en-US" dirty="0"/>
-              <a:t>Stands for:</a:t>
-            </a:r>
-          </a:p>
-          <a:p>
-            <a:pPr lvl="1"/>
+              <a:t>Stands for: </a:t>
+            </a:r>
             <a:r>
               <a:rPr lang="en-US" dirty="0" err="1"/>
               <a:t>eXtreme</a:t>
@@ -12329,46 +11168,14 @@
           <a:p>
             <a:r>
               <a:rPr lang="en-US" dirty="0"/>
-              <a:t>Creator:</a:t>
-            </a:r>
-          </a:p>
-          <a:p>
-            <a:pPr lvl="1"/>
+              <a:t>Creator: Tianqi Chen</a:t>
+            </a:r>
+          </a:p>
+          <a:p>
             <a:r>
               <a:rPr lang="en-US" dirty="0"/>
-              <a:t>Tianqi Chen</a:t>
-            </a:r>
-          </a:p>
-          <a:p>
-            <a:r>
-              <a:rPr lang="en-US" dirty="0"/>
-              <a:t>Type:</a:t>
-            </a:r>
-          </a:p>
-          <a:p>
-            <a:pPr lvl="1"/>
-            <a:r>
-              <a:rPr lang="en-US" dirty="0"/>
-              <a:t>Tree-based boosting algorithm</a:t>
-            </a:r>
-          </a:p>
-          <a:p>
-            <a:pPr lvl="1"/>
-            <a:r>
-              <a:rPr lang="en-US" dirty="0"/>
-              <a:t>Unsupervised Machine Learning</a:t>
-            </a:r>
-          </a:p>
-          <a:p>
-            <a:pPr lvl="1"/>
-            <a:endParaRPr lang="en-US" dirty="0">
-              <a:solidFill>
-                <a:srgbClr val="13294B"/>
-              </a:solidFill>
-              <a:latin typeface="Calibri" charset="0"/>
-              <a:ea typeface="Calibri" charset="0"/>
-              <a:cs typeface="Calibri" charset="0"/>
-            </a:endParaRPr>
+              <a:t>Type: Tree-based boosting algorithm</a:t>
+            </a:r>
           </a:p>
           <a:p>
             <a:endParaRPr lang="en-US" dirty="0"/>
@@ -12378,7 +11185,7 @@
     </p:spTree>
     <p:extLst>
       <p:ext uri="{BB962C8B-B14F-4D97-AF65-F5344CB8AC3E}">
-        <p14:creationId xmlns:p14="http://schemas.microsoft.com/office/powerpoint/2010/main" val="1445558342"/>
+        <p14:creationId xmlns:p14="http://schemas.microsoft.com/office/powerpoint/2010/main" val="1486545661"/>
       </p:ext>
     </p:extLst>
   </p:cSld>
@@ -12417,74 +11224,10 @@
       </p:grpSpPr>
       <p:sp>
         <p:nvSpPr>
-          <p:cNvPr id="2" name="Title 1">
+          <p:cNvPr id="12" name="Rectangle 11">
             <a:extLst>
               <a:ext uri="{FF2B5EF4-FFF2-40B4-BE49-F238E27FC236}">
-                <a16:creationId xmlns:a16="http://schemas.microsoft.com/office/drawing/2014/main" id="{1DB45D01-0F12-4451-B2B3-13403C4E3FCA}"/>
-              </a:ext>
-            </a:extLst>
-          </p:cNvPr>
-          <p:cNvSpPr>
-            <a:spLocks noGrp="1"/>
-          </p:cNvSpPr>
-          <p:nvPr>
-            <p:ph type="title"/>
-          </p:nvPr>
-        </p:nvSpPr>
-        <p:spPr>
-          <a:xfrm>
-            <a:off x="804672" y="964692"/>
-            <a:ext cx="4476806" cy="1188720"/>
-          </a:xfrm>
-        </p:spPr>
-        <p:txBody>
-          <a:bodyPr>
-            <a:normAutofit/>
-          </a:bodyPr>
-          <a:lstStyle/>
-          <a:p>
-            <a:endParaRPr lang="en-US"/>
-          </a:p>
-        </p:txBody>
-      </p:sp>
-      <p:sp>
-        <p:nvSpPr>
-          <p:cNvPr id="3" name="Content Placeholder 2">
-            <a:extLst>
-              <a:ext uri="{FF2B5EF4-FFF2-40B4-BE49-F238E27FC236}">
-                <a16:creationId xmlns:a16="http://schemas.microsoft.com/office/drawing/2014/main" id="{51560EFE-CF1A-413B-8334-51607C233AD8}"/>
-              </a:ext>
-            </a:extLst>
-          </p:cNvPr>
-          <p:cNvSpPr>
-            <a:spLocks noGrp="1"/>
-          </p:cNvSpPr>
-          <p:nvPr>
-            <p:ph idx="1"/>
-          </p:nvPr>
-        </p:nvSpPr>
-        <p:spPr>
-          <a:xfrm>
-            <a:off x="803244" y="2638044"/>
-            <a:ext cx="4492932" cy="3263206"/>
-          </a:xfrm>
-        </p:spPr>
-        <p:txBody>
-          <a:bodyPr>
-            <a:normAutofit/>
-          </a:bodyPr>
-          <a:lstStyle/>
-          <a:p>
-            <a:endParaRPr lang="en-US"/>
-          </a:p>
-        </p:txBody>
-      </p:sp>
-      <p:sp>
-        <p:nvSpPr>
-          <p:cNvPr id="9" name="Rectangle 8">
-            <a:extLst>
-              <a:ext uri="{FF2B5EF4-FFF2-40B4-BE49-F238E27FC236}">
-                <a16:creationId xmlns:a16="http://schemas.microsoft.com/office/drawing/2014/main" id="{56533F40-045E-4E3D-9243-864CD4E58669}"/>
+                <a16:creationId xmlns:a16="http://schemas.microsoft.com/office/drawing/2014/main" id="{5FA21C72-692C-49FD-9EB4-DDDDDEBD4BD6}"/>
               </a:ext>
               <a:ext uri="{C183D7F6-B498-43B3-948B-1728B52AA6E4}">
                 <adec:decorative xmlns:adec="http://schemas.microsoft.com/office/drawing/2017/decorative" val="1"/>
@@ -12504,18 +11247,19 @@
         </p:nvSpPr>
         <p:spPr>
           <a:xfrm>
-            <a:off x="5943605" y="964692"/>
-            <a:ext cx="5440680" cy="4936558"/>
+            <a:off x="1575405" y="950977"/>
+            <a:ext cx="9041190" cy="4956047"/>
           </a:xfrm>
           <a:prstGeom prst="rect">
             <a:avLst/>
           </a:prstGeom>
-          <a:noFill/>
-          <a:ln w="31750" cap="sq">
+          <a:solidFill>
+            <a:srgbClr val="FFFFFF"/>
+          </a:solidFill>
+          <a:ln w="31750">
             <a:solidFill>
-              <a:srgbClr val="FFFFFF"/>
+              <a:srgbClr val="404040"/>
             </a:solidFill>
-            <a:miter lim="800000"/>
           </a:ln>
         </p:spPr>
         <p:style>
@@ -12539,16 +11283,64 @@
           <a:lstStyle/>
           <a:p>
             <a:pPr algn="ctr"/>
-            <a:endParaRPr lang="en-US" dirty="0"/>
-          </a:p>
-        </p:txBody>
-      </p:sp>
-      <p:sp>
-        <p:nvSpPr>
-          <p:cNvPr id="11" name="Rectangle 10">
+            <a:endParaRPr lang="en-US"/>
+          </a:p>
+        </p:txBody>
+      </p:sp>
+      <p:pic>
+        <p:nvPicPr>
+          <p:cNvPr id="7" name="Picture 4">
             <a:extLst>
               <a:ext uri="{FF2B5EF4-FFF2-40B4-BE49-F238E27FC236}">
-                <a16:creationId xmlns:a16="http://schemas.microsoft.com/office/drawing/2014/main" id="{30402EC6-D845-41B3-BEBE-CB34D9BFEA60}"/>
+                <a16:creationId xmlns:a16="http://schemas.microsoft.com/office/drawing/2014/main" id="{8FE3C69F-4435-414C-97A0-DEAAC86D689B}"/>
+              </a:ext>
+            </a:extLst>
+          </p:cNvPr>
+          <p:cNvPicPr>
+            <a:picLocks noGrp="1" noChangeAspect="1" noChangeArrowheads="1"/>
+          </p:cNvPicPr>
+          <p:nvPr>
+            <p:ph idx="1"/>
+          </p:nvPr>
+        </p:nvPicPr>
+        <p:blipFill>
+          <a:blip r:embed="rId3">
+            <a:extLst>
+              <a:ext uri="{28A0092B-C50C-407E-A947-70E740481C1C}">
+                <a14:useLocalDpi xmlns:a14="http://schemas.microsoft.com/office/drawing/2010/main" val="0"/>
+              </a:ext>
+            </a:extLst>
+          </a:blip>
+          <a:stretch>
+            <a:fillRect/>
+          </a:stretch>
+        </p:blipFill>
+        <p:spPr bwMode="auto">
+          <a:xfrm>
+            <a:off x="2366210" y="1321518"/>
+            <a:ext cx="7915425" cy="4214963"/>
+          </a:xfrm>
+          <a:prstGeom prst="rect">
+            <a:avLst/>
+          </a:prstGeom>
+          <a:noFill/>
+          <a:extLst>
+            <a:ext uri="{909E8E84-426E-40DD-AFC4-6F175D3DCCD1}">
+              <a14:hiddenFill xmlns:a14="http://schemas.microsoft.com/office/drawing/2010/main">
+                <a:solidFill>
+                  <a:srgbClr val="FFFFFF"/>
+                </a:solidFill>
+              </a14:hiddenFill>
+            </a:ext>
+          </a:extLst>
+        </p:spPr>
+      </p:pic>
+      <p:sp>
+        <p:nvSpPr>
+          <p:cNvPr id="14" name="Oval 13">
+            <a:extLst>
+              <a:ext uri="{FF2B5EF4-FFF2-40B4-BE49-F238E27FC236}">
+                <a16:creationId xmlns:a16="http://schemas.microsoft.com/office/drawing/2014/main" id="{FBAF941A-6830-47A3-B63C-7C7B66AEA73B}"/>
               </a:ext>
               <a:ext uri="{C183D7F6-B498-43B3-948B-1728B52AA6E4}">
                 <adec:decorative xmlns:adec="http://schemas.microsoft.com/office/drawing/2017/decorative" val="1"/>
@@ -12568,16 +11360,16 @@
         </p:nvSpPr>
         <p:spPr>
           <a:xfrm>
-            <a:off x="6110699" y="1128683"/>
-            <a:ext cx="5106493" cy="4608576"/>
+            <a:off x="632380" y="624518"/>
+            <a:ext cx="2157984" cy="2157984"/>
           </a:xfrm>
-          <a:prstGeom prst="rect">
+          <a:prstGeom prst="ellipse">
             <a:avLst/>
           </a:prstGeom>
           <a:solidFill>
-            <a:srgbClr val="FFFFFF"/>
+            <a:srgbClr val="404040"/>
           </a:solidFill>
-          <a:ln>
+          <a:ln w="31750">
             <a:noFill/>
           </a:ln>
         </p:spPr>
@@ -12606,62 +11398,240 @@
           </a:p>
         </p:txBody>
       </p:sp>
-      <p:pic>
-        <p:nvPicPr>
-          <p:cNvPr id="4" name="Picture 4" descr="Image result for gradient descent">
+      <p:sp>
+        <p:nvSpPr>
+          <p:cNvPr id="2" name="Title 1">
             <a:extLst>
               <a:ext uri="{FF2B5EF4-FFF2-40B4-BE49-F238E27FC236}">
-                <a16:creationId xmlns:a16="http://schemas.microsoft.com/office/drawing/2014/main" id="{67838020-6D2A-410D-BB47-06164DAA60EC}"/>
+                <a16:creationId xmlns:a16="http://schemas.microsoft.com/office/drawing/2014/main" id="{49F96309-6BD2-445D-AA55-E4C5DFF77BBA}"/>
               </a:ext>
             </a:extLst>
           </p:cNvPr>
-          <p:cNvPicPr>
-            <a:picLocks noChangeAspect="1" noChangeArrowheads="1"/>
-          </p:cNvPicPr>
-          <p:nvPr/>
-        </p:nvPicPr>
-        <p:blipFill>
-          <a:blip r:embed="rId3">
+          <p:cNvSpPr>
+            <a:spLocks noGrp="1"/>
+          </p:cNvSpPr>
+          <p:nvPr>
+            <p:ph type="title"/>
+          </p:nvPr>
+        </p:nvSpPr>
+        <p:spPr>
+          <a:xfrm>
+            <a:off x="796972" y="789110"/>
+            <a:ext cx="1866218" cy="1828800"/>
+          </a:xfrm>
+          <a:prstGeom prst="ellipse">
+            <a:avLst/>
+          </a:prstGeom>
+          <a:noFill/>
+          <a:ln>
+            <a:solidFill>
+              <a:srgbClr val="FFFFFF"/>
+            </a:solidFill>
+          </a:ln>
+        </p:spPr>
+        <p:txBody>
+          <a:bodyPr vert="horz" lIns="182880" tIns="182880" rIns="182880" bIns="182880" rtlCol="0" anchor="ctr">
+            <a:normAutofit/>
+          </a:bodyPr>
+          <a:lstStyle/>
+          <a:p>
+            <a:r>
+              <a:rPr lang="en-US" sz="1000" dirty="0">
+                <a:solidFill>
+                  <a:srgbClr val="FFFFFF"/>
+                </a:solidFill>
+              </a:rPr>
+              <a:t>Evolution of Decision Trees</a:t>
+            </a:r>
+          </a:p>
+        </p:txBody>
+      </p:sp>
+      <p:sp>
+        <p:nvSpPr>
+          <p:cNvPr id="6" name="Rectangle 5">
             <a:extLst>
-              <a:ext uri="{28A0092B-C50C-407E-A947-70E740481C1C}">
-                <a14:useLocalDpi xmlns:a14="http://schemas.microsoft.com/office/drawing/2010/main" val="0"/>
+              <a:ext uri="{FF2B5EF4-FFF2-40B4-BE49-F238E27FC236}">
+                <a16:creationId xmlns:a16="http://schemas.microsoft.com/office/drawing/2014/main" id="{B94B2EB8-02BD-4CE2-88E0-A118F3B682A8}"/>
               </a:ext>
             </a:extLst>
-          </a:blip>
-          <a:stretch>
-            <a:fillRect/>
-          </a:stretch>
-        </p:blipFill>
-        <p:spPr bwMode="auto">
+          </p:cNvPr>
+          <p:cNvSpPr/>
+          <p:nvPr/>
+        </p:nvSpPr>
+        <p:spPr>
           <a:xfrm>
-            <a:off x="6272789" y="1651560"/>
-            <a:ext cx="4782312" cy="3562822"/>
+            <a:off x="8010525" y="1246310"/>
+            <a:ext cx="2157984" cy="2430340"/>
           </a:xfrm>
           <a:prstGeom prst="rect">
             <a:avLst/>
           </a:prstGeom>
           <a:noFill/>
-          <a:extLst>
-            <a:ext uri="{909E8E84-426E-40DD-AFC4-6F175D3DCCD1}">
-              <a14:hiddenFill xmlns:a14="http://schemas.microsoft.com/office/drawing/2010/main">
-                <a:solidFill>
-                  <a:srgbClr val="FFFFFF"/>
-                </a:solidFill>
-              </a14:hiddenFill>
-            </a:ext>
-          </a:extLst>
+          <a:ln w="38100">
+            <a:solidFill>
+              <a:srgbClr val="FF0000"/>
+            </a:solidFill>
+          </a:ln>
         </p:spPr>
-      </p:pic>
+        <p:style>
+          <a:lnRef idx="2">
+            <a:schemeClr val="accent1">
+              <a:shade val="50000"/>
+            </a:schemeClr>
+          </a:lnRef>
+          <a:fillRef idx="1">
+            <a:schemeClr val="accent1"/>
+          </a:fillRef>
+          <a:effectRef idx="0">
+            <a:schemeClr val="accent1"/>
+          </a:effectRef>
+          <a:fontRef idx="minor">
+            <a:schemeClr val="lt1"/>
+          </a:fontRef>
+        </p:style>
+        <p:txBody>
+          <a:bodyPr rtlCol="0" anchor="ctr"/>
+          <a:lstStyle/>
+          <a:p>
+            <a:pPr algn="ctr"/>
+            <a:endParaRPr lang="en-US"/>
+          </a:p>
+        </p:txBody>
+      </p:sp>
     </p:spTree>
     <p:extLst>
       <p:ext uri="{BB962C8B-B14F-4D97-AF65-F5344CB8AC3E}">
-        <p14:creationId xmlns:p14="http://schemas.microsoft.com/office/powerpoint/2010/main" val="2324449371"/>
+        <p14:creationId xmlns:p14="http://schemas.microsoft.com/office/powerpoint/2010/main" val="1610747562"/>
       </p:ext>
     </p:extLst>
   </p:cSld>
   <p:clrMapOvr>
     <a:masterClrMapping/>
   </p:clrMapOvr>
+  <p:timing>
+    <p:tnLst>
+      <p:par>
+        <p:cTn id="1" dur="indefinite" restart="never" nodeType="tmRoot">
+          <p:childTnLst>
+            <p:seq concurrent="1" nextAc="seek">
+              <p:cTn id="2" dur="indefinite" nodeType="mainSeq">
+                <p:childTnLst>
+                  <p:par>
+                    <p:cTn id="3" fill="hold">
+                      <p:stCondLst>
+                        <p:cond delay="indefinite"/>
+                      </p:stCondLst>
+                      <p:childTnLst>
+                        <p:par>
+                          <p:cTn id="4" fill="hold">
+                            <p:stCondLst>
+                              <p:cond delay="0"/>
+                            </p:stCondLst>
+                            <p:childTnLst>
+                              <p:par>
+                                <p:cTn id="5" presetID="2" presetClass="entr" presetSubtype="4" fill="hold" grpId="0" nodeType="clickEffect">
+                                  <p:stCondLst>
+                                    <p:cond delay="0"/>
+                                  </p:stCondLst>
+                                  <p:childTnLst>
+                                    <p:set>
+                                      <p:cBhvr>
+                                        <p:cTn id="6" dur="1" fill="hold">
+                                          <p:stCondLst>
+                                            <p:cond delay="0"/>
+                                          </p:stCondLst>
+                                        </p:cTn>
+                                        <p:tgtEl>
+                                          <p:spTgt spid="6"/>
+                                        </p:tgtEl>
+                                        <p:attrNameLst>
+                                          <p:attrName>style.visibility</p:attrName>
+                                        </p:attrNameLst>
+                                      </p:cBhvr>
+                                      <p:to>
+                                        <p:strVal val="visible"/>
+                                      </p:to>
+                                    </p:set>
+                                    <p:anim calcmode="lin" valueType="num">
+                                      <p:cBhvr additive="base">
+                                        <p:cTn id="7" dur="500" fill="hold"/>
+                                        <p:tgtEl>
+                                          <p:spTgt spid="6"/>
+                                        </p:tgtEl>
+                                        <p:attrNameLst>
+                                          <p:attrName>ppt_x</p:attrName>
+                                        </p:attrNameLst>
+                                      </p:cBhvr>
+                                      <p:tavLst>
+                                        <p:tav tm="0">
+                                          <p:val>
+                                            <p:strVal val="#ppt_x"/>
+                                          </p:val>
+                                        </p:tav>
+                                        <p:tav tm="100000">
+                                          <p:val>
+                                            <p:strVal val="#ppt_x"/>
+                                          </p:val>
+                                        </p:tav>
+                                      </p:tavLst>
+                                    </p:anim>
+                                    <p:anim calcmode="lin" valueType="num">
+                                      <p:cBhvr additive="base">
+                                        <p:cTn id="8" dur="500" fill="hold"/>
+                                        <p:tgtEl>
+                                          <p:spTgt spid="6"/>
+                                        </p:tgtEl>
+                                        <p:attrNameLst>
+                                          <p:attrName>ppt_y</p:attrName>
+                                        </p:attrNameLst>
+                                      </p:cBhvr>
+                                      <p:tavLst>
+                                        <p:tav tm="0">
+                                          <p:val>
+                                            <p:strVal val="1+#ppt_h/2"/>
+                                          </p:val>
+                                        </p:tav>
+                                        <p:tav tm="100000">
+                                          <p:val>
+                                            <p:strVal val="#ppt_y"/>
+                                          </p:val>
+                                        </p:tav>
+                                      </p:tavLst>
+                                    </p:anim>
+                                  </p:childTnLst>
+                                </p:cTn>
+                              </p:par>
+                            </p:childTnLst>
+                          </p:cTn>
+                        </p:par>
+                      </p:childTnLst>
+                    </p:cTn>
+                  </p:par>
+                </p:childTnLst>
+              </p:cTn>
+              <p:prevCondLst>
+                <p:cond evt="onPrev" delay="0">
+                  <p:tgtEl>
+                    <p:sldTgt/>
+                  </p:tgtEl>
+                </p:cond>
+              </p:prevCondLst>
+              <p:nextCondLst>
+                <p:cond evt="onNext" delay="0">
+                  <p:tgtEl>
+                    <p:sldTgt/>
+                  </p:tgtEl>
+                </p:cond>
+              </p:nextCondLst>
+            </p:seq>
+          </p:childTnLst>
+        </p:cTn>
+      </p:par>
+    </p:tnLst>
+    <p:bldLst>
+      <p:bldP spid="6" grpId="0" animBg="1"/>
+    </p:bldLst>
+  </p:timing>
 </p:sld>
 </file>
 
@@ -12687,7 +11657,7 @@
           <p:cNvPr id="2" name="Title 1">
             <a:extLst>
               <a:ext uri="{FF2B5EF4-FFF2-40B4-BE49-F238E27FC236}">
-                <a16:creationId xmlns:a16="http://schemas.microsoft.com/office/drawing/2014/main" id="{57EC7F0B-F1BA-4EDE-B058-F41D91545603}"/>
+                <a16:creationId xmlns:a16="http://schemas.microsoft.com/office/drawing/2014/main" id="{D5A4BFA0-70F5-45E2-BE70-51640368AD42}"/>
               </a:ext>
             </a:extLst>
           </p:cNvPr>
@@ -12695,7 +11665,7 @@
             <a:spLocks noGrp="1"/>
           </p:cNvSpPr>
           <p:nvPr>
-            <p:ph type="title"/>
+            <p:ph type="ctrTitle"/>
           </p:nvPr>
         </p:nvSpPr>
         <p:spPr/>
@@ -12705,22 +11675,17 @@
           <a:p>
             <a:r>
               <a:rPr lang="en-US" dirty="0"/>
-              <a:t>The Math Behind </a:t>
-            </a:r>
-            <a:r>
-              <a:rPr lang="en-US" dirty="0" err="1"/>
-              <a:t>XGBoost</a:t>
-            </a:r>
-            <a:endParaRPr lang="en-US" dirty="0"/>
-          </a:p>
-        </p:txBody>
-      </p:sp>
-      <p:sp>
-        <p:nvSpPr>
-          <p:cNvPr id="3" name="Content Placeholder 2">
+              <a:t>Regression</a:t>
+            </a:r>
+          </a:p>
+        </p:txBody>
+      </p:sp>
+      <p:sp>
+        <p:nvSpPr>
+          <p:cNvPr id="3" name="Subtitle 2">
             <a:extLst>
               <a:ext uri="{FF2B5EF4-FFF2-40B4-BE49-F238E27FC236}">
-                <a16:creationId xmlns:a16="http://schemas.microsoft.com/office/drawing/2014/main" id="{62E8ED2C-BFD2-40F9-AF4D-8E2C1BDF54F1}"/>
+                <a16:creationId xmlns:a16="http://schemas.microsoft.com/office/drawing/2014/main" id="{32A701BE-3BB6-48EA-9221-6295795AF8A4}"/>
               </a:ext>
             </a:extLst>
           </p:cNvPr>
@@ -12728,7 +11693,7 @@
             <a:spLocks noGrp="1"/>
           </p:cNvSpPr>
           <p:nvPr>
-            <p:ph idx="1"/>
+            <p:ph type="subTitle" idx="1"/>
           </p:nvPr>
         </p:nvSpPr>
         <p:spPr/>
@@ -12736,14 +11701,21 @@
           <a:bodyPr/>
           <a:lstStyle/>
           <a:p>
-            <a:endParaRPr lang="en-US"/>
+            <a:r>
+              <a:rPr lang="en-US" dirty="0" err="1"/>
+              <a:t>XGBoost</a:t>
+            </a:r>
+            <a:r>
+              <a:rPr lang="en-US" dirty="0"/>
+              <a:t> for Regression</a:t>
+            </a:r>
           </a:p>
         </p:txBody>
       </p:sp>
     </p:spTree>
     <p:extLst>
       <p:ext uri="{BB962C8B-B14F-4D97-AF65-F5344CB8AC3E}">
-        <p14:creationId xmlns:p14="http://schemas.microsoft.com/office/powerpoint/2010/main" val="1836561115"/>
+        <p14:creationId xmlns:p14="http://schemas.microsoft.com/office/powerpoint/2010/main" val="278844775"/>
       </p:ext>
     </p:extLst>
   </p:cSld>
@@ -12772,61 +11744,380 @@
       </p:grpSpPr>
       <p:sp>
         <p:nvSpPr>
-          <p:cNvPr id="2" name="Title 1">
+          <p:cNvPr id="20" name="Footer Placeholder 19">
             <a:extLst>
               <a:ext uri="{FF2B5EF4-FFF2-40B4-BE49-F238E27FC236}">
-                <a16:creationId xmlns:a16="http://schemas.microsoft.com/office/drawing/2014/main" id="{A7BFF06A-DD17-4BE6-9C81-565E49E7F678}"/>
+                <a16:creationId xmlns:a16="http://schemas.microsoft.com/office/drawing/2014/main" id="{5F137F8F-62B2-4BE3-913B-BAEE5D918355}"/>
               </a:ext>
             </a:extLst>
           </p:cNvPr>
-          <p:cNvSpPr>
-            <a:spLocks noGrp="1"/>
-          </p:cNvSpPr>
-          <p:nvPr>
-            <p:ph type="title"/>
-          </p:nvPr>
-        </p:nvSpPr>
-        <p:spPr/>
-        <p:txBody>
-          <a:bodyPr/>
-          <a:lstStyle/>
-          <a:p>
-            <a:r>
-              <a:rPr lang="en-US" dirty="0"/>
-              <a:t>Objective function</a:t>
-            </a:r>
-          </a:p>
-        </p:txBody>
-      </p:sp>
-      <p:sp>
-        <p:nvSpPr>
-          <p:cNvPr id="3" name="Content Placeholder 2">
+          <p:cNvSpPr txBox="1">
+            <a:spLocks/>
+          </p:cNvSpPr>
+          <p:nvPr/>
+        </p:nvSpPr>
+        <p:spPr>
+          <a:xfrm>
+            <a:off x="4494874" y="6590561"/>
+            <a:ext cx="184731" cy="461665"/>
+          </a:xfrm>
+          <a:prstGeom prst="rect">
+            <a:avLst/>
+          </a:prstGeom>
+        </p:spPr>
+        <p:txBody>
+          <a:bodyPr vert="horz" wrap="square" lIns="91440" tIns="45720" rIns="91440" bIns="45720" rtlCol="0" anchor="b" anchorCtr="1">
+            <a:spAutoFit/>
+          </a:bodyPr>
+          <a:lstStyle>
+            <a:defPPr>
+              <a:defRPr lang="en-US"/>
+            </a:defPPr>
+            <a:lvl1pPr marL="0" algn="ctr" defTabSz="914400" rtl="0" eaLnBrk="1" latinLnBrk="0" hangingPunct="1">
+              <a:defRPr sz="1200" kern="1200">
+                <a:solidFill>
+                  <a:schemeClr val="tx1">
+                    <a:tint val="75000"/>
+                  </a:schemeClr>
+                </a:solidFill>
+                <a:latin typeface="+mn-lt"/>
+                <a:ea typeface="+mn-ea"/>
+                <a:cs typeface="+mn-cs"/>
+              </a:defRPr>
+            </a:lvl1pPr>
+            <a:lvl2pPr marL="457200" algn="l" defTabSz="914400" rtl="0" eaLnBrk="1" latinLnBrk="0" hangingPunct="1">
+              <a:defRPr sz="1800" kern="1200">
+                <a:solidFill>
+                  <a:schemeClr val="tx1"/>
+                </a:solidFill>
+                <a:latin typeface="+mn-lt"/>
+                <a:ea typeface="+mn-ea"/>
+                <a:cs typeface="+mn-cs"/>
+              </a:defRPr>
+            </a:lvl2pPr>
+            <a:lvl3pPr marL="914400" algn="l" defTabSz="914400" rtl="0" eaLnBrk="1" latinLnBrk="0" hangingPunct="1">
+              <a:defRPr sz="1800" kern="1200">
+                <a:solidFill>
+                  <a:schemeClr val="tx1"/>
+                </a:solidFill>
+                <a:latin typeface="+mn-lt"/>
+                <a:ea typeface="+mn-ea"/>
+                <a:cs typeface="+mn-cs"/>
+              </a:defRPr>
+            </a:lvl3pPr>
+            <a:lvl4pPr marL="1371600" algn="l" defTabSz="914400" rtl="0" eaLnBrk="1" latinLnBrk="0" hangingPunct="1">
+              <a:defRPr sz="1800" kern="1200">
+                <a:solidFill>
+                  <a:schemeClr val="tx1"/>
+                </a:solidFill>
+                <a:latin typeface="+mn-lt"/>
+                <a:ea typeface="+mn-ea"/>
+                <a:cs typeface="+mn-cs"/>
+              </a:defRPr>
+            </a:lvl4pPr>
+            <a:lvl5pPr marL="1828800" algn="l" defTabSz="914400" rtl="0" eaLnBrk="1" latinLnBrk="0" hangingPunct="1">
+              <a:defRPr sz="1800" kern="1200">
+                <a:solidFill>
+                  <a:schemeClr val="tx1"/>
+                </a:solidFill>
+                <a:latin typeface="+mn-lt"/>
+                <a:ea typeface="+mn-ea"/>
+                <a:cs typeface="+mn-cs"/>
+              </a:defRPr>
+            </a:lvl5pPr>
+            <a:lvl6pPr marL="2286000" algn="l" defTabSz="914400" rtl="0" eaLnBrk="1" latinLnBrk="0" hangingPunct="1">
+              <a:defRPr sz="1800" kern="1200">
+                <a:solidFill>
+                  <a:schemeClr val="tx1"/>
+                </a:solidFill>
+                <a:latin typeface="+mn-lt"/>
+                <a:ea typeface="+mn-ea"/>
+                <a:cs typeface="+mn-cs"/>
+              </a:defRPr>
+            </a:lvl6pPr>
+            <a:lvl7pPr marL="2743200" algn="l" defTabSz="914400" rtl="0" eaLnBrk="1" latinLnBrk="0" hangingPunct="1">
+              <a:defRPr sz="1800" kern="1200">
+                <a:solidFill>
+                  <a:schemeClr val="tx1"/>
+                </a:solidFill>
+                <a:latin typeface="+mn-lt"/>
+                <a:ea typeface="+mn-ea"/>
+                <a:cs typeface="+mn-cs"/>
+              </a:defRPr>
+            </a:lvl7pPr>
+            <a:lvl8pPr marL="3200400" algn="l" defTabSz="914400" rtl="0" eaLnBrk="1" latinLnBrk="0" hangingPunct="1">
+              <a:defRPr sz="1800" kern="1200">
+                <a:solidFill>
+                  <a:schemeClr val="tx1"/>
+                </a:solidFill>
+                <a:latin typeface="+mn-lt"/>
+                <a:ea typeface="+mn-ea"/>
+                <a:cs typeface="+mn-cs"/>
+              </a:defRPr>
+            </a:lvl8pPr>
+            <a:lvl9pPr marL="3657600" algn="l" defTabSz="914400" rtl="0" eaLnBrk="1" latinLnBrk="0" hangingPunct="1">
+              <a:defRPr sz="1800" kern="1200">
+                <a:solidFill>
+                  <a:schemeClr val="tx1"/>
+                </a:solidFill>
+                <a:latin typeface="+mn-lt"/>
+                <a:ea typeface="+mn-ea"/>
+                <a:cs typeface="+mn-cs"/>
+              </a:defRPr>
+            </a:lvl9pPr>
+          </a:lstStyle>
+          <a:p>
+            <a:endParaRPr lang="en-US">
+              <a:solidFill>
+                <a:prstClr val="black">
+                  <a:tint val="75000"/>
+                </a:prstClr>
+              </a:solidFill>
+              <a:latin typeface="Calibri" panose="020F0502020204030204"/>
+            </a:endParaRPr>
+          </a:p>
+          <a:p>
+            <a:endParaRPr lang="en-US">
+              <a:solidFill>
+                <a:prstClr val="black">
+                  <a:tint val="75000"/>
+                </a:prstClr>
+              </a:solidFill>
+              <a:latin typeface="Calibri" panose="020F0502020204030204"/>
+            </a:endParaRPr>
+          </a:p>
+        </p:txBody>
+      </p:sp>
+      <p:graphicFrame>
+        <p:nvGraphicFramePr>
+          <p:cNvPr id="21" name="Chart 20">
             <a:extLst>
               <a:ext uri="{FF2B5EF4-FFF2-40B4-BE49-F238E27FC236}">
-                <a16:creationId xmlns:a16="http://schemas.microsoft.com/office/drawing/2014/main" id="{7EC0DAC6-F3ED-41EB-920B-A8648BE873DA}"/>
+                <a16:creationId xmlns:a16="http://schemas.microsoft.com/office/drawing/2014/main" id="{4A5016A9-A1EB-4738-8235-994F66A9145F}"/>
               </a:ext>
             </a:extLst>
           </p:cNvPr>
-          <p:cNvSpPr>
-            <a:spLocks noGrp="1"/>
-          </p:cNvSpPr>
-          <p:nvPr>
-            <p:ph idx="1"/>
-          </p:nvPr>
-        </p:nvSpPr>
-        <p:spPr/>
-        <p:txBody>
-          <a:bodyPr/>
-          <a:lstStyle/>
-          <a:p>
-            <a:endParaRPr lang="en-US"/>
-          </a:p>
-        </p:txBody>
-      </p:sp>
+          <p:cNvGraphicFramePr/>
+          <p:nvPr>
+            <p:extLst>
+              <p:ext uri="{D42A27DB-BD31-4B8C-83A1-F6EECF244321}">
+                <p14:modId xmlns:p14="http://schemas.microsoft.com/office/powerpoint/2010/main" val="3400137661"/>
+              </p:ext>
+            </p:extLst>
+          </p:nvPr>
+        </p:nvGraphicFramePr>
+        <p:xfrm>
+          <a:off x="111760" y="1330452"/>
+          <a:ext cx="5450840" cy="5418667"/>
+        </p:xfrm>
+        <a:graphic>
+          <a:graphicData uri="http://schemas.openxmlformats.org/drawingml/2006/chart">
+            <c:chart xmlns:c="http://schemas.openxmlformats.org/drawingml/2006/chart" xmlns:r="http://schemas.openxmlformats.org/officeDocument/2006/relationships" r:id="rId2"/>
+          </a:graphicData>
+        </a:graphic>
+      </p:graphicFrame>
+      <p:cxnSp>
+        <p:nvCxnSpPr>
+          <p:cNvPr id="22" name="Straight Connector 21">
+            <a:extLst>
+              <a:ext uri="{FF2B5EF4-FFF2-40B4-BE49-F238E27FC236}">
+                <a16:creationId xmlns:a16="http://schemas.microsoft.com/office/drawing/2014/main" id="{E4FC8511-A811-4BDB-A8FE-D3515386DF3C}"/>
+              </a:ext>
+            </a:extLst>
+          </p:cNvPr>
+          <p:cNvCxnSpPr>
+            <a:cxnSpLocks/>
+          </p:cNvCxnSpPr>
+          <p:nvPr/>
+        </p:nvCxnSpPr>
+        <p:spPr>
+          <a:xfrm>
+            <a:off x="524380" y="4352362"/>
+            <a:ext cx="4933445" cy="0"/>
+          </a:xfrm>
+          <a:prstGeom prst="line">
+            <a:avLst/>
+          </a:prstGeom>
+          <a:noFill/>
+          <a:ln w="38100" cap="flat" cmpd="sng" algn="ctr">
+            <a:solidFill>
+              <a:srgbClr val="FF0000"/>
+            </a:solidFill>
+            <a:prstDash val="dash"/>
+            <a:miter lim="800000"/>
+          </a:ln>
+          <a:effectLst/>
+        </p:spPr>
+      </p:cxnSp>
+      <p:cxnSp>
+        <p:nvCxnSpPr>
+          <p:cNvPr id="23" name="Straight Connector 22">
+            <a:extLst>
+              <a:ext uri="{FF2B5EF4-FFF2-40B4-BE49-F238E27FC236}">
+                <a16:creationId xmlns:a16="http://schemas.microsoft.com/office/drawing/2014/main" id="{5E6C0ADD-C7DC-46F0-AB26-BB52FD72C9E5}"/>
+              </a:ext>
+            </a:extLst>
+          </p:cNvPr>
+          <p:cNvCxnSpPr>
+            <a:cxnSpLocks/>
+          </p:cNvCxnSpPr>
+          <p:nvPr/>
+        </p:nvCxnSpPr>
+        <p:spPr>
+          <a:xfrm flipV="1">
+            <a:off x="1908266" y="2967523"/>
+            <a:ext cx="0" cy="1380931"/>
+          </a:xfrm>
+          <a:prstGeom prst="line">
+            <a:avLst/>
+          </a:prstGeom>
+          <a:noFill/>
+          <a:ln w="38100" cap="flat" cmpd="sng" algn="ctr">
+            <a:solidFill>
+              <a:sysClr val="windowText" lastClr="000000"/>
+            </a:solidFill>
+            <a:prstDash val="dash"/>
+            <a:miter lim="800000"/>
+          </a:ln>
+          <a:effectLst/>
+        </p:spPr>
+      </p:cxnSp>
+      <p:cxnSp>
+        <p:nvCxnSpPr>
+          <p:cNvPr id="24" name="Straight Connector 23">
+            <a:extLst>
+              <a:ext uri="{FF2B5EF4-FFF2-40B4-BE49-F238E27FC236}">
+                <a16:creationId xmlns:a16="http://schemas.microsoft.com/office/drawing/2014/main" id="{E712A049-4883-4C9B-8EA6-4FEBCFCAEEC2}"/>
+              </a:ext>
+            </a:extLst>
+          </p:cNvPr>
+          <p:cNvCxnSpPr>
+            <a:cxnSpLocks/>
+          </p:cNvCxnSpPr>
+          <p:nvPr/>
+        </p:nvCxnSpPr>
+        <p:spPr>
+          <a:xfrm flipV="1">
+            <a:off x="4985580" y="4352362"/>
+            <a:ext cx="0" cy="467288"/>
+          </a:xfrm>
+          <a:prstGeom prst="line">
+            <a:avLst/>
+          </a:prstGeom>
+          <a:noFill/>
+          <a:ln w="38100" cap="flat" cmpd="sng" algn="ctr">
+            <a:solidFill>
+              <a:sysClr val="windowText" lastClr="000000"/>
+            </a:solidFill>
+            <a:prstDash val="dash"/>
+            <a:miter lim="800000"/>
+          </a:ln>
+          <a:effectLst/>
+        </p:spPr>
+      </p:cxnSp>
+      <p:cxnSp>
+        <p:nvCxnSpPr>
+          <p:cNvPr id="25" name="Straight Connector 24">
+            <a:extLst>
+              <a:ext uri="{FF2B5EF4-FFF2-40B4-BE49-F238E27FC236}">
+                <a16:creationId xmlns:a16="http://schemas.microsoft.com/office/drawing/2014/main" id="{A77AAA21-4474-4356-88F7-C221DD73094E}"/>
+              </a:ext>
+            </a:extLst>
+          </p:cNvPr>
+          <p:cNvCxnSpPr>
+            <a:cxnSpLocks/>
+          </p:cNvCxnSpPr>
+          <p:nvPr/>
+        </p:nvCxnSpPr>
+        <p:spPr>
+          <a:xfrm flipV="1">
+            <a:off x="4284813" y="4348454"/>
+            <a:ext cx="0" cy="942391"/>
+          </a:xfrm>
+          <a:prstGeom prst="line">
+            <a:avLst/>
+          </a:prstGeom>
+          <a:noFill/>
+          <a:ln w="38100" cap="flat" cmpd="sng" algn="ctr">
+            <a:solidFill>
+              <a:sysClr val="windowText" lastClr="000000"/>
+            </a:solidFill>
+            <a:prstDash val="dash"/>
+            <a:miter lim="800000"/>
+          </a:ln>
+          <a:effectLst/>
+        </p:spPr>
+      </p:cxnSp>
+      <p:cxnSp>
+        <p:nvCxnSpPr>
+          <p:cNvPr id="26" name="Straight Connector 25">
+            <a:extLst>
+              <a:ext uri="{FF2B5EF4-FFF2-40B4-BE49-F238E27FC236}">
+                <a16:creationId xmlns:a16="http://schemas.microsoft.com/office/drawing/2014/main" id="{2D8FA4FF-177E-41CE-9301-2B6CB21FB6DA}"/>
+              </a:ext>
+            </a:extLst>
+          </p:cNvPr>
+          <p:cNvCxnSpPr>
+            <a:cxnSpLocks/>
+          </p:cNvCxnSpPr>
+          <p:nvPr/>
+        </p:nvCxnSpPr>
+        <p:spPr>
+          <a:xfrm flipV="1">
+            <a:off x="2583959" y="2351702"/>
+            <a:ext cx="0" cy="1996752"/>
+          </a:xfrm>
+          <a:prstGeom prst="line">
+            <a:avLst/>
+          </a:prstGeom>
+          <a:noFill/>
+          <a:ln w="38100" cap="flat" cmpd="sng" algn="ctr">
+            <a:solidFill>
+              <a:sysClr val="windowText" lastClr="000000"/>
+            </a:solidFill>
+            <a:prstDash val="dash"/>
+            <a:miter lim="800000"/>
+          </a:ln>
+          <a:effectLst/>
+        </p:spPr>
+      </p:cxnSp>
+      <p:cxnSp>
+        <p:nvCxnSpPr>
+          <p:cNvPr id="27" name="Straight Connector 26">
+            <a:extLst>
+              <a:ext uri="{FF2B5EF4-FFF2-40B4-BE49-F238E27FC236}">
+                <a16:creationId xmlns:a16="http://schemas.microsoft.com/office/drawing/2014/main" id="{34116D7A-96D2-4200-A803-E6C0DC5B2ADA}"/>
+              </a:ext>
+            </a:extLst>
+          </p:cNvPr>
+          <p:cNvCxnSpPr>
+            <a:cxnSpLocks/>
+          </p:cNvCxnSpPr>
+          <p:nvPr/>
+        </p:nvCxnSpPr>
+        <p:spPr>
+          <a:xfrm flipV="1">
+            <a:off x="3542639" y="1943100"/>
+            <a:ext cx="0" cy="4647461"/>
+          </a:xfrm>
+          <a:prstGeom prst="line">
+            <a:avLst/>
+          </a:prstGeom>
+          <a:noFill/>
+          <a:ln w="38100" cap="flat" cmpd="sng" algn="ctr">
+            <a:solidFill>
+              <a:srgbClr val="70AD47"/>
+            </a:solidFill>
+            <a:prstDash val="dash"/>
+            <a:miter lim="800000"/>
+          </a:ln>
+          <a:effectLst/>
+        </p:spPr>
+      </p:cxnSp>
     </p:spTree>
     <p:extLst>
       <p:ext uri="{BB962C8B-B14F-4D97-AF65-F5344CB8AC3E}">
-        <p14:creationId xmlns:p14="http://schemas.microsoft.com/office/powerpoint/2010/main" val="210367299"/>
+        <p14:creationId xmlns:p14="http://schemas.microsoft.com/office/powerpoint/2010/main" val="4221289878"/>
       </p:ext>
     </p:extLst>
   </p:cSld>
@@ -12858,7 +12149,7 @@
           <p:cNvPr id="2" name="Title 1">
             <a:extLst>
               <a:ext uri="{FF2B5EF4-FFF2-40B4-BE49-F238E27FC236}">
-                <a16:creationId xmlns:a16="http://schemas.microsoft.com/office/drawing/2014/main" id="{F1AD2FD5-982A-43DA-A97D-057DC1B501ED}"/>
+                <a16:creationId xmlns:a16="http://schemas.microsoft.com/office/drawing/2014/main" id="{78E01CB7-010D-4598-B50A-840B12993162}"/>
               </a:ext>
             </a:extLst>
           </p:cNvPr>
@@ -12874,10 +12165,7 @@
           <a:bodyPr/>
           <a:lstStyle/>
           <a:p>
-            <a:r>
-              <a:rPr lang="en-US" dirty="0"/>
-              <a:t>Taylor’s Theorem </a:t>
-            </a:r>
+            <a:endParaRPr lang="en-US"/>
           </a:p>
         </p:txBody>
       </p:sp>
@@ -12886,7 +12174,7 @@
           <p:cNvPr id="3" name="Content Placeholder 2">
             <a:extLst>
               <a:ext uri="{FF2B5EF4-FFF2-40B4-BE49-F238E27FC236}">
-                <a16:creationId xmlns:a16="http://schemas.microsoft.com/office/drawing/2014/main" id="{4F36621E-3183-4116-AD2B-1D7F15A214A4}"/>
+                <a16:creationId xmlns:a16="http://schemas.microsoft.com/office/drawing/2014/main" id="{74F109D0-921B-4046-ABD7-8584C1962CBD}"/>
               </a:ext>
             </a:extLst>
           </p:cNvPr>
@@ -12902,17 +12190,14 @@
           <a:bodyPr/>
           <a:lstStyle/>
           <a:p>
-            <a:pPr marL="0" indent="0">
-              <a:buNone/>
-            </a:pPr>
-            <a:endParaRPr lang="en-US" dirty="0"/>
+            <a:endParaRPr lang="en-US"/>
           </a:p>
         </p:txBody>
       </p:sp>
     </p:spTree>
     <p:extLst>
       <p:ext uri="{BB962C8B-B14F-4D97-AF65-F5344CB8AC3E}">
-        <p14:creationId xmlns:p14="http://schemas.microsoft.com/office/powerpoint/2010/main" val="822139584"/>
+        <p14:creationId xmlns:p14="http://schemas.microsoft.com/office/powerpoint/2010/main" val="2977205955"/>
       </p:ext>
     </p:extLst>
   </p:cSld>
@@ -12944,7 +12229,7 @@
           <p:cNvPr id="2" name="Title 1">
             <a:extLst>
               <a:ext uri="{FF2B5EF4-FFF2-40B4-BE49-F238E27FC236}">
-                <a16:creationId xmlns:a16="http://schemas.microsoft.com/office/drawing/2014/main" id="{49F96309-6BD2-445D-AA55-E4C5DFF77BBA}"/>
+                <a16:creationId xmlns:a16="http://schemas.microsoft.com/office/drawing/2014/main" id="{D5A4BFA0-70F5-45E2-BE70-51640368AD42}"/>
               </a:ext>
             </a:extLst>
           </p:cNvPr>
@@ -12952,7 +12237,7 @@
             <a:spLocks noGrp="1"/>
           </p:cNvSpPr>
           <p:nvPr>
-            <p:ph type="title"/>
+            <p:ph type="ctrTitle"/>
           </p:nvPr>
         </p:nvSpPr>
         <p:spPr/>
@@ -12962,93 +12247,47 @@
           <a:p>
             <a:r>
               <a:rPr lang="en-US" dirty="0"/>
-              <a:t>Evolution of Decision Trees</a:t>
-            </a:r>
-          </a:p>
-        </p:txBody>
-      </p:sp>
-      <p:graphicFrame>
-        <p:nvGraphicFramePr>
-          <p:cNvPr id="4" name="Content Placeholder 3">
+              <a:t>Classification</a:t>
+            </a:r>
+          </a:p>
+        </p:txBody>
+      </p:sp>
+      <p:sp>
+        <p:nvSpPr>
+          <p:cNvPr id="3" name="Subtitle 2">
             <a:extLst>
               <a:ext uri="{FF2B5EF4-FFF2-40B4-BE49-F238E27FC236}">
-                <a16:creationId xmlns:a16="http://schemas.microsoft.com/office/drawing/2014/main" id="{00535DD4-E864-4360-8CFE-CA8B7BF7D590}"/>
+                <a16:creationId xmlns:a16="http://schemas.microsoft.com/office/drawing/2014/main" id="{32A701BE-3BB6-48EA-9221-6295795AF8A4}"/>
               </a:ext>
             </a:extLst>
           </p:cNvPr>
-          <p:cNvGraphicFramePr>
-            <a:graphicFrameLocks noGrp="1"/>
-          </p:cNvGraphicFramePr>
-          <p:nvPr>
-            <p:ph idx="1"/>
-            <p:extLst>
-              <p:ext uri="{D42A27DB-BD31-4B8C-83A1-F6EECF244321}">
-                <p14:modId xmlns:p14="http://schemas.microsoft.com/office/powerpoint/2010/main" val="519113728"/>
-              </p:ext>
-            </p:extLst>
-          </p:nvPr>
-        </p:nvGraphicFramePr>
-        <p:xfrm>
-          <a:off x="-2186940" y="1965961"/>
-          <a:ext cx="8967153" cy="4117340"/>
-        </p:xfrm>
-        <a:graphic>
-          <a:graphicData uri="http://schemas.openxmlformats.org/drawingml/2006/diagram">
-            <dgm:relIds xmlns:dgm="http://schemas.openxmlformats.org/drawingml/2006/diagram" xmlns:r="http://schemas.openxmlformats.org/officeDocument/2006/relationships" r:dm="rId3" r:lo="rId4" r:qs="rId5" r:cs="rId6"/>
-          </a:graphicData>
-        </a:graphic>
-      </p:graphicFrame>
-      <p:pic>
-        <p:nvPicPr>
-          <p:cNvPr id="1028" name="Picture 4">
-            <a:extLst>
-              <a:ext uri="{FF2B5EF4-FFF2-40B4-BE49-F238E27FC236}">
-                <a16:creationId xmlns:a16="http://schemas.microsoft.com/office/drawing/2014/main" id="{D238796E-E196-45B1-93B1-E0E066E68DC7}"/>
-              </a:ext>
-            </a:extLst>
-          </p:cNvPr>
-          <p:cNvPicPr>
-            <a:picLocks noChangeAspect="1" noChangeArrowheads="1"/>
-          </p:cNvPicPr>
-          <p:nvPr/>
-        </p:nvPicPr>
-        <p:blipFill>
-          <a:blip r:embed="rId8">
-            <a:extLst>
-              <a:ext uri="{28A0092B-C50C-407E-A947-70E740481C1C}">
-                <a14:useLocalDpi xmlns:a14="http://schemas.microsoft.com/office/drawing/2010/main" val="0"/>
-              </a:ext>
-            </a:extLst>
-          </a:blip>
-          <a:srcRect/>
-          <a:stretch>
-            <a:fillRect/>
-          </a:stretch>
-        </p:blipFill>
-        <p:spPr bwMode="auto">
-          <a:xfrm>
-            <a:off x="5734050" y="2835276"/>
-            <a:ext cx="6096000" cy="3248025"/>
-          </a:xfrm>
-          <a:prstGeom prst="rect">
-            <a:avLst/>
-          </a:prstGeom>
-          <a:noFill/>
-          <a:extLst>
-            <a:ext uri="{909E8E84-426E-40DD-AFC4-6F175D3DCCD1}">
-              <a14:hiddenFill xmlns:a14="http://schemas.microsoft.com/office/drawing/2010/main">
-                <a:solidFill>
-                  <a:srgbClr val="FFFFFF"/>
-                </a:solidFill>
-              </a14:hiddenFill>
-            </a:ext>
-          </a:extLst>
-        </p:spPr>
-      </p:pic>
+          <p:cNvSpPr>
+            <a:spLocks noGrp="1"/>
+          </p:cNvSpPr>
+          <p:nvPr>
+            <p:ph type="subTitle" idx="1"/>
+          </p:nvPr>
+        </p:nvSpPr>
+        <p:spPr/>
+        <p:txBody>
+          <a:bodyPr/>
+          <a:lstStyle/>
+          <a:p>
+            <a:r>
+              <a:rPr lang="en-US" dirty="0" err="1"/>
+              <a:t>XGBoost</a:t>
+            </a:r>
+            <a:r>
+              <a:rPr lang="en-US" dirty="0"/>
+              <a:t> for Classification</a:t>
+            </a:r>
+          </a:p>
+        </p:txBody>
+      </p:sp>
     </p:spTree>
     <p:extLst>
       <p:ext uri="{BB962C8B-B14F-4D97-AF65-F5344CB8AC3E}">
-        <p14:creationId xmlns:p14="http://schemas.microsoft.com/office/powerpoint/2010/main" val="1610747562"/>
+        <p14:creationId xmlns:p14="http://schemas.microsoft.com/office/powerpoint/2010/main" val="3103258495"/>
       </p:ext>
     </p:extLst>
   </p:cSld>
@@ -13939,6 +13178,578 @@
 </a:themeOverride>
 </file>
 
+<file path=ppt/theme/themeOverride2.xml><?xml version="1.0" encoding="utf-8"?>
+<a:themeOverride xmlns:a="http://schemas.openxmlformats.org/drawingml/2006/main">
+  <a:clrScheme name="Office">
+    <a:dk1>
+      <a:sysClr val="windowText" lastClr="000000"/>
+    </a:dk1>
+    <a:lt1>
+      <a:sysClr val="window" lastClr="FFFFFF"/>
+    </a:lt1>
+    <a:dk2>
+      <a:srgbClr val="44546A"/>
+    </a:dk2>
+    <a:lt2>
+      <a:srgbClr val="E7E6E6"/>
+    </a:lt2>
+    <a:accent1>
+      <a:srgbClr val="4472C4"/>
+    </a:accent1>
+    <a:accent2>
+      <a:srgbClr val="ED7D31"/>
+    </a:accent2>
+    <a:accent3>
+      <a:srgbClr val="A5A5A5"/>
+    </a:accent3>
+    <a:accent4>
+      <a:srgbClr val="FFC000"/>
+    </a:accent4>
+    <a:accent5>
+      <a:srgbClr val="5B9BD5"/>
+    </a:accent5>
+    <a:accent6>
+      <a:srgbClr val="70AD47"/>
+    </a:accent6>
+    <a:hlink>
+      <a:srgbClr val="0563C1"/>
+    </a:hlink>
+    <a:folHlink>
+      <a:srgbClr val="954F72"/>
+    </a:folHlink>
+  </a:clrScheme>
+  <a:fontScheme name="Office">
+    <a:majorFont>
+      <a:latin typeface="Calibri Light" panose="020F0302020204030204"/>
+      <a:ea typeface=""/>
+      <a:cs typeface=""/>
+      <a:font script="Jpan" typeface="游ゴシック Light"/>
+      <a:font script="Hang" typeface="맑은 고딕"/>
+      <a:font script="Hans" typeface="等线 Light"/>
+      <a:font script="Hant" typeface="新細明體"/>
+      <a:font script="Arab" typeface="Times New Roman"/>
+      <a:font script="Hebr" typeface="Times New Roman"/>
+      <a:font script="Thai" typeface="Angsana New"/>
+      <a:font script="Ethi" typeface="Nyala"/>
+      <a:font script="Beng" typeface="Vrinda"/>
+      <a:font script="Gujr" typeface="Shruti"/>
+      <a:font script="Khmr" typeface="MoolBoran"/>
+      <a:font script="Knda" typeface="Tunga"/>
+      <a:font script="Guru" typeface="Raavi"/>
+      <a:font script="Cans" typeface="Euphemia"/>
+      <a:font script="Cher" typeface="Plantagenet Cherokee"/>
+      <a:font script="Yiii" typeface="Microsoft Yi Baiti"/>
+      <a:font script="Tibt" typeface="Microsoft Himalaya"/>
+      <a:font script="Thaa" typeface="MV Boli"/>
+      <a:font script="Deva" typeface="Mangal"/>
+      <a:font script="Telu" typeface="Gautami"/>
+      <a:font script="Taml" typeface="Latha"/>
+      <a:font script="Syrc" typeface="Estrangelo Edessa"/>
+      <a:font script="Orya" typeface="Kalinga"/>
+      <a:font script="Mlym" typeface="Kartika"/>
+      <a:font script="Laoo" typeface="DokChampa"/>
+      <a:font script="Sinh" typeface="Iskoola Pota"/>
+      <a:font script="Mong" typeface="Mongolian Baiti"/>
+      <a:font script="Viet" typeface="Times New Roman"/>
+      <a:font script="Uigh" typeface="Microsoft Uighur"/>
+      <a:font script="Geor" typeface="Sylfaen"/>
+      <a:font script="Armn" typeface="Arial"/>
+      <a:font script="Bugi" typeface="Leelawadee UI"/>
+      <a:font script="Bopo" typeface="Microsoft JhengHei"/>
+      <a:font script="Java" typeface="Javanese Text"/>
+      <a:font script="Lisu" typeface="Segoe UI"/>
+      <a:font script="Mymr" typeface="Myanmar Text"/>
+      <a:font script="Nkoo" typeface="Ebrima"/>
+      <a:font script="Olck" typeface="Nirmala UI"/>
+      <a:font script="Osma" typeface="Ebrima"/>
+      <a:font script="Phag" typeface="Phagspa"/>
+      <a:font script="Syrn" typeface="Estrangelo Edessa"/>
+      <a:font script="Syrj" typeface="Estrangelo Edessa"/>
+      <a:font script="Syre" typeface="Estrangelo Edessa"/>
+      <a:font script="Sora" typeface="Nirmala UI"/>
+      <a:font script="Tale" typeface="Microsoft Tai Le"/>
+      <a:font script="Talu" typeface="Microsoft New Tai Lue"/>
+      <a:font script="Tfng" typeface="Ebrima"/>
+    </a:majorFont>
+    <a:minorFont>
+      <a:latin typeface="Calibri" panose="020F0502020204030204"/>
+      <a:ea typeface=""/>
+      <a:cs typeface=""/>
+      <a:font script="Jpan" typeface="游ゴシック"/>
+      <a:font script="Hang" typeface="맑은 고딕"/>
+      <a:font script="Hans" typeface="等线"/>
+      <a:font script="Hant" typeface="新細明體"/>
+      <a:font script="Arab" typeface="Arial"/>
+      <a:font script="Hebr" typeface="Arial"/>
+      <a:font script="Thai" typeface="Cordia New"/>
+      <a:font script="Ethi" typeface="Nyala"/>
+      <a:font script="Beng" typeface="Vrinda"/>
+      <a:font script="Gujr" typeface="Shruti"/>
+      <a:font script="Khmr" typeface="DaunPenh"/>
+      <a:font script="Knda" typeface="Tunga"/>
+      <a:font script="Guru" typeface="Raavi"/>
+      <a:font script="Cans" typeface="Euphemia"/>
+      <a:font script="Cher" typeface="Plantagenet Cherokee"/>
+      <a:font script="Yiii" typeface="Microsoft Yi Baiti"/>
+      <a:font script="Tibt" typeface="Microsoft Himalaya"/>
+      <a:font script="Thaa" typeface="MV Boli"/>
+      <a:font script="Deva" typeface="Mangal"/>
+      <a:font script="Telu" typeface="Gautami"/>
+      <a:font script="Taml" typeface="Latha"/>
+      <a:font script="Syrc" typeface="Estrangelo Edessa"/>
+      <a:font script="Orya" typeface="Kalinga"/>
+      <a:font script="Mlym" typeface="Kartika"/>
+      <a:font script="Laoo" typeface="DokChampa"/>
+      <a:font script="Sinh" typeface="Iskoola Pota"/>
+      <a:font script="Mong" typeface="Mongolian Baiti"/>
+      <a:font script="Viet" typeface="Arial"/>
+      <a:font script="Uigh" typeface="Microsoft Uighur"/>
+      <a:font script="Geor" typeface="Sylfaen"/>
+      <a:font script="Armn" typeface="Arial"/>
+      <a:font script="Bugi" typeface="Leelawadee UI"/>
+      <a:font script="Bopo" typeface="Microsoft JhengHei"/>
+      <a:font script="Java" typeface="Javanese Text"/>
+      <a:font script="Lisu" typeface="Segoe UI"/>
+      <a:font script="Mymr" typeface="Myanmar Text"/>
+      <a:font script="Nkoo" typeface="Ebrima"/>
+      <a:font script="Olck" typeface="Nirmala UI"/>
+      <a:font script="Osma" typeface="Ebrima"/>
+      <a:font script="Phag" typeface="Phagspa"/>
+      <a:font script="Syrn" typeface="Estrangelo Edessa"/>
+      <a:font script="Syrj" typeface="Estrangelo Edessa"/>
+      <a:font script="Syre" typeface="Estrangelo Edessa"/>
+      <a:font script="Sora" typeface="Nirmala UI"/>
+      <a:font script="Tale" typeface="Microsoft Tai Le"/>
+      <a:font script="Talu" typeface="Microsoft New Tai Lue"/>
+      <a:font script="Tfng" typeface="Ebrima"/>
+    </a:minorFont>
+  </a:fontScheme>
+  <a:fmtScheme name="Office">
+    <a:fillStyleLst>
+      <a:solidFill>
+        <a:schemeClr val="phClr"/>
+      </a:solidFill>
+      <a:gradFill rotWithShape="1">
+        <a:gsLst>
+          <a:gs pos="0">
+            <a:schemeClr val="phClr">
+              <a:lumMod val="110000"/>
+              <a:satMod val="105000"/>
+              <a:tint val="67000"/>
+            </a:schemeClr>
+          </a:gs>
+          <a:gs pos="50000">
+            <a:schemeClr val="phClr">
+              <a:lumMod val="105000"/>
+              <a:satMod val="103000"/>
+              <a:tint val="73000"/>
+            </a:schemeClr>
+          </a:gs>
+          <a:gs pos="100000">
+            <a:schemeClr val="phClr">
+              <a:lumMod val="105000"/>
+              <a:satMod val="109000"/>
+              <a:tint val="81000"/>
+            </a:schemeClr>
+          </a:gs>
+        </a:gsLst>
+        <a:lin ang="5400000" scaled="0"/>
+      </a:gradFill>
+      <a:gradFill rotWithShape="1">
+        <a:gsLst>
+          <a:gs pos="0">
+            <a:schemeClr val="phClr">
+              <a:satMod val="103000"/>
+              <a:lumMod val="102000"/>
+              <a:tint val="94000"/>
+            </a:schemeClr>
+          </a:gs>
+          <a:gs pos="50000">
+            <a:schemeClr val="phClr">
+              <a:satMod val="110000"/>
+              <a:lumMod val="100000"/>
+              <a:shade val="100000"/>
+            </a:schemeClr>
+          </a:gs>
+          <a:gs pos="100000">
+            <a:schemeClr val="phClr">
+              <a:lumMod val="99000"/>
+              <a:satMod val="120000"/>
+              <a:shade val="78000"/>
+            </a:schemeClr>
+          </a:gs>
+        </a:gsLst>
+        <a:lin ang="5400000" scaled="0"/>
+      </a:gradFill>
+    </a:fillStyleLst>
+    <a:lnStyleLst>
+      <a:ln w="6350" cap="flat" cmpd="sng" algn="ctr">
+        <a:solidFill>
+          <a:schemeClr val="phClr"/>
+        </a:solidFill>
+        <a:prstDash val="solid"/>
+        <a:miter lim="800000"/>
+      </a:ln>
+      <a:ln w="12700" cap="flat" cmpd="sng" algn="ctr">
+        <a:solidFill>
+          <a:schemeClr val="phClr"/>
+        </a:solidFill>
+        <a:prstDash val="solid"/>
+        <a:miter lim="800000"/>
+      </a:ln>
+      <a:ln w="19050" cap="flat" cmpd="sng" algn="ctr">
+        <a:solidFill>
+          <a:schemeClr val="phClr"/>
+        </a:solidFill>
+        <a:prstDash val="solid"/>
+        <a:miter lim="800000"/>
+      </a:ln>
+    </a:lnStyleLst>
+    <a:effectStyleLst>
+      <a:effectStyle>
+        <a:effectLst/>
+      </a:effectStyle>
+      <a:effectStyle>
+        <a:effectLst/>
+      </a:effectStyle>
+      <a:effectStyle>
+        <a:effectLst>
+          <a:outerShdw blurRad="57150" dist="19050" dir="5400000" algn="ctr" rotWithShape="0">
+            <a:srgbClr val="000000">
+              <a:alpha val="63000"/>
+            </a:srgbClr>
+          </a:outerShdw>
+        </a:effectLst>
+      </a:effectStyle>
+    </a:effectStyleLst>
+    <a:bgFillStyleLst>
+      <a:solidFill>
+        <a:schemeClr val="phClr"/>
+      </a:solidFill>
+      <a:solidFill>
+        <a:schemeClr val="phClr">
+          <a:tint val="95000"/>
+          <a:satMod val="170000"/>
+        </a:schemeClr>
+      </a:solidFill>
+      <a:gradFill rotWithShape="1">
+        <a:gsLst>
+          <a:gs pos="0">
+            <a:schemeClr val="phClr">
+              <a:tint val="93000"/>
+              <a:satMod val="150000"/>
+              <a:shade val="98000"/>
+              <a:lumMod val="102000"/>
+            </a:schemeClr>
+          </a:gs>
+          <a:gs pos="50000">
+            <a:schemeClr val="phClr">
+              <a:tint val="98000"/>
+              <a:satMod val="130000"/>
+              <a:shade val="90000"/>
+              <a:lumMod val="103000"/>
+            </a:schemeClr>
+          </a:gs>
+          <a:gs pos="100000">
+            <a:schemeClr val="phClr">
+              <a:shade val="63000"/>
+              <a:satMod val="120000"/>
+            </a:schemeClr>
+          </a:gs>
+        </a:gsLst>
+        <a:lin ang="5400000" scaled="0"/>
+      </a:gradFill>
+    </a:bgFillStyleLst>
+  </a:fmtScheme>
+</a:themeOverride>
+</file>
+
+<file path=ppt/theme/themeOverride3.xml><?xml version="1.0" encoding="utf-8"?>
+<a:themeOverride xmlns:a="http://schemas.openxmlformats.org/drawingml/2006/main">
+  <a:clrScheme name="Office">
+    <a:dk1>
+      <a:sysClr val="windowText" lastClr="000000"/>
+    </a:dk1>
+    <a:lt1>
+      <a:sysClr val="window" lastClr="FFFFFF"/>
+    </a:lt1>
+    <a:dk2>
+      <a:srgbClr val="44546A"/>
+    </a:dk2>
+    <a:lt2>
+      <a:srgbClr val="E7E6E6"/>
+    </a:lt2>
+    <a:accent1>
+      <a:srgbClr val="4472C4"/>
+    </a:accent1>
+    <a:accent2>
+      <a:srgbClr val="ED7D31"/>
+    </a:accent2>
+    <a:accent3>
+      <a:srgbClr val="A5A5A5"/>
+    </a:accent3>
+    <a:accent4>
+      <a:srgbClr val="FFC000"/>
+    </a:accent4>
+    <a:accent5>
+      <a:srgbClr val="5B9BD5"/>
+    </a:accent5>
+    <a:accent6>
+      <a:srgbClr val="70AD47"/>
+    </a:accent6>
+    <a:hlink>
+      <a:srgbClr val="0563C1"/>
+    </a:hlink>
+    <a:folHlink>
+      <a:srgbClr val="954F72"/>
+    </a:folHlink>
+  </a:clrScheme>
+  <a:fontScheme name="Office">
+    <a:majorFont>
+      <a:latin typeface="Calibri Light" panose="020F0302020204030204"/>
+      <a:ea typeface=""/>
+      <a:cs typeface=""/>
+      <a:font script="Jpan" typeface="游ゴシック Light"/>
+      <a:font script="Hang" typeface="맑은 고딕"/>
+      <a:font script="Hans" typeface="等线 Light"/>
+      <a:font script="Hant" typeface="新細明體"/>
+      <a:font script="Arab" typeface="Times New Roman"/>
+      <a:font script="Hebr" typeface="Times New Roman"/>
+      <a:font script="Thai" typeface="Angsana New"/>
+      <a:font script="Ethi" typeface="Nyala"/>
+      <a:font script="Beng" typeface="Vrinda"/>
+      <a:font script="Gujr" typeface="Shruti"/>
+      <a:font script="Khmr" typeface="MoolBoran"/>
+      <a:font script="Knda" typeface="Tunga"/>
+      <a:font script="Guru" typeface="Raavi"/>
+      <a:font script="Cans" typeface="Euphemia"/>
+      <a:font script="Cher" typeface="Plantagenet Cherokee"/>
+      <a:font script="Yiii" typeface="Microsoft Yi Baiti"/>
+      <a:font script="Tibt" typeface="Microsoft Himalaya"/>
+      <a:font script="Thaa" typeface="MV Boli"/>
+      <a:font script="Deva" typeface="Mangal"/>
+      <a:font script="Telu" typeface="Gautami"/>
+      <a:font script="Taml" typeface="Latha"/>
+      <a:font script="Syrc" typeface="Estrangelo Edessa"/>
+      <a:font script="Orya" typeface="Kalinga"/>
+      <a:font script="Mlym" typeface="Kartika"/>
+      <a:font script="Laoo" typeface="DokChampa"/>
+      <a:font script="Sinh" typeface="Iskoola Pota"/>
+      <a:font script="Mong" typeface="Mongolian Baiti"/>
+      <a:font script="Viet" typeface="Times New Roman"/>
+      <a:font script="Uigh" typeface="Microsoft Uighur"/>
+      <a:font script="Geor" typeface="Sylfaen"/>
+      <a:font script="Armn" typeface="Arial"/>
+      <a:font script="Bugi" typeface="Leelawadee UI"/>
+      <a:font script="Bopo" typeface="Microsoft JhengHei"/>
+      <a:font script="Java" typeface="Javanese Text"/>
+      <a:font script="Lisu" typeface="Segoe UI"/>
+      <a:font script="Mymr" typeface="Myanmar Text"/>
+      <a:font script="Nkoo" typeface="Ebrima"/>
+      <a:font script="Olck" typeface="Nirmala UI"/>
+      <a:font script="Osma" typeface="Ebrima"/>
+      <a:font script="Phag" typeface="Phagspa"/>
+      <a:font script="Syrn" typeface="Estrangelo Edessa"/>
+      <a:font script="Syrj" typeface="Estrangelo Edessa"/>
+      <a:font script="Syre" typeface="Estrangelo Edessa"/>
+      <a:font script="Sora" typeface="Nirmala UI"/>
+      <a:font script="Tale" typeface="Microsoft Tai Le"/>
+      <a:font script="Talu" typeface="Microsoft New Tai Lue"/>
+      <a:font script="Tfng" typeface="Ebrima"/>
+    </a:majorFont>
+    <a:minorFont>
+      <a:latin typeface="Calibri" panose="020F0502020204030204"/>
+      <a:ea typeface=""/>
+      <a:cs typeface=""/>
+      <a:font script="Jpan" typeface="游ゴシック"/>
+      <a:font script="Hang" typeface="맑은 고딕"/>
+      <a:font script="Hans" typeface="等线"/>
+      <a:font script="Hant" typeface="新細明體"/>
+      <a:font script="Arab" typeface="Arial"/>
+      <a:font script="Hebr" typeface="Arial"/>
+      <a:font script="Thai" typeface="Cordia New"/>
+      <a:font script="Ethi" typeface="Nyala"/>
+      <a:font script="Beng" typeface="Vrinda"/>
+      <a:font script="Gujr" typeface="Shruti"/>
+      <a:font script="Khmr" typeface="DaunPenh"/>
+      <a:font script="Knda" typeface="Tunga"/>
+      <a:font script="Guru" typeface="Raavi"/>
+      <a:font script="Cans" typeface="Euphemia"/>
+      <a:font script="Cher" typeface="Plantagenet Cherokee"/>
+      <a:font script="Yiii" typeface="Microsoft Yi Baiti"/>
+      <a:font script="Tibt" typeface="Microsoft Himalaya"/>
+      <a:font script="Thaa" typeface="MV Boli"/>
+      <a:font script="Deva" typeface="Mangal"/>
+      <a:font script="Telu" typeface="Gautami"/>
+      <a:font script="Taml" typeface="Latha"/>
+      <a:font script="Syrc" typeface="Estrangelo Edessa"/>
+      <a:font script="Orya" typeface="Kalinga"/>
+      <a:font script="Mlym" typeface="Kartika"/>
+      <a:font script="Laoo" typeface="DokChampa"/>
+      <a:font script="Sinh" typeface="Iskoola Pota"/>
+      <a:font script="Mong" typeface="Mongolian Baiti"/>
+      <a:font script="Viet" typeface="Arial"/>
+      <a:font script="Uigh" typeface="Microsoft Uighur"/>
+      <a:font script="Geor" typeface="Sylfaen"/>
+      <a:font script="Armn" typeface="Arial"/>
+      <a:font script="Bugi" typeface="Leelawadee UI"/>
+      <a:font script="Bopo" typeface="Microsoft JhengHei"/>
+      <a:font script="Java" typeface="Javanese Text"/>
+      <a:font script="Lisu" typeface="Segoe UI"/>
+      <a:font script="Mymr" typeface="Myanmar Text"/>
+      <a:font script="Nkoo" typeface="Ebrima"/>
+      <a:font script="Olck" typeface="Nirmala UI"/>
+      <a:font script="Osma" typeface="Ebrima"/>
+      <a:font script="Phag" typeface="Phagspa"/>
+      <a:font script="Syrn" typeface="Estrangelo Edessa"/>
+      <a:font script="Syrj" typeface="Estrangelo Edessa"/>
+      <a:font script="Syre" typeface="Estrangelo Edessa"/>
+      <a:font script="Sora" typeface="Nirmala UI"/>
+      <a:font script="Tale" typeface="Microsoft Tai Le"/>
+      <a:font script="Talu" typeface="Microsoft New Tai Lue"/>
+      <a:font script="Tfng" typeface="Ebrima"/>
+    </a:minorFont>
+  </a:fontScheme>
+  <a:fmtScheme name="Office">
+    <a:fillStyleLst>
+      <a:solidFill>
+        <a:schemeClr val="phClr"/>
+      </a:solidFill>
+      <a:gradFill rotWithShape="1">
+        <a:gsLst>
+          <a:gs pos="0">
+            <a:schemeClr val="phClr">
+              <a:lumMod val="110000"/>
+              <a:satMod val="105000"/>
+              <a:tint val="67000"/>
+            </a:schemeClr>
+          </a:gs>
+          <a:gs pos="50000">
+            <a:schemeClr val="phClr">
+              <a:lumMod val="105000"/>
+              <a:satMod val="103000"/>
+              <a:tint val="73000"/>
+            </a:schemeClr>
+          </a:gs>
+          <a:gs pos="100000">
+            <a:schemeClr val="phClr">
+              <a:lumMod val="105000"/>
+              <a:satMod val="109000"/>
+              <a:tint val="81000"/>
+            </a:schemeClr>
+          </a:gs>
+        </a:gsLst>
+        <a:lin ang="5400000" scaled="0"/>
+      </a:gradFill>
+      <a:gradFill rotWithShape="1">
+        <a:gsLst>
+          <a:gs pos="0">
+            <a:schemeClr val="phClr">
+              <a:satMod val="103000"/>
+              <a:lumMod val="102000"/>
+              <a:tint val="94000"/>
+            </a:schemeClr>
+          </a:gs>
+          <a:gs pos="50000">
+            <a:schemeClr val="phClr">
+              <a:satMod val="110000"/>
+              <a:lumMod val="100000"/>
+              <a:shade val="100000"/>
+            </a:schemeClr>
+          </a:gs>
+          <a:gs pos="100000">
+            <a:schemeClr val="phClr">
+              <a:lumMod val="99000"/>
+              <a:satMod val="120000"/>
+              <a:shade val="78000"/>
+            </a:schemeClr>
+          </a:gs>
+        </a:gsLst>
+        <a:lin ang="5400000" scaled="0"/>
+      </a:gradFill>
+    </a:fillStyleLst>
+    <a:lnStyleLst>
+      <a:ln w="6350" cap="flat" cmpd="sng" algn="ctr">
+        <a:solidFill>
+          <a:schemeClr val="phClr"/>
+        </a:solidFill>
+        <a:prstDash val="solid"/>
+        <a:miter lim="800000"/>
+      </a:ln>
+      <a:ln w="12700" cap="flat" cmpd="sng" algn="ctr">
+        <a:solidFill>
+          <a:schemeClr val="phClr"/>
+        </a:solidFill>
+        <a:prstDash val="solid"/>
+        <a:miter lim="800000"/>
+      </a:ln>
+      <a:ln w="19050" cap="flat" cmpd="sng" algn="ctr">
+        <a:solidFill>
+          <a:schemeClr val="phClr"/>
+        </a:solidFill>
+        <a:prstDash val="solid"/>
+        <a:miter lim="800000"/>
+      </a:ln>
+    </a:lnStyleLst>
+    <a:effectStyleLst>
+      <a:effectStyle>
+        <a:effectLst/>
+      </a:effectStyle>
+      <a:effectStyle>
+        <a:effectLst/>
+      </a:effectStyle>
+      <a:effectStyle>
+        <a:effectLst>
+          <a:outerShdw blurRad="57150" dist="19050" dir="5400000" algn="ctr" rotWithShape="0">
+            <a:srgbClr val="000000">
+              <a:alpha val="63000"/>
+            </a:srgbClr>
+          </a:outerShdw>
+        </a:effectLst>
+      </a:effectStyle>
+    </a:effectStyleLst>
+    <a:bgFillStyleLst>
+      <a:solidFill>
+        <a:schemeClr val="phClr"/>
+      </a:solidFill>
+      <a:solidFill>
+        <a:schemeClr val="phClr">
+          <a:tint val="95000"/>
+          <a:satMod val="170000"/>
+        </a:schemeClr>
+      </a:solidFill>
+      <a:gradFill rotWithShape="1">
+        <a:gsLst>
+          <a:gs pos="0">
+            <a:schemeClr val="phClr">
+              <a:tint val="93000"/>
+              <a:satMod val="150000"/>
+              <a:shade val="98000"/>
+              <a:lumMod val="102000"/>
+            </a:schemeClr>
+          </a:gs>
+          <a:gs pos="50000">
+            <a:schemeClr val="phClr">
+              <a:tint val="98000"/>
+              <a:satMod val="130000"/>
+              <a:shade val="90000"/>
+              <a:lumMod val="103000"/>
+            </a:schemeClr>
+          </a:gs>
+          <a:gs pos="100000">
+            <a:schemeClr val="phClr">
+              <a:shade val="63000"/>
+              <a:satMod val="120000"/>
+            </a:schemeClr>
+          </a:gs>
+        </a:gsLst>
+        <a:lin ang="5400000" scaled="0"/>
+      </a:gradFill>
+    </a:bgFillStyleLst>
+  </a:fmtScheme>
+</a:themeOverride>
+</file>
+
 <file path=customXml/item1.xml><?xml version="1.0" encoding="utf-8"?>
 <p:properties xmlns:p="http://schemas.microsoft.com/office/2006/metadata/properties" xmlns:xsi="http://www.w3.org/2001/XMLSchema-instance" xmlns:pc="http://schemas.microsoft.com/office/infopath/2007/PartnerControls">
   <documentManagement>

--- a/XGBoost.pptx
+++ b/XGBoost.pptx
@@ -2143,7 +2143,7 @@
           <a:p>
             <a:fld id="{7551480C-35CC-4934-8EA7-894FE1EC2542}" type="datetimeFigureOut">
               <a:rPr lang="en-US" smtClean="0"/>
-              <a:t>4/7/2022</a:t>
+              <a:t>4/11/2022</a:t>
             </a:fld>
             <a:endParaRPr lang="en-US"/>
           </a:p>
@@ -3125,7 +3125,7 @@
           <a:p>
             <a:fld id="{9184DA70-C731-4C70-880D-CCD4705E623C}" type="datetime1">
               <a:rPr lang="en-US" smtClean="0"/>
-              <a:t>4/7/2022</a:t>
+              <a:t>4/11/2022</a:t>
             </a:fld>
             <a:endParaRPr lang="en-US" dirty="0"/>
           </a:p>
@@ -3361,7 +3361,7 @@
           <a:p>
             <a:fld id="{9184DA70-C731-4C70-880D-CCD4705E623C}" type="datetime1">
               <a:rPr lang="en-US" smtClean="0"/>
-              <a:t>4/7/2022</a:t>
+              <a:t>4/11/2022</a:t>
             </a:fld>
             <a:endParaRPr lang="en-US" dirty="0"/>
           </a:p>
@@ -3531,7 +3531,7 @@
           <a:p>
             <a:fld id="{4BE1D723-8F53-4F53-90B0-1982A396982E}" type="datetime1">
               <a:rPr lang="en-US" smtClean="0"/>
-              <a:t>4/7/2022</a:t>
+              <a:t>4/11/2022</a:t>
             </a:fld>
             <a:endParaRPr lang="en-US" dirty="0"/>
           </a:p>
@@ -3799,7 +3799,7 @@
           <a:p>
             <a:fld id="{97669AF7-7BEB-44E4-9852-375E34362B5B}" type="datetime1">
               <a:rPr lang="en-US" smtClean="0"/>
-              <a:t>4/7/2022</a:t>
+              <a:t>4/11/2022</a:t>
             </a:fld>
             <a:endParaRPr lang="en-US" dirty="0"/>
           </a:p>
@@ -4031,7 +4031,7 @@
           <a:p>
             <a:fld id="{BAAAC38D-0552-4C82-B593-E6124DFADBE2}" type="datetime1">
               <a:rPr lang="en-US" smtClean="0"/>
-              <a:t>4/7/2022</a:t>
+              <a:t>4/11/2022</a:t>
             </a:fld>
             <a:endParaRPr lang="en-US" dirty="0"/>
           </a:p>
@@ -4390,7 +4390,7 @@
           <a:p>
             <a:fld id="{62D6E202-B606-4609-B914-27C9371A1F6D}" type="datetime1">
               <a:rPr lang="en-US" smtClean="0"/>
-              <a:t>4/7/2022</a:t>
+              <a:t>4/11/2022</a:t>
             </a:fld>
             <a:endParaRPr lang="en-US" dirty="0"/>
           </a:p>
@@ -4532,7 +4532,7 @@
           <a:p>
             <a:fld id="{1775B394-D9F9-4F0C-B15D-605F45CB9E9F}" type="datetime1">
               <a:rPr lang="en-US" smtClean="0"/>
-              <a:t>4/7/2022</a:t>
+              <a:t>4/11/2022</a:t>
             </a:fld>
             <a:endParaRPr lang="en-US" dirty="0"/>
           </a:p>
@@ -4627,7 +4627,7 @@
           <a:p>
             <a:fld id="{39667345-2558-425A-8533-9BFDBCE15005}" type="datetime1">
               <a:rPr lang="en-US" smtClean="0"/>
-              <a:t>4/7/2022</a:t>
+              <a:t>4/11/2022</a:t>
             </a:fld>
             <a:endParaRPr lang="en-US" dirty="0"/>
           </a:p>
@@ -4984,7 +4984,7 @@
           <a:p>
             <a:fld id="{92BEA474-078D-4E9B-9B14-09A87B19DC46}" type="datetime1">
               <a:rPr lang="en-US" smtClean="0"/>
-              <a:t>4/7/2022</a:t>
+              <a:t>4/11/2022</a:t>
             </a:fld>
             <a:endParaRPr lang="en-US" dirty="0"/>
           </a:p>
@@ -5342,7 +5342,7 @@
           <a:p>
             <a:fld id="{4907D986-8816-4272-A432-0437A28A9828}" type="datetime1">
               <a:rPr lang="en-US" smtClean="0"/>
-              <a:t>4/7/2022</a:t>
+              <a:t>4/11/2022</a:t>
             </a:fld>
             <a:endParaRPr lang="en-US" dirty="0"/>
           </a:p>
@@ -5528,7 +5528,7 @@
           <a:p>
             <a:fld id="{62D6E202-B606-4609-B914-27C9371A1F6D}" type="datetime1">
               <a:rPr lang="en-US" smtClean="0"/>
-              <a:t>4/7/2022</a:t>
+              <a:t>4/11/2022</a:t>
             </a:fld>
             <a:endParaRPr lang="en-US" dirty="0"/>
           </a:p>
@@ -5730,7 +5730,7 @@
           <a:p>
             <a:fld id="{4BE1D723-8F53-4F53-90B0-1982A396982E}" type="datetime1">
               <a:rPr lang="en-US" smtClean="0"/>
-              <a:t>4/7/2022</a:t>
+              <a:t>4/11/2022</a:t>
             </a:fld>
             <a:endParaRPr lang="en-US" dirty="0"/>
           </a:p>
@@ -5922,7 +5922,7 @@
           <a:p>
             <a:fld id="{62D6E202-B606-4609-B914-27C9371A1F6D}" type="datetime1">
               <a:rPr lang="en-US" smtClean="0"/>
-              <a:t>4/7/2022</a:t>
+              <a:t>4/11/2022</a:t>
             </a:fld>
             <a:endParaRPr lang="en-US" dirty="0"/>
           </a:p>
@@ -6284,7 +6284,7 @@
           <a:p>
             <a:fld id="{97669AF7-7BEB-44E4-9852-375E34362B5B}" type="datetime1">
               <a:rPr lang="en-US" smtClean="0"/>
-              <a:t>4/7/2022</a:t>
+              <a:t>4/11/2022</a:t>
             </a:fld>
             <a:endParaRPr lang="en-US" dirty="0"/>
           </a:p>
@@ -6539,7 +6539,7 @@
           <a:p>
             <a:fld id="{BAAAC38D-0552-4C82-B593-E6124DFADBE2}" type="datetime1">
               <a:rPr lang="en-US" smtClean="0"/>
-              <a:t>4/7/2022</a:t>
+              <a:t>4/11/2022</a:t>
             </a:fld>
             <a:endParaRPr lang="en-US" dirty="0"/>
           </a:p>
@@ -6936,7 +6936,7 @@
           <a:p>
             <a:fld id="{D9DF0F1C-5577-4ACB-BB62-DF8F3C494C7E}" type="datetime1">
               <a:rPr lang="en-US" smtClean="0"/>
-              <a:t>4/7/2022</a:t>
+              <a:t>4/11/2022</a:t>
             </a:fld>
             <a:endParaRPr lang="en-US" dirty="0"/>
           </a:p>
@@ -7072,7 +7072,7 @@
           <a:p>
             <a:fld id="{1775B394-D9F9-4F0C-B15D-605F45CB9E9F}" type="datetime1">
               <a:rPr lang="en-US" smtClean="0"/>
-              <a:t>4/7/2022</a:t>
+              <a:t>4/11/2022</a:t>
             </a:fld>
             <a:endParaRPr lang="en-US" dirty="0"/>
           </a:p>
@@ -7229,7 +7229,7 @@
           <a:p>
             <a:fld id="{39667345-2558-425A-8533-9BFDBCE15005}" type="datetime1">
               <a:rPr lang="en-US" smtClean="0"/>
-              <a:t>4/7/2022</a:t>
+              <a:t>4/11/2022</a:t>
             </a:fld>
             <a:endParaRPr lang="en-US" dirty="0"/>
           </a:p>
@@ -7558,7 +7558,7 @@
           <a:p>
             <a:fld id="{92BEA474-078D-4E9B-9B14-09A87B19DC46}" type="datetime1">
               <a:rPr lang="en-US" smtClean="0"/>
-              <a:t>4/7/2022</a:t>
+              <a:t>4/11/2022</a:t>
             </a:fld>
             <a:endParaRPr lang="en-US" dirty="0"/>
           </a:p>
@@ -7908,7 +7908,7 @@
           <a:p>
             <a:fld id="{4907D986-8816-4272-A432-0437A28A9828}" type="datetime1">
               <a:rPr lang="en-US" smtClean="0"/>
-              <a:t>4/7/2022</a:t>
+              <a:t>4/11/2022</a:t>
             </a:fld>
             <a:endParaRPr lang="en-US" dirty="0"/>
           </a:p>
@@ -8169,7 +8169,7 @@
           <a:p>
             <a:fld id="{62D6E202-B606-4609-B914-27C9371A1F6D}" type="datetime1">
               <a:rPr lang="en-US" smtClean="0"/>
-              <a:t>4/7/2022</a:t>
+              <a:t>4/11/2022</a:t>
             </a:fld>
             <a:endParaRPr lang="en-US" dirty="0"/>
           </a:p>
@@ -8839,7 +8839,7 @@
           <a:p>
             <a:fld id="{62D6E202-B606-4609-B914-27C9371A1F6D}" type="datetime1">
               <a:rPr lang="en-US" smtClean="0"/>
-              <a:t>4/7/2022</a:t>
+              <a:t>4/11/2022</a:t>
             </a:fld>
             <a:endParaRPr lang="en-US" dirty="0"/>
           </a:p>
@@ -10137,6 +10137,528 @@
   <p:clrMapOvr>
     <a:masterClrMapping/>
   </p:clrMapOvr>
+  <p:timing>
+    <p:tnLst>
+      <p:par>
+        <p:cTn id="1" dur="indefinite" restart="never" nodeType="tmRoot">
+          <p:childTnLst>
+            <p:seq concurrent="1" nextAc="seek">
+              <p:cTn id="2" dur="indefinite" nodeType="mainSeq">
+                <p:childTnLst>
+                  <p:par>
+                    <p:cTn id="3" fill="hold">
+                      <p:stCondLst>
+                        <p:cond delay="indefinite"/>
+                      </p:stCondLst>
+                      <p:childTnLst>
+                        <p:par>
+                          <p:cTn id="4" fill="hold">
+                            <p:stCondLst>
+                              <p:cond delay="0"/>
+                            </p:stCondLst>
+                            <p:childTnLst>
+                              <p:par>
+                                <p:cTn id="5" presetID="2" presetClass="entr" presetSubtype="4" fill="hold" nodeType="clickEffect">
+                                  <p:stCondLst>
+                                    <p:cond delay="0"/>
+                                  </p:stCondLst>
+                                  <p:childTnLst>
+                                    <p:set>
+                                      <p:cBhvr>
+                                        <p:cTn id="6" dur="1" fill="hold">
+                                          <p:stCondLst>
+                                            <p:cond delay="0"/>
+                                          </p:stCondLst>
+                                        </p:cTn>
+                                        <p:tgtEl>
+                                          <p:spTgt spid="5"/>
+                                        </p:tgtEl>
+                                        <p:attrNameLst>
+                                          <p:attrName>style.visibility</p:attrName>
+                                        </p:attrNameLst>
+                                      </p:cBhvr>
+                                      <p:to>
+                                        <p:strVal val="visible"/>
+                                      </p:to>
+                                    </p:set>
+                                    <p:anim calcmode="lin" valueType="num">
+                                      <p:cBhvr additive="base">
+                                        <p:cTn id="7" dur="500" fill="hold"/>
+                                        <p:tgtEl>
+                                          <p:spTgt spid="5"/>
+                                        </p:tgtEl>
+                                        <p:attrNameLst>
+                                          <p:attrName>ppt_x</p:attrName>
+                                        </p:attrNameLst>
+                                      </p:cBhvr>
+                                      <p:tavLst>
+                                        <p:tav tm="0">
+                                          <p:val>
+                                            <p:strVal val="#ppt_x"/>
+                                          </p:val>
+                                        </p:tav>
+                                        <p:tav tm="100000">
+                                          <p:val>
+                                            <p:strVal val="#ppt_x"/>
+                                          </p:val>
+                                        </p:tav>
+                                      </p:tavLst>
+                                    </p:anim>
+                                    <p:anim calcmode="lin" valueType="num">
+                                      <p:cBhvr additive="base">
+                                        <p:cTn id="8" dur="500" fill="hold"/>
+                                        <p:tgtEl>
+                                          <p:spTgt spid="5"/>
+                                        </p:tgtEl>
+                                        <p:attrNameLst>
+                                          <p:attrName>ppt_y</p:attrName>
+                                        </p:attrNameLst>
+                                      </p:cBhvr>
+                                      <p:tavLst>
+                                        <p:tav tm="0">
+                                          <p:val>
+                                            <p:strVal val="1+#ppt_h/2"/>
+                                          </p:val>
+                                        </p:tav>
+                                        <p:tav tm="100000">
+                                          <p:val>
+                                            <p:strVal val="#ppt_y"/>
+                                          </p:val>
+                                        </p:tav>
+                                      </p:tavLst>
+                                    </p:anim>
+                                  </p:childTnLst>
+                                </p:cTn>
+                              </p:par>
+                            </p:childTnLst>
+                          </p:cTn>
+                        </p:par>
+                      </p:childTnLst>
+                    </p:cTn>
+                  </p:par>
+                  <p:par>
+                    <p:cTn id="9" fill="hold">
+                      <p:stCondLst>
+                        <p:cond delay="indefinite"/>
+                      </p:stCondLst>
+                      <p:childTnLst>
+                        <p:par>
+                          <p:cTn id="10" fill="hold">
+                            <p:stCondLst>
+                              <p:cond delay="0"/>
+                            </p:stCondLst>
+                            <p:childTnLst>
+                              <p:par>
+                                <p:cTn id="11" presetID="2" presetClass="entr" presetSubtype="4" fill="hold" nodeType="clickEffect">
+                                  <p:stCondLst>
+                                    <p:cond delay="0"/>
+                                  </p:stCondLst>
+                                  <p:childTnLst>
+                                    <p:set>
+                                      <p:cBhvr>
+                                        <p:cTn id="12" dur="1" fill="hold">
+                                          <p:stCondLst>
+                                            <p:cond delay="0"/>
+                                          </p:stCondLst>
+                                        </p:cTn>
+                                        <p:tgtEl>
+                                          <p:spTgt spid="8"/>
+                                        </p:tgtEl>
+                                        <p:attrNameLst>
+                                          <p:attrName>style.visibility</p:attrName>
+                                        </p:attrNameLst>
+                                      </p:cBhvr>
+                                      <p:to>
+                                        <p:strVal val="visible"/>
+                                      </p:to>
+                                    </p:set>
+                                    <p:anim calcmode="lin" valueType="num">
+                                      <p:cBhvr additive="base">
+                                        <p:cTn id="13" dur="500" fill="hold"/>
+                                        <p:tgtEl>
+                                          <p:spTgt spid="8"/>
+                                        </p:tgtEl>
+                                        <p:attrNameLst>
+                                          <p:attrName>ppt_x</p:attrName>
+                                        </p:attrNameLst>
+                                      </p:cBhvr>
+                                      <p:tavLst>
+                                        <p:tav tm="0">
+                                          <p:val>
+                                            <p:strVal val="#ppt_x"/>
+                                          </p:val>
+                                        </p:tav>
+                                        <p:tav tm="100000">
+                                          <p:val>
+                                            <p:strVal val="#ppt_x"/>
+                                          </p:val>
+                                        </p:tav>
+                                      </p:tavLst>
+                                    </p:anim>
+                                    <p:anim calcmode="lin" valueType="num">
+                                      <p:cBhvr additive="base">
+                                        <p:cTn id="14" dur="500" fill="hold"/>
+                                        <p:tgtEl>
+                                          <p:spTgt spid="8"/>
+                                        </p:tgtEl>
+                                        <p:attrNameLst>
+                                          <p:attrName>ppt_y</p:attrName>
+                                        </p:attrNameLst>
+                                      </p:cBhvr>
+                                      <p:tavLst>
+                                        <p:tav tm="0">
+                                          <p:val>
+                                            <p:strVal val="1+#ppt_h/2"/>
+                                          </p:val>
+                                        </p:tav>
+                                        <p:tav tm="100000">
+                                          <p:val>
+                                            <p:strVal val="#ppt_y"/>
+                                          </p:val>
+                                        </p:tav>
+                                      </p:tavLst>
+                                    </p:anim>
+                                  </p:childTnLst>
+                                </p:cTn>
+                              </p:par>
+                              <p:par>
+                                <p:cTn id="15" presetID="2" presetClass="entr" presetSubtype="4" fill="hold" nodeType="withEffect">
+                                  <p:stCondLst>
+                                    <p:cond delay="0"/>
+                                  </p:stCondLst>
+                                  <p:childTnLst>
+                                    <p:set>
+                                      <p:cBhvr>
+                                        <p:cTn id="16" dur="1" fill="hold">
+                                          <p:stCondLst>
+                                            <p:cond delay="0"/>
+                                          </p:stCondLst>
+                                        </p:cTn>
+                                        <p:tgtEl>
+                                          <p:spTgt spid="9"/>
+                                        </p:tgtEl>
+                                        <p:attrNameLst>
+                                          <p:attrName>style.visibility</p:attrName>
+                                        </p:attrNameLst>
+                                      </p:cBhvr>
+                                      <p:to>
+                                        <p:strVal val="visible"/>
+                                      </p:to>
+                                    </p:set>
+                                    <p:anim calcmode="lin" valueType="num">
+                                      <p:cBhvr additive="base">
+                                        <p:cTn id="17" dur="500" fill="hold"/>
+                                        <p:tgtEl>
+                                          <p:spTgt spid="9"/>
+                                        </p:tgtEl>
+                                        <p:attrNameLst>
+                                          <p:attrName>ppt_x</p:attrName>
+                                        </p:attrNameLst>
+                                      </p:cBhvr>
+                                      <p:tavLst>
+                                        <p:tav tm="0">
+                                          <p:val>
+                                            <p:strVal val="#ppt_x"/>
+                                          </p:val>
+                                        </p:tav>
+                                        <p:tav tm="100000">
+                                          <p:val>
+                                            <p:strVal val="#ppt_x"/>
+                                          </p:val>
+                                        </p:tav>
+                                      </p:tavLst>
+                                    </p:anim>
+                                    <p:anim calcmode="lin" valueType="num">
+                                      <p:cBhvr additive="base">
+                                        <p:cTn id="18" dur="500" fill="hold"/>
+                                        <p:tgtEl>
+                                          <p:spTgt spid="9"/>
+                                        </p:tgtEl>
+                                        <p:attrNameLst>
+                                          <p:attrName>ppt_y</p:attrName>
+                                        </p:attrNameLst>
+                                      </p:cBhvr>
+                                      <p:tavLst>
+                                        <p:tav tm="0">
+                                          <p:val>
+                                            <p:strVal val="1+#ppt_h/2"/>
+                                          </p:val>
+                                        </p:tav>
+                                        <p:tav tm="100000">
+                                          <p:val>
+                                            <p:strVal val="#ppt_y"/>
+                                          </p:val>
+                                        </p:tav>
+                                      </p:tavLst>
+                                    </p:anim>
+                                  </p:childTnLst>
+                                </p:cTn>
+                              </p:par>
+                              <p:par>
+                                <p:cTn id="19" presetID="2" presetClass="entr" presetSubtype="4" fill="hold" nodeType="withEffect">
+                                  <p:stCondLst>
+                                    <p:cond delay="0"/>
+                                  </p:stCondLst>
+                                  <p:childTnLst>
+                                    <p:set>
+                                      <p:cBhvr>
+                                        <p:cTn id="20" dur="1" fill="hold">
+                                          <p:stCondLst>
+                                            <p:cond delay="0"/>
+                                          </p:stCondLst>
+                                        </p:cTn>
+                                        <p:tgtEl>
+                                          <p:spTgt spid="10"/>
+                                        </p:tgtEl>
+                                        <p:attrNameLst>
+                                          <p:attrName>style.visibility</p:attrName>
+                                        </p:attrNameLst>
+                                      </p:cBhvr>
+                                      <p:to>
+                                        <p:strVal val="visible"/>
+                                      </p:to>
+                                    </p:set>
+                                    <p:anim calcmode="lin" valueType="num">
+                                      <p:cBhvr additive="base">
+                                        <p:cTn id="21" dur="500" fill="hold"/>
+                                        <p:tgtEl>
+                                          <p:spTgt spid="10"/>
+                                        </p:tgtEl>
+                                        <p:attrNameLst>
+                                          <p:attrName>ppt_x</p:attrName>
+                                        </p:attrNameLst>
+                                      </p:cBhvr>
+                                      <p:tavLst>
+                                        <p:tav tm="0">
+                                          <p:val>
+                                            <p:strVal val="#ppt_x"/>
+                                          </p:val>
+                                        </p:tav>
+                                        <p:tav tm="100000">
+                                          <p:val>
+                                            <p:strVal val="#ppt_x"/>
+                                          </p:val>
+                                        </p:tav>
+                                      </p:tavLst>
+                                    </p:anim>
+                                    <p:anim calcmode="lin" valueType="num">
+                                      <p:cBhvr additive="base">
+                                        <p:cTn id="22" dur="500" fill="hold"/>
+                                        <p:tgtEl>
+                                          <p:spTgt spid="10"/>
+                                        </p:tgtEl>
+                                        <p:attrNameLst>
+                                          <p:attrName>ppt_y</p:attrName>
+                                        </p:attrNameLst>
+                                      </p:cBhvr>
+                                      <p:tavLst>
+                                        <p:tav tm="0">
+                                          <p:val>
+                                            <p:strVal val="1+#ppt_h/2"/>
+                                          </p:val>
+                                        </p:tav>
+                                        <p:tav tm="100000">
+                                          <p:val>
+                                            <p:strVal val="#ppt_y"/>
+                                          </p:val>
+                                        </p:tav>
+                                      </p:tavLst>
+                                    </p:anim>
+                                  </p:childTnLst>
+                                </p:cTn>
+                              </p:par>
+                              <p:par>
+                                <p:cTn id="23" presetID="2" presetClass="entr" presetSubtype="4" fill="hold" nodeType="withEffect">
+                                  <p:stCondLst>
+                                    <p:cond delay="0"/>
+                                  </p:stCondLst>
+                                  <p:childTnLst>
+                                    <p:set>
+                                      <p:cBhvr>
+                                        <p:cTn id="24" dur="1" fill="hold">
+                                          <p:stCondLst>
+                                            <p:cond delay="0"/>
+                                          </p:stCondLst>
+                                        </p:cTn>
+                                        <p:tgtEl>
+                                          <p:spTgt spid="7"/>
+                                        </p:tgtEl>
+                                        <p:attrNameLst>
+                                          <p:attrName>style.visibility</p:attrName>
+                                        </p:attrNameLst>
+                                      </p:cBhvr>
+                                      <p:to>
+                                        <p:strVal val="visible"/>
+                                      </p:to>
+                                    </p:set>
+                                    <p:anim calcmode="lin" valueType="num">
+                                      <p:cBhvr additive="base">
+                                        <p:cTn id="25" dur="500" fill="hold"/>
+                                        <p:tgtEl>
+                                          <p:spTgt spid="7"/>
+                                        </p:tgtEl>
+                                        <p:attrNameLst>
+                                          <p:attrName>ppt_x</p:attrName>
+                                        </p:attrNameLst>
+                                      </p:cBhvr>
+                                      <p:tavLst>
+                                        <p:tav tm="0">
+                                          <p:val>
+                                            <p:strVal val="#ppt_x"/>
+                                          </p:val>
+                                        </p:tav>
+                                        <p:tav tm="100000">
+                                          <p:val>
+                                            <p:strVal val="#ppt_x"/>
+                                          </p:val>
+                                        </p:tav>
+                                      </p:tavLst>
+                                    </p:anim>
+                                    <p:anim calcmode="lin" valueType="num">
+                                      <p:cBhvr additive="base">
+                                        <p:cTn id="26" dur="500" fill="hold"/>
+                                        <p:tgtEl>
+                                          <p:spTgt spid="7"/>
+                                        </p:tgtEl>
+                                        <p:attrNameLst>
+                                          <p:attrName>ppt_y</p:attrName>
+                                        </p:attrNameLst>
+                                      </p:cBhvr>
+                                      <p:tavLst>
+                                        <p:tav tm="0">
+                                          <p:val>
+                                            <p:strVal val="1+#ppt_h/2"/>
+                                          </p:val>
+                                        </p:tav>
+                                        <p:tav tm="100000">
+                                          <p:val>
+                                            <p:strVal val="#ppt_y"/>
+                                          </p:val>
+                                        </p:tav>
+                                      </p:tavLst>
+                                    </p:anim>
+                                  </p:childTnLst>
+                                </p:cTn>
+                              </p:par>
+                            </p:childTnLst>
+                          </p:cTn>
+                        </p:par>
+                      </p:childTnLst>
+                    </p:cTn>
+                  </p:par>
+                  <p:par>
+                    <p:cTn id="27" fill="hold">
+                      <p:stCondLst>
+                        <p:cond delay="indefinite"/>
+                      </p:stCondLst>
+                      <p:childTnLst>
+                        <p:par>
+                          <p:cTn id="28" fill="hold">
+                            <p:stCondLst>
+                              <p:cond delay="0"/>
+                            </p:stCondLst>
+                            <p:childTnLst>
+                              <p:par>
+                                <p:cTn id="29" presetID="2" presetClass="entr" presetSubtype="4" fill="hold" nodeType="clickEffect">
+                                  <p:stCondLst>
+                                    <p:cond delay="0"/>
+                                  </p:stCondLst>
+                                  <p:childTnLst>
+                                    <p:set>
+                                      <p:cBhvr>
+                                        <p:cTn id="30" dur="1" fill="hold">
+                                          <p:stCondLst>
+                                            <p:cond delay="0"/>
+                                          </p:stCondLst>
+                                        </p:cTn>
+                                        <p:tgtEl>
+                                          <p:spTgt spid="6"/>
+                                        </p:tgtEl>
+                                        <p:attrNameLst>
+                                          <p:attrName>style.visibility</p:attrName>
+                                        </p:attrNameLst>
+                                      </p:cBhvr>
+                                      <p:to>
+                                        <p:strVal val="visible"/>
+                                      </p:to>
+                                    </p:set>
+                                    <p:anim calcmode="lin" valueType="num">
+                                      <p:cBhvr additive="base">
+                                        <p:cTn id="31" dur="500" fill="hold"/>
+                                        <p:tgtEl>
+                                          <p:spTgt spid="6"/>
+                                        </p:tgtEl>
+                                        <p:attrNameLst>
+                                          <p:attrName>ppt_x</p:attrName>
+                                        </p:attrNameLst>
+                                      </p:cBhvr>
+                                      <p:tavLst>
+                                        <p:tav tm="0">
+                                          <p:val>
+                                            <p:strVal val="#ppt_x"/>
+                                          </p:val>
+                                        </p:tav>
+                                        <p:tav tm="100000">
+                                          <p:val>
+                                            <p:strVal val="#ppt_x"/>
+                                          </p:val>
+                                        </p:tav>
+                                      </p:tavLst>
+                                    </p:anim>
+                                    <p:anim calcmode="lin" valueType="num">
+                                      <p:cBhvr additive="base">
+                                        <p:cTn id="32" dur="500" fill="hold"/>
+                                        <p:tgtEl>
+                                          <p:spTgt spid="6"/>
+                                        </p:tgtEl>
+                                        <p:attrNameLst>
+                                          <p:attrName>ppt_y</p:attrName>
+                                        </p:attrNameLst>
+                                      </p:cBhvr>
+                                      <p:tavLst>
+                                        <p:tav tm="0">
+                                          <p:val>
+                                            <p:strVal val="1+#ppt_h/2"/>
+                                          </p:val>
+                                        </p:tav>
+                                        <p:tav tm="100000">
+                                          <p:val>
+                                            <p:strVal val="#ppt_y"/>
+                                          </p:val>
+                                        </p:tav>
+                                      </p:tavLst>
+                                    </p:anim>
+                                  </p:childTnLst>
+                                </p:cTn>
+                              </p:par>
+                            </p:childTnLst>
+                          </p:cTn>
+                        </p:par>
+                      </p:childTnLst>
+                    </p:cTn>
+                  </p:par>
+                </p:childTnLst>
+              </p:cTn>
+              <p:prevCondLst>
+                <p:cond evt="onPrev" delay="0">
+                  <p:tgtEl>
+                    <p:sldTgt/>
+                  </p:tgtEl>
+                </p:cond>
+              </p:prevCondLst>
+              <p:nextCondLst>
+                <p:cond evt="onNext" delay="0">
+                  <p:tgtEl>
+                    <p:sldTgt/>
+                  </p:tgtEl>
+                </p:cond>
+              </p:nextCondLst>
+            </p:seq>
+          </p:childTnLst>
+        </p:cTn>
+      </p:par>
+    </p:tnLst>
+  </p:timing>
 </p:sld>
 </file>
 
@@ -12124,6 +12646,528 @@
   <p:clrMapOvr>
     <a:masterClrMapping/>
   </p:clrMapOvr>
+  <p:timing>
+    <p:tnLst>
+      <p:par>
+        <p:cTn id="1" dur="indefinite" restart="never" nodeType="tmRoot">
+          <p:childTnLst>
+            <p:seq concurrent="1" nextAc="seek">
+              <p:cTn id="2" dur="indefinite" nodeType="mainSeq">
+                <p:childTnLst>
+                  <p:par>
+                    <p:cTn id="3" fill="hold">
+                      <p:stCondLst>
+                        <p:cond delay="indefinite"/>
+                      </p:stCondLst>
+                      <p:childTnLst>
+                        <p:par>
+                          <p:cTn id="4" fill="hold">
+                            <p:stCondLst>
+                              <p:cond delay="0"/>
+                            </p:stCondLst>
+                            <p:childTnLst>
+                              <p:par>
+                                <p:cTn id="5" presetID="2" presetClass="entr" presetSubtype="4" fill="hold" nodeType="clickEffect">
+                                  <p:stCondLst>
+                                    <p:cond delay="0"/>
+                                  </p:stCondLst>
+                                  <p:childTnLst>
+                                    <p:set>
+                                      <p:cBhvr>
+                                        <p:cTn id="6" dur="1" fill="hold">
+                                          <p:stCondLst>
+                                            <p:cond delay="0"/>
+                                          </p:stCondLst>
+                                        </p:cTn>
+                                        <p:tgtEl>
+                                          <p:spTgt spid="22"/>
+                                        </p:tgtEl>
+                                        <p:attrNameLst>
+                                          <p:attrName>style.visibility</p:attrName>
+                                        </p:attrNameLst>
+                                      </p:cBhvr>
+                                      <p:to>
+                                        <p:strVal val="visible"/>
+                                      </p:to>
+                                    </p:set>
+                                    <p:anim calcmode="lin" valueType="num">
+                                      <p:cBhvr additive="base">
+                                        <p:cTn id="7" dur="500" fill="hold"/>
+                                        <p:tgtEl>
+                                          <p:spTgt spid="22"/>
+                                        </p:tgtEl>
+                                        <p:attrNameLst>
+                                          <p:attrName>ppt_x</p:attrName>
+                                        </p:attrNameLst>
+                                      </p:cBhvr>
+                                      <p:tavLst>
+                                        <p:tav tm="0">
+                                          <p:val>
+                                            <p:strVal val="#ppt_x"/>
+                                          </p:val>
+                                        </p:tav>
+                                        <p:tav tm="100000">
+                                          <p:val>
+                                            <p:strVal val="#ppt_x"/>
+                                          </p:val>
+                                        </p:tav>
+                                      </p:tavLst>
+                                    </p:anim>
+                                    <p:anim calcmode="lin" valueType="num">
+                                      <p:cBhvr additive="base">
+                                        <p:cTn id="8" dur="500" fill="hold"/>
+                                        <p:tgtEl>
+                                          <p:spTgt spid="22"/>
+                                        </p:tgtEl>
+                                        <p:attrNameLst>
+                                          <p:attrName>ppt_y</p:attrName>
+                                        </p:attrNameLst>
+                                      </p:cBhvr>
+                                      <p:tavLst>
+                                        <p:tav tm="0">
+                                          <p:val>
+                                            <p:strVal val="1+#ppt_h/2"/>
+                                          </p:val>
+                                        </p:tav>
+                                        <p:tav tm="100000">
+                                          <p:val>
+                                            <p:strVal val="#ppt_y"/>
+                                          </p:val>
+                                        </p:tav>
+                                      </p:tavLst>
+                                    </p:anim>
+                                  </p:childTnLst>
+                                </p:cTn>
+                              </p:par>
+                            </p:childTnLst>
+                          </p:cTn>
+                        </p:par>
+                      </p:childTnLst>
+                    </p:cTn>
+                  </p:par>
+                  <p:par>
+                    <p:cTn id="9" fill="hold">
+                      <p:stCondLst>
+                        <p:cond delay="indefinite"/>
+                      </p:stCondLst>
+                      <p:childTnLst>
+                        <p:par>
+                          <p:cTn id="10" fill="hold">
+                            <p:stCondLst>
+                              <p:cond delay="0"/>
+                            </p:stCondLst>
+                            <p:childTnLst>
+                              <p:par>
+                                <p:cTn id="11" presetID="2" presetClass="entr" presetSubtype="4" fill="hold" nodeType="clickEffect">
+                                  <p:stCondLst>
+                                    <p:cond delay="0"/>
+                                  </p:stCondLst>
+                                  <p:childTnLst>
+                                    <p:set>
+                                      <p:cBhvr>
+                                        <p:cTn id="12" dur="1" fill="hold">
+                                          <p:stCondLst>
+                                            <p:cond delay="0"/>
+                                          </p:stCondLst>
+                                        </p:cTn>
+                                        <p:tgtEl>
+                                          <p:spTgt spid="23"/>
+                                        </p:tgtEl>
+                                        <p:attrNameLst>
+                                          <p:attrName>style.visibility</p:attrName>
+                                        </p:attrNameLst>
+                                      </p:cBhvr>
+                                      <p:to>
+                                        <p:strVal val="visible"/>
+                                      </p:to>
+                                    </p:set>
+                                    <p:anim calcmode="lin" valueType="num">
+                                      <p:cBhvr additive="base">
+                                        <p:cTn id="13" dur="500" fill="hold"/>
+                                        <p:tgtEl>
+                                          <p:spTgt spid="23"/>
+                                        </p:tgtEl>
+                                        <p:attrNameLst>
+                                          <p:attrName>ppt_x</p:attrName>
+                                        </p:attrNameLst>
+                                      </p:cBhvr>
+                                      <p:tavLst>
+                                        <p:tav tm="0">
+                                          <p:val>
+                                            <p:strVal val="#ppt_x"/>
+                                          </p:val>
+                                        </p:tav>
+                                        <p:tav tm="100000">
+                                          <p:val>
+                                            <p:strVal val="#ppt_x"/>
+                                          </p:val>
+                                        </p:tav>
+                                      </p:tavLst>
+                                    </p:anim>
+                                    <p:anim calcmode="lin" valueType="num">
+                                      <p:cBhvr additive="base">
+                                        <p:cTn id="14" dur="500" fill="hold"/>
+                                        <p:tgtEl>
+                                          <p:spTgt spid="23"/>
+                                        </p:tgtEl>
+                                        <p:attrNameLst>
+                                          <p:attrName>ppt_y</p:attrName>
+                                        </p:attrNameLst>
+                                      </p:cBhvr>
+                                      <p:tavLst>
+                                        <p:tav tm="0">
+                                          <p:val>
+                                            <p:strVal val="1+#ppt_h/2"/>
+                                          </p:val>
+                                        </p:tav>
+                                        <p:tav tm="100000">
+                                          <p:val>
+                                            <p:strVal val="#ppt_y"/>
+                                          </p:val>
+                                        </p:tav>
+                                      </p:tavLst>
+                                    </p:anim>
+                                  </p:childTnLst>
+                                </p:cTn>
+                              </p:par>
+                              <p:par>
+                                <p:cTn id="15" presetID="2" presetClass="entr" presetSubtype="4" fill="hold" nodeType="withEffect">
+                                  <p:stCondLst>
+                                    <p:cond delay="0"/>
+                                  </p:stCondLst>
+                                  <p:childTnLst>
+                                    <p:set>
+                                      <p:cBhvr>
+                                        <p:cTn id="16" dur="1" fill="hold">
+                                          <p:stCondLst>
+                                            <p:cond delay="0"/>
+                                          </p:stCondLst>
+                                        </p:cTn>
+                                        <p:tgtEl>
+                                          <p:spTgt spid="26"/>
+                                        </p:tgtEl>
+                                        <p:attrNameLst>
+                                          <p:attrName>style.visibility</p:attrName>
+                                        </p:attrNameLst>
+                                      </p:cBhvr>
+                                      <p:to>
+                                        <p:strVal val="visible"/>
+                                      </p:to>
+                                    </p:set>
+                                    <p:anim calcmode="lin" valueType="num">
+                                      <p:cBhvr additive="base">
+                                        <p:cTn id="17" dur="500" fill="hold"/>
+                                        <p:tgtEl>
+                                          <p:spTgt spid="26"/>
+                                        </p:tgtEl>
+                                        <p:attrNameLst>
+                                          <p:attrName>ppt_x</p:attrName>
+                                        </p:attrNameLst>
+                                      </p:cBhvr>
+                                      <p:tavLst>
+                                        <p:tav tm="0">
+                                          <p:val>
+                                            <p:strVal val="#ppt_x"/>
+                                          </p:val>
+                                        </p:tav>
+                                        <p:tav tm="100000">
+                                          <p:val>
+                                            <p:strVal val="#ppt_x"/>
+                                          </p:val>
+                                        </p:tav>
+                                      </p:tavLst>
+                                    </p:anim>
+                                    <p:anim calcmode="lin" valueType="num">
+                                      <p:cBhvr additive="base">
+                                        <p:cTn id="18" dur="500" fill="hold"/>
+                                        <p:tgtEl>
+                                          <p:spTgt spid="26"/>
+                                        </p:tgtEl>
+                                        <p:attrNameLst>
+                                          <p:attrName>ppt_y</p:attrName>
+                                        </p:attrNameLst>
+                                      </p:cBhvr>
+                                      <p:tavLst>
+                                        <p:tav tm="0">
+                                          <p:val>
+                                            <p:strVal val="1+#ppt_h/2"/>
+                                          </p:val>
+                                        </p:tav>
+                                        <p:tav tm="100000">
+                                          <p:val>
+                                            <p:strVal val="#ppt_y"/>
+                                          </p:val>
+                                        </p:tav>
+                                      </p:tavLst>
+                                    </p:anim>
+                                  </p:childTnLst>
+                                </p:cTn>
+                              </p:par>
+                              <p:par>
+                                <p:cTn id="19" presetID="2" presetClass="entr" presetSubtype="4" fill="hold" nodeType="withEffect">
+                                  <p:stCondLst>
+                                    <p:cond delay="0"/>
+                                  </p:stCondLst>
+                                  <p:childTnLst>
+                                    <p:set>
+                                      <p:cBhvr>
+                                        <p:cTn id="20" dur="1" fill="hold">
+                                          <p:stCondLst>
+                                            <p:cond delay="0"/>
+                                          </p:stCondLst>
+                                        </p:cTn>
+                                        <p:tgtEl>
+                                          <p:spTgt spid="25"/>
+                                        </p:tgtEl>
+                                        <p:attrNameLst>
+                                          <p:attrName>style.visibility</p:attrName>
+                                        </p:attrNameLst>
+                                      </p:cBhvr>
+                                      <p:to>
+                                        <p:strVal val="visible"/>
+                                      </p:to>
+                                    </p:set>
+                                    <p:anim calcmode="lin" valueType="num">
+                                      <p:cBhvr additive="base">
+                                        <p:cTn id="21" dur="500" fill="hold"/>
+                                        <p:tgtEl>
+                                          <p:spTgt spid="25"/>
+                                        </p:tgtEl>
+                                        <p:attrNameLst>
+                                          <p:attrName>ppt_x</p:attrName>
+                                        </p:attrNameLst>
+                                      </p:cBhvr>
+                                      <p:tavLst>
+                                        <p:tav tm="0">
+                                          <p:val>
+                                            <p:strVal val="#ppt_x"/>
+                                          </p:val>
+                                        </p:tav>
+                                        <p:tav tm="100000">
+                                          <p:val>
+                                            <p:strVal val="#ppt_x"/>
+                                          </p:val>
+                                        </p:tav>
+                                      </p:tavLst>
+                                    </p:anim>
+                                    <p:anim calcmode="lin" valueType="num">
+                                      <p:cBhvr additive="base">
+                                        <p:cTn id="22" dur="500" fill="hold"/>
+                                        <p:tgtEl>
+                                          <p:spTgt spid="25"/>
+                                        </p:tgtEl>
+                                        <p:attrNameLst>
+                                          <p:attrName>ppt_y</p:attrName>
+                                        </p:attrNameLst>
+                                      </p:cBhvr>
+                                      <p:tavLst>
+                                        <p:tav tm="0">
+                                          <p:val>
+                                            <p:strVal val="1+#ppt_h/2"/>
+                                          </p:val>
+                                        </p:tav>
+                                        <p:tav tm="100000">
+                                          <p:val>
+                                            <p:strVal val="#ppt_y"/>
+                                          </p:val>
+                                        </p:tav>
+                                      </p:tavLst>
+                                    </p:anim>
+                                  </p:childTnLst>
+                                </p:cTn>
+                              </p:par>
+                              <p:par>
+                                <p:cTn id="23" presetID="2" presetClass="entr" presetSubtype="4" fill="hold" nodeType="withEffect">
+                                  <p:stCondLst>
+                                    <p:cond delay="0"/>
+                                  </p:stCondLst>
+                                  <p:childTnLst>
+                                    <p:set>
+                                      <p:cBhvr>
+                                        <p:cTn id="24" dur="1" fill="hold">
+                                          <p:stCondLst>
+                                            <p:cond delay="0"/>
+                                          </p:stCondLst>
+                                        </p:cTn>
+                                        <p:tgtEl>
+                                          <p:spTgt spid="24"/>
+                                        </p:tgtEl>
+                                        <p:attrNameLst>
+                                          <p:attrName>style.visibility</p:attrName>
+                                        </p:attrNameLst>
+                                      </p:cBhvr>
+                                      <p:to>
+                                        <p:strVal val="visible"/>
+                                      </p:to>
+                                    </p:set>
+                                    <p:anim calcmode="lin" valueType="num">
+                                      <p:cBhvr additive="base">
+                                        <p:cTn id="25" dur="500" fill="hold"/>
+                                        <p:tgtEl>
+                                          <p:spTgt spid="24"/>
+                                        </p:tgtEl>
+                                        <p:attrNameLst>
+                                          <p:attrName>ppt_x</p:attrName>
+                                        </p:attrNameLst>
+                                      </p:cBhvr>
+                                      <p:tavLst>
+                                        <p:tav tm="0">
+                                          <p:val>
+                                            <p:strVal val="#ppt_x"/>
+                                          </p:val>
+                                        </p:tav>
+                                        <p:tav tm="100000">
+                                          <p:val>
+                                            <p:strVal val="#ppt_x"/>
+                                          </p:val>
+                                        </p:tav>
+                                      </p:tavLst>
+                                    </p:anim>
+                                    <p:anim calcmode="lin" valueType="num">
+                                      <p:cBhvr additive="base">
+                                        <p:cTn id="26" dur="500" fill="hold"/>
+                                        <p:tgtEl>
+                                          <p:spTgt spid="24"/>
+                                        </p:tgtEl>
+                                        <p:attrNameLst>
+                                          <p:attrName>ppt_y</p:attrName>
+                                        </p:attrNameLst>
+                                      </p:cBhvr>
+                                      <p:tavLst>
+                                        <p:tav tm="0">
+                                          <p:val>
+                                            <p:strVal val="1+#ppt_h/2"/>
+                                          </p:val>
+                                        </p:tav>
+                                        <p:tav tm="100000">
+                                          <p:val>
+                                            <p:strVal val="#ppt_y"/>
+                                          </p:val>
+                                        </p:tav>
+                                      </p:tavLst>
+                                    </p:anim>
+                                  </p:childTnLst>
+                                </p:cTn>
+                              </p:par>
+                            </p:childTnLst>
+                          </p:cTn>
+                        </p:par>
+                      </p:childTnLst>
+                    </p:cTn>
+                  </p:par>
+                  <p:par>
+                    <p:cTn id="27" fill="hold">
+                      <p:stCondLst>
+                        <p:cond delay="indefinite"/>
+                      </p:stCondLst>
+                      <p:childTnLst>
+                        <p:par>
+                          <p:cTn id="28" fill="hold">
+                            <p:stCondLst>
+                              <p:cond delay="0"/>
+                            </p:stCondLst>
+                            <p:childTnLst>
+                              <p:par>
+                                <p:cTn id="29" presetID="2" presetClass="entr" presetSubtype="4" fill="hold" nodeType="clickEffect">
+                                  <p:stCondLst>
+                                    <p:cond delay="0"/>
+                                  </p:stCondLst>
+                                  <p:childTnLst>
+                                    <p:set>
+                                      <p:cBhvr>
+                                        <p:cTn id="30" dur="1" fill="hold">
+                                          <p:stCondLst>
+                                            <p:cond delay="0"/>
+                                          </p:stCondLst>
+                                        </p:cTn>
+                                        <p:tgtEl>
+                                          <p:spTgt spid="27"/>
+                                        </p:tgtEl>
+                                        <p:attrNameLst>
+                                          <p:attrName>style.visibility</p:attrName>
+                                        </p:attrNameLst>
+                                      </p:cBhvr>
+                                      <p:to>
+                                        <p:strVal val="visible"/>
+                                      </p:to>
+                                    </p:set>
+                                    <p:anim calcmode="lin" valueType="num">
+                                      <p:cBhvr additive="base">
+                                        <p:cTn id="31" dur="500" fill="hold"/>
+                                        <p:tgtEl>
+                                          <p:spTgt spid="27"/>
+                                        </p:tgtEl>
+                                        <p:attrNameLst>
+                                          <p:attrName>ppt_x</p:attrName>
+                                        </p:attrNameLst>
+                                      </p:cBhvr>
+                                      <p:tavLst>
+                                        <p:tav tm="0">
+                                          <p:val>
+                                            <p:strVal val="#ppt_x"/>
+                                          </p:val>
+                                        </p:tav>
+                                        <p:tav tm="100000">
+                                          <p:val>
+                                            <p:strVal val="#ppt_x"/>
+                                          </p:val>
+                                        </p:tav>
+                                      </p:tavLst>
+                                    </p:anim>
+                                    <p:anim calcmode="lin" valueType="num">
+                                      <p:cBhvr additive="base">
+                                        <p:cTn id="32" dur="500" fill="hold"/>
+                                        <p:tgtEl>
+                                          <p:spTgt spid="27"/>
+                                        </p:tgtEl>
+                                        <p:attrNameLst>
+                                          <p:attrName>ppt_y</p:attrName>
+                                        </p:attrNameLst>
+                                      </p:cBhvr>
+                                      <p:tavLst>
+                                        <p:tav tm="0">
+                                          <p:val>
+                                            <p:strVal val="1+#ppt_h/2"/>
+                                          </p:val>
+                                        </p:tav>
+                                        <p:tav tm="100000">
+                                          <p:val>
+                                            <p:strVal val="#ppt_y"/>
+                                          </p:val>
+                                        </p:tav>
+                                      </p:tavLst>
+                                    </p:anim>
+                                  </p:childTnLst>
+                                </p:cTn>
+                              </p:par>
+                            </p:childTnLst>
+                          </p:cTn>
+                        </p:par>
+                      </p:childTnLst>
+                    </p:cTn>
+                  </p:par>
+                </p:childTnLst>
+              </p:cTn>
+              <p:prevCondLst>
+                <p:cond evt="onPrev" delay="0">
+                  <p:tgtEl>
+                    <p:sldTgt/>
+                  </p:tgtEl>
+                </p:cond>
+              </p:prevCondLst>
+              <p:nextCondLst>
+                <p:cond evt="onNext" delay="0">
+                  <p:tgtEl>
+                    <p:sldTgt/>
+                  </p:tgtEl>
+                </p:cond>
+              </p:nextCondLst>
+            </p:seq>
+          </p:childTnLst>
+        </p:cTn>
+      </p:par>
+    </p:tnLst>
+  </p:timing>
 </p:sld>
 </file>
 
@@ -13751,12 +14795,12 @@
 </file>
 
 <file path=customXml/item1.xml><?xml version="1.0" encoding="utf-8"?>
-<p:properties xmlns:p="http://schemas.microsoft.com/office/2006/metadata/properties" xmlns:xsi="http://www.w3.org/2001/XMLSchema-instance" xmlns:pc="http://schemas.microsoft.com/office/infopath/2007/PartnerControls">
-  <documentManagement>
-    <Status xmlns="71af3243-3dd4-4a8d-8c0d-dd76da1f02a5">Not started</Status>
-    <MediaServiceKeyPoints xmlns="71af3243-3dd4-4a8d-8c0d-dd76da1f02a5" xsi:nil="true"/>
-  </documentManagement>
-</p:properties>
+<?mso-contentType ?>
+<FormTemplates xmlns="http://schemas.microsoft.com/sharepoint/v3/contenttype/forms">
+  <Display>DocumentLibraryForm</Display>
+  <Edit>DocumentLibraryForm</Edit>
+  <New>DocumentLibraryForm</New>
+</FormTemplates>
 </file>
 
 <file path=customXml/item2.xml><?xml version="1.0" encoding="utf-8"?>
@@ -13981,20 +15025,18 @@
 </file>
 
 <file path=customXml/item3.xml><?xml version="1.0" encoding="utf-8"?>
-<?mso-contentType ?>
-<FormTemplates xmlns="http://schemas.microsoft.com/sharepoint/v3/contenttype/forms">
-  <Display>DocumentLibraryForm</Display>
-  <Edit>DocumentLibraryForm</Edit>
-  <New>DocumentLibraryForm</New>
-</FormTemplates>
+<p:properties xmlns:p="http://schemas.microsoft.com/office/2006/metadata/properties" xmlns:xsi="http://www.w3.org/2001/XMLSchema-instance" xmlns:pc="http://schemas.microsoft.com/office/infopath/2007/PartnerControls">
+  <documentManagement>
+    <Status xmlns="71af3243-3dd4-4a8d-8c0d-dd76da1f02a5">Not started</Status>
+    <MediaServiceKeyPoints xmlns="71af3243-3dd4-4a8d-8c0d-dd76da1f02a5" xsi:nil="true"/>
+  </documentManagement>
+</p:properties>
 </file>
 
 <file path=customXml/itemProps1.xml><?xml version="1.0" encoding="utf-8"?>
-<ds:datastoreItem xmlns:ds="http://schemas.openxmlformats.org/officeDocument/2006/customXml" ds:itemID="{A03EEFF0-FB57-4CB4-8BFC-DF397689E2ED}">
+<ds:datastoreItem xmlns:ds="http://schemas.openxmlformats.org/officeDocument/2006/customXml" ds:itemID="{AA3F7EDC-E5B4-4BBC-9D2A-CBE6D46C37AD}">
   <ds:schemaRefs>
-    <ds:schemaRef ds:uri="http://schemas.microsoft.com/office/2006/metadata/properties"/>
-    <ds:schemaRef ds:uri="http://schemas.microsoft.com/office/infopath/2007/PartnerControls"/>
-    <ds:schemaRef ds:uri="71af3243-3dd4-4a8d-8c0d-dd76da1f02a5"/>
+    <ds:schemaRef ds:uri="http://schemas.microsoft.com/sharepoint/v3/contenttype/forms"/>
   </ds:schemaRefs>
 </ds:datastoreItem>
 </file>
@@ -14019,9 +15061,11 @@
 </file>
 
 <file path=customXml/itemProps3.xml><?xml version="1.0" encoding="utf-8"?>
-<ds:datastoreItem xmlns:ds="http://schemas.openxmlformats.org/officeDocument/2006/customXml" ds:itemID="{AA3F7EDC-E5B4-4BBC-9D2A-CBE6D46C37AD}">
+<ds:datastoreItem xmlns:ds="http://schemas.openxmlformats.org/officeDocument/2006/customXml" ds:itemID="{A03EEFF0-FB57-4CB4-8BFC-DF397689E2ED}">
   <ds:schemaRefs>
-    <ds:schemaRef ds:uri="http://schemas.microsoft.com/sharepoint/v3/contenttype/forms"/>
+    <ds:schemaRef ds:uri="http://schemas.microsoft.com/office/2006/metadata/properties"/>
+    <ds:schemaRef ds:uri="http://schemas.microsoft.com/office/infopath/2007/PartnerControls"/>
+    <ds:schemaRef ds:uri="71af3243-3dd4-4a8d-8c0d-dd76da1f02a5"/>
   </ds:schemaRefs>
 </ds:datastoreItem>
 </file>
--- a/XGBoost.pptx
+++ b/XGBoost.pptx
@@ -10546,97 +10546,6 @@
                       </p:childTnLst>
                     </p:cTn>
                   </p:par>
-                  <p:par>
-                    <p:cTn id="27" fill="hold">
-                      <p:stCondLst>
-                        <p:cond delay="indefinite"/>
-                      </p:stCondLst>
-                      <p:childTnLst>
-                        <p:par>
-                          <p:cTn id="28" fill="hold">
-                            <p:stCondLst>
-                              <p:cond delay="0"/>
-                            </p:stCondLst>
-                            <p:childTnLst>
-                              <p:par>
-                                <p:cTn id="29" presetID="2" presetClass="entr" presetSubtype="4" fill="hold" nodeType="clickEffect">
-                                  <p:stCondLst>
-                                    <p:cond delay="0"/>
-                                  </p:stCondLst>
-                                  <p:childTnLst>
-                                    <p:set>
-                                      <p:cBhvr>
-                                        <p:cTn id="30" dur="1" fill="hold">
-                                          <p:stCondLst>
-                                            <p:cond delay="0"/>
-                                          </p:stCondLst>
-                                        </p:cTn>
-                                        <p:tgtEl>
-                                          <p:spTgt spid="6"/>
-                                        </p:tgtEl>
-                                        <p:attrNameLst>
-                                          <p:attrName>style.visibility</p:attrName>
-                                        </p:attrNameLst>
-                                      </p:cBhvr>
-                                      <p:to>
-                                        <p:strVal val="visible"/>
-                                      </p:to>
-                                    </p:set>
-                                    <p:anim calcmode="lin" valueType="num">
-                                      <p:cBhvr additive="base">
-                                        <p:cTn id="31" dur="500" fill="hold"/>
-                                        <p:tgtEl>
-                                          <p:spTgt spid="6"/>
-                                        </p:tgtEl>
-                                        <p:attrNameLst>
-                                          <p:attrName>ppt_x</p:attrName>
-                                        </p:attrNameLst>
-                                      </p:cBhvr>
-                                      <p:tavLst>
-                                        <p:tav tm="0">
-                                          <p:val>
-                                            <p:strVal val="#ppt_x"/>
-                                          </p:val>
-                                        </p:tav>
-                                        <p:tav tm="100000">
-                                          <p:val>
-                                            <p:strVal val="#ppt_x"/>
-                                          </p:val>
-                                        </p:tav>
-                                      </p:tavLst>
-                                    </p:anim>
-                                    <p:anim calcmode="lin" valueType="num">
-                                      <p:cBhvr additive="base">
-                                        <p:cTn id="32" dur="500" fill="hold"/>
-                                        <p:tgtEl>
-                                          <p:spTgt spid="6"/>
-                                        </p:tgtEl>
-                                        <p:attrNameLst>
-                                          <p:attrName>ppt_y</p:attrName>
-                                        </p:attrNameLst>
-                                      </p:cBhvr>
-                                      <p:tavLst>
-                                        <p:tav tm="0">
-                                          <p:val>
-                                            <p:strVal val="1+#ppt_h/2"/>
-                                          </p:val>
-                                        </p:tav>
-                                        <p:tav tm="100000">
-                                          <p:val>
-                                            <p:strVal val="#ppt_y"/>
-                                          </p:val>
-                                        </p:tav>
-                                      </p:tavLst>
-                                    </p:anim>
-                                  </p:childTnLst>
-                                </p:cTn>
-                              </p:par>
-                            </p:childTnLst>
-                          </p:cTn>
-                        </p:par>
-                      </p:childTnLst>
-                    </p:cTn>
-                  </p:par>
                 </p:childTnLst>
               </p:cTn>
               <p:prevCondLst>
@@ -13028,97 +12937,6 @@
                                         <p:cTn id="26" dur="500" fill="hold"/>
                                         <p:tgtEl>
                                           <p:spTgt spid="24"/>
-                                        </p:tgtEl>
-                                        <p:attrNameLst>
-                                          <p:attrName>ppt_y</p:attrName>
-                                        </p:attrNameLst>
-                                      </p:cBhvr>
-                                      <p:tavLst>
-                                        <p:tav tm="0">
-                                          <p:val>
-                                            <p:strVal val="1+#ppt_h/2"/>
-                                          </p:val>
-                                        </p:tav>
-                                        <p:tav tm="100000">
-                                          <p:val>
-                                            <p:strVal val="#ppt_y"/>
-                                          </p:val>
-                                        </p:tav>
-                                      </p:tavLst>
-                                    </p:anim>
-                                  </p:childTnLst>
-                                </p:cTn>
-                              </p:par>
-                            </p:childTnLst>
-                          </p:cTn>
-                        </p:par>
-                      </p:childTnLst>
-                    </p:cTn>
-                  </p:par>
-                  <p:par>
-                    <p:cTn id="27" fill="hold">
-                      <p:stCondLst>
-                        <p:cond delay="indefinite"/>
-                      </p:stCondLst>
-                      <p:childTnLst>
-                        <p:par>
-                          <p:cTn id="28" fill="hold">
-                            <p:stCondLst>
-                              <p:cond delay="0"/>
-                            </p:stCondLst>
-                            <p:childTnLst>
-                              <p:par>
-                                <p:cTn id="29" presetID="2" presetClass="entr" presetSubtype="4" fill="hold" nodeType="clickEffect">
-                                  <p:stCondLst>
-                                    <p:cond delay="0"/>
-                                  </p:stCondLst>
-                                  <p:childTnLst>
-                                    <p:set>
-                                      <p:cBhvr>
-                                        <p:cTn id="30" dur="1" fill="hold">
-                                          <p:stCondLst>
-                                            <p:cond delay="0"/>
-                                          </p:stCondLst>
-                                        </p:cTn>
-                                        <p:tgtEl>
-                                          <p:spTgt spid="27"/>
-                                        </p:tgtEl>
-                                        <p:attrNameLst>
-                                          <p:attrName>style.visibility</p:attrName>
-                                        </p:attrNameLst>
-                                      </p:cBhvr>
-                                      <p:to>
-                                        <p:strVal val="visible"/>
-                                      </p:to>
-                                    </p:set>
-                                    <p:anim calcmode="lin" valueType="num">
-                                      <p:cBhvr additive="base">
-                                        <p:cTn id="31" dur="500" fill="hold"/>
-                                        <p:tgtEl>
-                                          <p:spTgt spid="27"/>
-                                        </p:tgtEl>
-                                        <p:attrNameLst>
-                                          <p:attrName>ppt_x</p:attrName>
-                                        </p:attrNameLst>
-                                      </p:cBhvr>
-                                      <p:tavLst>
-                                        <p:tav tm="0">
-                                          <p:val>
-                                            <p:strVal val="#ppt_x"/>
-                                          </p:val>
-                                        </p:tav>
-                                        <p:tav tm="100000">
-                                          <p:val>
-                                            <p:strVal val="#ppt_x"/>
-                                          </p:val>
-                                        </p:tav>
-                                      </p:tavLst>
-                                    </p:anim>
-                                    <p:anim calcmode="lin" valueType="num">
-                                      <p:cBhvr additive="base">
-                                        <p:cTn id="32" dur="500" fill="hold"/>
-                                        <p:tgtEl>
-                                          <p:spTgt spid="27"/>
                                         </p:tgtEl>
                                         <p:attrNameLst>
                                           <p:attrName>ppt_y</p:attrName>
